--- a/docs/micro stack arch.pptx
+++ b/docs/micro stack arch.pptx
@@ -5,7 +5,8 @@
     <p:sldMasterId id="2147483648" r:id="rId1"/>
   </p:sldMasterIdLst>
   <p:sldIdLst>
-    <p:sldId id="256" r:id="rId2"/>
+    <p:sldId id="257" r:id="rId2"/>
+    <p:sldId id="256" r:id="rId3"/>
   </p:sldIdLst>
   <p:sldSz cx="12192000" cy="6858000"/>
   <p:notesSz cx="6858000" cy="9144000"/>
@@ -104,6 +105,11 @@
       </a:defRPr>
     </a:lvl9pPr>
   </p:defaultTextStyle>
+  <p:extLst>
+    <p:ext uri="{EFAFB233-063F-42B5-8137-9DF3F51BA10A}">
+      <p15:sldGuideLst xmlns:p15="http://schemas.microsoft.com/office/powerpoint/2012/main"/>
+    </p:ext>
+  </p:extLst>
 </p:presentation>
 </file>
 
@@ -255,7 +261,7 @@
           <a:lstStyle/>
           <a:p>
             <a:fld id="{AB68BACD-CDB7-184A-B9FA-3F4F222A51F6}" type="datetimeFigureOut">
-              <a:t>11/28/24</a:t>
+              <a:t>29/11/2024</a:t>
             </a:fld>
             <a:endParaRPr lang="en-US"/>
           </a:p>
@@ -453,7 +459,7 @@
           <a:lstStyle/>
           <a:p>
             <a:fld id="{AB68BACD-CDB7-184A-B9FA-3F4F222A51F6}" type="datetimeFigureOut">
-              <a:t>11/28/24</a:t>
+              <a:t>29/11/2024</a:t>
             </a:fld>
             <a:endParaRPr lang="en-US"/>
           </a:p>
@@ -661,7 +667,7 @@
           <a:lstStyle/>
           <a:p>
             <a:fld id="{AB68BACD-CDB7-184A-B9FA-3F4F222A51F6}" type="datetimeFigureOut">
-              <a:t>11/28/24</a:t>
+              <a:t>29/11/2024</a:t>
             </a:fld>
             <a:endParaRPr lang="en-US"/>
           </a:p>
@@ -859,7 +865,7 @@
           <a:lstStyle/>
           <a:p>
             <a:fld id="{AB68BACD-CDB7-184A-B9FA-3F4F222A51F6}" type="datetimeFigureOut">
-              <a:t>11/28/24</a:t>
+              <a:t>29/11/2024</a:t>
             </a:fld>
             <a:endParaRPr lang="en-US"/>
           </a:p>
@@ -1133,7 +1139,7 @@
           <a:lstStyle/>
           <a:p>
             <a:fld id="{AB68BACD-CDB7-184A-B9FA-3F4F222A51F6}" type="datetimeFigureOut">
-              <a:t>11/28/24</a:t>
+              <a:t>29/11/2024</a:t>
             </a:fld>
             <a:endParaRPr lang="en-US"/>
           </a:p>
@@ -1399,7 +1405,7 @@
           <a:lstStyle/>
           <a:p>
             <a:fld id="{AB68BACD-CDB7-184A-B9FA-3F4F222A51F6}" type="datetimeFigureOut">
-              <a:t>11/28/24</a:t>
+              <a:t>29/11/2024</a:t>
             </a:fld>
             <a:endParaRPr lang="en-US"/>
           </a:p>
@@ -1812,7 +1818,7 @@
           <a:lstStyle/>
           <a:p>
             <a:fld id="{AB68BACD-CDB7-184A-B9FA-3F4F222A51F6}" type="datetimeFigureOut">
-              <a:t>11/28/24</a:t>
+              <a:t>29/11/2024</a:t>
             </a:fld>
             <a:endParaRPr lang="en-US"/>
           </a:p>
@@ -1952,7 +1958,7 @@
           <a:lstStyle/>
           <a:p>
             <a:fld id="{AB68BACD-CDB7-184A-B9FA-3F4F222A51F6}" type="datetimeFigureOut">
-              <a:t>11/28/24</a:t>
+              <a:t>29/11/2024</a:t>
             </a:fld>
             <a:endParaRPr lang="en-US"/>
           </a:p>
@@ -2063,7 +2069,7 @@
           <a:lstStyle/>
           <a:p>
             <a:fld id="{AB68BACD-CDB7-184A-B9FA-3F4F222A51F6}" type="datetimeFigureOut">
-              <a:t>11/28/24</a:t>
+              <a:t>29/11/2024</a:t>
             </a:fld>
             <a:endParaRPr lang="en-US"/>
           </a:p>
@@ -2374,7 +2380,7 @@
           <a:lstStyle/>
           <a:p>
             <a:fld id="{AB68BACD-CDB7-184A-B9FA-3F4F222A51F6}" type="datetimeFigureOut">
-              <a:t>11/28/24</a:t>
+              <a:t>29/11/2024</a:t>
             </a:fld>
             <a:endParaRPr lang="en-US"/>
           </a:p>
@@ -2661,7 +2667,7 @@
           <a:lstStyle/>
           <a:p>
             <a:fld id="{AB68BACD-CDB7-184A-B9FA-3F4F222A51F6}" type="datetimeFigureOut">
-              <a:t>11/28/24</a:t>
+              <a:t>29/11/2024</a:t>
             </a:fld>
             <a:endParaRPr lang="en-US"/>
           </a:p>
@@ -2902,7 +2908,7 @@
           </a:lstStyle>
           <a:p>
             <a:fld id="{AB68BACD-CDB7-184A-B9FA-3F4F222A51F6}" type="datetimeFigureOut">
-              <a:t>11/28/24</a:t>
+              <a:t>29/11/2024</a:t>
             </a:fld>
             <a:endParaRPr lang="en-US"/>
           </a:p>
@@ -3320,10 +3326,10 @@
       </p:grpSpPr>
       <p:sp>
         <p:nvSpPr>
-          <p:cNvPr id="4" name="Oval 3">
-            <a:extLst>
-              <a:ext uri="{FF2B5EF4-FFF2-40B4-BE49-F238E27FC236}">
-                <a16:creationId xmlns:a16="http://schemas.microsoft.com/office/drawing/2014/main" id="{747B5D1E-D1E2-880B-AF66-FBDC7FD6FAFB}"/>
+          <p:cNvPr id="2" name="Oval 1">
+            <a:extLst>
+              <a:ext uri="{FF2B5EF4-FFF2-40B4-BE49-F238E27FC236}">
+                <a16:creationId xmlns:a16="http://schemas.microsoft.com/office/drawing/2014/main" id="{F3474627-9EB7-DDE2-DF9B-0C97C6A56614}"/>
               </a:ext>
             </a:extLst>
           </p:cNvPr>
@@ -3332,7 +3338,7 @@
         </p:nvSpPr>
         <p:spPr>
           <a:xfrm>
-            <a:off x="286576" y="3028570"/>
+            <a:off x="1588843" y="3583915"/>
             <a:ext cx="3567792" cy="1522794"/>
           </a:xfrm>
           <a:prstGeom prst="ellipse">
@@ -3370,17 +3376,17 @@
             <a:pPr algn="ctr"/>
             <a:r>
               <a:rPr lang="en-US"/>
-              <a:t>Back stage</a:t>
-            </a:r>
-          </a:p>
-        </p:txBody>
-      </p:sp>
-      <p:sp>
-        <p:nvSpPr>
-          <p:cNvPr id="5" name="Oval 4">
-            <a:extLst>
-              <a:ext uri="{FF2B5EF4-FFF2-40B4-BE49-F238E27FC236}">
-                <a16:creationId xmlns:a16="http://schemas.microsoft.com/office/drawing/2014/main" id="{F94CB44C-1D68-6799-755A-B32AAE8AC6AA}"/>
+              <a:t>stage</a:t>
+            </a:r>
+          </a:p>
+        </p:txBody>
+      </p:sp>
+      <p:sp>
+        <p:nvSpPr>
+          <p:cNvPr id="4" name="Oval 3">
+            <a:extLst>
+              <a:ext uri="{FF2B5EF4-FFF2-40B4-BE49-F238E27FC236}">
+                <a16:creationId xmlns:a16="http://schemas.microsoft.com/office/drawing/2014/main" id="{5DDEBD01-71AE-9D14-9DF6-B33CCCDD9B77}"/>
               </a:ext>
             </a:extLst>
           </p:cNvPr>
@@ -3389,8 +3395,8 @@
         </p:nvSpPr>
         <p:spPr>
           <a:xfrm>
-            <a:off x="6699746" y="719039"/>
-            <a:ext cx="3372629" cy="1633270"/>
+            <a:off x="7980722" y="4851733"/>
+            <a:ext cx="1615433" cy="1463662"/>
           </a:xfrm>
           <a:prstGeom prst="ellipse">
             <a:avLst/>
@@ -3427,17 +3433,183 @@
             <a:pPr algn="ctr"/>
             <a:r>
               <a:rPr lang="en-US"/>
-              <a:t>Front stage</a:t>
-            </a:r>
-          </a:p>
-        </p:txBody>
-      </p:sp>
-      <p:sp>
-        <p:nvSpPr>
-          <p:cNvPr id="6" name="Oval 5">
-            <a:extLst>
-              <a:ext uri="{FF2B5EF4-FFF2-40B4-BE49-F238E27FC236}">
-                <a16:creationId xmlns:a16="http://schemas.microsoft.com/office/drawing/2014/main" id="{EB63504E-1E36-8FE2-E039-E0DB9FD5B0F6}"/>
+              <a:t>database</a:t>
+            </a:r>
+          </a:p>
+        </p:txBody>
+      </p:sp>
+      <p:cxnSp>
+        <p:nvCxnSpPr>
+          <p:cNvPr id="25" name="Curved Connector 24">
+            <a:extLst>
+              <a:ext uri="{FF2B5EF4-FFF2-40B4-BE49-F238E27FC236}">
+                <a16:creationId xmlns:a16="http://schemas.microsoft.com/office/drawing/2014/main" id="{33449B9F-EEC8-FF11-CE6F-B9388E2075C3}"/>
+              </a:ext>
+            </a:extLst>
+          </p:cNvPr>
+          <p:cNvCxnSpPr>
+            <a:cxnSpLocks/>
+            <a:stCxn id="24" idx="0"/>
+            <a:endCxn id="27" idx="1"/>
+          </p:cNvCxnSpPr>
+          <p:nvPr/>
+        </p:nvCxnSpPr>
+        <p:spPr>
+          <a:xfrm rot="16200000" flipH="1">
+            <a:off x="4342418" y="-1248466"/>
+            <a:ext cx="146524" cy="3599840"/>
+          </a:xfrm>
+          <a:prstGeom prst="curvedConnector3">
+            <a:avLst>
+              <a:gd name="adj1" fmla="val -167807"/>
+            </a:avLst>
+          </a:prstGeom>
+          <a:ln>
+            <a:tailEnd type="triangle"/>
+          </a:ln>
+        </p:spPr>
+        <p:style>
+          <a:lnRef idx="2">
+            <a:schemeClr val="accent1"/>
+          </a:lnRef>
+          <a:fillRef idx="0">
+            <a:schemeClr val="accent1"/>
+          </a:fillRef>
+          <a:effectRef idx="1">
+            <a:schemeClr val="accent1"/>
+          </a:effectRef>
+          <a:fontRef idx="minor">
+            <a:schemeClr val="tx1"/>
+          </a:fontRef>
+        </p:style>
+      </p:cxnSp>
+      <p:sp>
+        <p:nvSpPr>
+          <p:cNvPr id="26" name="TextBox 25">
+            <a:extLst>
+              <a:ext uri="{FF2B5EF4-FFF2-40B4-BE49-F238E27FC236}">
+                <a16:creationId xmlns:a16="http://schemas.microsoft.com/office/drawing/2014/main" id="{EDA306B0-949E-FCE9-77AB-908AA3CE2B35}"/>
+              </a:ext>
+            </a:extLst>
+          </p:cNvPr>
+          <p:cNvSpPr txBox="1"/>
+          <p:nvPr/>
+        </p:nvSpPr>
+        <p:spPr>
+          <a:xfrm>
+            <a:off x="3863043" y="232600"/>
+            <a:ext cx="956900" cy="369332"/>
+          </a:xfrm>
+          <a:prstGeom prst="rect">
+            <a:avLst/>
+          </a:prstGeom>
+          <a:noFill/>
+          <a:ln w="9525" cap="flat" cmpd="sng" algn="ctr">
+            <a:noFill/>
+            <a:prstDash val="solid"/>
+            <a:round/>
+            <a:headEnd type="none" w="med" len="med"/>
+            <a:tailEnd type="none" w="med" len="med"/>
+          </a:ln>
+        </p:spPr>
+        <p:style>
+          <a:lnRef idx="0">
+            <a:scrgbClr r="0" g="0" b="0"/>
+          </a:lnRef>
+          <a:fillRef idx="0">
+            <a:scrgbClr r="0" g="0" b="0"/>
+          </a:fillRef>
+          <a:effectRef idx="0">
+            <a:scrgbClr r="0" g="0" b="0"/>
+          </a:effectRef>
+          <a:fontRef idx="minor">
+            <a:schemeClr val="accent1"/>
+          </a:fontRef>
+        </p:style>
+        <p:txBody>
+          <a:bodyPr rtlCol="0" anchor="ctr"/>
+          <a:lstStyle>
+            <a:defPPr>
+              <a:defRPr lang="en-FR"/>
+            </a:defPPr>
+            <a:lvl1pPr algn="ctr">
+              <a:defRPr>
+                <a:solidFill>
+                  <a:schemeClr val="accent1"/>
+                </a:solidFill>
+              </a:defRPr>
+            </a:lvl1pPr>
+            <a:lvl2pPr>
+              <a:defRPr>
+                <a:solidFill>
+                  <a:schemeClr val="accent1"/>
+                </a:solidFill>
+              </a:defRPr>
+            </a:lvl2pPr>
+            <a:lvl3pPr>
+              <a:defRPr>
+                <a:solidFill>
+                  <a:schemeClr val="accent1"/>
+                </a:solidFill>
+              </a:defRPr>
+            </a:lvl3pPr>
+            <a:lvl4pPr>
+              <a:defRPr>
+                <a:solidFill>
+                  <a:schemeClr val="accent1"/>
+                </a:solidFill>
+              </a:defRPr>
+            </a:lvl4pPr>
+            <a:lvl5pPr>
+              <a:defRPr>
+                <a:solidFill>
+                  <a:schemeClr val="accent1"/>
+                </a:solidFill>
+              </a:defRPr>
+            </a:lvl5pPr>
+            <a:lvl6pPr>
+              <a:defRPr>
+                <a:solidFill>
+                  <a:schemeClr val="accent1"/>
+                </a:solidFill>
+              </a:defRPr>
+            </a:lvl6pPr>
+            <a:lvl7pPr>
+              <a:defRPr>
+                <a:solidFill>
+                  <a:schemeClr val="accent1"/>
+                </a:solidFill>
+              </a:defRPr>
+            </a:lvl7pPr>
+            <a:lvl8pPr>
+              <a:defRPr>
+                <a:solidFill>
+                  <a:schemeClr val="accent1"/>
+                </a:solidFill>
+              </a:defRPr>
+            </a:lvl8pPr>
+            <a:lvl9pPr>
+              <a:defRPr>
+                <a:solidFill>
+                  <a:schemeClr val="accent1"/>
+                </a:solidFill>
+              </a:defRPr>
+            </a:lvl9pPr>
+          </a:lstStyle>
+          <a:p>
+            <a:r>
+              <a:rPr lang="en-US" sz="1400"/>
+              <a:t>1</a:t>
+            </a:r>
+          </a:p>
+        </p:txBody>
+      </p:sp>
+      <p:sp>
+        <p:nvSpPr>
+          <p:cNvPr id="27" name="Oval 26">
+            <a:extLst>
+              <a:ext uri="{FF2B5EF4-FFF2-40B4-BE49-F238E27FC236}">
+                <a16:creationId xmlns:a16="http://schemas.microsoft.com/office/drawing/2014/main" id="{98EA5C97-34A7-2F41-E59E-8E8E1FF508CF}"/>
               </a:ext>
             </a:extLst>
           </p:cNvPr>
@@ -3446,8 +3618,8 @@
         </p:nvSpPr>
         <p:spPr>
           <a:xfrm>
-            <a:off x="7592603" y="4654435"/>
-            <a:ext cx="3554858" cy="1766736"/>
+            <a:off x="5646198" y="460914"/>
+            <a:ext cx="3888117" cy="1118507"/>
           </a:xfrm>
           <a:prstGeom prst="ellipse">
             <a:avLst/>
@@ -3484,17 +3656,17 @@
             <a:pPr algn="ctr"/>
             <a:r>
               <a:rPr lang="en-US"/>
-              <a:t>database</a:t>
-            </a:r>
-          </a:p>
-        </p:txBody>
-      </p:sp>
-      <p:sp>
-        <p:nvSpPr>
-          <p:cNvPr id="9" name="Rectangle 8">
-            <a:extLst>
-              <a:ext uri="{FF2B5EF4-FFF2-40B4-BE49-F238E27FC236}">
-                <a16:creationId xmlns:a16="http://schemas.microsoft.com/office/drawing/2014/main" id="{DA0DFFD7-F2E9-25CC-7E0A-F75883ADE12C}"/>
+              <a:t>Ng</a:t>
+            </a:r>
+          </a:p>
+        </p:txBody>
+      </p:sp>
+      <p:sp>
+        <p:nvSpPr>
+          <p:cNvPr id="54" name="Freeform 53">
+            <a:extLst>
+              <a:ext uri="{FF2B5EF4-FFF2-40B4-BE49-F238E27FC236}">
+                <a16:creationId xmlns:a16="http://schemas.microsoft.com/office/drawing/2014/main" id="{B185C30D-4510-2E65-746C-CEF16722B64B}"/>
               </a:ext>
             </a:extLst>
           </p:cNvPr>
@@ -3503,2749 +3675,8 @@
         </p:nvSpPr>
         <p:spPr>
           <a:xfrm>
-            <a:off x="241932" y="6178873"/>
-            <a:ext cx="998587" cy="484596"/>
-          </a:xfrm>
-          <a:prstGeom prst="rect">
-            <a:avLst/>
-          </a:prstGeom>
-          <a:noFill/>
-          <a:ln w="9525" cap="flat" cmpd="sng" algn="ctr">
-            <a:solidFill>
-              <a:schemeClr val="accent1"/>
-            </a:solidFill>
-            <a:prstDash val="solid"/>
-            <a:round/>
-            <a:headEnd type="none" w="med" len="med"/>
-            <a:tailEnd type="none" w="med" len="med"/>
-          </a:ln>
-        </p:spPr>
-        <p:style>
-          <a:lnRef idx="0">
-            <a:scrgbClr r="0" g="0" b="0"/>
-          </a:lnRef>
-          <a:fillRef idx="0">
-            <a:scrgbClr r="0" g="0" b="0"/>
-          </a:fillRef>
-          <a:effectRef idx="0">
-            <a:scrgbClr r="0" g="0" b="0"/>
-          </a:effectRef>
-          <a:fontRef idx="minor">
-            <a:schemeClr val="accent1"/>
-          </a:fontRef>
-        </p:style>
-        <p:txBody>
-          <a:bodyPr rtlCol="0" anchor="ctr"/>
-          <a:lstStyle/>
-          <a:p>
-            <a:pPr algn="ctr"/>
-            <a:r>
-              <a:rPr lang="en-US"/>
-              <a:t>Foo</a:t>
-            </a:r>
-          </a:p>
-        </p:txBody>
-      </p:sp>
-      <p:sp>
-        <p:nvSpPr>
-          <p:cNvPr id="10" name="Rectangle 9">
-            <a:extLst>
-              <a:ext uri="{FF2B5EF4-FFF2-40B4-BE49-F238E27FC236}">
-                <a16:creationId xmlns:a16="http://schemas.microsoft.com/office/drawing/2014/main" id="{982B0EF3-3F31-08BA-94B0-60491C5589CB}"/>
-              </a:ext>
-            </a:extLst>
-          </p:cNvPr>
-          <p:cNvSpPr/>
-          <p:nvPr/>
-        </p:nvSpPr>
-        <p:spPr>
-          <a:xfrm>
-            <a:off x="1976842" y="6178873"/>
-            <a:ext cx="998587" cy="484596"/>
-          </a:xfrm>
-          <a:prstGeom prst="rect">
-            <a:avLst/>
-          </a:prstGeom>
-          <a:noFill/>
-          <a:ln w="9525" cap="flat" cmpd="sng" algn="ctr">
-            <a:solidFill>
-              <a:schemeClr val="accent1"/>
-            </a:solidFill>
-            <a:prstDash val="solid"/>
-            <a:round/>
-            <a:headEnd type="none" w="med" len="med"/>
-            <a:tailEnd type="none" w="med" len="med"/>
-          </a:ln>
-        </p:spPr>
-        <p:style>
-          <a:lnRef idx="0">
-            <a:scrgbClr r="0" g="0" b="0"/>
-          </a:lnRef>
-          <a:fillRef idx="0">
-            <a:scrgbClr r="0" g="0" b="0"/>
-          </a:fillRef>
-          <a:effectRef idx="0">
-            <a:scrgbClr r="0" g="0" b="0"/>
-          </a:effectRef>
-          <a:fontRef idx="minor">
-            <a:schemeClr val="accent1"/>
-          </a:fontRef>
-        </p:style>
-        <p:txBody>
-          <a:bodyPr rtlCol="0" anchor="ctr"/>
-          <a:lstStyle/>
-          <a:p>
-            <a:pPr algn="ctr"/>
-            <a:r>
-              <a:rPr lang="en-US"/>
-              <a:t>Bar</a:t>
-            </a:r>
-          </a:p>
-        </p:txBody>
-      </p:sp>
-      <p:cxnSp>
-        <p:nvCxnSpPr>
-          <p:cNvPr id="12" name="Straight Arrow Connector 11">
-            <a:extLst>
-              <a:ext uri="{FF2B5EF4-FFF2-40B4-BE49-F238E27FC236}">
-                <a16:creationId xmlns:a16="http://schemas.microsoft.com/office/drawing/2014/main" id="{8DB7FCCC-318B-6A4A-4C44-5E32C96F30DF}"/>
-              </a:ext>
-            </a:extLst>
-          </p:cNvPr>
-          <p:cNvCxnSpPr>
-            <a:stCxn id="9" idx="3"/>
-            <a:endCxn id="10" idx="1"/>
-          </p:cNvCxnSpPr>
-          <p:nvPr/>
-        </p:nvCxnSpPr>
-        <p:spPr>
-          <a:xfrm>
-            <a:off x="1240519" y="6421171"/>
-            <a:ext cx="736323" cy="0"/>
-          </a:xfrm>
-          <a:prstGeom prst="straightConnector1">
-            <a:avLst/>
-          </a:prstGeom>
-          <a:ln>
-            <a:tailEnd type="triangle"/>
-          </a:ln>
-        </p:spPr>
-        <p:style>
-          <a:lnRef idx="2">
-            <a:schemeClr val="accent1"/>
-          </a:lnRef>
-          <a:fillRef idx="0">
-            <a:schemeClr val="accent1"/>
-          </a:fillRef>
-          <a:effectRef idx="1">
-            <a:schemeClr val="accent1"/>
-          </a:effectRef>
-          <a:fontRef idx="minor">
-            <a:schemeClr val="tx1"/>
-          </a:fontRef>
-        </p:style>
-      </p:cxnSp>
-      <p:sp>
-        <p:nvSpPr>
-          <p:cNvPr id="14" name="TextBox 13">
-            <a:extLst>
-              <a:ext uri="{FF2B5EF4-FFF2-40B4-BE49-F238E27FC236}">
-                <a16:creationId xmlns:a16="http://schemas.microsoft.com/office/drawing/2014/main" id="{90519001-D291-DA51-28A7-8D59DB1622A8}"/>
-              </a:ext>
-            </a:extLst>
-          </p:cNvPr>
-          <p:cNvSpPr txBox="1"/>
-          <p:nvPr/>
-        </p:nvSpPr>
-        <p:spPr>
-          <a:xfrm>
-            <a:off x="1457049" y="6075950"/>
-            <a:ext cx="609366" cy="371558"/>
-          </a:xfrm>
-          <a:prstGeom prst="rect">
-            <a:avLst/>
-          </a:prstGeom>
-          <a:noFill/>
-          <a:ln w="9525" cap="flat" cmpd="sng" algn="ctr">
-            <a:noFill/>
-            <a:prstDash val="solid"/>
-            <a:round/>
-            <a:headEnd type="none" w="med" len="med"/>
-            <a:tailEnd type="none" w="med" len="med"/>
-          </a:ln>
-        </p:spPr>
-        <p:style>
-          <a:lnRef idx="0">
-            <a:scrgbClr r="0" g="0" b="0"/>
-          </a:lnRef>
-          <a:fillRef idx="0">
-            <a:scrgbClr r="0" g="0" b="0"/>
-          </a:fillRef>
-          <a:effectRef idx="0">
-            <a:scrgbClr r="0" g="0" b="0"/>
-          </a:effectRef>
-          <a:fontRef idx="minor">
-            <a:schemeClr val="accent1"/>
-          </a:fontRef>
-        </p:style>
-        <p:txBody>
-          <a:bodyPr rtlCol="0" anchor="ctr"/>
-          <a:lstStyle>
-            <a:defPPr>
-              <a:defRPr lang="en-FR"/>
-            </a:defPPr>
-            <a:lvl1pPr algn="ctr">
-              <a:defRPr>
-                <a:solidFill>
-                  <a:schemeClr val="accent1"/>
-                </a:solidFill>
-              </a:defRPr>
-            </a:lvl1pPr>
-            <a:lvl2pPr>
-              <a:defRPr>
-                <a:solidFill>
-                  <a:schemeClr val="accent1"/>
-                </a:solidFill>
-              </a:defRPr>
-            </a:lvl2pPr>
-            <a:lvl3pPr>
-              <a:defRPr>
-                <a:solidFill>
-                  <a:schemeClr val="accent1"/>
-                </a:solidFill>
-              </a:defRPr>
-            </a:lvl3pPr>
-            <a:lvl4pPr>
-              <a:defRPr>
-                <a:solidFill>
-                  <a:schemeClr val="accent1"/>
-                </a:solidFill>
-              </a:defRPr>
-            </a:lvl4pPr>
-            <a:lvl5pPr>
-              <a:defRPr>
-                <a:solidFill>
-                  <a:schemeClr val="accent1"/>
-                </a:solidFill>
-              </a:defRPr>
-            </a:lvl5pPr>
-            <a:lvl6pPr>
-              <a:defRPr>
-                <a:solidFill>
-                  <a:schemeClr val="accent1"/>
-                </a:solidFill>
-              </a:defRPr>
-            </a:lvl6pPr>
-            <a:lvl7pPr>
-              <a:defRPr>
-                <a:solidFill>
-                  <a:schemeClr val="accent1"/>
-                </a:solidFill>
-              </a:defRPr>
-            </a:lvl7pPr>
-            <a:lvl8pPr>
-              <a:defRPr>
-                <a:solidFill>
-                  <a:schemeClr val="accent1"/>
-                </a:solidFill>
-              </a:defRPr>
-            </a:lvl8pPr>
-            <a:lvl9pPr>
-              <a:defRPr>
-                <a:solidFill>
-                  <a:schemeClr val="accent1"/>
-                </a:solidFill>
-              </a:defRPr>
-            </a:lvl9pPr>
-          </a:lstStyle>
-          <a:p>
-            <a:r>
-              <a:rPr lang="en-US" sz="1400"/>
-              <a:t>0..1</a:t>
-            </a:r>
-          </a:p>
-        </p:txBody>
-      </p:sp>
-      <p:sp>
-        <p:nvSpPr>
-          <p:cNvPr id="16" name="Rounded Rectangle 15">
-            <a:extLst>
-              <a:ext uri="{FF2B5EF4-FFF2-40B4-BE49-F238E27FC236}">
-                <a16:creationId xmlns:a16="http://schemas.microsoft.com/office/drawing/2014/main" id="{F7247B2E-CDE5-3B45-4165-21CDE953DF80}"/>
-              </a:ext>
-            </a:extLst>
-          </p:cNvPr>
-          <p:cNvSpPr/>
-          <p:nvPr/>
-        </p:nvSpPr>
-        <p:spPr>
-          <a:xfrm>
-            <a:off x="902980" y="3263697"/>
-            <a:ext cx="828675" cy="326571"/>
-          </a:xfrm>
-          <a:prstGeom prst="roundRect">
-            <a:avLst/>
-          </a:prstGeom>
-          <a:noFill/>
-          <a:ln w="9525" cap="flat" cmpd="sng" algn="ctr">
-            <a:solidFill>
-              <a:schemeClr val="accent4"/>
-            </a:solidFill>
-            <a:prstDash val="solid"/>
-            <a:round/>
-            <a:headEnd type="none" w="med" len="med"/>
-            <a:tailEnd type="none" w="med" len="med"/>
-          </a:ln>
-        </p:spPr>
-        <p:style>
-          <a:lnRef idx="0">
-            <a:scrgbClr r="0" g="0" b="0"/>
-          </a:lnRef>
-          <a:fillRef idx="0">
-            <a:scrgbClr r="0" g="0" b="0"/>
-          </a:fillRef>
-          <a:effectRef idx="0">
-            <a:scrgbClr r="0" g="0" b="0"/>
-          </a:effectRef>
-          <a:fontRef idx="minor">
-            <a:schemeClr val="accent4"/>
-          </a:fontRef>
-        </p:style>
-        <p:txBody>
-          <a:bodyPr rtlCol="0" anchor="ctr"/>
-          <a:lstStyle/>
-          <a:p>
-            <a:pPr algn="ctr"/>
-            <a:r>
-              <a:rPr lang="en-US"/>
-              <a:t>Foo:1</a:t>
-            </a:r>
-          </a:p>
-        </p:txBody>
-      </p:sp>
-      <p:sp>
-        <p:nvSpPr>
-          <p:cNvPr id="17" name="Rounded Rectangle 16">
-            <a:extLst>
-              <a:ext uri="{FF2B5EF4-FFF2-40B4-BE49-F238E27FC236}">
-                <a16:creationId xmlns:a16="http://schemas.microsoft.com/office/drawing/2014/main" id="{F6F018C6-CBEE-E031-D10F-76673E5199DF}"/>
-              </a:ext>
-            </a:extLst>
-          </p:cNvPr>
-          <p:cNvSpPr/>
-          <p:nvPr/>
-        </p:nvSpPr>
-        <p:spPr>
-          <a:xfrm>
-            <a:off x="902979" y="3667828"/>
-            <a:ext cx="828675" cy="326571"/>
-          </a:xfrm>
-          <a:prstGeom prst="roundRect">
-            <a:avLst/>
-          </a:prstGeom>
-          <a:noFill/>
-          <a:ln w="9525" cap="flat" cmpd="sng" algn="ctr">
-            <a:solidFill>
-              <a:schemeClr val="accent4"/>
-            </a:solidFill>
-            <a:prstDash val="solid"/>
-            <a:round/>
-            <a:headEnd type="none" w="med" len="med"/>
-            <a:tailEnd type="none" w="med" len="med"/>
-          </a:ln>
-        </p:spPr>
-        <p:style>
-          <a:lnRef idx="0">
-            <a:scrgbClr r="0" g="0" b="0"/>
-          </a:lnRef>
-          <a:fillRef idx="0">
-            <a:scrgbClr r="0" g="0" b="0"/>
-          </a:fillRef>
-          <a:effectRef idx="0">
-            <a:scrgbClr r="0" g="0" b="0"/>
-          </a:effectRef>
-          <a:fontRef idx="minor">
-            <a:schemeClr val="accent4"/>
-          </a:fontRef>
-        </p:style>
-        <p:txBody>
-          <a:bodyPr rtlCol="0" anchor="ctr"/>
-          <a:lstStyle/>
-          <a:p>
-            <a:pPr algn="ctr"/>
-            <a:r>
-              <a:rPr lang="en-US"/>
-              <a:t>Foo:2</a:t>
-            </a:r>
-          </a:p>
-        </p:txBody>
-      </p:sp>
-      <p:sp>
-        <p:nvSpPr>
-          <p:cNvPr id="18" name="Rounded Rectangle 17">
-            <a:extLst>
-              <a:ext uri="{FF2B5EF4-FFF2-40B4-BE49-F238E27FC236}">
-                <a16:creationId xmlns:a16="http://schemas.microsoft.com/office/drawing/2014/main" id="{B1B45DBF-9D87-D71D-1353-1519D14117F2}"/>
-              </a:ext>
-            </a:extLst>
-          </p:cNvPr>
-          <p:cNvSpPr/>
-          <p:nvPr/>
-        </p:nvSpPr>
-        <p:spPr>
-          <a:xfrm>
-            <a:off x="2307921" y="3263696"/>
-            <a:ext cx="828675" cy="326571"/>
-          </a:xfrm>
-          <a:prstGeom prst="roundRect">
-            <a:avLst/>
-          </a:prstGeom>
-          <a:noFill/>
-          <a:ln w="9525" cap="flat" cmpd="sng" algn="ctr">
-            <a:solidFill>
-              <a:schemeClr val="accent4"/>
-            </a:solidFill>
-            <a:prstDash val="solid"/>
-            <a:round/>
-            <a:headEnd type="none" w="med" len="med"/>
-            <a:tailEnd type="none" w="med" len="med"/>
-          </a:ln>
-        </p:spPr>
-        <p:style>
-          <a:lnRef idx="0">
-            <a:scrgbClr r="0" g="0" b="0"/>
-          </a:lnRef>
-          <a:fillRef idx="0">
-            <a:scrgbClr r="0" g="0" b="0"/>
-          </a:fillRef>
-          <a:effectRef idx="0">
-            <a:scrgbClr r="0" g="0" b="0"/>
-          </a:effectRef>
-          <a:fontRef idx="minor">
-            <a:schemeClr val="accent4"/>
-          </a:fontRef>
-        </p:style>
-        <p:txBody>
-          <a:bodyPr rtlCol="0" anchor="ctr"/>
-          <a:lstStyle/>
-          <a:p>
-            <a:pPr algn="ctr"/>
-            <a:r>
-              <a:rPr lang="en-US"/>
-              <a:t>Bar:1</a:t>
-            </a:r>
-          </a:p>
-        </p:txBody>
-      </p:sp>
-      <p:cxnSp>
-        <p:nvCxnSpPr>
-          <p:cNvPr id="20" name="Straight Arrow Connector 19">
-            <a:extLst>
-              <a:ext uri="{FF2B5EF4-FFF2-40B4-BE49-F238E27FC236}">
-                <a16:creationId xmlns:a16="http://schemas.microsoft.com/office/drawing/2014/main" id="{45D684CD-032B-F6BD-9774-0090F42400E2}"/>
-              </a:ext>
-            </a:extLst>
-          </p:cNvPr>
-          <p:cNvCxnSpPr>
-            <a:stCxn id="16" idx="3"/>
-            <a:endCxn id="18" idx="1"/>
-          </p:cNvCxnSpPr>
-          <p:nvPr/>
-        </p:nvCxnSpPr>
-        <p:spPr>
-          <a:xfrm flipV="1">
-            <a:off x="1731655" y="3426982"/>
-            <a:ext cx="576266" cy="1"/>
-          </a:xfrm>
-          <a:prstGeom prst="straightConnector1">
-            <a:avLst/>
-          </a:prstGeom>
-          <a:ln>
-            <a:tailEnd type="triangle"/>
-          </a:ln>
-        </p:spPr>
-        <p:style>
-          <a:lnRef idx="1">
-            <a:schemeClr val="accent1"/>
-          </a:lnRef>
-          <a:fillRef idx="0">
-            <a:schemeClr val="accent1"/>
-          </a:fillRef>
-          <a:effectRef idx="0">
-            <a:schemeClr val="accent1"/>
-          </a:effectRef>
-          <a:fontRef idx="minor">
-            <a:schemeClr val="tx1"/>
-          </a:fontRef>
-        </p:style>
-      </p:cxnSp>
-      <p:cxnSp>
-        <p:nvCxnSpPr>
-          <p:cNvPr id="21" name="Straight Arrow Connector 20">
-            <a:extLst>
-              <a:ext uri="{FF2B5EF4-FFF2-40B4-BE49-F238E27FC236}">
-                <a16:creationId xmlns:a16="http://schemas.microsoft.com/office/drawing/2014/main" id="{CB8B2EB8-EC0C-8B2D-C376-C21D4F3AEDEF}"/>
-              </a:ext>
-            </a:extLst>
-          </p:cNvPr>
-          <p:cNvCxnSpPr>
-            <a:cxnSpLocks/>
-            <a:stCxn id="17" idx="3"/>
-            <a:endCxn id="18" idx="1"/>
-          </p:cNvCxnSpPr>
-          <p:nvPr/>
-        </p:nvCxnSpPr>
-        <p:spPr>
-          <a:xfrm flipV="1">
-            <a:off x="1731654" y="3426982"/>
-            <a:ext cx="576267" cy="404132"/>
-          </a:xfrm>
-          <a:prstGeom prst="straightConnector1">
-            <a:avLst/>
-          </a:prstGeom>
-          <a:ln>
-            <a:tailEnd type="triangle"/>
-          </a:ln>
-        </p:spPr>
-        <p:style>
-          <a:lnRef idx="1">
-            <a:schemeClr val="accent1"/>
-          </a:lnRef>
-          <a:fillRef idx="0">
-            <a:schemeClr val="accent1"/>
-          </a:fillRef>
-          <a:effectRef idx="0">
-            <a:schemeClr val="accent1"/>
-          </a:effectRef>
-          <a:fontRef idx="minor">
-            <a:schemeClr val="tx1"/>
-          </a:fontRef>
-        </p:style>
-      </p:cxnSp>
-      <p:sp>
-        <p:nvSpPr>
-          <p:cNvPr id="24" name="Rounded Rectangle 23">
-            <a:extLst>
-              <a:ext uri="{FF2B5EF4-FFF2-40B4-BE49-F238E27FC236}">
-                <a16:creationId xmlns:a16="http://schemas.microsoft.com/office/drawing/2014/main" id="{90918333-0B40-7F93-BA41-C430A693F2DF}"/>
-              </a:ext>
-            </a:extLst>
-          </p:cNvPr>
-          <p:cNvSpPr/>
-          <p:nvPr/>
-        </p:nvSpPr>
-        <p:spPr>
-          <a:xfrm>
-            <a:off x="8050812" y="5032626"/>
-            <a:ext cx="806304" cy="326571"/>
-          </a:xfrm>
-          <a:prstGeom prst="roundRect">
-            <a:avLst/>
-          </a:prstGeom>
-          <a:noFill/>
-          <a:ln w="9525" cap="flat" cmpd="sng" algn="ctr">
-            <a:solidFill>
-              <a:schemeClr val="accent4"/>
-            </a:solidFill>
-            <a:prstDash val="solid"/>
-            <a:round/>
-            <a:headEnd type="none" w="med" len="med"/>
-            <a:tailEnd type="none" w="med" len="med"/>
-          </a:ln>
-        </p:spPr>
-        <p:style>
-          <a:lnRef idx="0">
-            <a:scrgbClr r="0" g="0" b="0"/>
-          </a:lnRef>
-          <a:fillRef idx="0">
-            <a:scrgbClr r="0" g="0" b="0"/>
-          </a:fillRef>
-          <a:effectRef idx="0">
-            <a:scrgbClr r="0" g="0" b="0"/>
-          </a:effectRef>
-          <a:fontRef idx="minor">
-            <a:schemeClr val="accent4"/>
-          </a:fontRef>
-        </p:style>
-        <p:txBody>
-          <a:bodyPr rtlCol="0" anchor="ctr"/>
-          <a:lstStyle/>
-          <a:p>
-            <a:pPr algn="ctr"/>
-            <a:r>
-              <a:rPr lang="en-US"/>
-              <a:t>Foo:1</a:t>
-            </a:r>
-          </a:p>
-        </p:txBody>
-      </p:sp>
-      <p:sp>
-        <p:nvSpPr>
-          <p:cNvPr id="25" name="Rounded Rectangle 24">
-            <a:extLst>
-              <a:ext uri="{FF2B5EF4-FFF2-40B4-BE49-F238E27FC236}">
-                <a16:creationId xmlns:a16="http://schemas.microsoft.com/office/drawing/2014/main" id="{8F5945BE-9110-A04C-BE5C-1959864C3F3A}"/>
-              </a:ext>
-            </a:extLst>
-          </p:cNvPr>
-          <p:cNvSpPr/>
-          <p:nvPr/>
-        </p:nvSpPr>
-        <p:spPr>
-          <a:xfrm>
-            <a:off x="8050811" y="5436757"/>
-            <a:ext cx="806304" cy="326571"/>
-          </a:xfrm>
-          <a:prstGeom prst="roundRect">
-            <a:avLst/>
-          </a:prstGeom>
-          <a:noFill/>
-          <a:ln w="9525" cap="flat" cmpd="sng" algn="ctr">
-            <a:solidFill>
-              <a:schemeClr val="accent4"/>
-            </a:solidFill>
-            <a:prstDash val="solid"/>
-            <a:round/>
-            <a:headEnd type="none" w="med" len="med"/>
-            <a:tailEnd type="none" w="med" len="med"/>
-          </a:ln>
-        </p:spPr>
-        <p:style>
-          <a:lnRef idx="0">
-            <a:scrgbClr r="0" g="0" b="0"/>
-          </a:lnRef>
-          <a:fillRef idx="0">
-            <a:scrgbClr r="0" g="0" b="0"/>
-          </a:fillRef>
-          <a:effectRef idx="0">
-            <a:scrgbClr r="0" g="0" b="0"/>
-          </a:effectRef>
-          <a:fontRef idx="minor">
-            <a:schemeClr val="accent4"/>
-          </a:fontRef>
-        </p:style>
-        <p:txBody>
-          <a:bodyPr rtlCol="0" anchor="ctr"/>
-          <a:lstStyle/>
-          <a:p>
-            <a:pPr algn="ctr"/>
-            <a:r>
-              <a:rPr lang="en-US"/>
-              <a:t>Foo:2</a:t>
-            </a:r>
-          </a:p>
-        </p:txBody>
-      </p:sp>
-      <p:sp>
-        <p:nvSpPr>
-          <p:cNvPr id="26" name="Rounded Rectangle 25">
-            <a:extLst>
-              <a:ext uri="{FF2B5EF4-FFF2-40B4-BE49-F238E27FC236}">
-                <a16:creationId xmlns:a16="http://schemas.microsoft.com/office/drawing/2014/main" id="{5A23B3EF-EC42-1D8C-0578-AD0F7EAD9DB1}"/>
-              </a:ext>
-            </a:extLst>
-          </p:cNvPr>
-          <p:cNvSpPr/>
-          <p:nvPr/>
-        </p:nvSpPr>
-        <p:spPr>
-          <a:xfrm>
-            <a:off x="9455753" y="5032625"/>
-            <a:ext cx="806304" cy="326571"/>
-          </a:xfrm>
-          <a:prstGeom prst="roundRect">
-            <a:avLst/>
-          </a:prstGeom>
-          <a:noFill/>
-          <a:ln w="9525" cap="flat" cmpd="sng" algn="ctr">
-            <a:solidFill>
-              <a:schemeClr val="accent4"/>
-            </a:solidFill>
-            <a:prstDash val="solid"/>
-            <a:round/>
-            <a:headEnd type="none" w="med" len="med"/>
-            <a:tailEnd type="none" w="med" len="med"/>
-          </a:ln>
-        </p:spPr>
-        <p:style>
-          <a:lnRef idx="0">
-            <a:scrgbClr r="0" g="0" b="0"/>
-          </a:lnRef>
-          <a:fillRef idx="0">
-            <a:scrgbClr r="0" g="0" b="0"/>
-          </a:fillRef>
-          <a:effectRef idx="0">
-            <a:scrgbClr r="0" g="0" b="0"/>
-          </a:effectRef>
-          <a:fontRef idx="minor">
-            <a:schemeClr val="accent4"/>
-          </a:fontRef>
-        </p:style>
-        <p:txBody>
-          <a:bodyPr rtlCol="0" anchor="ctr"/>
-          <a:lstStyle/>
-          <a:p>
-            <a:pPr algn="ctr"/>
-            <a:r>
-              <a:rPr lang="en-US"/>
-              <a:t>Bar:1</a:t>
-            </a:r>
-          </a:p>
-        </p:txBody>
-      </p:sp>
-      <p:cxnSp>
-        <p:nvCxnSpPr>
-          <p:cNvPr id="27" name="Straight Arrow Connector 26">
-            <a:extLst>
-              <a:ext uri="{FF2B5EF4-FFF2-40B4-BE49-F238E27FC236}">
-                <a16:creationId xmlns:a16="http://schemas.microsoft.com/office/drawing/2014/main" id="{BDDF28A8-8003-9AEA-48E7-8A0CA7B36AEB}"/>
-              </a:ext>
-            </a:extLst>
-          </p:cNvPr>
-          <p:cNvCxnSpPr>
-            <a:stCxn id="24" idx="3"/>
-            <a:endCxn id="26" idx="1"/>
-          </p:cNvCxnSpPr>
-          <p:nvPr/>
-        </p:nvCxnSpPr>
-        <p:spPr>
-          <a:xfrm flipV="1">
-            <a:off x="8857116" y="5195911"/>
-            <a:ext cx="598637" cy="1"/>
-          </a:xfrm>
-          <a:prstGeom prst="straightConnector1">
-            <a:avLst/>
-          </a:prstGeom>
-          <a:ln>
-            <a:tailEnd type="triangle"/>
-          </a:ln>
-        </p:spPr>
-        <p:style>
-          <a:lnRef idx="1">
-            <a:schemeClr val="accent1"/>
-          </a:lnRef>
-          <a:fillRef idx="0">
-            <a:schemeClr val="accent1"/>
-          </a:fillRef>
-          <a:effectRef idx="0">
-            <a:schemeClr val="accent1"/>
-          </a:effectRef>
-          <a:fontRef idx="minor">
-            <a:schemeClr val="tx1"/>
-          </a:fontRef>
-        </p:style>
-      </p:cxnSp>
-      <p:cxnSp>
-        <p:nvCxnSpPr>
-          <p:cNvPr id="28" name="Straight Arrow Connector 27">
-            <a:extLst>
-              <a:ext uri="{FF2B5EF4-FFF2-40B4-BE49-F238E27FC236}">
-                <a16:creationId xmlns:a16="http://schemas.microsoft.com/office/drawing/2014/main" id="{B9C1311E-2B9E-6701-CCB1-43E3343524FE}"/>
-              </a:ext>
-            </a:extLst>
-          </p:cNvPr>
-          <p:cNvCxnSpPr>
-            <a:cxnSpLocks/>
-            <a:stCxn id="25" idx="3"/>
-            <a:endCxn id="26" idx="1"/>
-          </p:cNvCxnSpPr>
-          <p:nvPr/>
-        </p:nvCxnSpPr>
-        <p:spPr>
-          <a:xfrm flipV="1">
-            <a:off x="8857115" y="5195911"/>
-            <a:ext cx="598638" cy="404132"/>
-          </a:xfrm>
-          <a:prstGeom prst="straightConnector1">
-            <a:avLst/>
-          </a:prstGeom>
-          <a:ln>
-            <a:tailEnd type="triangle"/>
-          </a:ln>
-        </p:spPr>
-        <p:style>
-          <a:lnRef idx="1">
-            <a:schemeClr val="accent1"/>
-          </a:lnRef>
-          <a:fillRef idx="0">
-            <a:schemeClr val="accent1"/>
-          </a:fillRef>
-          <a:effectRef idx="0">
-            <a:schemeClr val="accent1"/>
-          </a:effectRef>
-          <a:fontRef idx="minor">
-            <a:schemeClr val="tx1"/>
-          </a:fontRef>
-        </p:style>
-      </p:cxnSp>
-      <p:sp>
-        <p:nvSpPr>
-          <p:cNvPr id="29" name="Rounded Rectangle 28">
-            <a:extLst>
-              <a:ext uri="{FF2B5EF4-FFF2-40B4-BE49-F238E27FC236}">
-                <a16:creationId xmlns:a16="http://schemas.microsoft.com/office/drawing/2014/main" id="{CB1D871A-98FE-8A7D-132D-255D7F8DAD02}"/>
-              </a:ext>
-            </a:extLst>
-          </p:cNvPr>
-          <p:cNvSpPr/>
-          <p:nvPr/>
-        </p:nvSpPr>
-        <p:spPr>
-          <a:xfrm>
-            <a:off x="7273667" y="1083711"/>
-            <a:ext cx="806304" cy="326571"/>
-          </a:xfrm>
-          <a:prstGeom prst="roundRect">
-            <a:avLst/>
-          </a:prstGeom>
-          <a:noFill/>
-          <a:ln w="9525" cap="flat" cmpd="sng" algn="ctr">
-            <a:solidFill>
-              <a:schemeClr val="accent4"/>
-            </a:solidFill>
-            <a:prstDash val="solid"/>
-            <a:round/>
-            <a:headEnd type="none" w="med" len="med"/>
-            <a:tailEnd type="none" w="med" len="med"/>
-          </a:ln>
-        </p:spPr>
-        <p:style>
-          <a:lnRef idx="0">
-            <a:scrgbClr r="0" g="0" b="0"/>
-          </a:lnRef>
-          <a:fillRef idx="0">
-            <a:scrgbClr r="0" g="0" b="0"/>
-          </a:fillRef>
-          <a:effectRef idx="0">
-            <a:scrgbClr r="0" g="0" b="0"/>
-          </a:effectRef>
-          <a:fontRef idx="minor">
-            <a:schemeClr val="accent4"/>
-          </a:fontRef>
-        </p:style>
-        <p:txBody>
-          <a:bodyPr rtlCol="0" anchor="ctr"/>
-          <a:lstStyle/>
-          <a:p>
-            <a:pPr algn="ctr"/>
-            <a:r>
-              <a:rPr lang="en-US"/>
-              <a:t>Foo:1</a:t>
-            </a:r>
-          </a:p>
-        </p:txBody>
-      </p:sp>
-      <p:sp>
-        <p:nvSpPr>
-          <p:cNvPr id="30" name="Rounded Rectangle 29">
-            <a:extLst>
-              <a:ext uri="{FF2B5EF4-FFF2-40B4-BE49-F238E27FC236}">
-                <a16:creationId xmlns:a16="http://schemas.microsoft.com/office/drawing/2014/main" id="{84F9ADF3-277A-C28C-A47D-28839A3B6D2D}"/>
-              </a:ext>
-            </a:extLst>
-          </p:cNvPr>
-          <p:cNvSpPr/>
-          <p:nvPr/>
-        </p:nvSpPr>
-        <p:spPr>
-          <a:xfrm>
-            <a:off x="7273666" y="1487842"/>
-            <a:ext cx="806304" cy="326571"/>
-          </a:xfrm>
-          <a:prstGeom prst="roundRect">
-            <a:avLst/>
-          </a:prstGeom>
-          <a:noFill/>
-          <a:ln w="9525" cap="flat" cmpd="sng" algn="ctr">
-            <a:solidFill>
-              <a:schemeClr val="accent4"/>
-            </a:solidFill>
-            <a:prstDash val="solid"/>
-            <a:round/>
-            <a:headEnd type="none" w="med" len="med"/>
-            <a:tailEnd type="none" w="med" len="med"/>
-          </a:ln>
-        </p:spPr>
-        <p:style>
-          <a:lnRef idx="0">
-            <a:scrgbClr r="0" g="0" b="0"/>
-          </a:lnRef>
-          <a:fillRef idx="0">
-            <a:scrgbClr r="0" g="0" b="0"/>
-          </a:fillRef>
-          <a:effectRef idx="0">
-            <a:scrgbClr r="0" g="0" b="0"/>
-          </a:effectRef>
-          <a:fontRef idx="minor">
-            <a:schemeClr val="accent4"/>
-          </a:fontRef>
-        </p:style>
-        <p:txBody>
-          <a:bodyPr rtlCol="0" anchor="ctr"/>
-          <a:lstStyle/>
-          <a:p>
-            <a:pPr algn="ctr"/>
-            <a:r>
-              <a:rPr lang="en-US"/>
-              <a:t>Foo:2</a:t>
-            </a:r>
-          </a:p>
-        </p:txBody>
-      </p:sp>
-      <p:sp>
-        <p:nvSpPr>
-          <p:cNvPr id="31" name="Rounded Rectangle 30">
-            <a:extLst>
-              <a:ext uri="{FF2B5EF4-FFF2-40B4-BE49-F238E27FC236}">
-                <a16:creationId xmlns:a16="http://schemas.microsoft.com/office/drawing/2014/main" id="{5434D35E-4BE2-0E75-B52E-063193C5F1C5}"/>
-              </a:ext>
-            </a:extLst>
-          </p:cNvPr>
-          <p:cNvSpPr/>
-          <p:nvPr/>
-        </p:nvSpPr>
-        <p:spPr>
-          <a:xfrm>
-            <a:off x="8678608" y="1083710"/>
-            <a:ext cx="806304" cy="326571"/>
-          </a:xfrm>
-          <a:prstGeom prst="roundRect">
-            <a:avLst/>
-          </a:prstGeom>
-          <a:noFill/>
-          <a:ln w="9525" cap="flat" cmpd="sng" algn="ctr">
-            <a:solidFill>
-              <a:schemeClr val="accent4"/>
-            </a:solidFill>
-            <a:prstDash val="solid"/>
-            <a:round/>
-            <a:headEnd type="none" w="med" len="med"/>
-            <a:tailEnd type="none" w="med" len="med"/>
-          </a:ln>
-        </p:spPr>
-        <p:style>
-          <a:lnRef idx="0">
-            <a:scrgbClr r="0" g="0" b="0"/>
-          </a:lnRef>
-          <a:fillRef idx="0">
-            <a:scrgbClr r="0" g="0" b="0"/>
-          </a:fillRef>
-          <a:effectRef idx="0">
-            <a:scrgbClr r="0" g="0" b="0"/>
-          </a:effectRef>
-          <a:fontRef idx="minor">
-            <a:schemeClr val="accent4"/>
-          </a:fontRef>
-        </p:style>
-        <p:txBody>
-          <a:bodyPr rtlCol="0" anchor="ctr"/>
-          <a:lstStyle/>
-          <a:p>
-            <a:pPr algn="ctr"/>
-            <a:r>
-              <a:rPr lang="en-US"/>
-              <a:t>Bar:1</a:t>
-            </a:r>
-          </a:p>
-        </p:txBody>
-      </p:sp>
-      <p:cxnSp>
-        <p:nvCxnSpPr>
-          <p:cNvPr id="32" name="Straight Arrow Connector 31">
-            <a:extLst>
-              <a:ext uri="{FF2B5EF4-FFF2-40B4-BE49-F238E27FC236}">
-                <a16:creationId xmlns:a16="http://schemas.microsoft.com/office/drawing/2014/main" id="{0FF5369B-8ECA-3D04-ABF9-012DC91927F8}"/>
-              </a:ext>
-            </a:extLst>
-          </p:cNvPr>
-          <p:cNvCxnSpPr>
-            <a:stCxn id="29" idx="3"/>
-            <a:endCxn id="31" idx="1"/>
-          </p:cNvCxnSpPr>
-          <p:nvPr/>
-        </p:nvCxnSpPr>
-        <p:spPr>
-          <a:xfrm flipV="1">
-            <a:off x="8079971" y="1246996"/>
-            <a:ext cx="598637" cy="1"/>
-          </a:xfrm>
-          <a:prstGeom prst="straightConnector1">
-            <a:avLst/>
-          </a:prstGeom>
-          <a:ln>
-            <a:tailEnd type="triangle"/>
-          </a:ln>
-        </p:spPr>
-        <p:style>
-          <a:lnRef idx="1">
-            <a:schemeClr val="accent1"/>
-          </a:lnRef>
-          <a:fillRef idx="0">
-            <a:schemeClr val="accent1"/>
-          </a:fillRef>
-          <a:effectRef idx="0">
-            <a:schemeClr val="accent1"/>
-          </a:effectRef>
-          <a:fontRef idx="minor">
-            <a:schemeClr val="tx1"/>
-          </a:fontRef>
-        </p:style>
-      </p:cxnSp>
-      <p:cxnSp>
-        <p:nvCxnSpPr>
-          <p:cNvPr id="33" name="Straight Arrow Connector 32">
-            <a:extLst>
-              <a:ext uri="{FF2B5EF4-FFF2-40B4-BE49-F238E27FC236}">
-                <a16:creationId xmlns:a16="http://schemas.microsoft.com/office/drawing/2014/main" id="{E9FFEED0-FA3A-43FD-30C3-071F974DD8DA}"/>
-              </a:ext>
-            </a:extLst>
-          </p:cNvPr>
-          <p:cNvCxnSpPr>
-            <a:cxnSpLocks/>
-            <a:stCxn id="30" idx="3"/>
-            <a:endCxn id="31" idx="1"/>
-          </p:cNvCxnSpPr>
-          <p:nvPr/>
-        </p:nvCxnSpPr>
-        <p:spPr>
-          <a:xfrm flipV="1">
-            <a:off x="8079970" y="1246996"/>
-            <a:ext cx="598638" cy="404132"/>
-          </a:xfrm>
-          <a:prstGeom prst="straightConnector1">
-            <a:avLst/>
-          </a:prstGeom>
-          <a:ln>
-            <a:tailEnd type="triangle"/>
-          </a:ln>
-        </p:spPr>
-        <p:style>
-          <a:lnRef idx="1">
-            <a:schemeClr val="accent1"/>
-          </a:lnRef>
-          <a:fillRef idx="0">
-            <a:schemeClr val="accent1"/>
-          </a:fillRef>
-          <a:effectRef idx="0">
-            <a:schemeClr val="accent1"/>
-          </a:effectRef>
-          <a:fontRef idx="minor">
-            <a:schemeClr val="tx1"/>
-          </a:fontRef>
-        </p:style>
-      </p:cxnSp>
-      <p:pic>
-        <p:nvPicPr>
-          <p:cNvPr id="35" name="Graphic 34" descr="User outline">
-            <a:extLst>
-              <a:ext uri="{FF2B5EF4-FFF2-40B4-BE49-F238E27FC236}">
-                <a16:creationId xmlns:a16="http://schemas.microsoft.com/office/drawing/2014/main" id="{264A9EEF-D458-59DE-8294-A6BDF670992E}"/>
-              </a:ext>
-            </a:extLst>
-          </p:cNvPr>
-          <p:cNvPicPr>
-            <a:picLocks noChangeAspect="1"/>
-          </p:cNvPicPr>
-          <p:nvPr/>
-        </p:nvPicPr>
-        <p:blipFill>
-          <a:blip r:embed="rId2">
-            <a:extLst>
-              <a:ext uri="{96DAC541-7B7A-43D3-8B79-37D633B846F1}">
-                <asvg:svgBlip xmlns:asvg="http://schemas.microsoft.com/office/drawing/2016/SVG/main" r:embed="rId3"/>
-              </a:ext>
-            </a:extLst>
-          </a:blip>
-          <a:stretch>
-            <a:fillRect/>
-          </a:stretch>
-        </p:blipFill>
-        <p:spPr>
-          <a:xfrm>
-            <a:off x="579422" y="326533"/>
-            <a:ext cx="889715" cy="914400"/>
-          </a:xfrm>
-          <a:prstGeom prst="rect">
-            <a:avLst/>
-          </a:prstGeom>
-        </p:spPr>
-      </p:pic>
-      <p:cxnSp>
-        <p:nvCxnSpPr>
-          <p:cNvPr id="37" name="Curved Connector 36">
-            <a:extLst>
-              <a:ext uri="{FF2B5EF4-FFF2-40B4-BE49-F238E27FC236}">
-                <a16:creationId xmlns:a16="http://schemas.microsoft.com/office/drawing/2014/main" id="{2298C502-8F06-811F-AF5D-B288095612BB}"/>
-              </a:ext>
-            </a:extLst>
-          </p:cNvPr>
-          <p:cNvCxnSpPr>
-            <a:cxnSpLocks/>
-            <a:stCxn id="35" idx="0"/>
-            <a:endCxn id="54" idx="1"/>
-          </p:cNvCxnSpPr>
-          <p:nvPr/>
-        </p:nvCxnSpPr>
-        <p:spPr>
-          <a:xfrm rot="16200000" flipH="1">
-            <a:off x="2592742" y="-1241930"/>
-            <a:ext cx="298183" cy="3435108"/>
-          </a:xfrm>
-          <a:prstGeom prst="curvedConnector3">
-            <a:avLst>
-              <a:gd name="adj1" fmla="val -76664"/>
-            </a:avLst>
-          </a:prstGeom>
-          <a:ln>
-            <a:tailEnd type="triangle"/>
-          </a:ln>
-        </p:spPr>
-        <p:style>
-          <a:lnRef idx="2">
-            <a:schemeClr val="accent1"/>
-          </a:lnRef>
-          <a:fillRef idx="0">
-            <a:schemeClr val="accent1"/>
-          </a:fillRef>
-          <a:effectRef idx="1">
-            <a:schemeClr val="accent1"/>
-          </a:effectRef>
-          <a:fontRef idx="minor">
-            <a:schemeClr val="tx1"/>
-          </a:fontRef>
-        </p:style>
-      </p:cxnSp>
-      <p:sp>
-        <p:nvSpPr>
-          <p:cNvPr id="48" name="TextBox 47">
-            <a:extLst>
-              <a:ext uri="{FF2B5EF4-FFF2-40B4-BE49-F238E27FC236}">
-                <a16:creationId xmlns:a16="http://schemas.microsoft.com/office/drawing/2014/main" id="{3DC278A1-3E87-6740-314A-82D49BF036E9}"/>
-              </a:ext>
-            </a:extLst>
-          </p:cNvPr>
-          <p:cNvSpPr txBox="1"/>
-          <p:nvPr/>
-        </p:nvSpPr>
-        <p:spPr>
-          <a:xfrm>
-            <a:off x="2652071" y="181149"/>
-            <a:ext cx="956900" cy="369332"/>
-          </a:xfrm>
-          <a:prstGeom prst="rect">
-            <a:avLst/>
-          </a:prstGeom>
-          <a:noFill/>
-          <a:ln w="9525" cap="flat" cmpd="sng" algn="ctr">
-            <a:noFill/>
-            <a:prstDash val="solid"/>
-            <a:round/>
-            <a:headEnd type="none" w="med" len="med"/>
-            <a:tailEnd type="none" w="med" len="med"/>
-          </a:ln>
-        </p:spPr>
-        <p:style>
-          <a:lnRef idx="0">
-            <a:scrgbClr r="0" g="0" b="0"/>
-          </a:lnRef>
-          <a:fillRef idx="0">
-            <a:scrgbClr r="0" g="0" b="0"/>
-          </a:fillRef>
-          <a:effectRef idx="0">
-            <a:scrgbClr r="0" g="0" b="0"/>
-          </a:effectRef>
-          <a:fontRef idx="minor">
-            <a:schemeClr val="accent1"/>
-          </a:fontRef>
-        </p:style>
-        <p:txBody>
-          <a:bodyPr rtlCol="0" anchor="ctr"/>
-          <a:lstStyle>
-            <a:defPPr>
-              <a:defRPr lang="en-FR"/>
-            </a:defPPr>
-            <a:lvl1pPr algn="ctr">
-              <a:defRPr>
-                <a:solidFill>
-                  <a:schemeClr val="accent1"/>
-                </a:solidFill>
-              </a:defRPr>
-            </a:lvl1pPr>
-            <a:lvl2pPr>
-              <a:defRPr>
-                <a:solidFill>
-                  <a:schemeClr val="accent1"/>
-                </a:solidFill>
-              </a:defRPr>
-            </a:lvl2pPr>
-            <a:lvl3pPr>
-              <a:defRPr>
-                <a:solidFill>
-                  <a:schemeClr val="accent1"/>
-                </a:solidFill>
-              </a:defRPr>
-            </a:lvl3pPr>
-            <a:lvl4pPr>
-              <a:defRPr>
-                <a:solidFill>
-                  <a:schemeClr val="accent1"/>
-                </a:solidFill>
-              </a:defRPr>
-            </a:lvl4pPr>
-            <a:lvl5pPr>
-              <a:defRPr>
-                <a:solidFill>
-                  <a:schemeClr val="accent1"/>
-                </a:solidFill>
-              </a:defRPr>
-            </a:lvl5pPr>
-            <a:lvl6pPr>
-              <a:defRPr>
-                <a:solidFill>
-                  <a:schemeClr val="accent1"/>
-                </a:solidFill>
-              </a:defRPr>
-            </a:lvl6pPr>
-            <a:lvl7pPr>
-              <a:defRPr>
-                <a:solidFill>
-                  <a:schemeClr val="accent1"/>
-                </a:solidFill>
-              </a:defRPr>
-            </a:lvl7pPr>
-            <a:lvl8pPr>
-              <a:defRPr>
-                <a:solidFill>
-                  <a:schemeClr val="accent1"/>
-                </a:solidFill>
-              </a:defRPr>
-            </a:lvl8pPr>
-            <a:lvl9pPr>
-              <a:defRPr>
-                <a:solidFill>
-                  <a:schemeClr val="accent1"/>
-                </a:solidFill>
-              </a:defRPr>
-            </a:lvl9pPr>
-          </a:lstStyle>
-          <a:p>
-            <a:r>
-              <a:rPr lang="en-US" sz="1400"/>
-              <a:t>1. click()</a:t>
-            </a:r>
-          </a:p>
-        </p:txBody>
-      </p:sp>
-      <p:sp>
-        <p:nvSpPr>
-          <p:cNvPr id="54" name="Oval 53">
-            <a:extLst>
-              <a:ext uri="{FF2B5EF4-FFF2-40B4-BE49-F238E27FC236}">
-                <a16:creationId xmlns:a16="http://schemas.microsoft.com/office/drawing/2014/main" id="{A2A9EA5C-C9B2-B0F8-0D9C-20E55EFF9DCA}"/>
-              </a:ext>
-            </a:extLst>
-          </p:cNvPr>
-          <p:cNvSpPr/>
-          <p:nvPr/>
-        </p:nvSpPr>
-        <p:spPr>
-          <a:xfrm>
-            <a:off x="4207608" y="460914"/>
-            <a:ext cx="1719261" cy="1118507"/>
-          </a:xfrm>
-          <a:prstGeom prst="ellipse">
-            <a:avLst/>
-          </a:prstGeom>
-          <a:noFill/>
-          <a:ln w="9525" cap="flat" cmpd="sng" algn="ctr">
-            <a:solidFill>
-              <a:schemeClr val="accent3"/>
-            </a:solidFill>
-            <a:prstDash val="solid"/>
-            <a:round/>
-            <a:headEnd type="none" w="med" len="med"/>
-            <a:tailEnd type="none" w="med" len="med"/>
-          </a:ln>
-        </p:spPr>
-        <p:style>
-          <a:lnRef idx="0">
-            <a:scrgbClr r="0" g="0" b="0"/>
-          </a:lnRef>
-          <a:fillRef idx="0">
-            <a:scrgbClr r="0" g="0" b="0"/>
-          </a:fillRef>
-          <a:effectRef idx="0">
-            <a:scrgbClr r="0" g="0" b="0"/>
-          </a:effectRef>
-          <a:fontRef idx="minor">
-            <a:schemeClr val="accent3"/>
-          </a:fontRef>
-        </p:style>
-        <p:txBody>
-          <a:bodyPr rtlCol="0" anchor="b"/>
-          <a:lstStyle/>
-          <a:p>
-            <a:pPr algn="ctr"/>
-            <a:r>
-              <a:rPr lang="en-US"/>
-              <a:t>Ng tmpl</a:t>
-            </a:r>
-          </a:p>
-        </p:txBody>
-      </p:sp>
-      <p:sp>
-        <p:nvSpPr>
-          <p:cNvPr id="55" name="Rounded Rectangle 54">
-            <a:extLst>
-              <a:ext uri="{FF2B5EF4-FFF2-40B4-BE49-F238E27FC236}">
-                <a16:creationId xmlns:a16="http://schemas.microsoft.com/office/drawing/2014/main" id="{653812EF-AB40-C3D5-9691-6E147C968926}"/>
-              </a:ext>
-            </a:extLst>
-          </p:cNvPr>
-          <p:cNvSpPr/>
-          <p:nvPr/>
-        </p:nvSpPr>
-        <p:spPr>
-          <a:xfrm>
-            <a:off x="4451146" y="739492"/>
-            <a:ext cx="806304" cy="326571"/>
-          </a:xfrm>
-          <a:prstGeom prst="roundRect">
-            <a:avLst/>
-          </a:prstGeom>
-          <a:noFill/>
-          <a:ln w="9525" cap="flat" cmpd="sng" algn="ctr">
-            <a:solidFill>
-              <a:schemeClr val="accent4"/>
-            </a:solidFill>
-            <a:prstDash val="solid"/>
-            <a:round/>
-            <a:headEnd type="none" w="med" len="med"/>
-            <a:tailEnd type="none" w="med" len="med"/>
-          </a:ln>
-        </p:spPr>
-        <p:style>
-          <a:lnRef idx="0">
-            <a:scrgbClr r="0" g="0" b="0"/>
-          </a:lnRef>
-          <a:fillRef idx="0">
-            <a:scrgbClr r="0" g="0" b="0"/>
-          </a:fillRef>
-          <a:effectRef idx="0">
-            <a:scrgbClr r="0" g="0" b="0"/>
-          </a:effectRef>
-          <a:fontRef idx="minor">
-            <a:schemeClr val="accent4"/>
-          </a:fontRef>
-        </p:style>
-        <p:txBody>
-          <a:bodyPr rtlCol="0" anchor="ctr"/>
-          <a:lstStyle/>
-          <a:p>
-            <a:pPr algn="ctr"/>
-            <a:r>
-              <a:rPr lang="en-US"/>
-              <a:t>Foo:1</a:t>
-            </a:r>
-          </a:p>
-        </p:txBody>
-      </p:sp>
-      <p:cxnSp>
-        <p:nvCxnSpPr>
-          <p:cNvPr id="58" name="Curved Connector 57">
-            <a:extLst>
-              <a:ext uri="{FF2B5EF4-FFF2-40B4-BE49-F238E27FC236}">
-                <a16:creationId xmlns:a16="http://schemas.microsoft.com/office/drawing/2014/main" id="{37C5EBA5-1EB5-A1B6-0374-A34718936F2A}"/>
-              </a:ext>
-            </a:extLst>
-          </p:cNvPr>
-          <p:cNvCxnSpPr>
-            <a:cxnSpLocks/>
-            <a:stCxn id="54" idx="7"/>
-            <a:endCxn id="5" idx="0"/>
-          </p:cNvCxnSpPr>
-          <p:nvPr/>
-        </p:nvCxnSpPr>
-        <p:spPr>
-          <a:xfrm rot="16200000" flipH="1">
-            <a:off x="6983413" y="-683609"/>
-            <a:ext cx="94323" cy="2710972"/>
-          </a:xfrm>
-          <a:prstGeom prst="curvedConnector3">
-            <a:avLst>
-              <a:gd name="adj1" fmla="val -416019"/>
-            </a:avLst>
-          </a:prstGeom>
-          <a:ln>
-            <a:tailEnd type="triangle"/>
-          </a:ln>
-        </p:spPr>
-        <p:style>
-          <a:lnRef idx="2">
-            <a:schemeClr val="accent1"/>
-          </a:lnRef>
-          <a:fillRef idx="0">
-            <a:schemeClr val="accent1"/>
-          </a:fillRef>
-          <a:effectRef idx="1">
-            <a:schemeClr val="accent1"/>
-          </a:effectRef>
-          <a:fontRef idx="minor">
-            <a:schemeClr val="tx1"/>
-          </a:fontRef>
-        </p:style>
-      </p:cxnSp>
-      <p:cxnSp>
-        <p:nvCxnSpPr>
-          <p:cNvPr id="61" name="Curved Connector 60">
-            <a:extLst>
-              <a:ext uri="{FF2B5EF4-FFF2-40B4-BE49-F238E27FC236}">
-                <a16:creationId xmlns:a16="http://schemas.microsoft.com/office/drawing/2014/main" id="{7A928EA7-CB6C-6352-18B3-41C62C7AF2E0}"/>
-              </a:ext>
-            </a:extLst>
-          </p:cNvPr>
-          <p:cNvCxnSpPr>
-            <a:cxnSpLocks/>
-            <a:stCxn id="5" idx="6"/>
-            <a:endCxn id="69" idx="0"/>
-          </p:cNvCxnSpPr>
-          <p:nvPr/>
-        </p:nvCxnSpPr>
-        <p:spPr>
-          <a:xfrm>
-            <a:off x="10072375" y="1535674"/>
-            <a:ext cx="760533" cy="762799"/>
-          </a:xfrm>
-          <a:prstGeom prst="curvedConnector2">
-            <a:avLst/>
-          </a:prstGeom>
-          <a:ln>
-            <a:tailEnd type="triangle"/>
-          </a:ln>
-        </p:spPr>
-        <p:style>
-          <a:lnRef idx="2">
-            <a:schemeClr val="accent1"/>
-          </a:lnRef>
-          <a:fillRef idx="0">
-            <a:schemeClr val="accent1"/>
-          </a:fillRef>
-          <a:effectRef idx="1">
-            <a:schemeClr val="accent1"/>
-          </a:effectRef>
-          <a:fontRef idx="minor">
-            <a:schemeClr val="tx1"/>
-          </a:fontRef>
-        </p:style>
-      </p:cxnSp>
-      <p:sp>
-        <p:nvSpPr>
-          <p:cNvPr id="66" name="TextBox 65">
-            <a:extLst>
-              <a:ext uri="{FF2B5EF4-FFF2-40B4-BE49-F238E27FC236}">
-                <a16:creationId xmlns:a16="http://schemas.microsoft.com/office/drawing/2014/main" id="{48A2BB13-9654-AEAC-C4A0-2719D4116744}"/>
-              </a:ext>
-            </a:extLst>
-          </p:cNvPr>
-          <p:cNvSpPr txBox="1"/>
-          <p:nvPr/>
-        </p:nvSpPr>
-        <p:spPr>
-          <a:xfrm>
-            <a:off x="4623223" y="46205"/>
-            <a:ext cx="1165281" cy="369332"/>
-          </a:xfrm>
-          <a:prstGeom prst="rect">
-            <a:avLst/>
-          </a:prstGeom>
-          <a:noFill/>
-          <a:ln w="9525" cap="flat" cmpd="sng" algn="ctr">
-            <a:noFill/>
-            <a:prstDash val="solid"/>
-            <a:round/>
-            <a:headEnd type="none" w="med" len="med"/>
-            <a:tailEnd type="none" w="med" len="med"/>
-          </a:ln>
-        </p:spPr>
-        <p:style>
-          <a:lnRef idx="0">
-            <a:scrgbClr r="0" g="0" b="0"/>
-          </a:lnRef>
-          <a:fillRef idx="0">
-            <a:scrgbClr r="0" g="0" b="0"/>
-          </a:fillRef>
-          <a:effectRef idx="0">
-            <a:scrgbClr r="0" g="0" b="0"/>
-          </a:effectRef>
-          <a:fontRef idx="minor">
-            <a:schemeClr val="accent1"/>
-          </a:fontRef>
-        </p:style>
-        <p:txBody>
-          <a:bodyPr rtlCol="0" anchor="ctr"/>
-          <a:lstStyle>
-            <a:defPPr>
-              <a:defRPr lang="en-FR"/>
-            </a:defPPr>
-            <a:lvl1pPr algn="ctr">
-              <a:defRPr>
-                <a:solidFill>
-                  <a:schemeClr val="accent1"/>
-                </a:solidFill>
-              </a:defRPr>
-            </a:lvl1pPr>
-            <a:lvl2pPr>
-              <a:defRPr>
-                <a:solidFill>
-                  <a:schemeClr val="accent1"/>
-                </a:solidFill>
-              </a:defRPr>
-            </a:lvl2pPr>
-            <a:lvl3pPr>
-              <a:defRPr>
-                <a:solidFill>
-                  <a:schemeClr val="accent1"/>
-                </a:solidFill>
-              </a:defRPr>
-            </a:lvl3pPr>
-            <a:lvl4pPr>
-              <a:defRPr>
-                <a:solidFill>
-                  <a:schemeClr val="accent1"/>
-                </a:solidFill>
-              </a:defRPr>
-            </a:lvl4pPr>
-            <a:lvl5pPr>
-              <a:defRPr>
-                <a:solidFill>
-                  <a:schemeClr val="accent1"/>
-                </a:solidFill>
-              </a:defRPr>
-            </a:lvl5pPr>
-            <a:lvl6pPr>
-              <a:defRPr>
-                <a:solidFill>
-                  <a:schemeClr val="accent1"/>
-                </a:solidFill>
-              </a:defRPr>
-            </a:lvl6pPr>
-            <a:lvl7pPr>
-              <a:defRPr>
-                <a:solidFill>
-                  <a:schemeClr val="accent1"/>
-                </a:solidFill>
-              </a:defRPr>
-            </a:lvl7pPr>
-            <a:lvl8pPr>
-              <a:defRPr>
-                <a:solidFill>
-                  <a:schemeClr val="accent1"/>
-                </a:solidFill>
-              </a:defRPr>
-            </a:lvl8pPr>
-            <a:lvl9pPr>
-              <a:defRPr>
-                <a:solidFill>
-                  <a:schemeClr val="accent1"/>
-                </a:solidFill>
-              </a:defRPr>
-            </a:lvl9pPr>
-          </a:lstStyle>
-          <a:p>
-            <a:r>
-              <a:rPr lang="en-US" sz="1400"/>
-              <a:t>2. Click()</a:t>
-            </a:r>
-          </a:p>
-        </p:txBody>
-      </p:sp>
-      <p:sp>
-        <p:nvSpPr>
-          <p:cNvPr id="69" name="TextBox 68">
-            <a:extLst>
-              <a:ext uri="{FF2B5EF4-FFF2-40B4-BE49-F238E27FC236}">
-                <a16:creationId xmlns:a16="http://schemas.microsoft.com/office/drawing/2014/main" id="{6D5F60A2-CA67-8CA8-8105-192CB6EC201A}"/>
-              </a:ext>
-            </a:extLst>
-          </p:cNvPr>
-          <p:cNvSpPr txBox="1"/>
-          <p:nvPr/>
-        </p:nvSpPr>
-        <p:spPr>
-          <a:xfrm>
-            <a:off x="9409229" y="2298473"/>
-            <a:ext cx="2847358" cy="617442"/>
-          </a:xfrm>
-          <a:prstGeom prst="rect">
-            <a:avLst/>
-          </a:prstGeom>
-          <a:noFill/>
-          <a:ln w="9525" cap="flat" cmpd="sng" algn="ctr">
-            <a:solidFill>
-              <a:schemeClr val="accent1"/>
-            </a:solidFill>
-            <a:prstDash val="solid"/>
-            <a:round/>
-            <a:headEnd type="none" w="med" len="med"/>
-            <a:tailEnd type="none" w="med" len="med"/>
-          </a:ln>
-        </p:spPr>
-        <p:style>
-          <a:lnRef idx="0">
-            <a:scrgbClr r="0" g="0" b="0"/>
-          </a:lnRef>
-          <a:fillRef idx="0">
-            <a:scrgbClr r="0" g="0" b="0"/>
-          </a:fillRef>
-          <a:effectRef idx="0">
-            <a:scrgbClr r="0" g="0" b="0"/>
-          </a:effectRef>
-          <a:fontRef idx="minor">
-            <a:schemeClr val="accent1"/>
-          </a:fontRef>
-        </p:style>
-        <p:txBody>
-          <a:bodyPr rtlCol="0" anchor="ctr"/>
-          <a:lstStyle>
-            <a:defPPr>
-              <a:defRPr lang="en-FR"/>
-            </a:defPPr>
-            <a:lvl1pPr algn="ctr">
-              <a:defRPr sz="1400"/>
-            </a:lvl1pPr>
-            <a:lvl2pPr>
-              <a:defRPr>
-                <a:solidFill>
-                  <a:schemeClr val="accent1"/>
-                </a:solidFill>
-              </a:defRPr>
-            </a:lvl2pPr>
-            <a:lvl3pPr>
-              <a:defRPr>
-                <a:solidFill>
-                  <a:schemeClr val="accent1"/>
-                </a:solidFill>
-              </a:defRPr>
-            </a:lvl3pPr>
-            <a:lvl4pPr>
-              <a:defRPr>
-                <a:solidFill>
-                  <a:schemeClr val="accent1"/>
-                </a:solidFill>
-              </a:defRPr>
-            </a:lvl4pPr>
-            <a:lvl5pPr>
-              <a:defRPr>
-                <a:solidFill>
-                  <a:schemeClr val="accent1"/>
-                </a:solidFill>
-              </a:defRPr>
-            </a:lvl5pPr>
-            <a:lvl6pPr>
-              <a:defRPr>
-                <a:solidFill>
-                  <a:schemeClr val="accent1"/>
-                </a:solidFill>
-              </a:defRPr>
-            </a:lvl6pPr>
-            <a:lvl7pPr>
-              <a:defRPr>
-                <a:solidFill>
-                  <a:schemeClr val="accent1"/>
-                </a:solidFill>
-              </a:defRPr>
-            </a:lvl7pPr>
-            <a:lvl8pPr>
-              <a:defRPr>
-                <a:solidFill>
-                  <a:schemeClr val="accent1"/>
-                </a:solidFill>
-              </a:defRPr>
-            </a:lvl8pPr>
-            <a:lvl9pPr>
-              <a:defRPr>
-                <a:solidFill>
-                  <a:schemeClr val="accent1"/>
-                </a:solidFill>
-              </a:defRPr>
-            </a:lvl9pPr>
-          </a:lstStyle>
-          <a:p>
-            <a:r>
-              <a:rPr lang="en-US"/>
-              <a:t>3. PUT </a:t>
-            </a:r>
-            <a:r>
-              <a:rPr lang="en-US">
-                <a:hlinkClick r:id="rId4"/>
-              </a:rPr>
-              <a:t>http://localhost/api/Foo/?ID=1</a:t>
-            </a:r>
-            <a:endParaRPr lang="en-US"/>
-          </a:p>
-        </p:txBody>
-      </p:sp>
-      <p:sp>
-        <p:nvSpPr>
-          <p:cNvPr id="71" name="Rectangle 70">
-            <a:extLst>
-              <a:ext uri="{FF2B5EF4-FFF2-40B4-BE49-F238E27FC236}">
-                <a16:creationId xmlns:a16="http://schemas.microsoft.com/office/drawing/2014/main" id="{45985CDC-744E-324E-51E2-86824EE5D3CD}"/>
-              </a:ext>
-            </a:extLst>
-          </p:cNvPr>
-          <p:cNvSpPr/>
-          <p:nvPr/>
-        </p:nvSpPr>
-        <p:spPr>
-          <a:xfrm>
-            <a:off x="7960515" y="3752101"/>
-            <a:ext cx="1582987" cy="484596"/>
-          </a:xfrm>
-          <a:prstGeom prst="rect">
-            <a:avLst/>
-          </a:prstGeom>
-          <a:noFill/>
-          <a:ln w="9525" cap="flat" cmpd="sng" algn="ctr">
-            <a:solidFill>
-              <a:schemeClr val="accent1"/>
-            </a:solidFill>
-            <a:prstDash val="solid"/>
-            <a:round/>
-            <a:headEnd type="none" w="med" len="med"/>
-            <a:tailEnd type="none" w="med" len="med"/>
-          </a:ln>
-        </p:spPr>
-        <p:style>
-          <a:lnRef idx="0">
-            <a:scrgbClr r="0" g="0" b="0"/>
-          </a:lnRef>
-          <a:fillRef idx="0">
-            <a:scrgbClr r="0" g="0" b="0"/>
-          </a:fillRef>
-          <a:effectRef idx="0">
-            <a:scrgbClr r="0" g="0" b="0"/>
-          </a:effectRef>
-          <a:fontRef idx="minor">
-            <a:schemeClr val="accent1"/>
-          </a:fontRef>
-        </p:style>
-        <p:txBody>
-          <a:bodyPr rtlCol="0" anchor="ctr"/>
-          <a:lstStyle/>
-          <a:p>
-            <a:pPr algn="ctr"/>
-            <a:r>
-              <a:rPr lang="en-US" sz="1400"/>
-              <a:t>Foo controller</a:t>
-            </a:r>
-          </a:p>
-        </p:txBody>
-      </p:sp>
-      <p:cxnSp>
-        <p:nvCxnSpPr>
-          <p:cNvPr id="80" name="Curved Connector 79">
-            <a:extLst>
-              <a:ext uri="{FF2B5EF4-FFF2-40B4-BE49-F238E27FC236}">
-                <a16:creationId xmlns:a16="http://schemas.microsoft.com/office/drawing/2014/main" id="{8DEBC905-7065-E5EF-E118-0E6F1389147C}"/>
-              </a:ext>
-            </a:extLst>
-          </p:cNvPr>
-          <p:cNvCxnSpPr>
-            <a:cxnSpLocks/>
-            <a:stCxn id="69" idx="2"/>
-            <a:endCxn id="71" idx="3"/>
-          </p:cNvCxnSpPr>
-          <p:nvPr/>
-        </p:nvCxnSpPr>
-        <p:spPr>
-          <a:xfrm rot="5400000">
-            <a:off x="9648963" y="2810454"/>
-            <a:ext cx="1078484" cy="1289406"/>
-          </a:xfrm>
-          <a:prstGeom prst="curvedConnector2">
-            <a:avLst/>
-          </a:prstGeom>
-          <a:ln>
-            <a:tailEnd type="triangle"/>
-          </a:ln>
-        </p:spPr>
-        <p:style>
-          <a:lnRef idx="2">
-            <a:schemeClr val="accent1"/>
-          </a:lnRef>
-          <a:fillRef idx="0">
-            <a:schemeClr val="accent1"/>
-          </a:fillRef>
-          <a:effectRef idx="1">
-            <a:schemeClr val="accent1"/>
-          </a:effectRef>
-          <a:fontRef idx="minor">
-            <a:schemeClr val="tx1"/>
-          </a:fontRef>
-        </p:style>
-      </p:cxnSp>
-      <p:cxnSp>
-        <p:nvCxnSpPr>
-          <p:cNvPr id="83" name="Curved Connector 82">
-            <a:extLst>
-              <a:ext uri="{FF2B5EF4-FFF2-40B4-BE49-F238E27FC236}">
-                <a16:creationId xmlns:a16="http://schemas.microsoft.com/office/drawing/2014/main" id="{8720570E-D8E9-B0E9-5E59-9F649F952EE7}"/>
-              </a:ext>
-            </a:extLst>
-          </p:cNvPr>
-          <p:cNvCxnSpPr>
-            <a:cxnSpLocks/>
-            <a:stCxn id="71" idx="1"/>
-            <a:endCxn id="85" idx="3"/>
-          </p:cNvCxnSpPr>
-          <p:nvPr/>
-        </p:nvCxnSpPr>
-        <p:spPr>
-          <a:xfrm rot="10800000">
-            <a:off x="4946443" y="2744167"/>
-            <a:ext cx="3014072" cy="1250233"/>
-          </a:xfrm>
-          <a:prstGeom prst="curvedConnector3">
-            <a:avLst>
-              <a:gd name="adj1" fmla="val 50000"/>
-            </a:avLst>
-          </a:prstGeom>
-          <a:ln>
-            <a:tailEnd type="triangle"/>
-          </a:ln>
-        </p:spPr>
-        <p:style>
-          <a:lnRef idx="2">
-            <a:schemeClr val="accent1"/>
-          </a:lnRef>
-          <a:fillRef idx="0">
-            <a:schemeClr val="accent1"/>
-          </a:fillRef>
-          <a:effectRef idx="1">
-            <a:schemeClr val="accent1"/>
-          </a:effectRef>
-          <a:fontRef idx="minor">
-            <a:schemeClr val="tx1"/>
-          </a:fontRef>
-        </p:style>
-      </p:cxnSp>
-      <p:sp>
-        <p:nvSpPr>
-          <p:cNvPr id="85" name="Rectangle 84">
-            <a:extLst>
-              <a:ext uri="{FF2B5EF4-FFF2-40B4-BE49-F238E27FC236}">
-                <a16:creationId xmlns:a16="http://schemas.microsoft.com/office/drawing/2014/main" id="{1CF3936A-14E2-A452-071E-3776F543CF68}"/>
-              </a:ext>
-            </a:extLst>
-          </p:cNvPr>
-          <p:cNvSpPr/>
-          <p:nvPr/>
-        </p:nvSpPr>
-        <p:spPr>
-          <a:xfrm>
-            <a:off x="2803250" y="2564542"/>
-            <a:ext cx="2143193" cy="359247"/>
-          </a:xfrm>
-          <a:prstGeom prst="rect">
-            <a:avLst/>
-          </a:prstGeom>
-          <a:noFill/>
-          <a:ln w="9525" cap="flat" cmpd="sng" algn="ctr">
-            <a:solidFill>
-              <a:schemeClr val="accent1"/>
-            </a:solidFill>
-            <a:prstDash val="solid"/>
-            <a:round/>
-            <a:headEnd type="none" w="med" len="med"/>
-            <a:tailEnd type="none" w="med" len="med"/>
-          </a:ln>
-        </p:spPr>
-        <p:style>
-          <a:lnRef idx="0">
-            <a:scrgbClr r="0" g="0" b="0"/>
-          </a:lnRef>
-          <a:fillRef idx="0">
-            <a:scrgbClr r="0" g="0" b="0"/>
-          </a:fillRef>
-          <a:effectRef idx="0">
-            <a:scrgbClr r="0" g="0" b="0"/>
-          </a:effectRef>
-          <a:fontRef idx="minor">
-            <a:schemeClr val="accent1"/>
-          </a:fontRef>
-        </p:style>
-        <p:txBody>
-          <a:bodyPr rtlCol="0" anchor="ctr"/>
-          <a:lstStyle/>
-          <a:p>
-            <a:pPr algn="ctr"/>
-            <a:r>
-              <a:rPr lang="en-US" sz="1400"/>
-              <a:t>4.a OnFooUpdate(Foo:1)</a:t>
-            </a:r>
-          </a:p>
-        </p:txBody>
-      </p:sp>
-      <p:cxnSp>
-        <p:nvCxnSpPr>
-          <p:cNvPr id="88" name="Curved Connector 87">
-            <a:extLst>
-              <a:ext uri="{FF2B5EF4-FFF2-40B4-BE49-F238E27FC236}">
-                <a16:creationId xmlns:a16="http://schemas.microsoft.com/office/drawing/2014/main" id="{69A3A5FB-79FA-068C-BCEF-206A25DB7EC5}"/>
-              </a:ext>
-            </a:extLst>
-          </p:cNvPr>
-          <p:cNvCxnSpPr>
-            <a:cxnSpLocks/>
-            <a:stCxn id="85" idx="1"/>
-            <a:endCxn id="4" idx="0"/>
-          </p:cNvCxnSpPr>
-          <p:nvPr/>
-        </p:nvCxnSpPr>
-        <p:spPr>
-          <a:xfrm rot="10800000" flipV="1">
-            <a:off x="2070472" y="2744166"/>
-            <a:ext cx="732778" cy="284404"/>
-          </a:xfrm>
-          <a:prstGeom prst="curvedConnector2">
-            <a:avLst/>
-          </a:prstGeom>
-          <a:ln>
-            <a:tailEnd type="triangle"/>
-          </a:ln>
-        </p:spPr>
-        <p:style>
-          <a:lnRef idx="2">
-            <a:schemeClr val="accent1"/>
-          </a:lnRef>
-          <a:fillRef idx="0">
-            <a:schemeClr val="accent1"/>
-          </a:fillRef>
-          <a:effectRef idx="1">
-            <a:schemeClr val="accent1"/>
-          </a:effectRef>
-          <a:fontRef idx="minor">
-            <a:schemeClr val="tx1"/>
-          </a:fontRef>
-        </p:style>
-      </p:cxnSp>
-      <p:sp>
-        <p:nvSpPr>
-          <p:cNvPr id="91" name="Rectangle 90">
-            <a:extLst>
-              <a:ext uri="{FF2B5EF4-FFF2-40B4-BE49-F238E27FC236}">
-                <a16:creationId xmlns:a16="http://schemas.microsoft.com/office/drawing/2014/main" id="{2CBE658F-4828-C55B-D4AD-C5B6052899E4}"/>
-              </a:ext>
-            </a:extLst>
-          </p:cNvPr>
-          <p:cNvSpPr/>
-          <p:nvPr/>
-        </p:nvSpPr>
-        <p:spPr>
-          <a:xfrm>
-            <a:off x="9890519" y="4232514"/>
-            <a:ext cx="2143193" cy="359247"/>
-          </a:xfrm>
-          <a:prstGeom prst="rect">
-            <a:avLst/>
-          </a:prstGeom>
-          <a:noFill/>
-          <a:ln w="9525" cap="flat" cmpd="sng" algn="ctr">
-            <a:solidFill>
-              <a:schemeClr val="accent1"/>
-            </a:solidFill>
-            <a:prstDash val="solid"/>
-            <a:round/>
-            <a:headEnd type="none" w="med" len="med"/>
-            <a:tailEnd type="none" w="med" len="med"/>
-          </a:ln>
-        </p:spPr>
-        <p:style>
-          <a:lnRef idx="0">
-            <a:scrgbClr r="0" g="0" b="0"/>
-          </a:lnRef>
-          <a:fillRef idx="0">
-            <a:scrgbClr r="0" g="0" b="0"/>
-          </a:fillRef>
-          <a:effectRef idx="0">
-            <a:scrgbClr r="0" g="0" b="0"/>
-          </a:effectRef>
-          <a:fontRef idx="minor">
-            <a:schemeClr val="accent1"/>
-          </a:fontRef>
-        </p:style>
-        <p:txBody>
-          <a:bodyPr rtlCol="0" anchor="ctr"/>
-          <a:lstStyle/>
-          <a:p>
-            <a:pPr algn="ctr"/>
-            <a:r>
-              <a:rPr lang="en-US" sz="1400"/>
-              <a:t>4.b save(Foo:1)</a:t>
-            </a:r>
-          </a:p>
-        </p:txBody>
-      </p:sp>
-      <p:cxnSp>
-        <p:nvCxnSpPr>
-          <p:cNvPr id="92" name="Curved Connector 91">
-            <a:extLst>
-              <a:ext uri="{FF2B5EF4-FFF2-40B4-BE49-F238E27FC236}">
-                <a16:creationId xmlns:a16="http://schemas.microsoft.com/office/drawing/2014/main" id="{117A1FB9-FC48-3B07-610F-05253E19A107}"/>
-              </a:ext>
-            </a:extLst>
-          </p:cNvPr>
-          <p:cNvCxnSpPr>
-            <a:cxnSpLocks/>
-            <a:stCxn id="71" idx="2"/>
-            <a:endCxn id="91" idx="0"/>
-          </p:cNvCxnSpPr>
-          <p:nvPr/>
-        </p:nvCxnSpPr>
-        <p:spPr>
-          <a:xfrm rot="5400000" flipH="1" flipV="1">
-            <a:off x="9854970" y="3129552"/>
-            <a:ext cx="4183" cy="2210107"/>
-          </a:xfrm>
-          <a:prstGeom prst="curvedConnector5">
-            <a:avLst>
-              <a:gd name="adj1" fmla="val -5464977"/>
-              <a:gd name="adj2" fmla="val 43663"/>
-              <a:gd name="adj3" fmla="val 5564977"/>
-            </a:avLst>
-          </a:prstGeom>
-          <a:ln>
-            <a:tailEnd type="triangle"/>
-          </a:ln>
-        </p:spPr>
-        <p:style>
-          <a:lnRef idx="2">
-            <a:schemeClr val="accent1"/>
-          </a:lnRef>
-          <a:fillRef idx="0">
-            <a:schemeClr val="accent1"/>
-          </a:fillRef>
-          <a:effectRef idx="1">
-            <a:schemeClr val="accent1"/>
-          </a:effectRef>
-          <a:fontRef idx="minor">
-            <a:schemeClr val="tx1"/>
-          </a:fontRef>
-        </p:style>
-      </p:cxnSp>
-      <p:cxnSp>
-        <p:nvCxnSpPr>
-          <p:cNvPr id="95" name="Curved Connector 94">
-            <a:extLst>
-              <a:ext uri="{FF2B5EF4-FFF2-40B4-BE49-F238E27FC236}">
-                <a16:creationId xmlns:a16="http://schemas.microsoft.com/office/drawing/2014/main" id="{E2A37DFA-54C8-D665-F35E-E9543FA4D33C}"/>
-              </a:ext>
-            </a:extLst>
-          </p:cNvPr>
-          <p:cNvCxnSpPr>
-            <a:cxnSpLocks/>
-            <a:stCxn id="91" idx="2"/>
-            <a:endCxn id="24" idx="0"/>
-          </p:cNvCxnSpPr>
-          <p:nvPr/>
-        </p:nvCxnSpPr>
-        <p:spPr>
-          <a:xfrm rot="5400000">
-            <a:off x="9487608" y="3558117"/>
-            <a:ext cx="440865" cy="2508152"/>
-          </a:xfrm>
-          <a:prstGeom prst="curvedConnector3">
-            <a:avLst>
-              <a:gd name="adj1" fmla="val 50000"/>
-            </a:avLst>
-          </a:prstGeom>
-          <a:ln>
-            <a:tailEnd type="triangle"/>
-          </a:ln>
-        </p:spPr>
-        <p:style>
-          <a:lnRef idx="2">
-            <a:schemeClr val="accent1"/>
-          </a:lnRef>
-          <a:fillRef idx="0">
-            <a:schemeClr val="accent1"/>
-          </a:fillRef>
-          <a:effectRef idx="1">
-            <a:schemeClr val="accent1"/>
-          </a:effectRef>
-          <a:fontRef idx="minor">
-            <a:schemeClr val="tx1"/>
-          </a:fontRef>
-        </p:style>
-      </p:cxnSp>
-      <p:sp>
-        <p:nvSpPr>
-          <p:cNvPr id="106" name="Rectangle 105">
-            <a:extLst>
-              <a:ext uri="{FF2B5EF4-FFF2-40B4-BE49-F238E27FC236}">
-                <a16:creationId xmlns:a16="http://schemas.microsoft.com/office/drawing/2014/main" id="{FE5D1833-A911-22F2-E0C2-6B72E8964DE2}"/>
-              </a:ext>
-            </a:extLst>
-          </p:cNvPr>
-          <p:cNvSpPr/>
-          <p:nvPr/>
-        </p:nvSpPr>
-        <p:spPr>
-          <a:xfrm>
-            <a:off x="3402218" y="5425291"/>
-            <a:ext cx="2143193" cy="359247"/>
-          </a:xfrm>
-          <a:prstGeom prst="rect">
-            <a:avLst/>
-          </a:prstGeom>
-          <a:noFill/>
-          <a:ln w="9525" cap="flat" cmpd="sng" algn="ctr">
-            <a:solidFill>
-              <a:schemeClr val="accent1"/>
-            </a:solidFill>
-            <a:prstDash val="solid"/>
-            <a:round/>
-            <a:headEnd type="none" w="med" len="med"/>
-            <a:tailEnd type="none" w="med" len="med"/>
-          </a:ln>
-        </p:spPr>
-        <p:style>
-          <a:lnRef idx="0">
-            <a:scrgbClr r="0" g="0" b="0"/>
-          </a:lnRef>
-          <a:fillRef idx="0">
-            <a:scrgbClr r="0" g="0" b="0"/>
-          </a:fillRef>
-          <a:effectRef idx="0">
-            <a:scrgbClr r="0" g="0" b="0"/>
-          </a:effectRef>
-          <a:fontRef idx="minor">
-            <a:schemeClr val="accent1"/>
-          </a:fontRef>
-        </p:style>
-        <p:txBody>
-          <a:bodyPr rtlCol="0" anchor="ctr"/>
-          <a:lstStyle/>
-          <a:p>
-            <a:pPr algn="ctr"/>
-            <a:r>
-              <a:rPr lang="en-US" sz="1400"/>
-              <a:t>5. Commit()</a:t>
-            </a:r>
-          </a:p>
-        </p:txBody>
-      </p:sp>
-      <p:sp>
-        <p:nvSpPr>
-          <p:cNvPr id="107" name="Rectangle 106">
-            <a:extLst>
-              <a:ext uri="{FF2B5EF4-FFF2-40B4-BE49-F238E27FC236}">
-                <a16:creationId xmlns:a16="http://schemas.microsoft.com/office/drawing/2014/main" id="{E2962857-6F29-AF85-5D33-98CD9D5F2F01}"/>
-              </a:ext>
-            </a:extLst>
-          </p:cNvPr>
-          <p:cNvSpPr/>
-          <p:nvPr/>
-        </p:nvSpPr>
-        <p:spPr>
-          <a:xfrm>
-            <a:off x="1731654" y="4776573"/>
-            <a:ext cx="2143193" cy="359247"/>
-          </a:xfrm>
-          <a:prstGeom prst="rect">
-            <a:avLst/>
-          </a:prstGeom>
-          <a:noFill/>
-          <a:ln w="9525" cap="flat" cmpd="sng" algn="ctr">
-            <a:solidFill>
-              <a:schemeClr val="accent1"/>
-            </a:solidFill>
-            <a:prstDash val="solid"/>
-            <a:round/>
-            <a:headEnd type="none" w="med" len="med"/>
-            <a:tailEnd type="none" w="med" len="med"/>
-          </a:ln>
-        </p:spPr>
-        <p:style>
-          <a:lnRef idx="0">
-            <a:scrgbClr r="0" g="0" b="0"/>
-          </a:lnRef>
-          <a:fillRef idx="0">
-            <a:scrgbClr r="0" g="0" b="0"/>
-          </a:fillRef>
-          <a:effectRef idx="0">
-            <a:scrgbClr r="0" g="0" b="0"/>
-          </a:effectRef>
-          <a:fontRef idx="minor">
-            <a:schemeClr val="accent1"/>
-          </a:fontRef>
-        </p:style>
-        <p:txBody>
-          <a:bodyPr rtlCol="0" anchor="ctr"/>
-          <a:lstStyle/>
-          <a:p>
-            <a:pPr algn="ctr"/>
-            <a:r>
-              <a:rPr lang="en-US" sz="1400"/>
-              <a:t>5. Business logic()</a:t>
-            </a:r>
-          </a:p>
-        </p:txBody>
-      </p:sp>
-      <p:cxnSp>
-        <p:nvCxnSpPr>
-          <p:cNvPr id="108" name="Curved Connector 107">
-            <a:extLst>
-              <a:ext uri="{FF2B5EF4-FFF2-40B4-BE49-F238E27FC236}">
-                <a16:creationId xmlns:a16="http://schemas.microsoft.com/office/drawing/2014/main" id="{F43A8232-DF39-2616-A91A-F247F120BA9D}"/>
-              </a:ext>
-            </a:extLst>
-          </p:cNvPr>
-          <p:cNvCxnSpPr>
-            <a:cxnSpLocks/>
-            <a:stCxn id="4" idx="3"/>
-            <a:endCxn id="107" idx="1"/>
-          </p:cNvCxnSpPr>
-          <p:nvPr/>
-        </p:nvCxnSpPr>
-        <p:spPr>
-          <a:xfrm rot="16200000" flipH="1">
-            <a:off x="956440" y="4180982"/>
-            <a:ext cx="627841" cy="922587"/>
-          </a:xfrm>
-          <a:prstGeom prst="curvedConnector2">
-            <a:avLst/>
-          </a:prstGeom>
-          <a:ln>
-            <a:tailEnd type="triangle"/>
-          </a:ln>
-        </p:spPr>
-        <p:style>
-          <a:lnRef idx="2">
-            <a:schemeClr val="accent1"/>
-          </a:lnRef>
-          <a:fillRef idx="0">
-            <a:schemeClr val="accent1"/>
-          </a:fillRef>
-          <a:effectRef idx="1">
-            <a:schemeClr val="accent1"/>
-          </a:effectRef>
-          <a:fontRef idx="minor">
-            <a:schemeClr val="tx1"/>
-          </a:fontRef>
-        </p:style>
-      </p:cxnSp>
-      <p:cxnSp>
-        <p:nvCxnSpPr>
-          <p:cNvPr id="129" name="Curved Connector 128">
-            <a:extLst>
-              <a:ext uri="{FF2B5EF4-FFF2-40B4-BE49-F238E27FC236}">
-                <a16:creationId xmlns:a16="http://schemas.microsoft.com/office/drawing/2014/main" id="{D708E585-BE80-4DAC-455F-19981AC19985}"/>
-              </a:ext>
-            </a:extLst>
-          </p:cNvPr>
-          <p:cNvCxnSpPr>
-            <a:cxnSpLocks/>
-            <a:stCxn id="107" idx="2"/>
-            <a:endCxn id="106" idx="1"/>
-          </p:cNvCxnSpPr>
-          <p:nvPr/>
-        </p:nvCxnSpPr>
-        <p:spPr>
-          <a:xfrm rot="16200000" flipH="1">
-            <a:off x="2868187" y="5070883"/>
-            <a:ext cx="469095" cy="598967"/>
-          </a:xfrm>
-          <a:prstGeom prst="curvedConnector2">
-            <a:avLst/>
-          </a:prstGeom>
-          <a:ln>
-            <a:tailEnd type="triangle"/>
-          </a:ln>
-        </p:spPr>
-        <p:style>
-          <a:lnRef idx="2">
-            <a:schemeClr val="accent1"/>
-          </a:lnRef>
-          <a:fillRef idx="0">
-            <a:schemeClr val="accent1"/>
-          </a:fillRef>
-          <a:effectRef idx="1">
-            <a:schemeClr val="accent1"/>
-          </a:effectRef>
-          <a:fontRef idx="minor">
-            <a:schemeClr val="tx1"/>
-          </a:fontRef>
-        </p:style>
-      </p:cxnSp>
-      <p:sp>
-        <p:nvSpPr>
-          <p:cNvPr id="147" name="Rectangle 146">
-            <a:extLst>
-              <a:ext uri="{FF2B5EF4-FFF2-40B4-BE49-F238E27FC236}">
-                <a16:creationId xmlns:a16="http://schemas.microsoft.com/office/drawing/2014/main" id="{2AD5F785-534A-F563-1A2C-EF505F3AE632}"/>
-              </a:ext>
-            </a:extLst>
-          </p:cNvPr>
-          <p:cNvSpPr/>
-          <p:nvPr/>
-        </p:nvSpPr>
-        <p:spPr>
-          <a:xfrm>
-            <a:off x="5022184" y="6098358"/>
-            <a:ext cx="2143193" cy="359247"/>
-          </a:xfrm>
-          <a:prstGeom prst="rect">
-            <a:avLst/>
-          </a:prstGeom>
-          <a:noFill/>
-          <a:ln w="9525" cap="flat" cmpd="sng" algn="ctr">
-            <a:solidFill>
-              <a:schemeClr val="accent1"/>
-            </a:solidFill>
-            <a:prstDash val="solid"/>
-            <a:round/>
-            <a:headEnd type="none" w="med" len="med"/>
-            <a:tailEnd type="none" w="med" len="med"/>
-          </a:ln>
-        </p:spPr>
-        <p:style>
-          <a:lnRef idx="0">
-            <a:scrgbClr r="0" g="0" b="0"/>
-          </a:lnRef>
-          <a:fillRef idx="0">
-            <a:scrgbClr r="0" g="0" b="0"/>
-          </a:fillRef>
-          <a:effectRef idx="0">
-            <a:scrgbClr r="0" g="0" b="0"/>
-          </a:effectRef>
-          <a:fontRef idx="minor">
-            <a:schemeClr val="accent1"/>
-          </a:fontRef>
-        </p:style>
-        <p:txBody>
-          <a:bodyPr rtlCol="0" anchor="ctr"/>
-          <a:lstStyle/>
-          <a:p>
-            <a:pPr algn="ctr"/>
-            <a:r>
-              <a:rPr lang="en-US" sz="1400"/>
-              <a:t>6.a save(stage)</a:t>
-            </a:r>
-          </a:p>
-        </p:txBody>
-      </p:sp>
-      <p:cxnSp>
-        <p:nvCxnSpPr>
-          <p:cNvPr id="151" name="Curved Connector 150">
-            <a:extLst>
-              <a:ext uri="{FF2B5EF4-FFF2-40B4-BE49-F238E27FC236}">
-                <a16:creationId xmlns:a16="http://schemas.microsoft.com/office/drawing/2014/main" id="{F75B6F6A-E882-AE8D-0112-1CEE212DBFAF}"/>
-              </a:ext>
-            </a:extLst>
-          </p:cNvPr>
-          <p:cNvCxnSpPr>
-            <a:cxnSpLocks/>
-            <a:stCxn id="106" idx="2"/>
-            <a:endCxn id="147" idx="1"/>
-          </p:cNvCxnSpPr>
-          <p:nvPr/>
-        </p:nvCxnSpPr>
-        <p:spPr>
-          <a:xfrm rot="16200000" flipH="1">
-            <a:off x="4501277" y="5757075"/>
-            <a:ext cx="493444" cy="548369"/>
-          </a:xfrm>
-          <a:prstGeom prst="curvedConnector2">
-            <a:avLst/>
-          </a:prstGeom>
-          <a:ln>
-            <a:tailEnd type="triangle"/>
-          </a:ln>
-        </p:spPr>
-        <p:style>
-          <a:lnRef idx="2">
-            <a:schemeClr val="accent1"/>
-          </a:lnRef>
-          <a:fillRef idx="0">
-            <a:schemeClr val="accent1"/>
-          </a:fillRef>
-          <a:effectRef idx="1">
-            <a:schemeClr val="accent1"/>
-          </a:effectRef>
-          <a:fontRef idx="minor">
-            <a:schemeClr val="tx1"/>
-          </a:fontRef>
-        </p:style>
-      </p:cxnSp>
-      <p:cxnSp>
-        <p:nvCxnSpPr>
-          <p:cNvPr id="156" name="Curved Connector 155">
-            <a:extLst>
-              <a:ext uri="{FF2B5EF4-FFF2-40B4-BE49-F238E27FC236}">
-                <a16:creationId xmlns:a16="http://schemas.microsoft.com/office/drawing/2014/main" id="{CC0FE567-FF62-34C1-8053-C7DD6DE27279}"/>
-              </a:ext>
-            </a:extLst>
-          </p:cNvPr>
-          <p:cNvCxnSpPr>
-            <a:cxnSpLocks/>
-            <a:stCxn id="147" idx="2"/>
-            <a:endCxn id="6" idx="3"/>
-          </p:cNvCxnSpPr>
-          <p:nvPr/>
-        </p:nvCxnSpPr>
-        <p:spPr>
-          <a:xfrm rot="5400000" flipH="1" flipV="1">
-            <a:off x="6955907" y="5300312"/>
-            <a:ext cx="295166" cy="2019419"/>
-          </a:xfrm>
-          <a:prstGeom prst="curvedConnector3">
-            <a:avLst>
-              <a:gd name="adj1" fmla="val -77448"/>
-            </a:avLst>
-          </a:prstGeom>
-          <a:ln>
-            <a:tailEnd type="triangle"/>
-          </a:ln>
-        </p:spPr>
-        <p:style>
-          <a:lnRef idx="2">
-            <a:schemeClr val="accent1"/>
-          </a:lnRef>
-          <a:fillRef idx="0">
-            <a:schemeClr val="accent1"/>
-          </a:fillRef>
-          <a:effectRef idx="1">
-            <a:schemeClr val="accent1"/>
-          </a:effectRef>
-          <a:fontRef idx="minor">
-            <a:schemeClr val="tx1"/>
-          </a:fontRef>
-        </p:style>
-      </p:cxnSp>
-      <p:sp>
-        <p:nvSpPr>
-          <p:cNvPr id="172" name="Rectangle 171">
-            <a:extLst>
-              <a:ext uri="{FF2B5EF4-FFF2-40B4-BE49-F238E27FC236}">
-                <a16:creationId xmlns:a16="http://schemas.microsoft.com/office/drawing/2014/main" id="{1304ED04-62CA-5C9B-90E3-EECF1E176ECD}"/>
-              </a:ext>
-            </a:extLst>
-          </p:cNvPr>
-          <p:cNvSpPr/>
-          <p:nvPr/>
-        </p:nvSpPr>
-        <p:spPr>
-          <a:xfrm>
-            <a:off x="4565422" y="4111338"/>
-            <a:ext cx="2676816" cy="359247"/>
-          </a:xfrm>
-          <a:prstGeom prst="rect">
-            <a:avLst/>
-          </a:prstGeom>
-          <a:noFill/>
-          <a:ln w="9525" cap="flat" cmpd="sng" algn="ctr">
-            <a:solidFill>
-              <a:schemeClr val="accent1"/>
-            </a:solidFill>
-            <a:prstDash val="solid"/>
-            <a:round/>
-            <a:headEnd type="none" w="med" len="med"/>
-            <a:tailEnd type="none" w="med" len="med"/>
-          </a:ln>
-        </p:spPr>
-        <p:style>
-          <a:lnRef idx="0">
-            <a:scrgbClr r="0" g="0" b="0"/>
-          </a:lnRef>
-          <a:fillRef idx="0">
-            <a:scrgbClr r="0" g="0" b="0"/>
-          </a:fillRef>
-          <a:effectRef idx="0">
-            <a:scrgbClr r="0" g="0" b="0"/>
-          </a:effectRef>
-          <a:fontRef idx="minor">
-            <a:schemeClr val="accent1"/>
-          </a:fontRef>
-        </p:style>
-        <p:txBody>
-          <a:bodyPr rtlCol="0" anchor="ctr"/>
-          <a:lstStyle/>
-          <a:p>
-            <a:pPr algn="ctr"/>
-            <a:r>
-              <a:rPr lang="en-US" sz="1400"/>
-              <a:t>6.b WebSocket WriteJson()</a:t>
-            </a:r>
-          </a:p>
-        </p:txBody>
-      </p:sp>
-      <p:cxnSp>
-        <p:nvCxnSpPr>
-          <p:cNvPr id="173" name="Curved Connector 172">
-            <a:extLst>
-              <a:ext uri="{FF2B5EF4-FFF2-40B4-BE49-F238E27FC236}">
-                <a16:creationId xmlns:a16="http://schemas.microsoft.com/office/drawing/2014/main" id="{A5735E06-64E6-9FC8-DF06-15A38A49AD29}"/>
-              </a:ext>
-            </a:extLst>
-          </p:cNvPr>
-          <p:cNvCxnSpPr>
-            <a:cxnSpLocks/>
-            <a:stCxn id="106" idx="0"/>
-            <a:endCxn id="172" idx="2"/>
-          </p:cNvCxnSpPr>
-          <p:nvPr/>
-        </p:nvCxnSpPr>
-        <p:spPr>
-          <a:xfrm rot="5400000" flipH="1" flipV="1">
-            <a:off x="4711469" y="4232931"/>
-            <a:ext cx="954706" cy="1430015"/>
-          </a:xfrm>
-          <a:prstGeom prst="curvedConnector3">
-            <a:avLst>
-              <a:gd name="adj1" fmla="val 50000"/>
-            </a:avLst>
-          </a:prstGeom>
-          <a:ln>
-            <a:tailEnd type="triangle"/>
-          </a:ln>
-        </p:spPr>
-        <p:style>
-          <a:lnRef idx="2">
-            <a:schemeClr val="accent1"/>
-          </a:lnRef>
-          <a:fillRef idx="0">
-            <a:schemeClr val="accent1"/>
-          </a:fillRef>
-          <a:effectRef idx="1">
-            <a:schemeClr val="accent1"/>
-          </a:effectRef>
-          <a:fontRef idx="minor">
-            <a:schemeClr val="tx1"/>
-          </a:fontRef>
-        </p:style>
-      </p:cxnSp>
-      <p:cxnSp>
-        <p:nvCxnSpPr>
-          <p:cNvPr id="177" name="Curved Connector 176">
-            <a:extLst>
-              <a:ext uri="{FF2B5EF4-FFF2-40B4-BE49-F238E27FC236}">
-                <a16:creationId xmlns:a16="http://schemas.microsoft.com/office/drawing/2014/main" id="{46572362-B7BE-2A53-D443-43C6253D10E2}"/>
-              </a:ext>
-            </a:extLst>
-          </p:cNvPr>
-          <p:cNvCxnSpPr>
-            <a:cxnSpLocks/>
-            <a:stCxn id="172" idx="0"/>
-            <a:endCxn id="190" idx="2"/>
-          </p:cNvCxnSpPr>
-          <p:nvPr/>
-        </p:nvCxnSpPr>
-        <p:spPr>
-          <a:xfrm rot="5400000" flipH="1" flipV="1">
-            <a:off x="6245669" y="2605989"/>
-            <a:ext cx="1163511" cy="1847189"/>
-          </a:xfrm>
-          <a:prstGeom prst="curvedConnector3">
-            <a:avLst>
-              <a:gd name="adj1" fmla="val 50000"/>
-            </a:avLst>
-          </a:prstGeom>
-          <a:ln>
-            <a:tailEnd type="triangle"/>
-          </a:ln>
-        </p:spPr>
-        <p:style>
-          <a:lnRef idx="2">
-            <a:schemeClr val="accent1"/>
-          </a:lnRef>
-          <a:fillRef idx="0">
-            <a:schemeClr val="accent1"/>
-          </a:fillRef>
-          <a:effectRef idx="1">
-            <a:schemeClr val="accent1"/>
-          </a:effectRef>
-          <a:fontRef idx="minor">
-            <a:schemeClr val="tx1"/>
-          </a:fontRef>
-        </p:style>
-      </p:cxnSp>
-      <p:cxnSp>
-        <p:nvCxnSpPr>
-          <p:cNvPr id="182" name="Curved Connector 181">
-            <a:extLst>
-              <a:ext uri="{FF2B5EF4-FFF2-40B4-BE49-F238E27FC236}">
-                <a16:creationId xmlns:a16="http://schemas.microsoft.com/office/drawing/2014/main" id="{6F084AB3-8892-EDBF-22C7-ED31729D693F}"/>
-              </a:ext>
-            </a:extLst>
-          </p:cNvPr>
-          <p:cNvCxnSpPr>
-            <a:cxnSpLocks/>
-            <a:stCxn id="186" idx="0"/>
-            <a:endCxn id="54" idx="4"/>
-          </p:cNvCxnSpPr>
-          <p:nvPr/>
-        </p:nvCxnSpPr>
-        <p:spPr>
-          <a:xfrm rot="16200000" flipV="1">
-            <a:off x="4979276" y="1667385"/>
-            <a:ext cx="220445" cy="44517"/>
-          </a:xfrm>
-          <a:prstGeom prst="curvedConnector3">
-            <a:avLst>
-              <a:gd name="adj1" fmla="val 50000"/>
-            </a:avLst>
-          </a:prstGeom>
-          <a:ln>
-            <a:tailEnd type="triangle"/>
-          </a:ln>
-        </p:spPr>
-        <p:style>
-          <a:lnRef idx="2">
-            <a:schemeClr val="accent1"/>
-          </a:lnRef>
-          <a:fillRef idx="0">
-            <a:schemeClr val="accent1"/>
-          </a:fillRef>
-          <a:effectRef idx="1">
-            <a:schemeClr val="accent1"/>
-          </a:effectRef>
-          <a:fontRef idx="minor">
-            <a:schemeClr val="tx1"/>
-          </a:fontRef>
-        </p:style>
-      </p:cxnSp>
-      <p:sp>
-        <p:nvSpPr>
-          <p:cNvPr id="186" name="Rectangle 185">
-            <a:extLst>
-              <a:ext uri="{FF2B5EF4-FFF2-40B4-BE49-F238E27FC236}">
-                <a16:creationId xmlns:a16="http://schemas.microsoft.com/office/drawing/2014/main" id="{66E77503-8891-F185-D755-B13417DF228A}"/>
-              </a:ext>
-            </a:extLst>
-          </p:cNvPr>
-          <p:cNvSpPr/>
-          <p:nvPr/>
-        </p:nvSpPr>
-        <p:spPr>
-          <a:xfrm>
-            <a:off x="4336680" y="1799866"/>
-            <a:ext cx="1550152" cy="359247"/>
-          </a:xfrm>
-          <a:prstGeom prst="rect">
-            <a:avLst/>
-          </a:prstGeom>
-          <a:noFill/>
-          <a:ln w="9525" cap="flat" cmpd="sng" algn="ctr">
-            <a:solidFill>
-              <a:schemeClr val="accent1"/>
-            </a:solidFill>
-            <a:prstDash val="solid"/>
-            <a:round/>
-            <a:headEnd type="none" w="med" len="med"/>
-            <a:tailEnd type="none" w="med" len="med"/>
-          </a:ln>
-        </p:spPr>
-        <p:style>
-          <a:lnRef idx="0">
-            <a:scrgbClr r="0" g="0" b="0"/>
-          </a:lnRef>
-          <a:fillRef idx="0">
-            <a:scrgbClr r="0" g="0" b="0"/>
-          </a:fillRef>
-          <a:effectRef idx="0">
-            <a:scrgbClr r="0" g="0" b="0"/>
-          </a:effectRef>
-          <a:fontRef idx="minor">
-            <a:schemeClr val="accent1"/>
-          </a:fontRef>
-        </p:style>
-        <p:txBody>
-          <a:bodyPr rtlCol="0" anchor="ctr"/>
-          <a:lstStyle/>
-          <a:p>
-            <a:pPr algn="ctr"/>
-            <a:r>
-              <a:rPr lang="en-US" sz="1400"/>
-              <a:t>8 Push()</a:t>
-            </a:r>
-          </a:p>
-        </p:txBody>
-      </p:sp>
-      <p:sp>
-        <p:nvSpPr>
-          <p:cNvPr id="190" name="Rectangle 189">
-            <a:extLst>
-              <a:ext uri="{FF2B5EF4-FFF2-40B4-BE49-F238E27FC236}">
-                <a16:creationId xmlns:a16="http://schemas.microsoft.com/office/drawing/2014/main" id="{60CBE95C-9AC2-9571-4833-83D875E7B66E}"/>
-              </a:ext>
-            </a:extLst>
-          </p:cNvPr>
-          <p:cNvSpPr/>
-          <p:nvPr/>
-        </p:nvSpPr>
-        <p:spPr>
-          <a:xfrm>
-            <a:off x="6975943" y="2588580"/>
-            <a:ext cx="1550152" cy="359247"/>
-          </a:xfrm>
-          <a:prstGeom prst="rect">
-            <a:avLst/>
-          </a:prstGeom>
-          <a:noFill/>
-          <a:ln w="9525" cap="flat" cmpd="sng" algn="ctr">
-            <a:solidFill>
-              <a:schemeClr val="accent1"/>
-            </a:solidFill>
-            <a:prstDash val="solid"/>
-            <a:round/>
-            <a:headEnd type="none" w="med" len="med"/>
-            <a:tailEnd type="none" w="med" len="med"/>
-          </a:ln>
-        </p:spPr>
-        <p:style>
-          <a:lnRef idx="0">
-            <a:scrgbClr r="0" g="0" b="0"/>
-          </a:lnRef>
-          <a:fillRef idx="0">
-            <a:scrgbClr r="0" g="0" b="0"/>
-          </a:fillRef>
-          <a:effectRef idx="0">
-            <a:scrgbClr r="0" g="0" b="0"/>
-          </a:effectRef>
-          <a:fontRef idx="minor">
-            <a:schemeClr val="accent1"/>
-          </a:fontRef>
-        </p:style>
-        <p:txBody>
-          <a:bodyPr rtlCol="0" anchor="ctr"/>
-          <a:lstStyle/>
-          <a:p>
-            <a:pPr algn="ctr"/>
-            <a:r>
-              <a:rPr lang="en-US" sz="1400"/>
-              <a:t>7. onMessage()</a:t>
-            </a:r>
-          </a:p>
-        </p:txBody>
-      </p:sp>
-      <p:sp>
-        <p:nvSpPr>
-          <p:cNvPr id="202" name="Freeform 201">
-            <a:extLst>
-              <a:ext uri="{FF2B5EF4-FFF2-40B4-BE49-F238E27FC236}">
-                <a16:creationId xmlns:a16="http://schemas.microsoft.com/office/drawing/2014/main" id="{0CC96CBF-3493-9F21-AC9C-D1B4FB502C9A}"/>
-              </a:ext>
-            </a:extLst>
-          </p:cNvPr>
-          <p:cNvSpPr/>
-          <p:nvPr/>
-        </p:nvSpPr>
-        <p:spPr>
-          <a:xfrm>
-            <a:off x="3136596" y="2238880"/>
-            <a:ext cx="8411557" cy="1408445"/>
+            <a:off x="1069080" y="2147655"/>
+            <a:ext cx="10053839" cy="802962"/>
           </a:xfrm>
           <a:custGeom>
             <a:avLst/>
@@ -6343,6 +3774,4600 @@
       </p:sp>
       <p:cxnSp>
         <p:nvCxnSpPr>
+          <p:cNvPr id="55" name="Curved Connector 54">
+            <a:extLst>
+              <a:ext uri="{FF2B5EF4-FFF2-40B4-BE49-F238E27FC236}">
+                <a16:creationId xmlns:a16="http://schemas.microsoft.com/office/drawing/2014/main" id="{78B11478-DBBF-36CA-EE20-3FCEDCB57003}"/>
+              </a:ext>
+            </a:extLst>
+          </p:cNvPr>
+          <p:cNvCxnSpPr>
+            <a:cxnSpLocks/>
+            <a:stCxn id="27" idx="3"/>
+            <a:endCxn id="56" idx="4"/>
+          </p:cNvCxnSpPr>
+          <p:nvPr/>
+        </p:nvCxnSpPr>
+        <p:spPr>
+          <a:xfrm rot="5400000">
+            <a:off x="4406023" y="-327174"/>
+            <a:ext cx="66784" cy="3552371"/>
+          </a:xfrm>
+          <a:prstGeom prst="curvedConnector3">
+            <a:avLst>
+              <a:gd name="adj1" fmla="val 587569"/>
+            </a:avLst>
+          </a:prstGeom>
+          <a:ln>
+            <a:tailEnd type="triangle"/>
+          </a:ln>
+        </p:spPr>
+        <p:style>
+          <a:lnRef idx="2">
+            <a:schemeClr val="accent1"/>
+          </a:lnRef>
+          <a:fillRef idx="0">
+            <a:schemeClr val="accent1"/>
+          </a:fillRef>
+          <a:effectRef idx="1">
+            <a:schemeClr val="accent1"/>
+          </a:effectRef>
+          <a:fontRef idx="minor">
+            <a:schemeClr val="tx1"/>
+          </a:fontRef>
+        </p:style>
+      </p:cxnSp>
+      <p:grpSp>
+        <p:nvGrpSpPr>
+          <p:cNvPr id="67" name="Group 66">
+            <a:extLst>
+              <a:ext uri="{FF2B5EF4-FFF2-40B4-BE49-F238E27FC236}">
+                <a16:creationId xmlns:a16="http://schemas.microsoft.com/office/drawing/2014/main" id="{5C5F3CE9-4562-4DB6-52A7-90DC402F02C1}"/>
+              </a:ext>
+            </a:extLst>
+          </p:cNvPr>
+          <p:cNvGrpSpPr/>
+          <p:nvPr/>
+        </p:nvGrpSpPr>
+        <p:grpSpPr>
+          <a:xfrm>
+            <a:off x="2170902" y="478192"/>
+            <a:ext cx="889715" cy="1004211"/>
+            <a:chOff x="579422" y="326533"/>
+            <a:chExt cx="889715" cy="1004211"/>
+          </a:xfrm>
+        </p:grpSpPr>
+        <p:pic>
+          <p:nvPicPr>
+            <p:cNvPr id="24" name="Graphic 23" descr="User outline">
+              <a:extLst>
+                <a:ext uri="{FF2B5EF4-FFF2-40B4-BE49-F238E27FC236}">
+                  <a16:creationId xmlns:a16="http://schemas.microsoft.com/office/drawing/2014/main" id="{84E47945-6576-C1BE-98F2-DCA4A1A3DEE4}"/>
+                </a:ext>
+              </a:extLst>
+            </p:cNvPr>
+            <p:cNvPicPr>
+              <a:picLocks noChangeAspect="1"/>
+            </p:cNvPicPr>
+            <p:nvPr/>
+          </p:nvPicPr>
+          <p:blipFill>
+            <a:blip r:embed="rId2">
+              <a:extLst>
+                <a:ext uri="{96DAC541-7B7A-43D3-8B79-37D633B846F1}">
+                  <asvg:svgBlip xmlns:asvg="http://schemas.microsoft.com/office/drawing/2016/SVG/main" r:embed="rId3"/>
+                </a:ext>
+              </a:extLst>
+            </a:blip>
+            <a:stretch>
+              <a:fillRect/>
+            </a:stretch>
+          </p:blipFill>
+          <p:spPr>
+            <a:xfrm>
+              <a:off x="579422" y="326533"/>
+              <a:ext cx="889715" cy="914400"/>
+            </a:xfrm>
+            <a:prstGeom prst="rect">
+              <a:avLst/>
+            </a:prstGeom>
+          </p:spPr>
+        </p:pic>
+        <p:sp>
+          <p:nvSpPr>
+            <p:cNvPr id="56" name="Oval 55">
+              <a:extLst>
+                <a:ext uri="{FF2B5EF4-FFF2-40B4-BE49-F238E27FC236}">
+                  <a16:creationId xmlns:a16="http://schemas.microsoft.com/office/drawing/2014/main" id="{9744655A-D0D4-D928-A089-454039622FD4}"/>
+                </a:ext>
+              </a:extLst>
+            </p:cNvPr>
+            <p:cNvSpPr/>
+            <p:nvPr/>
+          </p:nvSpPr>
+          <p:spPr>
+            <a:xfrm flipH="1">
+              <a:off x="902979" y="926611"/>
+              <a:ext cx="337540" cy="404133"/>
+            </a:xfrm>
+            <a:prstGeom prst="ellipse">
+              <a:avLst/>
+            </a:prstGeom>
+            <a:ln>
+              <a:noFill/>
+            </a:ln>
+          </p:spPr>
+          <p:style>
+            <a:lnRef idx="2">
+              <a:schemeClr val="accent6"/>
+            </a:lnRef>
+            <a:fillRef idx="1">
+              <a:schemeClr val="lt1"/>
+            </a:fillRef>
+            <a:effectRef idx="0">
+              <a:schemeClr val="accent6"/>
+            </a:effectRef>
+            <a:fontRef idx="minor">
+              <a:schemeClr val="dk1"/>
+            </a:fontRef>
+          </p:style>
+          <p:txBody>
+            <a:bodyPr rtlCol="0" anchor="ctr"/>
+            <a:lstStyle/>
+            <a:p>
+              <a:pPr algn="ctr"/>
+              <a:endParaRPr lang="en-US"/>
+            </a:p>
+          </p:txBody>
+        </p:sp>
+      </p:grpSp>
+      <p:sp>
+        <p:nvSpPr>
+          <p:cNvPr id="57" name="TextBox 56">
+            <a:extLst>
+              <a:ext uri="{FF2B5EF4-FFF2-40B4-BE49-F238E27FC236}">
+                <a16:creationId xmlns:a16="http://schemas.microsoft.com/office/drawing/2014/main" id="{9A6EC7A4-1E5B-E226-0E11-E65019602C9E}"/>
+              </a:ext>
+            </a:extLst>
+          </p:cNvPr>
+          <p:cNvSpPr txBox="1"/>
+          <p:nvPr/>
+        </p:nvSpPr>
+        <p:spPr>
+          <a:xfrm>
+            <a:off x="3912326" y="1422565"/>
+            <a:ext cx="956900" cy="369332"/>
+          </a:xfrm>
+          <a:prstGeom prst="rect">
+            <a:avLst/>
+          </a:prstGeom>
+          <a:noFill/>
+          <a:ln w="9525" cap="flat" cmpd="sng" algn="ctr">
+            <a:noFill/>
+            <a:prstDash val="solid"/>
+            <a:round/>
+            <a:headEnd type="none" w="med" len="med"/>
+            <a:tailEnd type="none" w="med" len="med"/>
+          </a:ln>
+        </p:spPr>
+        <p:style>
+          <a:lnRef idx="0">
+            <a:scrgbClr r="0" g="0" b="0"/>
+          </a:lnRef>
+          <a:fillRef idx="0">
+            <a:scrgbClr r="0" g="0" b="0"/>
+          </a:fillRef>
+          <a:effectRef idx="0">
+            <a:scrgbClr r="0" g="0" b="0"/>
+          </a:effectRef>
+          <a:fontRef idx="minor">
+            <a:schemeClr val="accent1"/>
+          </a:fontRef>
+        </p:style>
+        <p:txBody>
+          <a:bodyPr rtlCol="0" anchor="ctr"/>
+          <a:lstStyle>
+            <a:defPPr>
+              <a:defRPr lang="en-FR"/>
+            </a:defPPr>
+            <a:lvl1pPr algn="ctr">
+              <a:defRPr>
+                <a:solidFill>
+                  <a:schemeClr val="accent1"/>
+                </a:solidFill>
+              </a:defRPr>
+            </a:lvl1pPr>
+            <a:lvl2pPr>
+              <a:defRPr>
+                <a:solidFill>
+                  <a:schemeClr val="accent1"/>
+                </a:solidFill>
+              </a:defRPr>
+            </a:lvl2pPr>
+            <a:lvl3pPr>
+              <a:defRPr>
+                <a:solidFill>
+                  <a:schemeClr val="accent1"/>
+                </a:solidFill>
+              </a:defRPr>
+            </a:lvl3pPr>
+            <a:lvl4pPr>
+              <a:defRPr>
+                <a:solidFill>
+                  <a:schemeClr val="accent1"/>
+                </a:solidFill>
+              </a:defRPr>
+            </a:lvl4pPr>
+            <a:lvl5pPr>
+              <a:defRPr>
+                <a:solidFill>
+                  <a:schemeClr val="accent1"/>
+                </a:solidFill>
+              </a:defRPr>
+            </a:lvl5pPr>
+            <a:lvl6pPr>
+              <a:defRPr>
+                <a:solidFill>
+                  <a:schemeClr val="accent1"/>
+                </a:solidFill>
+              </a:defRPr>
+            </a:lvl6pPr>
+            <a:lvl7pPr>
+              <a:defRPr>
+                <a:solidFill>
+                  <a:schemeClr val="accent1"/>
+                </a:solidFill>
+              </a:defRPr>
+            </a:lvl7pPr>
+            <a:lvl8pPr>
+              <a:defRPr>
+                <a:solidFill>
+                  <a:schemeClr val="accent1"/>
+                </a:solidFill>
+              </a:defRPr>
+            </a:lvl8pPr>
+            <a:lvl9pPr>
+              <a:defRPr>
+                <a:solidFill>
+                  <a:schemeClr val="accent1"/>
+                </a:solidFill>
+              </a:defRPr>
+            </a:lvl9pPr>
+          </a:lstStyle>
+          <a:p>
+            <a:r>
+              <a:rPr lang="en-US" sz="1400"/>
+              <a:t>5</a:t>
+            </a:r>
+          </a:p>
+        </p:txBody>
+      </p:sp>
+      <p:sp>
+        <p:nvSpPr>
+          <p:cNvPr id="59" name="TextBox 58">
+            <a:extLst>
+              <a:ext uri="{FF2B5EF4-FFF2-40B4-BE49-F238E27FC236}">
+                <a16:creationId xmlns:a16="http://schemas.microsoft.com/office/drawing/2014/main" id="{E1170637-0BE4-70A8-0B54-FC2610E66CAB}"/>
+              </a:ext>
+            </a:extLst>
+          </p:cNvPr>
+          <p:cNvSpPr txBox="1"/>
+          <p:nvPr/>
+        </p:nvSpPr>
+        <p:spPr>
+          <a:xfrm>
+            <a:off x="9534315" y="108860"/>
+            <a:ext cx="2597186" cy="369332"/>
+          </a:xfrm>
+          <a:prstGeom prst="rect">
+            <a:avLst/>
+          </a:prstGeom>
+          <a:noFill/>
+        </p:spPr>
+        <p:txBody>
+          <a:bodyPr wrap="none" rtlCol="0">
+            <a:spAutoFit/>
+          </a:bodyPr>
+          <a:lstStyle/>
+          <a:p>
+            <a:r>
+              <a:rPr lang="en-US"/>
+              <a:t>Micro stack architecture</a:t>
+            </a:r>
+          </a:p>
+        </p:txBody>
+      </p:sp>
+      <p:sp>
+        <p:nvSpPr>
+          <p:cNvPr id="60" name="TextBox 59">
+            <a:extLst>
+              <a:ext uri="{FF2B5EF4-FFF2-40B4-BE49-F238E27FC236}">
+                <a16:creationId xmlns:a16="http://schemas.microsoft.com/office/drawing/2014/main" id="{17E98094-42FC-67A5-88F7-2D0EFCED148A}"/>
+              </a:ext>
+            </a:extLst>
+          </p:cNvPr>
+          <p:cNvSpPr txBox="1"/>
+          <p:nvPr/>
+        </p:nvSpPr>
+        <p:spPr>
+          <a:xfrm>
+            <a:off x="1069080" y="1694261"/>
+            <a:ext cx="606641" cy="338554"/>
+          </a:xfrm>
+          <a:prstGeom prst="rect">
+            <a:avLst/>
+          </a:prstGeom>
+          <a:noFill/>
+        </p:spPr>
+        <p:txBody>
+          <a:bodyPr wrap="none" rtlCol="0">
+            <a:spAutoFit/>
+          </a:bodyPr>
+          <a:lstStyle/>
+          <a:p>
+            <a:r>
+              <a:rPr lang="en-US" sz="1600">
+                <a:solidFill>
+                  <a:schemeClr val="bg1">
+                    <a:lumMod val="50000"/>
+                  </a:schemeClr>
+                </a:solidFill>
+              </a:rPr>
+              <a:t>front</a:t>
+            </a:r>
+          </a:p>
+        </p:txBody>
+      </p:sp>
+      <p:sp>
+        <p:nvSpPr>
+          <p:cNvPr id="71" name="Oval 70">
+            <a:extLst>
+              <a:ext uri="{FF2B5EF4-FFF2-40B4-BE49-F238E27FC236}">
+                <a16:creationId xmlns:a16="http://schemas.microsoft.com/office/drawing/2014/main" id="{71A6EDC7-CC65-C361-59A1-09E53A1160A9}"/>
+              </a:ext>
+            </a:extLst>
+          </p:cNvPr>
+          <p:cNvSpPr/>
+          <p:nvPr/>
+        </p:nvSpPr>
+        <p:spPr>
+          <a:xfrm>
+            <a:off x="7918881" y="3418877"/>
+            <a:ext cx="2547568" cy="1055469"/>
+          </a:xfrm>
+          <a:prstGeom prst="ellipse">
+            <a:avLst/>
+          </a:prstGeom>
+          <a:noFill/>
+          <a:ln w="9525" cap="flat" cmpd="sng" algn="ctr">
+            <a:solidFill>
+              <a:schemeClr val="accent3"/>
+            </a:solidFill>
+            <a:prstDash val="solid"/>
+            <a:round/>
+            <a:headEnd type="none" w="med" len="med"/>
+            <a:tailEnd type="none" w="med" len="med"/>
+          </a:ln>
+        </p:spPr>
+        <p:style>
+          <a:lnRef idx="0">
+            <a:scrgbClr r="0" g="0" b="0"/>
+          </a:lnRef>
+          <a:fillRef idx="0">
+            <a:scrgbClr r="0" g="0" b="0"/>
+          </a:fillRef>
+          <a:effectRef idx="0">
+            <a:scrgbClr r="0" g="0" b="0"/>
+          </a:effectRef>
+          <a:fontRef idx="minor">
+            <a:schemeClr val="accent3"/>
+          </a:fontRef>
+        </p:style>
+        <p:txBody>
+          <a:bodyPr rtlCol="0" anchor="b"/>
+          <a:lstStyle/>
+          <a:p>
+            <a:pPr algn="ctr"/>
+            <a:r>
+              <a:rPr lang="en-US"/>
+              <a:t>Controller</a:t>
+            </a:r>
+          </a:p>
+        </p:txBody>
+      </p:sp>
+      <p:sp>
+        <p:nvSpPr>
+          <p:cNvPr id="72" name="TextBox 71">
+            <a:extLst>
+              <a:ext uri="{FF2B5EF4-FFF2-40B4-BE49-F238E27FC236}">
+                <a16:creationId xmlns:a16="http://schemas.microsoft.com/office/drawing/2014/main" id="{C80EF8C0-F5C5-CEFC-177A-4F3CB2E92BA9}"/>
+              </a:ext>
+            </a:extLst>
+          </p:cNvPr>
+          <p:cNvSpPr txBox="1"/>
+          <p:nvPr/>
+        </p:nvSpPr>
+        <p:spPr>
+          <a:xfrm>
+            <a:off x="1069080" y="2258439"/>
+            <a:ext cx="615874" cy="338554"/>
+          </a:xfrm>
+          <a:prstGeom prst="rect">
+            <a:avLst/>
+          </a:prstGeom>
+          <a:noFill/>
+        </p:spPr>
+        <p:txBody>
+          <a:bodyPr wrap="none" rtlCol="0">
+            <a:spAutoFit/>
+          </a:bodyPr>
+          <a:lstStyle/>
+          <a:p>
+            <a:r>
+              <a:rPr lang="en-US" sz="1600">
+                <a:solidFill>
+                  <a:schemeClr val="bg1">
+                    <a:lumMod val="50000"/>
+                  </a:schemeClr>
+                </a:solidFill>
+              </a:rPr>
+              <a:t>back</a:t>
+            </a:r>
+          </a:p>
+        </p:txBody>
+      </p:sp>
+      <p:cxnSp>
+        <p:nvCxnSpPr>
+          <p:cNvPr id="73" name="Curved Connector 72">
+            <a:extLst>
+              <a:ext uri="{FF2B5EF4-FFF2-40B4-BE49-F238E27FC236}">
+                <a16:creationId xmlns:a16="http://schemas.microsoft.com/office/drawing/2014/main" id="{D25D7236-D2A8-9005-0491-A66F05BA57BE}"/>
+              </a:ext>
+            </a:extLst>
+          </p:cNvPr>
+          <p:cNvCxnSpPr>
+            <a:cxnSpLocks/>
+            <a:stCxn id="27" idx="5"/>
+            <a:endCxn id="71" idx="7"/>
+          </p:cNvCxnSpPr>
+          <p:nvPr/>
+        </p:nvCxnSpPr>
+        <p:spPr>
+          <a:xfrm rot="16200000" flipH="1">
+            <a:off x="8450225" y="1930306"/>
+            <a:ext cx="2157828" cy="1128453"/>
+          </a:xfrm>
+          <a:prstGeom prst="curvedConnector3">
+            <a:avLst>
+              <a:gd name="adj1" fmla="val 50000"/>
+            </a:avLst>
+          </a:prstGeom>
+          <a:ln>
+            <a:tailEnd type="triangle"/>
+          </a:ln>
+        </p:spPr>
+        <p:style>
+          <a:lnRef idx="2">
+            <a:schemeClr val="accent1"/>
+          </a:lnRef>
+          <a:fillRef idx="0">
+            <a:schemeClr val="accent1"/>
+          </a:fillRef>
+          <a:effectRef idx="1">
+            <a:schemeClr val="accent1"/>
+          </a:effectRef>
+          <a:fontRef idx="minor">
+            <a:schemeClr val="tx1"/>
+          </a:fontRef>
+        </p:style>
+      </p:cxnSp>
+      <p:cxnSp>
+        <p:nvCxnSpPr>
+          <p:cNvPr id="76" name="Curved Connector 75">
+            <a:extLst>
+              <a:ext uri="{FF2B5EF4-FFF2-40B4-BE49-F238E27FC236}">
+                <a16:creationId xmlns:a16="http://schemas.microsoft.com/office/drawing/2014/main" id="{41213414-7641-5F71-4C94-97E5E48C39F9}"/>
+              </a:ext>
+            </a:extLst>
+          </p:cNvPr>
+          <p:cNvCxnSpPr>
+            <a:cxnSpLocks/>
+            <a:stCxn id="71" idx="5"/>
+            <a:endCxn id="4" idx="6"/>
+          </p:cNvCxnSpPr>
+          <p:nvPr/>
+        </p:nvCxnSpPr>
+        <p:spPr>
+          <a:xfrm rot="5400000">
+            <a:off x="9212867" y="4703065"/>
+            <a:ext cx="1263788" cy="497211"/>
+          </a:xfrm>
+          <a:prstGeom prst="curvedConnector2">
+            <a:avLst/>
+          </a:prstGeom>
+          <a:ln>
+            <a:tailEnd type="triangle"/>
+          </a:ln>
+        </p:spPr>
+        <p:style>
+          <a:lnRef idx="2">
+            <a:schemeClr val="accent1"/>
+          </a:lnRef>
+          <a:fillRef idx="0">
+            <a:schemeClr val="accent1"/>
+          </a:fillRef>
+          <a:effectRef idx="1">
+            <a:schemeClr val="accent1"/>
+          </a:effectRef>
+          <a:fontRef idx="minor">
+            <a:schemeClr val="tx1"/>
+          </a:fontRef>
+        </p:style>
+      </p:cxnSp>
+      <p:cxnSp>
+        <p:nvCxnSpPr>
+          <p:cNvPr id="84" name="Curved Connector 83">
+            <a:extLst>
+              <a:ext uri="{FF2B5EF4-FFF2-40B4-BE49-F238E27FC236}">
+                <a16:creationId xmlns:a16="http://schemas.microsoft.com/office/drawing/2014/main" id="{084A7FBA-4707-7819-1914-88279E256330}"/>
+              </a:ext>
+            </a:extLst>
+          </p:cNvPr>
+          <p:cNvCxnSpPr>
+            <a:cxnSpLocks/>
+            <a:stCxn id="71" idx="1"/>
+            <a:endCxn id="2" idx="7"/>
+          </p:cNvCxnSpPr>
+          <p:nvPr/>
+        </p:nvCxnSpPr>
+        <p:spPr>
+          <a:xfrm rot="16200000" flipH="1" flipV="1">
+            <a:off x="6346316" y="1861275"/>
+            <a:ext cx="233476" cy="3657820"/>
+          </a:xfrm>
+          <a:prstGeom prst="curvedConnector3">
+            <a:avLst>
+              <a:gd name="adj1" fmla="val -164115"/>
+            </a:avLst>
+          </a:prstGeom>
+          <a:ln>
+            <a:tailEnd type="triangle"/>
+          </a:ln>
+        </p:spPr>
+        <p:style>
+          <a:lnRef idx="2">
+            <a:schemeClr val="accent1"/>
+          </a:lnRef>
+          <a:fillRef idx="0">
+            <a:schemeClr val="accent1"/>
+          </a:fillRef>
+          <a:effectRef idx="1">
+            <a:schemeClr val="accent1"/>
+          </a:effectRef>
+          <a:fontRef idx="minor">
+            <a:schemeClr val="tx1"/>
+          </a:fontRef>
+        </p:style>
+      </p:cxnSp>
+      <p:cxnSp>
+        <p:nvCxnSpPr>
+          <p:cNvPr id="87" name="Curved Connector 86">
+            <a:extLst>
+              <a:ext uri="{FF2B5EF4-FFF2-40B4-BE49-F238E27FC236}">
+                <a16:creationId xmlns:a16="http://schemas.microsoft.com/office/drawing/2014/main" id="{B7CAE287-6B05-24FA-C91A-7FB8FBD75F37}"/>
+              </a:ext>
+            </a:extLst>
+          </p:cNvPr>
+          <p:cNvCxnSpPr>
+            <a:cxnSpLocks/>
+            <a:stCxn id="2" idx="6"/>
+            <a:endCxn id="27" idx="4"/>
+          </p:cNvCxnSpPr>
+          <p:nvPr/>
+        </p:nvCxnSpPr>
+        <p:spPr>
+          <a:xfrm flipV="1">
+            <a:off x="5156635" y="1579421"/>
+            <a:ext cx="2433622" cy="2765891"/>
+          </a:xfrm>
+          <a:prstGeom prst="curvedConnector2">
+            <a:avLst/>
+          </a:prstGeom>
+          <a:ln>
+            <a:tailEnd type="triangle"/>
+          </a:ln>
+        </p:spPr>
+        <p:style>
+          <a:lnRef idx="2">
+            <a:schemeClr val="accent1"/>
+          </a:lnRef>
+          <a:fillRef idx="0">
+            <a:schemeClr val="accent1"/>
+          </a:fillRef>
+          <a:effectRef idx="1">
+            <a:schemeClr val="accent1"/>
+          </a:effectRef>
+          <a:fontRef idx="minor">
+            <a:schemeClr val="tx1"/>
+          </a:fontRef>
+        </p:style>
+      </p:cxnSp>
+      <p:cxnSp>
+        <p:nvCxnSpPr>
+          <p:cNvPr id="91" name="Curved Connector 90">
+            <a:extLst>
+              <a:ext uri="{FF2B5EF4-FFF2-40B4-BE49-F238E27FC236}">
+                <a16:creationId xmlns:a16="http://schemas.microsoft.com/office/drawing/2014/main" id="{ED439C24-04B2-F4DF-75FE-4C72AFA6BA98}"/>
+              </a:ext>
+            </a:extLst>
+          </p:cNvPr>
+          <p:cNvCxnSpPr>
+            <a:cxnSpLocks/>
+            <a:stCxn id="2" idx="6"/>
+            <a:endCxn id="4" idx="2"/>
+          </p:cNvCxnSpPr>
+          <p:nvPr/>
+        </p:nvCxnSpPr>
+        <p:spPr>
+          <a:xfrm>
+            <a:off x="5156635" y="4345312"/>
+            <a:ext cx="2824087" cy="1238252"/>
+          </a:xfrm>
+          <a:prstGeom prst="curvedConnector3">
+            <a:avLst>
+              <a:gd name="adj1" fmla="val 50000"/>
+            </a:avLst>
+          </a:prstGeom>
+          <a:ln>
+            <a:tailEnd type="triangle"/>
+          </a:ln>
+        </p:spPr>
+        <p:style>
+          <a:lnRef idx="2">
+            <a:schemeClr val="accent1"/>
+          </a:lnRef>
+          <a:fillRef idx="0">
+            <a:schemeClr val="accent1"/>
+          </a:fillRef>
+          <a:effectRef idx="1">
+            <a:schemeClr val="accent1"/>
+          </a:effectRef>
+          <a:fontRef idx="minor">
+            <a:schemeClr val="tx1"/>
+          </a:fontRef>
+        </p:style>
+      </p:cxnSp>
+      <p:sp>
+        <p:nvSpPr>
+          <p:cNvPr id="104" name="TextBox 103">
+            <a:extLst>
+              <a:ext uri="{FF2B5EF4-FFF2-40B4-BE49-F238E27FC236}">
+                <a16:creationId xmlns:a16="http://schemas.microsoft.com/office/drawing/2014/main" id="{25143179-D1E7-51DB-2EC4-6280AD860ABE}"/>
+              </a:ext>
+            </a:extLst>
+          </p:cNvPr>
+          <p:cNvSpPr txBox="1"/>
+          <p:nvPr/>
+        </p:nvSpPr>
+        <p:spPr>
+          <a:xfrm>
+            <a:off x="9482608" y="2017011"/>
+            <a:ext cx="956900" cy="369332"/>
+          </a:xfrm>
+          <a:prstGeom prst="rect">
+            <a:avLst/>
+          </a:prstGeom>
+          <a:noFill/>
+          <a:ln w="9525" cap="flat" cmpd="sng" algn="ctr">
+            <a:noFill/>
+            <a:prstDash val="solid"/>
+            <a:round/>
+            <a:headEnd type="none" w="med" len="med"/>
+            <a:tailEnd type="none" w="med" len="med"/>
+          </a:ln>
+        </p:spPr>
+        <p:style>
+          <a:lnRef idx="0">
+            <a:scrgbClr r="0" g="0" b="0"/>
+          </a:lnRef>
+          <a:fillRef idx="0">
+            <a:scrgbClr r="0" g="0" b="0"/>
+          </a:fillRef>
+          <a:effectRef idx="0">
+            <a:scrgbClr r="0" g="0" b="0"/>
+          </a:effectRef>
+          <a:fontRef idx="minor">
+            <a:schemeClr val="accent1"/>
+          </a:fontRef>
+        </p:style>
+        <p:txBody>
+          <a:bodyPr rtlCol="0" anchor="ctr"/>
+          <a:lstStyle>
+            <a:defPPr>
+              <a:defRPr lang="en-FR"/>
+            </a:defPPr>
+            <a:lvl1pPr algn="ctr">
+              <a:defRPr>
+                <a:solidFill>
+                  <a:schemeClr val="accent1"/>
+                </a:solidFill>
+              </a:defRPr>
+            </a:lvl1pPr>
+            <a:lvl2pPr>
+              <a:defRPr>
+                <a:solidFill>
+                  <a:schemeClr val="accent1"/>
+                </a:solidFill>
+              </a:defRPr>
+            </a:lvl2pPr>
+            <a:lvl3pPr>
+              <a:defRPr>
+                <a:solidFill>
+                  <a:schemeClr val="accent1"/>
+                </a:solidFill>
+              </a:defRPr>
+            </a:lvl3pPr>
+            <a:lvl4pPr>
+              <a:defRPr>
+                <a:solidFill>
+                  <a:schemeClr val="accent1"/>
+                </a:solidFill>
+              </a:defRPr>
+            </a:lvl4pPr>
+            <a:lvl5pPr>
+              <a:defRPr>
+                <a:solidFill>
+                  <a:schemeClr val="accent1"/>
+                </a:solidFill>
+              </a:defRPr>
+            </a:lvl5pPr>
+            <a:lvl6pPr>
+              <a:defRPr>
+                <a:solidFill>
+                  <a:schemeClr val="accent1"/>
+                </a:solidFill>
+              </a:defRPr>
+            </a:lvl6pPr>
+            <a:lvl7pPr>
+              <a:defRPr>
+                <a:solidFill>
+                  <a:schemeClr val="accent1"/>
+                </a:solidFill>
+              </a:defRPr>
+            </a:lvl7pPr>
+            <a:lvl8pPr>
+              <a:defRPr>
+                <a:solidFill>
+                  <a:schemeClr val="accent1"/>
+                </a:solidFill>
+              </a:defRPr>
+            </a:lvl8pPr>
+            <a:lvl9pPr>
+              <a:defRPr>
+                <a:solidFill>
+                  <a:schemeClr val="accent1"/>
+                </a:solidFill>
+              </a:defRPr>
+            </a:lvl9pPr>
+          </a:lstStyle>
+          <a:p>
+            <a:r>
+              <a:rPr lang="en-US" sz="1400"/>
+              <a:t>2</a:t>
+            </a:r>
+          </a:p>
+        </p:txBody>
+      </p:sp>
+      <p:sp>
+        <p:nvSpPr>
+          <p:cNvPr id="106" name="TextBox 105">
+            <a:extLst>
+              <a:ext uri="{FF2B5EF4-FFF2-40B4-BE49-F238E27FC236}">
+                <a16:creationId xmlns:a16="http://schemas.microsoft.com/office/drawing/2014/main" id="{23C9C20B-50F8-9CB6-FD82-41B1CF0C2315}"/>
+              </a:ext>
+            </a:extLst>
+          </p:cNvPr>
+          <p:cNvSpPr txBox="1"/>
+          <p:nvPr/>
+        </p:nvSpPr>
+        <p:spPr>
+          <a:xfrm>
+            <a:off x="7502888" y="2949166"/>
+            <a:ext cx="956900" cy="369332"/>
+          </a:xfrm>
+          <a:prstGeom prst="rect">
+            <a:avLst/>
+          </a:prstGeom>
+          <a:noFill/>
+          <a:ln w="9525" cap="flat" cmpd="sng" algn="ctr">
+            <a:noFill/>
+            <a:prstDash val="solid"/>
+            <a:round/>
+            <a:headEnd type="none" w="med" len="med"/>
+            <a:tailEnd type="none" w="med" len="med"/>
+          </a:ln>
+        </p:spPr>
+        <p:style>
+          <a:lnRef idx="0">
+            <a:scrgbClr r="0" g="0" b="0"/>
+          </a:lnRef>
+          <a:fillRef idx="0">
+            <a:scrgbClr r="0" g="0" b="0"/>
+          </a:fillRef>
+          <a:effectRef idx="0">
+            <a:scrgbClr r="0" g="0" b="0"/>
+          </a:effectRef>
+          <a:fontRef idx="minor">
+            <a:schemeClr val="accent1"/>
+          </a:fontRef>
+        </p:style>
+        <p:txBody>
+          <a:bodyPr rtlCol="0" anchor="ctr"/>
+          <a:lstStyle>
+            <a:defPPr>
+              <a:defRPr lang="en-FR"/>
+            </a:defPPr>
+            <a:lvl1pPr algn="ctr">
+              <a:defRPr>
+                <a:solidFill>
+                  <a:schemeClr val="accent1"/>
+                </a:solidFill>
+              </a:defRPr>
+            </a:lvl1pPr>
+            <a:lvl2pPr>
+              <a:defRPr>
+                <a:solidFill>
+                  <a:schemeClr val="accent1"/>
+                </a:solidFill>
+              </a:defRPr>
+            </a:lvl2pPr>
+            <a:lvl3pPr>
+              <a:defRPr>
+                <a:solidFill>
+                  <a:schemeClr val="accent1"/>
+                </a:solidFill>
+              </a:defRPr>
+            </a:lvl3pPr>
+            <a:lvl4pPr>
+              <a:defRPr>
+                <a:solidFill>
+                  <a:schemeClr val="accent1"/>
+                </a:solidFill>
+              </a:defRPr>
+            </a:lvl4pPr>
+            <a:lvl5pPr>
+              <a:defRPr>
+                <a:solidFill>
+                  <a:schemeClr val="accent1"/>
+                </a:solidFill>
+              </a:defRPr>
+            </a:lvl5pPr>
+            <a:lvl6pPr>
+              <a:defRPr>
+                <a:solidFill>
+                  <a:schemeClr val="accent1"/>
+                </a:solidFill>
+              </a:defRPr>
+            </a:lvl6pPr>
+            <a:lvl7pPr>
+              <a:defRPr>
+                <a:solidFill>
+                  <a:schemeClr val="accent1"/>
+                </a:solidFill>
+              </a:defRPr>
+            </a:lvl7pPr>
+            <a:lvl8pPr>
+              <a:defRPr>
+                <a:solidFill>
+                  <a:schemeClr val="accent1"/>
+                </a:solidFill>
+              </a:defRPr>
+            </a:lvl8pPr>
+            <a:lvl9pPr>
+              <a:defRPr>
+                <a:solidFill>
+                  <a:schemeClr val="accent1"/>
+                </a:solidFill>
+              </a:defRPr>
+            </a:lvl9pPr>
+          </a:lstStyle>
+          <a:p>
+            <a:r>
+              <a:rPr lang="en-US" sz="1400"/>
+              <a:t>3.a</a:t>
+            </a:r>
+          </a:p>
+        </p:txBody>
+      </p:sp>
+      <p:sp>
+        <p:nvSpPr>
+          <p:cNvPr id="107" name="TextBox 106">
+            <a:extLst>
+              <a:ext uri="{FF2B5EF4-FFF2-40B4-BE49-F238E27FC236}">
+                <a16:creationId xmlns:a16="http://schemas.microsoft.com/office/drawing/2014/main" id="{03102FC5-0086-229B-1D81-7CA62AF5058F}"/>
+              </a:ext>
+            </a:extLst>
+          </p:cNvPr>
+          <p:cNvSpPr txBox="1"/>
+          <p:nvPr/>
+        </p:nvSpPr>
+        <p:spPr>
+          <a:xfrm>
+            <a:off x="10041901" y="4982152"/>
+            <a:ext cx="956900" cy="369332"/>
+          </a:xfrm>
+          <a:prstGeom prst="rect">
+            <a:avLst/>
+          </a:prstGeom>
+          <a:noFill/>
+          <a:ln w="9525" cap="flat" cmpd="sng" algn="ctr">
+            <a:noFill/>
+            <a:prstDash val="solid"/>
+            <a:round/>
+            <a:headEnd type="none" w="med" len="med"/>
+            <a:tailEnd type="none" w="med" len="med"/>
+          </a:ln>
+        </p:spPr>
+        <p:style>
+          <a:lnRef idx="0">
+            <a:scrgbClr r="0" g="0" b="0"/>
+          </a:lnRef>
+          <a:fillRef idx="0">
+            <a:scrgbClr r="0" g="0" b="0"/>
+          </a:fillRef>
+          <a:effectRef idx="0">
+            <a:scrgbClr r="0" g="0" b="0"/>
+          </a:effectRef>
+          <a:fontRef idx="minor">
+            <a:schemeClr val="accent1"/>
+          </a:fontRef>
+        </p:style>
+        <p:txBody>
+          <a:bodyPr rtlCol="0" anchor="ctr"/>
+          <a:lstStyle>
+            <a:defPPr>
+              <a:defRPr lang="en-FR"/>
+            </a:defPPr>
+            <a:lvl1pPr algn="ctr">
+              <a:defRPr>
+                <a:solidFill>
+                  <a:schemeClr val="accent1"/>
+                </a:solidFill>
+              </a:defRPr>
+            </a:lvl1pPr>
+            <a:lvl2pPr>
+              <a:defRPr>
+                <a:solidFill>
+                  <a:schemeClr val="accent1"/>
+                </a:solidFill>
+              </a:defRPr>
+            </a:lvl2pPr>
+            <a:lvl3pPr>
+              <a:defRPr>
+                <a:solidFill>
+                  <a:schemeClr val="accent1"/>
+                </a:solidFill>
+              </a:defRPr>
+            </a:lvl3pPr>
+            <a:lvl4pPr>
+              <a:defRPr>
+                <a:solidFill>
+                  <a:schemeClr val="accent1"/>
+                </a:solidFill>
+              </a:defRPr>
+            </a:lvl4pPr>
+            <a:lvl5pPr>
+              <a:defRPr>
+                <a:solidFill>
+                  <a:schemeClr val="accent1"/>
+                </a:solidFill>
+              </a:defRPr>
+            </a:lvl5pPr>
+            <a:lvl6pPr>
+              <a:defRPr>
+                <a:solidFill>
+                  <a:schemeClr val="accent1"/>
+                </a:solidFill>
+              </a:defRPr>
+            </a:lvl6pPr>
+            <a:lvl7pPr>
+              <a:defRPr>
+                <a:solidFill>
+                  <a:schemeClr val="accent1"/>
+                </a:solidFill>
+              </a:defRPr>
+            </a:lvl7pPr>
+            <a:lvl8pPr>
+              <a:defRPr>
+                <a:solidFill>
+                  <a:schemeClr val="accent1"/>
+                </a:solidFill>
+              </a:defRPr>
+            </a:lvl8pPr>
+            <a:lvl9pPr>
+              <a:defRPr>
+                <a:solidFill>
+                  <a:schemeClr val="accent1"/>
+                </a:solidFill>
+              </a:defRPr>
+            </a:lvl9pPr>
+          </a:lstStyle>
+          <a:p>
+            <a:r>
+              <a:rPr lang="en-US" sz="1400"/>
+              <a:t>3.b</a:t>
+            </a:r>
+          </a:p>
+        </p:txBody>
+      </p:sp>
+      <p:sp>
+        <p:nvSpPr>
+          <p:cNvPr id="108" name="TextBox 107">
+            <a:extLst>
+              <a:ext uri="{FF2B5EF4-FFF2-40B4-BE49-F238E27FC236}">
+                <a16:creationId xmlns:a16="http://schemas.microsoft.com/office/drawing/2014/main" id="{93DFAB74-FF85-9535-420B-FA501F1A95FD}"/>
+              </a:ext>
+            </a:extLst>
+          </p:cNvPr>
+          <p:cNvSpPr txBox="1"/>
+          <p:nvPr/>
+        </p:nvSpPr>
+        <p:spPr>
+          <a:xfrm>
+            <a:off x="5719210" y="4797486"/>
+            <a:ext cx="956900" cy="369332"/>
+          </a:xfrm>
+          <a:prstGeom prst="rect">
+            <a:avLst/>
+          </a:prstGeom>
+          <a:noFill/>
+          <a:ln w="9525" cap="flat" cmpd="sng" algn="ctr">
+            <a:noFill/>
+            <a:prstDash val="solid"/>
+            <a:round/>
+            <a:headEnd type="none" w="med" len="med"/>
+            <a:tailEnd type="none" w="med" len="med"/>
+          </a:ln>
+        </p:spPr>
+        <p:style>
+          <a:lnRef idx="0">
+            <a:scrgbClr r="0" g="0" b="0"/>
+          </a:lnRef>
+          <a:fillRef idx="0">
+            <a:scrgbClr r="0" g="0" b="0"/>
+          </a:fillRef>
+          <a:effectRef idx="0">
+            <a:scrgbClr r="0" g="0" b="0"/>
+          </a:effectRef>
+          <a:fontRef idx="minor">
+            <a:schemeClr val="accent1"/>
+          </a:fontRef>
+        </p:style>
+        <p:txBody>
+          <a:bodyPr rtlCol="0" anchor="ctr"/>
+          <a:lstStyle>
+            <a:defPPr>
+              <a:defRPr lang="en-FR"/>
+            </a:defPPr>
+            <a:lvl1pPr algn="ctr">
+              <a:defRPr>
+                <a:solidFill>
+                  <a:schemeClr val="accent1"/>
+                </a:solidFill>
+              </a:defRPr>
+            </a:lvl1pPr>
+            <a:lvl2pPr>
+              <a:defRPr>
+                <a:solidFill>
+                  <a:schemeClr val="accent1"/>
+                </a:solidFill>
+              </a:defRPr>
+            </a:lvl2pPr>
+            <a:lvl3pPr>
+              <a:defRPr>
+                <a:solidFill>
+                  <a:schemeClr val="accent1"/>
+                </a:solidFill>
+              </a:defRPr>
+            </a:lvl3pPr>
+            <a:lvl4pPr>
+              <a:defRPr>
+                <a:solidFill>
+                  <a:schemeClr val="accent1"/>
+                </a:solidFill>
+              </a:defRPr>
+            </a:lvl4pPr>
+            <a:lvl5pPr>
+              <a:defRPr>
+                <a:solidFill>
+                  <a:schemeClr val="accent1"/>
+                </a:solidFill>
+              </a:defRPr>
+            </a:lvl5pPr>
+            <a:lvl6pPr>
+              <a:defRPr>
+                <a:solidFill>
+                  <a:schemeClr val="accent1"/>
+                </a:solidFill>
+              </a:defRPr>
+            </a:lvl6pPr>
+            <a:lvl7pPr>
+              <a:defRPr>
+                <a:solidFill>
+                  <a:schemeClr val="accent1"/>
+                </a:solidFill>
+              </a:defRPr>
+            </a:lvl7pPr>
+            <a:lvl8pPr>
+              <a:defRPr>
+                <a:solidFill>
+                  <a:schemeClr val="accent1"/>
+                </a:solidFill>
+              </a:defRPr>
+            </a:lvl8pPr>
+            <a:lvl9pPr>
+              <a:defRPr>
+                <a:solidFill>
+                  <a:schemeClr val="accent1"/>
+                </a:solidFill>
+              </a:defRPr>
+            </a:lvl9pPr>
+          </a:lstStyle>
+          <a:p>
+            <a:r>
+              <a:rPr lang="en-US" sz="1400"/>
+              <a:t>4.b</a:t>
+            </a:r>
+          </a:p>
+        </p:txBody>
+      </p:sp>
+      <p:cxnSp>
+        <p:nvCxnSpPr>
+          <p:cNvPr id="109" name="Curved Connector 108">
+            <a:extLst>
+              <a:ext uri="{FF2B5EF4-FFF2-40B4-BE49-F238E27FC236}">
+                <a16:creationId xmlns:a16="http://schemas.microsoft.com/office/drawing/2014/main" id="{B3AA2620-95F7-9D74-9C2C-1841CF98C6F4}"/>
+              </a:ext>
+            </a:extLst>
+          </p:cNvPr>
+          <p:cNvCxnSpPr>
+            <a:cxnSpLocks/>
+            <a:stCxn id="2" idx="1"/>
+            <a:endCxn id="2" idx="3"/>
+          </p:cNvCxnSpPr>
+          <p:nvPr/>
+        </p:nvCxnSpPr>
+        <p:spPr>
+          <a:xfrm rot="16200000" flipH="1">
+            <a:off x="1572945" y="4345312"/>
+            <a:ext cx="1076778" cy="12700"/>
+          </a:xfrm>
+          <a:prstGeom prst="curvedConnector5">
+            <a:avLst>
+              <a:gd name="adj1" fmla="val -21230"/>
+              <a:gd name="adj2" fmla="val -8485898"/>
+              <a:gd name="adj3" fmla="val 121230"/>
+            </a:avLst>
+          </a:prstGeom>
+          <a:ln>
+            <a:tailEnd type="triangle"/>
+          </a:ln>
+        </p:spPr>
+        <p:style>
+          <a:lnRef idx="2">
+            <a:schemeClr val="accent1"/>
+          </a:lnRef>
+          <a:fillRef idx="0">
+            <a:schemeClr val="accent1"/>
+          </a:fillRef>
+          <a:effectRef idx="1">
+            <a:schemeClr val="accent1"/>
+          </a:effectRef>
+          <a:fontRef idx="minor">
+            <a:schemeClr val="tx1"/>
+          </a:fontRef>
+        </p:style>
+      </p:cxnSp>
+      <p:sp>
+        <p:nvSpPr>
+          <p:cNvPr id="113" name="Oval 112">
+            <a:extLst>
+              <a:ext uri="{FF2B5EF4-FFF2-40B4-BE49-F238E27FC236}">
+                <a16:creationId xmlns:a16="http://schemas.microsoft.com/office/drawing/2014/main" id="{9902A3AF-4C4F-5F05-1F45-0FA6BB8E94ED}"/>
+              </a:ext>
+            </a:extLst>
+          </p:cNvPr>
+          <p:cNvSpPr/>
+          <p:nvPr/>
+        </p:nvSpPr>
+        <p:spPr>
+          <a:xfrm>
+            <a:off x="1634516" y="5326342"/>
+            <a:ext cx="3567792" cy="1522794"/>
+          </a:xfrm>
+          <a:prstGeom prst="ellipse">
+            <a:avLst/>
+          </a:prstGeom>
+          <a:noFill/>
+          <a:ln w="9525" cap="flat" cmpd="sng" algn="ctr">
+            <a:solidFill>
+              <a:schemeClr val="accent3"/>
+            </a:solidFill>
+            <a:prstDash val="solid"/>
+            <a:round/>
+            <a:headEnd type="none" w="med" len="med"/>
+            <a:tailEnd type="none" w="med" len="med"/>
+          </a:ln>
+        </p:spPr>
+        <p:style>
+          <a:lnRef idx="0">
+            <a:scrgbClr r="0" g="0" b="0"/>
+          </a:lnRef>
+          <a:fillRef idx="0">
+            <a:scrgbClr r="0" g="0" b="0"/>
+          </a:fillRef>
+          <a:effectRef idx="0">
+            <a:scrgbClr r="0" g="0" b="0"/>
+          </a:effectRef>
+          <a:fontRef idx="minor">
+            <a:schemeClr val="accent3"/>
+          </a:fontRef>
+        </p:style>
+        <p:txBody>
+          <a:bodyPr rtlCol="0" anchor="b"/>
+          <a:lstStyle/>
+          <a:p>
+            <a:pPr algn="ctr"/>
+            <a:r>
+              <a:rPr lang="en-US"/>
+              <a:t>Other stage</a:t>
+            </a:r>
+          </a:p>
+        </p:txBody>
+      </p:sp>
+      <p:cxnSp>
+        <p:nvCxnSpPr>
+          <p:cNvPr id="114" name="Curved Connector 113">
+            <a:extLst>
+              <a:ext uri="{FF2B5EF4-FFF2-40B4-BE49-F238E27FC236}">
+                <a16:creationId xmlns:a16="http://schemas.microsoft.com/office/drawing/2014/main" id="{B4D1C020-5C7D-3B71-8F3C-B5E280B42112}"/>
+              </a:ext>
+            </a:extLst>
+          </p:cNvPr>
+          <p:cNvCxnSpPr>
+            <a:cxnSpLocks/>
+            <a:stCxn id="2" idx="1"/>
+            <a:endCxn id="113" idx="2"/>
+          </p:cNvCxnSpPr>
+          <p:nvPr/>
+        </p:nvCxnSpPr>
+        <p:spPr>
+          <a:xfrm rot="16200000" flipH="1" flipV="1">
+            <a:off x="732517" y="4708922"/>
+            <a:ext cx="2280816" cy="476818"/>
+          </a:xfrm>
+          <a:prstGeom prst="curvedConnector4">
+            <a:avLst>
+              <a:gd name="adj1" fmla="val -19800"/>
+              <a:gd name="adj2" fmla="val 284128"/>
+            </a:avLst>
+          </a:prstGeom>
+          <a:ln>
+            <a:tailEnd type="triangle"/>
+          </a:ln>
+        </p:spPr>
+        <p:style>
+          <a:lnRef idx="2">
+            <a:schemeClr val="accent1"/>
+          </a:lnRef>
+          <a:fillRef idx="0">
+            <a:schemeClr val="accent1"/>
+          </a:fillRef>
+          <a:effectRef idx="1">
+            <a:schemeClr val="accent1"/>
+          </a:effectRef>
+          <a:fontRef idx="minor">
+            <a:schemeClr val="tx1"/>
+          </a:fontRef>
+        </p:style>
+      </p:cxnSp>
+      <p:sp>
+        <p:nvSpPr>
+          <p:cNvPr id="118" name="TextBox 117">
+            <a:extLst>
+              <a:ext uri="{FF2B5EF4-FFF2-40B4-BE49-F238E27FC236}">
+                <a16:creationId xmlns:a16="http://schemas.microsoft.com/office/drawing/2014/main" id="{4A192993-CAA5-2E84-CA56-064150310387}"/>
+              </a:ext>
+            </a:extLst>
+          </p:cNvPr>
+          <p:cNvSpPr txBox="1"/>
+          <p:nvPr/>
+        </p:nvSpPr>
+        <p:spPr>
+          <a:xfrm>
+            <a:off x="822897" y="4298930"/>
+            <a:ext cx="956900" cy="369332"/>
+          </a:xfrm>
+          <a:prstGeom prst="rect">
+            <a:avLst/>
+          </a:prstGeom>
+          <a:noFill/>
+          <a:ln w="9525" cap="flat" cmpd="sng" algn="ctr">
+            <a:noFill/>
+            <a:prstDash val="solid"/>
+            <a:round/>
+            <a:headEnd type="none" w="med" len="med"/>
+            <a:tailEnd type="none" w="med" len="med"/>
+          </a:ln>
+        </p:spPr>
+        <p:style>
+          <a:lnRef idx="0">
+            <a:scrgbClr r="0" g="0" b="0"/>
+          </a:lnRef>
+          <a:fillRef idx="0">
+            <a:scrgbClr r="0" g="0" b="0"/>
+          </a:fillRef>
+          <a:effectRef idx="0">
+            <a:scrgbClr r="0" g="0" b="0"/>
+          </a:effectRef>
+          <a:fontRef idx="minor">
+            <a:schemeClr val="accent1"/>
+          </a:fontRef>
+        </p:style>
+        <p:txBody>
+          <a:bodyPr rtlCol="0" anchor="ctr"/>
+          <a:lstStyle>
+            <a:defPPr>
+              <a:defRPr lang="en-FR"/>
+            </a:defPPr>
+            <a:lvl1pPr algn="ctr">
+              <a:defRPr>
+                <a:solidFill>
+                  <a:schemeClr val="accent1"/>
+                </a:solidFill>
+              </a:defRPr>
+            </a:lvl1pPr>
+            <a:lvl2pPr>
+              <a:defRPr>
+                <a:solidFill>
+                  <a:schemeClr val="accent1"/>
+                </a:solidFill>
+              </a:defRPr>
+            </a:lvl2pPr>
+            <a:lvl3pPr>
+              <a:defRPr>
+                <a:solidFill>
+                  <a:schemeClr val="accent1"/>
+                </a:solidFill>
+              </a:defRPr>
+            </a:lvl3pPr>
+            <a:lvl4pPr>
+              <a:defRPr>
+                <a:solidFill>
+                  <a:schemeClr val="accent1"/>
+                </a:solidFill>
+              </a:defRPr>
+            </a:lvl4pPr>
+            <a:lvl5pPr>
+              <a:defRPr>
+                <a:solidFill>
+                  <a:schemeClr val="accent1"/>
+                </a:solidFill>
+              </a:defRPr>
+            </a:lvl5pPr>
+            <a:lvl6pPr>
+              <a:defRPr>
+                <a:solidFill>
+                  <a:schemeClr val="accent1"/>
+                </a:solidFill>
+              </a:defRPr>
+            </a:lvl6pPr>
+            <a:lvl7pPr>
+              <a:defRPr>
+                <a:solidFill>
+                  <a:schemeClr val="accent1"/>
+                </a:solidFill>
+              </a:defRPr>
+            </a:lvl7pPr>
+            <a:lvl8pPr>
+              <a:defRPr>
+                <a:solidFill>
+                  <a:schemeClr val="accent1"/>
+                </a:solidFill>
+              </a:defRPr>
+            </a:lvl8pPr>
+            <a:lvl9pPr>
+              <a:defRPr>
+                <a:solidFill>
+                  <a:schemeClr val="accent1"/>
+                </a:solidFill>
+              </a:defRPr>
+            </a:lvl9pPr>
+          </a:lstStyle>
+          <a:p>
+            <a:r>
+              <a:rPr lang="en-US" sz="1400"/>
+              <a:t>4</a:t>
+            </a:r>
+          </a:p>
+        </p:txBody>
+      </p:sp>
+      <p:sp>
+        <p:nvSpPr>
+          <p:cNvPr id="119" name="TextBox 118">
+            <a:extLst>
+              <a:ext uri="{FF2B5EF4-FFF2-40B4-BE49-F238E27FC236}">
+                <a16:creationId xmlns:a16="http://schemas.microsoft.com/office/drawing/2014/main" id="{CC45C721-0F2C-0563-0E22-4710DE1A69D3}"/>
+              </a:ext>
+            </a:extLst>
+          </p:cNvPr>
+          <p:cNvSpPr txBox="1"/>
+          <p:nvPr/>
+        </p:nvSpPr>
+        <p:spPr>
+          <a:xfrm>
+            <a:off x="6380318" y="3650860"/>
+            <a:ext cx="956900" cy="369332"/>
+          </a:xfrm>
+          <a:prstGeom prst="rect">
+            <a:avLst/>
+          </a:prstGeom>
+          <a:noFill/>
+          <a:ln w="9525" cap="flat" cmpd="sng" algn="ctr">
+            <a:noFill/>
+            <a:prstDash val="solid"/>
+            <a:round/>
+            <a:headEnd type="none" w="med" len="med"/>
+            <a:tailEnd type="none" w="med" len="med"/>
+          </a:ln>
+        </p:spPr>
+        <p:style>
+          <a:lnRef idx="0">
+            <a:scrgbClr r="0" g="0" b="0"/>
+          </a:lnRef>
+          <a:fillRef idx="0">
+            <a:scrgbClr r="0" g="0" b="0"/>
+          </a:fillRef>
+          <a:effectRef idx="0">
+            <a:scrgbClr r="0" g="0" b="0"/>
+          </a:effectRef>
+          <a:fontRef idx="minor">
+            <a:schemeClr val="accent1"/>
+          </a:fontRef>
+        </p:style>
+        <p:txBody>
+          <a:bodyPr rtlCol="0" anchor="ctr"/>
+          <a:lstStyle>
+            <a:defPPr>
+              <a:defRPr lang="en-FR"/>
+            </a:defPPr>
+            <a:lvl1pPr algn="ctr">
+              <a:defRPr>
+                <a:solidFill>
+                  <a:schemeClr val="accent1"/>
+                </a:solidFill>
+              </a:defRPr>
+            </a:lvl1pPr>
+            <a:lvl2pPr>
+              <a:defRPr>
+                <a:solidFill>
+                  <a:schemeClr val="accent1"/>
+                </a:solidFill>
+              </a:defRPr>
+            </a:lvl2pPr>
+            <a:lvl3pPr>
+              <a:defRPr>
+                <a:solidFill>
+                  <a:schemeClr val="accent1"/>
+                </a:solidFill>
+              </a:defRPr>
+            </a:lvl3pPr>
+            <a:lvl4pPr>
+              <a:defRPr>
+                <a:solidFill>
+                  <a:schemeClr val="accent1"/>
+                </a:solidFill>
+              </a:defRPr>
+            </a:lvl4pPr>
+            <a:lvl5pPr>
+              <a:defRPr>
+                <a:solidFill>
+                  <a:schemeClr val="accent1"/>
+                </a:solidFill>
+              </a:defRPr>
+            </a:lvl5pPr>
+            <a:lvl6pPr>
+              <a:defRPr>
+                <a:solidFill>
+                  <a:schemeClr val="accent1"/>
+                </a:solidFill>
+              </a:defRPr>
+            </a:lvl6pPr>
+            <a:lvl7pPr>
+              <a:defRPr>
+                <a:solidFill>
+                  <a:schemeClr val="accent1"/>
+                </a:solidFill>
+              </a:defRPr>
+            </a:lvl7pPr>
+            <a:lvl8pPr>
+              <a:defRPr>
+                <a:solidFill>
+                  <a:schemeClr val="accent1"/>
+                </a:solidFill>
+              </a:defRPr>
+            </a:lvl8pPr>
+            <a:lvl9pPr>
+              <a:defRPr>
+                <a:solidFill>
+                  <a:schemeClr val="accent1"/>
+                </a:solidFill>
+              </a:defRPr>
+            </a:lvl9pPr>
+          </a:lstStyle>
+          <a:p>
+            <a:r>
+              <a:rPr lang="en-US" sz="1400"/>
+              <a:t>4.a</a:t>
+            </a:r>
+          </a:p>
+        </p:txBody>
+      </p:sp>
+    </p:spTree>
+    <p:extLst>
+      <p:ext uri="{BB962C8B-B14F-4D97-AF65-F5344CB8AC3E}">
+        <p14:creationId xmlns:p14="http://schemas.microsoft.com/office/powerpoint/2010/main" val="2304362570"/>
+      </p:ext>
+    </p:extLst>
+  </p:cSld>
+  <p:clrMapOvr>
+    <a:masterClrMapping/>
+  </p:clrMapOvr>
+</p:sld>
+</file>
+
+<file path=ppt/slides/slide2.xml><?xml version="1.0" encoding="utf-8"?>
+<p:sld xmlns:a="http://schemas.openxmlformats.org/drawingml/2006/main" xmlns:r="http://schemas.openxmlformats.org/officeDocument/2006/relationships" xmlns:p="http://schemas.openxmlformats.org/presentationml/2006/main">
+  <p:cSld>
+    <p:spTree>
+      <p:nvGrpSpPr>
+        <p:cNvPr id="1" name=""/>
+        <p:cNvGrpSpPr/>
+        <p:nvPr/>
+      </p:nvGrpSpPr>
+      <p:grpSpPr>
+        <a:xfrm>
+          <a:off x="0" y="0"/>
+          <a:ext cx="0" cy="0"/>
+          <a:chOff x="0" y="0"/>
+          <a:chExt cx="0" cy="0"/>
+        </a:xfrm>
+      </p:grpSpPr>
+      <p:sp>
+        <p:nvSpPr>
+          <p:cNvPr id="4" name="Oval 3">
+            <a:extLst>
+              <a:ext uri="{FF2B5EF4-FFF2-40B4-BE49-F238E27FC236}">
+                <a16:creationId xmlns:a16="http://schemas.microsoft.com/office/drawing/2014/main" id="{747B5D1E-D1E2-880B-AF66-FBDC7FD6FAFB}"/>
+              </a:ext>
+            </a:extLst>
+          </p:cNvPr>
+          <p:cNvSpPr/>
+          <p:nvPr/>
+        </p:nvSpPr>
+        <p:spPr>
+          <a:xfrm>
+            <a:off x="286576" y="3028570"/>
+            <a:ext cx="3567792" cy="1522794"/>
+          </a:xfrm>
+          <a:prstGeom prst="ellipse">
+            <a:avLst/>
+          </a:prstGeom>
+          <a:noFill/>
+          <a:ln w="9525" cap="flat" cmpd="sng" algn="ctr">
+            <a:solidFill>
+              <a:schemeClr val="accent3"/>
+            </a:solidFill>
+            <a:prstDash val="solid"/>
+            <a:round/>
+            <a:headEnd type="none" w="med" len="med"/>
+            <a:tailEnd type="none" w="med" len="med"/>
+          </a:ln>
+        </p:spPr>
+        <p:style>
+          <a:lnRef idx="0">
+            <a:scrgbClr r="0" g="0" b="0"/>
+          </a:lnRef>
+          <a:fillRef idx="0">
+            <a:scrgbClr r="0" g="0" b="0"/>
+          </a:fillRef>
+          <a:effectRef idx="0">
+            <a:scrgbClr r="0" g="0" b="0"/>
+          </a:effectRef>
+          <a:fontRef idx="minor">
+            <a:schemeClr val="accent3"/>
+          </a:fontRef>
+        </p:style>
+        <p:txBody>
+          <a:bodyPr rtlCol="0" anchor="b"/>
+          <a:lstStyle/>
+          <a:p>
+            <a:pPr algn="ctr"/>
+            <a:r>
+              <a:rPr lang="en-US"/>
+              <a:t>Back stage</a:t>
+            </a:r>
+          </a:p>
+        </p:txBody>
+      </p:sp>
+      <p:sp>
+        <p:nvSpPr>
+          <p:cNvPr id="5" name="Oval 4">
+            <a:extLst>
+              <a:ext uri="{FF2B5EF4-FFF2-40B4-BE49-F238E27FC236}">
+                <a16:creationId xmlns:a16="http://schemas.microsoft.com/office/drawing/2014/main" id="{F94CB44C-1D68-6799-755A-B32AAE8AC6AA}"/>
+              </a:ext>
+            </a:extLst>
+          </p:cNvPr>
+          <p:cNvSpPr/>
+          <p:nvPr/>
+        </p:nvSpPr>
+        <p:spPr>
+          <a:xfrm>
+            <a:off x="6699746" y="864815"/>
+            <a:ext cx="3372629" cy="1461613"/>
+          </a:xfrm>
+          <a:prstGeom prst="ellipse">
+            <a:avLst/>
+          </a:prstGeom>
+          <a:noFill/>
+          <a:ln w="9525" cap="flat" cmpd="sng" algn="ctr">
+            <a:solidFill>
+              <a:schemeClr val="accent3"/>
+            </a:solidFill>
+            <a:prstDash val="solid"/>
+            <a:round/>
+            <a:headEnd type="none" w="med" len="med"/>
+            <a:tailEnd type="none" w="med" len="med"/>
+          </a:ln>
+        </p:spPr>
+        <p:style>
+          <a:lnRef idx="0">
+            <a:scrgbClr r="0" g="0" b="0"/>
+          </a:lnRef>
+          <a:fillRef idx="0">
+            <a:scrgbClr r="0" g="0" b="0"/>
+          </a:fillRef>
+          <a:effectRef idx="0">
+            <a:scrgbClr r="0" g="0" b="0"/>
+          </a:effectRef>
+          <a:fontRef idx="minor">
+            <a:schemeClr val="accent3"/>
+          </a:fontRef>
+        </p:style>
+        <p:txBody>
+          <a:bodyPr rtlCol="0" anchor="b"/>
+          <a:lstStyle/>
+          <a:p>
+            <a:pPr algn="ctr"/>
+            <a:r>
+              <a:rPr lang="en-US"/>
+              <a:t>Front stage</a:t>
+            </a:r>
+          </a:p>
+        </p:txBody>
+      </p:sp>
+      <p:sp>
+        <p:nvSpPr>
+          <p:cNvPr id="6" name="Oval 5">
+            <a:extLst>
+              <a:ext uri="{FF2B5EF4-FFF2-40B4-BE49-F238E27FC236}">
+                <a16:creationId xmlns:a16="http://schemas.microsoft.com/office/drawing/2014/main" id="{EB63504E-1E36-8FE2-E039-E0DB9FD5B0F6}"/>
+              </a:ext>
+            </a:extLst>
+          </p:cNvPr>
+          <p:cNvSpPr/>
+          <p:nvPr/>
+        </p:nvSpPr>
+        <p:spPr>
+          <a:xfrm>
+            <a:off x="7592603" y="4654435"/>
+            <a:ext cx="3554858" cy="1766736"/>
+          </a:xfrm>
+          <a:prstGeom prst="ellipse">
+            <a:avLst/>
+          </a:prstGeom>
+          <a:noFill/>
+          <a:ln w="9525" cap="flat" cmpd="sng" algn="ctr">
+            <a:solidFill>
+              <a:schemeClr val="accent3"/>
+            </a:solidFill>
+            <a:prstDash val="solid"/>
+            <a:round/>
+            <a:headEnd type="none" w="med" len="med"/>
+            <a:tailEnd type="none" w="med" len="med"/>
+          </a:ln>
+        </p:spPr>
+        <p:style>
+          <a:lnRef idx="0">
+            <a:scrgbClr r="0" g="0" b="0"/>
+          </a:lnRef>
+          <a:fillRef idx="0">
+            <a:scrgbClr r="0" g="0" b="0"/>
+          </a:fillRef>
+          <a:effectRef idx="0">
+            <a:scrgbClr r="0" g="0" b="0"/>
+          </a:effectRef>
+          <a:fontRef idx="minor">
+            <a:schemeClr val="accent3"/>
+          </a:fontRef>
+        </p:style>
+        <p:txBody>
+          <a:bodyPr rtlCol="0" anchor="b"/>
+          <a:lstStyle/>
+          <a:p>
+            <a:pPr algn="ctr"/>
+            <a:r>
+              <a:rPr lang="en-US"/>
+              <a:t>database</a:t>
+            </a:r>
+          </a:p>
+        </p:txBody>
+      </p:sp>
+      <p:sp>
+        <p:nvSpPr>
+          <p:cNvPr id="9" name="Rectangle 8">
+            <a:extLst>
+              <a:ext uri="{FF2B5EF4-FFF2-40B4-BE49-F238E27FC236}">
+                <a16:creationId xmlns:a16="http://schemas.microsoft.com/office/drawing/2014/main" id="{DA0DFFD7-F2E9-25CC-7E0A-F75883ADE12C}"/>
+              </a:ext>
+            </a:extLst>
+          </p:cNvPr>
+          <p:cNvSpPr/>
+          <p:nvPr/>
+        </p:nvSpPr>
+        <p:spPr>
+          <a:xfrm>
+            <a:off x="241932" y="6178873"/>
+            <a:ext cx="998587" cy="484596"/>
+          </a:xfrm>
+          <a:prstGeom prst="rect">
+            <a:avLst/>
+          </a:prstGeom>
+          <a:noFill/>
+          <a:ln w="9525" cap="flat" cmpd="sng" algn="ctr">
+            <a:solidFill>
+              <a:schemeClr val="accent1"/>
+            </a:solidFill>
+            <a:prstDash val="solid"/>
+            <a:round/>
+            <a:headEnd type="none" w="med" len="med"/>
+            <a:tailEnd type="none" w="med" len="med"/>
+          </a:ln>
+        </p:spPr>
+        <p:style>
+          <a:lnRef idx="0">
+            <a:scrgbClr r="0" g="0" b="0"/>
+          </a:lnRef>
+          <a:fillRef idx="0">
+            <a:scrgbClr r="0" g="0" b="0"/>
+          </a:fillRef>
+          <a:effectRef idx="0">
+            <a:scrgbClr r="0" g="0" b="0"/>
+          </a:effectRef>
+          <a:fontRef idx="minor">
+            <a:schemeClr val="accent1"/>
+          </a:fontRef>
+        </p:style>
+        <p:txBody>
+          <a:bodyPr rtlCol="0" anchor="ctr"/>
+          <a:lstStyle/>
+          <a:p>
+            <a:pPr algn="ctr"/>
+            <a:r>
+              <a:rPr lang="en-US"/>
+              <a:t>Foo</a:t>
+            </a:r>
+          </a:p>
+        </p:txBody>
+      </p:sp>
+      <p:sp>
+        <p:nvSpPr>
+          <p:cNvPr id="10" name="Rectangle 9">
+            <a:extLst>
+              <a:ext uri="{FF2B5EF4-FFF2-40B4-BE49-F238E27FC236}">
+                <a16:creationId xmlns:a16="http://schemas.microsoft.com/office/drawing/2014/main" id="{982B0EF3-3F31-08BA-94B0-60491C5589CB}"/>
+              </a:ext>
+            </a:extLst>
+          </p:cNvPr>
+          <p:cNvSpPr/>
+          <p:nvPr/>
+        </p:nvSpPr>
+        <p:spPr>
+          <a:xfrm>
+            <a:off x="1976842" y="6178873"/>
+            <a:ext cx="998587" cy="484596"/>
+          </a:xfrm>
+          <a:prstGeom prst="rect">
+            <a:avLst/>
+          </a:prstGeom>
+          <a:noFill/>
+          <a:ln w="9525" cap="flat" cmpd="sng" algn="ctr">
+            <a:solidFill>
+              <a:schemeClr val="accent1"/>
+            </a:solidFill>
+            <a:prstDash val="solid"/>
+            <a:round/>
+            <a:headEnd type="none" w="med" len="med"/>
+            <a:tailEnd type="none" w="med" len="med"/>
+          </a:ln>
+        </p:spPr>
+        <p:style>
+          <a:lnRef idx="0">
+            <a:scrgbClr r="0" g="0" b="0"/>
+          </a:lnRef>
+          <a:fillRef idx="0">
+            <a:scrgbClr r="0" g="0" b="0"/>
+          </a:fillRef>
+          <a:effectRef idx="0">
+            <a:scrgbClr r="0" g="0" b="0"/>
+          </a:effectRef>
+          <a:fontRef idx="minor">
+            <a:schemeClr val="accent1"/>
+          </a:fontRef>
+        </p:style>
+        <p:txBody>
+          <a:bodyPr rtlCol="0" anchor="ctr"/>
+          <a:lstStyle/>
+          <a:p>
+            <a:pPr algn="ctr"/>
+            <a:r>
+              <a:rPr lang="en-US"/>
+              <a:t>Bar</a:t>
+            </a:r>
+          </a:p>
+        </p:txBody>
+      </p:sp>
+      <p:cxnSp>
+        <p:nvCxnSpPr>
+          <p:cNvPr id="12" name="Straight Arrow Connector 11">
+            <a:extLst>
+              <a:ext uri="{FF2B5EF4-FFF2-40B4-BE49-F238E27FC236}">
+                <a16:creationId xmlns:a16="http://schemas.microsoft.com/office/drawing/2014/main" id="{8DB7FCCC-318B-6A4A-4C44-5E32C96F30DF}"/>
+              </a:ext>
+            </a:extLst>
+          </p:cNvPr>
+          <p:cNvCxnSpPr>
+            <a:stCxn id="9" idx="3"/>
+            <a:endCxn id="10" idx="1"/>
+          </p:cNvCxnSpPr>
+          <p:nvPr/>
+        </p:nvCxnSpPr>
+        <p:spPr>
+          <a:xfrm>
+            <a:off x="1240519" y="6421171"/>
+            <a:ext cx="736323" cy="0"/>
+          </a:xfrm>
+          <a:prstGeom prst="straightConnector1">
+            <a:avLst/>
+          </a:prstGeom>
+          <a:ln>
+            <a:tailEnd type="triangle"/>
+          </a:ln>
+        </p:spPr>
+        <p:style>
+          <a:lnRef idx="2">
+            <a:schemeClr val="accent1"/>
+          </a:lnRef>
+          <a:fillRef idx="0">
+            <a:schemeClr val="accent1"/>
+          </a:fillRef>
+          <a:effectRef idx="1">
+            <a:schemeClr val="accent1"/>
+          </a:effectRef>
+          <a:fontRef idx="minor">
+            <a:schemeClr val="tx1"/>
+          </a:fontRef>
+        </p:style>
+      </p:cxnSp>
+      <p:sp>
+        <p:nvSpPr>
+          <p:cNvPr id="14" name="TextBox 13">
+            <a:extLst>
+              <a:ext uri="{FF2B5EF4-FFF2-40B4-BE49-F238E27FC236}">
+                <a16:creationId xmlns:a16="http://schemas.microsoft.com/office/drawing/2014/main" id="{90519001-D291-DA51-28A7-8D59DB1622A8}"/>
+              </a:ext>
+            </a:extLst>
+          </p:cNvPr>
+          <p:cNvSpPr txBox="1"/>
+          <p:nvPr/>
+        </p:nvSpPr>
+        <p:spPr>
+          <a:xfrm>
+            <a:off x="1457049" y="6075950"/>
+            <a:ext cx="609366" cy="371558"/>
+          </a:xfrm>
+          <a:prstGeom prst="rect">
+            <a:avLst/>
+          </a:prstGeom>
+          <a:noFill/>
+          <a:ln w="9525" cap="flat" cmpd="sng" algn="ctr">
+            <a:noFill/>
+            <a:prstDash val="solid"/>
+            <a:round/>
+            <a:headEnd type="none" w="med" len="med"/>
+            <a:tailEnd type="none" w="med" len="med"/>
+          </a:ln>
+        </p:spPr>
+        <p:style>
+          <a:lnRef idx="0">
+            <a:scrgbClr r="0" g="0" b="0"/>
+          </a:lnRef>
+          <a:fillRef idx="0">
+            <a:scrgbClr r="0" g="0" b="0"/>
+          </a:fillRef>
+          <a:effectRef idx="0">
+            <a:scrgbClr r="0" g="0" b="0"/>
+          </a:effectRef>
+          <a:fontRef idx="minor">
+            <a:schemeClr val="accent1"/>
+          </a:fontRef>
+        </p:style>
+        <p:txBody>
+          <a:bodyPr rtlCol="0" anchor="ctr"/>
+          <a:lstStyle>
+            <a:defPPr>
+              <a:defRPr lang="en-FR"/>
+            </a:defPPr>
+            <a:lvl1pPr algn="ctr">
+              <a:defRPr>
+                <a:solidFill>
+                  <a:schemeClr val="accent1"/>
+                </a:solidFill>
+              </a:defRPr>
+            </a:lvl1pPr>
+            <a:lvl2pPr>
+              <a:defRPr>
+                <a:solidFill>
+                  <a:schemeClr val="accent1"/>
+                </a:solidFill>
+              </a:defRPr>
+            </a:lvl2pPr>
+            <a:lvl3pPr>
+              <a:defRPr>
+                <a:solidFill>
+                  <a:schemeClr val="accent1"/>
+                </a:solidFill>
+              </a:defRPr>
+            </a:lvl3pPr>
+            <a:lvl4pPr>
+              <a:defRPr>
+                <a:solidFill>
+                  <a:schemeClr val="accent1"/>
+                </a:solidFill>
+              </a:defRPr>
+            </a:lvl4pPr>
+            <a:lvl5pPr>
+              <a:defRPr>
+                <a:solidFill>
+                  <a:schemeClr val="accent1"/>
+                </a:solidFill>
+              </a:defRPr>
+            </a:lvl5pPr>
+            <a:lvl6pPr>
+              <a:defRPr>
+                <a:solidFill>
+                  <a:schemeClr val="accent1"/>
+                </a:solidFill>
+              </a:defRPr>
+            </a:lvl6pPr>
+            <a:lvl7pPr>
+              <a:defRPr>
+                <a:solidFill>
+                  <a:schemeClr val="accent1"/>
+                </a:solidFill>
+              </a:defRPr>
+            </a:lvl7pPr>
+            <a:lvl8pPr>
+              <a:defRPr>
+                <a:solidFill>
+                  <a:schemeClr val="accent1"/>
+                </a:solidFill>
+              </a:defRPr>
+            </a:lvl8pPr>
+            <a:lvl9pPr>
+              <a:defRPr>
+                <a:solidFill>
+                  <a:schemeClr val="accent1"/>
+                </a:solidFill>
+              </a:defRPr>
+            </a:lvl9pPr>
+          </a:lstStyle>
+          <a:p>
+            <a:r>
+              <a:rPr lang="en-US" sz="1400"/>
+              <a:t>0..1</a:t>
+            </a:r>
+          </a:p>
+        </p:txBody>
+      </p:sp>
+      <p:sp>
+        <p:nvSpPr>
+          <p:cNvPr id="16" name="Rounded Rectangle 15">
+            <a:extLst>
+              <a:ext uri="{FF2B5EF4-FFF2-40B4-BE49-F238E27FC236}">
+                <a16:creationId xmlns:a16="http://schemas.microsoft.com/office/drawing/2014/main" id="{F7247B2E-CDE5-3B45-4165-21CDE953DF80}"/>
+              </a:ext>
+            </a:extLst>
+          </p:cNvPr>
+          <p:cNvSpPr/>
+          <p:nvPr/>
+        </p:nvSpPr>
+        <p:spPr>
+          <a:xfrm>
+            <a:off x="902980" y="3263697"/>
+            <a:ext cx="828675" cy="326571"/>
+          </a:xfrm>
+          <a:prstGeom prst="roundRect">
+            <a:avLst/>
+          </a:prstGeom>
+          <a:noFill/>
+          <a:ln w="9525" cap="flat" cmpd="sng" algn="ctr">
+            <a:solidFill>
+              <a:schemeClr val="accent4"/>
+            </a:solidFill>
+            <a:prstDash val="solid"/>
+            <a:round/>
+            <a:headEnd type="none" w="med" len="med"/>
+            <a:tailEnd type="none" w="med" len="med"/>
+          </a:ln>
+        </p:spPr>
+        <p:style>
+          <a:lnRef idx="0">
+            <a:scrgbClr r="0" g="0" b="0"/>
+          </a:lnRef>
+          <a:fillRef idx="0">
+            <a:scrgbClr r="0" g="0" b="0"/>
+          </a:fillRef>
+          <a:effectRef idx="0">
+            <a:scrgbClr r="0" g="0" b="0"/>
+          </a:effectRef>
+          <a:fontRef idx="minor">
+            <a:schemeClr val="accent4"/>
+          </a:fontRef>
+        </p:style>
+        <p:txBody>
+          <a:bodyPr rtlCol="0" anchor="ctr"/>
+          <a:lstStyle/>
+          <a:p>
+            <a:pPr algn="ctr"/>
+            <a:r>
+              <a:rPr lang="en-US"/>
+              <a:t>Foo:1</a:t>
+            </a:r>
+          </a:p>
+        </p:txBody>
+      </p:sp>
+      <p:sp>
+        <p:nvSpPr>
+          <p:cNvPr id="17" name="Rounded Rectangle 16">
+            <a:extLst>
+              <a:ext uri="{FF2B5EF4-FFF2-40B4-BE49-F238E27FC236}">
+                <a16:creationId xmlns:a16="http://schemas.microsoft.com/office/drawing/2014/main" id="{F6F018C6-CBEE-E031-D10F-76673E5199DF}"/>
+              </a:ext>
+            </a:extLst>
+          </p:cNvPr>
+          <p:cNvSpPr/>
+          <p:nvPr/>
+        </p:nvSpPr>
+        <p:spPr>
+          <a:xfrm>
+            <a:off x="902979" y="3667828"/>
+            <a:ext cx="828675" cy="326571"/>
+          </a:xfrm>
+          <a:prstGeom prst="roundRect">
+            <a:avLst/>
+          </a:prstGeom>
+          <a:noFill/>
+          <a:ln w="9525" cap="flat" cmpd="sng" algn="ctr">
+            <a:solidFill>
+              <a:schemeClr val="accent4"/>
+            </a:solidFill>
+            <a:prstDash val="solid"/>
+            <a:round/>
+            <a:headEnd type="none" w="med" len="med"/>
+            <a:tailEnd type="none" w="med" len="med"/>
+          </a:ln>
+        </p:spPr>
+        <p:style>
+          <a:lnRef idx="0">
+            <a:scrgbClr r="0" g="0" b="0"/>
+          </a:lnRef>
+          <a:fillRef idx="0">
+            <a:scrgbClr r="0" g="0" b="0"/>
+          </a:fillRef>
+          <a:effectRef idx="0">
+            <a:scrgbClr r="0" g="0" b="0"/>
+          </a:effectRef>
+          <a:fontRef idx="minor">
+            <a:schemeClr val="accent4"/>
+          </a:fontRef>
+        </p:style>
+        <p:txBody>
+          <a:bodyPr rtlCol="0" anchor="ctr"/>
+          <a:lstStyle/>
+          <a:p>
+            <a:pPr algn="ctr"/>
+            <a:r>
+              <a:rPr lang="en-US"/>
+              <a:t>Foo:2</a:t>
+            </a:r>
+          </a:p>
+        </p:txBody>
+      </p:sp>
+      <p:sp>
+        <p:nvSpPr>
+          <p:cNvPr id="18" name="Rounded Rectangle 17">
+            <a:extLst>
+              <a:ext uri="{FF2B5EF4-FFF2-40B4-BE49-F238E27FC236}">
+                <a16:creationId xmlns:a16="http://schemas.microsoft.com/office/drawing/2014/main" id="{B1B45DBF-9D87-D71D-1353-1519D14117F2}"/>
+              </a:ext>
+            </a:extLst>
+          </p:cNvPr>
+          <p:cNvSpPr/>
+          <p:nvPr/>
+        </p:nvSpPr>
+        <p:spPr>
+          <a:xfrm>
+            <a:off x="2307921" y="3263696"/>
+            <a:ext cx="828675" cy="326571"/>
+          </a:xfrm>
+          <a:prstGeom prst="roundRect">
+            <a:avLst/>
+          </a:prstGeom>
+          <a:noFill/>
+          <a:ln w="9525" cap="flat" cmpd="sng" algn="ctr">
+            <a:solidFill>
+              <a:schemeClr val="accent4"/>
+            </a:solidFill>
+            <a:prstDash val="solid"/>
+            <a:round/>
+            <a:headEnd type="none" w="med" len="med"/>
+            <a:tailEnd type="none" w="med" len="med"/>
+          </a:ln>
+        </p:spPr>
+        <p:style>
+          <a:lnRef idx="0">
+            <a:scrgbClr r="0" g="0" b="0"/>
+          </a:lnRef>
+          <a:fillRef idx="0">
+            <a:scrgbClr r="0" g="0" b="0"/>
+          </a:fillRef>
+          <a:effectRef idx="0">
+            <a:scrgbClr r="0" g="0" b="0"/>
+          </a:effectRef>
+          <a:fontRef idx="minor">
+            <a:schemeClr val="accent4"/>
+          </a:fontRef>
+        </p:style>
+        <p:txBody>
+          <a:bodyPr rtlCol="0" anchor="ctr"/>
+          <a:lstStyle/>
+          <a:p>
+            <a:pPr algn="ctr"/>
+            <a:r>
+              <a:rPr lang="en-US"/>
+              <a:t>Bar:1</a:t>
+            </a:r>
+          </a:p>
+        </p:txBody>
+      </p:sp>
+      <p:cxnSp>
+        <p:nvCxnSpPr>
+          <p:cNvPr id="20" name="Straight Arrow Connector 19">
+            <a:extLst>
+              <a:ext uri="{FF2B5EF4-FFF2-40B4-BE49-F238E27FC236}">
+                <a16:creationId xmlns:a16="http://schemas.microsoft.com/office/drawing/2014/main" id="{45D684CD-032B-F6BD-9774-0090F42400E2}"/>
+              </a:ext>
+            </a:extLst>
+          </p:cNvPr>
+          <p:cNvCxnSpPr>
+            <a:stCxn id="16" idx="3"/>
+            <a:endCxn id="18" idx="1"/>
+          </p:cNvCxnSpPr>
+          <p:nvPr/>
+        </p:nvCxnSpPr>
+        <p:spPr>
+          <a:xfrm flipV="1">
+            <a:off x="1731655" y="3426982"/>
+            <a:ext cx="576266" cy="1"/>
+          </a:xfrm>
+          <a:prstGeom prst="straightConnector1">
+            <a:avLst/>
+          </a:prstGeom>
+          <a:ln>
+            <a:tailEnd type="triangle"/>
+          </a:ln>
+        </p:spPr>
+        <p:style>
+          <a:lnRef idx="1">
+            <a:schemeClr val="accent1"/>
+          </a:lnRef>
+          <a:fillRef idx="0">
+            <a:schemeClr val="accent1"/>
+          </a:fillRef>
+          <a:effectRef idx="0">
+            <a:schemeClr val="accent1"/>
+          </a:effectRef>
+          <a:fontRef idx="minor">
+            <a:schemeClr val="tx1"/>
+          </a:fontRef>
+        </p:style>
+      </p:cxnSp>
+      <p:cxnSp>
+        <p:nvCxnSpPr>
+          <p:cNvPr id="21" name="Straight Arrow Connector 20">
+            <a:extLst>
+              <a:ext uri="{FF2B5EF4-FFF2-40B4-BE49-F238E27FC236}">
+                <a16:creationId xmlns:a16="http://schemas.microsoft.com/office/drawing/2014/main" id="{CB8B2EB8-EC0C-8B2D-C376-C21D4F3AEDEF}"/>
+              </a:ext>
+            </a:extLst>
+          </p:cNvPr>
+          <p:cNvCxnSpPr>
+            <a:cxnSpLocks/>
+            <a:stCxn id="17" idx="3"/>
+            <a:endCxn id="18" idx="1"/>
+          </p:cNvCxnSpPr>
+          <p:nvPr/>
+        </p:nvCxnSpPr>
+        <p:spPr>
+          <a:xfrm flipV="1">
+            <a:off x="1731654" y="3426982"/>
+            <a:ext cx="576267" cy="404132"/>
+          </a:xfrm>
+          <a:prstGeom prst="straightConnector1">
+            <a:avLst/>
+          </a:prstGeom>
+          <a:ln>
+            <a:tailEnd type="triangle"/>
+          </a:ln>
+        </p:spPr>
+        <p:style>
+          <a:lnRef idx="1">
+            <a:schemeClr val="accent1"/>
+          </a:lnRef>
+          <a:fillRef idx="0">
+            <a:schemeClr val="accent1"/>
+          </a:fillRef>
+          <a:effectRef idx="0">
+            <a:schemeClr val="accent1"/>
+          </a:effectRef>
+          <a:fontRef idx="minor">
+            <a:schemeClr val="tx1"/>
+          </a:fontRef>
+        </p:style>
+      </p:cxnSp>
+      <p:sp>
+        <p:nvSpPr>
+          <p:cNvPr id="24" name="Rounded Rectangle 23">
+            <a:extLst>
+              <a:ext uri="{FF2B5EF4-FFF2-40B4-BE49-F238E27FC236}">
+                <a16:creationId xmlns:a16="http://schemas.microsoft.com/office/drawing/2014/main" id="{90918333-0B40-7F93-BA41-C430A693F2DF}"/>
+              </a:ext>
+            </a:extLst>
+          </p:cNvPr>
+          <p:cNvSpPr/>
+          <p:nvPr/>
+        </p:nvSpPr>
+        <p:spPr>
+          <a:xfrm>
+            <a:off x="8050812" y="5032626"/>
+            <a:ext cx="806304" cy="326571"/>
+          </a:xfrm>
+          <a:prstGeom prst="roundRect">
+            <a:avLst/>
+          </a:prstGeom>
+          <a:noFill/>
+          <a:ln w="9525" cap="flat" cmpd="sng" algn="ctr">
+            <a:solidFill>
+              <a:schemeClr val="accent4"/>
+            </a:solidFill>
+            <a:prstDash val="solid"/>
+            <a:round/>
+            <a:headEnd type="none" w="med" len="med"/>
+            <a:tailEnd type="none" w="med" len="med"/>
+          </a:ln>
+        </p:spPr>
+        <p:style>
+          <a:lnRef idx="0">
+            <a:scrgbClr r="0" g="0" b="0"/>
+          </a:lnRef>
+          <a:fillRef idx="0">
+            <a:scrgbClr r="0" g="0" b="0"/>
+          </a:fillRef>
+          <a:effectRef idx="0">
+            <a:scrgbClr r="0" g="0" b="0"/>
+          </a:effectRef>
+          <a:fontRef idx="minor">
+            <a:schemeClr val="accent4"/>
+          </a:fontRef>
+        </p:style>
+        <p:txBody>
+          <a:bodyPr rtlCol="0" anchor="ctr"/>
+          <a:lstStyle/>
+          <a:p>
+            <a:pPr algn="ctr"/>
+            <a:r>
+              <a:rPr lang="en-US"/>
+              <a:t>Foo:1</a:t>
+            </a:r>
+          </a:p>
+        </p:txBody>
+      </p:sp>
+      <p:sp>
+        <p:nvSpPr>
+          <p:cNvPr id="25" name="Rounded Rectangle 24">
+            <a:extLst>
+              <a:ext uri="{FF2B5EF4-FFF2-40B4-BE49-F238E27FC236}">
+                <a16:creationId xmlns:a16="http://schemas.microsoft.com/office/drawing/2014/main" id="{8F5945BE-9110-A04C-BE5C-1959864C3F3A}"/>
+              </a:ext>
+            </a:extLst>
+          </p:cNvPr>
+          <p:cNvSpPr/>
+          <p:nvPr/>
+        </p:nvSpPr>
+        <p:spPr>
+          <a:xfrm>
+            <a:off x="8050811" y="5436757"/>
+            <a:ext cx="806304" cy="326571"/>
+          </a:xfrm>
+          <a:prstGeom prst="roundRect">
+            <a:avLst/>
+          </a:prstGeom>
+          <a:noFill/>
+          <a:ln w="9525" cap="flat" cmpd="sng" algn="ctr">
+            <a:solidFill>
+              <a:schemeClr val="accent4"/>
+            </a:solidFill>
+            <a:prstDash val="solid"/>
+            <a:round/>
+            <a:headEnd type="none" w="med" len="med"/>
+            <a:tailEnd type="none" w="med" len="med"/>
+          </a:ln>
+        </p:spPr>
+        <p:style>
+          <a:lnRef idx="0">
+            <a:scrgbClr r="0" g="0" b="0"/>
+          </a:lnRef>
+          <a:fillRef idx="0">
+            <a:scrgbClr r="0" g="0" b="0"/>
+          </a:fillRef>
+          <a:effectRef idx="0">
+            <a:scrgbClr r="0" g="0" b="0"/>
+          </a:effectRef>
+          <a:fontRef idx="minor">
+            <a:schemeClr val="accent4"/>
+          </a:fontRef>
+        </p:style>
+        <p:txBody>
+          <a:bodyPr rtlCol="0" anchor="ctr"/>
+          <a:lstStyle/>
+          <a:p>
+            <a:pPr algn="ctr"/>
+            <a:r>
+              <a:rPr lang="en-US"/>
+              <a:t>Foo:2</a:t>
+            </a:r>
+          </a:p>
+        </p:txBody>
+      </p:sp>
+      <p:sp>
+        <p:nvSpPr>
+          <p:cNvPr id="26" name="Rounded Rectangle 25">
+            <a:extLst>
+              <a:ext uri="{FF2B5EF4-FFF2-40B4-BE49-F238E27FC236}">
+                <a16:creationId xmlns:a16="http://schemas.microsoft.com/office/drawing/2014/main" id="{5A23B3EF-EC42-1D8C-0578-AD0F7EAD9DB1}"/>
+              </a:ext>
+            </a:extLst>
+          </p:cNvPr>
+          <p:cNvSpPr/>
+          <p:nvPr/>
+        </p:nvSpPr>
+        <p:spPr>
+          <a:xfrm>
+            <a:off x="9455753" y="5032625"/>
+            <a:ext cx="806304" cy="326571"/>
+          </a:xfrm>
+          <a:prstGeom prst="roundRect">
+            <a:avLst/>
+          </a:prstGeom>
+          <a:noFill/>
+          <a:ln w="9525" cap="flat" cmpd="sng" algn="ctr">
+            <a:solidFill>
+              <a:schemeClr val="accent4"/>
+            </a:solidFill>
+            <a:prstDash val="solid"/>
+            <a:round/>
+            <a:headEnd type="none" w="med" len="med"/>
+            <a:tailEnd type="none" w="med" len="med"/>
+          </a:ln>
+        </p:spPr>
+        <p:style>
+          <a:lnRef idx="0">
+            <a:scrgbClr r="0" g="0" b="0"/>
+          </a:lnRef>
+          <a:fillRef idx="0">
+            <a:scrgbClr r="0" g="0" b="0"/>
+          </a:fillRef>
+          <a:effectRef idx="0">
+            <a:scrgbClr r="0" g="0" b="0"/>
+          </a:effectRef>
+          <a:fontRef idx="minor">
+            <a:schemeClr val="accent4"/>
+          </a:fontRef>
+        </p:style>
+        <p:txBody>
+          <a:bodyPr rtlCol="0" anchor="ctr"/>
+          <a:lstStyle/>
+          <a:p>
+            <a:pPr algn="ctr"/>
+            <a:r>
+              <a:rPr lang="en-US"/>
+              <a:t>Bar:1</a:t>
+            </a:r>
+          </a:p>
+        </p:txBody>
+      </p:sp>
+      <p:cxnSp>
+        <p:nvCxnSpPr>
+          <p:cNvPr id="27" name="Straight Arrow Connector 26">
+            <a:extLst>
+              <a:ext uri="{FF2B5EF4-FFF2-40B4-BE49-F238E27FC236}">
+                <a16:creationId xmlns:a16="http://schemas.microsoft.com/office/drawing/2014/main" id="{BDDF28A8-8003-9AEA-48E7-8A0CA7B36AEB}"/>
+              </a:ext>
+            </a:extLst>
+          </p:cNvPr>
+          <p:cNvCxnSpPr>
+            <a:stCxn id="24" idx="3"/>
+            <a:endCxn id="26" idx="1"/>
+          </p:cNvCxnSpPr>
+          <p:nvPr/>
+        </p:nvCxnSpPr>
+        <p:spPr>
+          <a:xfrm flipV="1">
+            <a:off x="8857116" y="5195911"/>
+            <a:ext cx="598637" cy="1"/>
+          </a:xfrm>
+          <a:prstGeom prst="straightConnector1">
+            <a:avLst/>
+          </a:prstGeom>
+          <a:ln>
+            <a:tailEnd type="triangle"/>
+          </a:ln>
+        </p:spPr>
+        <p:style>
+          <a:lnRef idx="1">
+            <a:schemeClr val="accent1"/>
+          </a:lnRef>
+          <a:fillRef idx="0">
+            <a:schemeClr val="accent1"/>
+          </a:fillRef>
+          <a:effectRef idx="0">
+            <a:schemeClr val="accent1"/>
+          </a:effectRef>
+          <a:fontRef idx="minor">
+            <a:schemeClr val="tx1"/>
+          </a:fontRef>
+        </p:style>
+      </p:cxnSp>
+      <p:cxnSp>
+        <p:nvCxnSpPr>
+          <p:cNvPr id="28" name="Straight Arrow Connector 27">
+            <a:extLst>
+              <a:ext uri="{FF2B5EF4-FFF2-40B4-BE49-F238E27FC236}">
+                <a16:creationId xmlns:a16="http://schemas.microsoft.com/office/drawing/2014/main" id="{B9C1311E-2B9E-6701-CCB1-43E3343524FE}"/>
+              </a:ext>
+            </a:extLst>
+          </p:cNvPr>
+          <p:cNvCxnSpPr>
+            <a:cxnSpLocks/>
+            <a:stCxn id="25" idx="3"/>
+            <a:endCxn id="26" idx="1"/>
+          </p:cNvCxnSpPr>
+          <p:nvPr/>
+        </p:nvCxnSpPr>
+        <p:spPr>
+          <a:xfrm flipV="1">
+            <a:off x="8857115" y="5195911"/>
+            <a:ext cx="598638" cy="404132"/>
+          </a:xfrm>
+          <a:prstGeom prst="straightConnector1">
+            <a:avLst/>
+          </a:prstGeom>
+          <a:ln>
+            <a:tailEnd type="triangle"/>
+          </a:ln>
+        </p:spPr>
+        <p:style>
+          <a:lnRef idx="1">
+            <a:schemeClr val="accent1"/>
+          </a:lnRef>
+          <a:fillRef idx="0">
+            <a:schemeClr val="accent1"/>
+          </a:fillRef>
+          <a:effectRef idx="0">
+            <a:schemeClr val="accent1"/>
+          </a:effectRef>
+          <a:fontRef idx="minor">
+            <a:schemeClr val="tx1"/>
+          </a:fontRef>
+        </p:style>
+      </p:cxnSp>
+      <p:sp>
+        <p:nvSpPr>
+          <p:cNvPr id="29" name="Rounded Rectangle 28">
+            <a:extLst>
+              <a:ext uri="{FF2B5EF4-FFF2-40B4-BE49-F238E27FC236}">
+                <a16:creationId xmlns:a16="http://schemas.microsoft.com/office/drawing/2014/main" id="{CB1D871A-98FE-8A7D-132D-255D7F8DAD02}"/>
+              </a:ext>
+            </a:extLst>
+          </p:cNvPr>
+          <p:cNvSpPr/>
+          <p:nvPr/>
+        </p:nvSpPr>
+        <p:spPr>
+          <a:xfrm>
+            <a:off x="7273667" y="1083711"/>
+            <a:ext cx="806304" cy="326571"/>
+          </a:xfrm>
+          <a:prstGeom prst="roundRect">
+            <a:avLst/>
+          </a:prstGeom>
+          <a:noFill/>
+          <a:ln w="9525" cap="flat" cmpd="sng" algn="ctr">
+            <a:solidFill>
+              <a:schemeClr val="accent4"/>
+            </a:solidFill>
+            <a:prstDash val="solid"/>
+            <a:round/>
+            <a:headEnd type="none" w="med" len="med"/>
+            <a:tailEnd type="none" w="med" len="med"/>
+          </a:ln>
+        </p:spPr>
+        <p:style>
+          <a:lnRef idx="0">
+            <a:scrgbClr r="0" g="0" b="0"/>
+          </a:lnRef>
+          <a:fillRef idx="0">
+            <a:scrgbClr r="0" g="0" b="0"/>
+          </a:fillRef>
+          <a:effectRef idx="0">
+            <a:scrgbClr r="0" g="0" b="0"/>
+          </a:effectRef>
+          <a:fontRef idx="minor">
+            <a:schemeClr val="accent4"/>
+          </a:fontRef>
+        </p:style>
+        <p:txBody>
+          <a:bodyPr rtlCol="0" anchor="ctr"/>
+          <a:lstStyle/>
+          <a:p>
+            <a:pPr algn="ctr"/>
+            <a:r>
+              <a:rPr lang="en-US"/>
+              <a:t>Foo:1</a:t>
+            </a:r>
+          </a:p>
+        </p:txBody>
+      </p:sp>
+      <p:sp>
+        <p:nvSpPr>
+          <p:cNvPr id="30" name="Rounded Rectangle 29">
+            <a:extLst>
+              <a:ext uri="{FF2B5EF4-FFF2-40B4-BE49-F238E27FC236}">
+                <a16:creationId xmlns:a16="http://schemas.microsoft.com/office/drawing/2014/main" id="{84F9ADF3-277A-C28C-A47D-28839A3B6D2D}"/>
+              </a:ext>
+            </a:extLst>
+          </p:cNvPr>
+          <p:cNvSpPr/>
+          <p:nvPr/>
+        </p:nvSpPr>
+        <p:spPr>
+          <a:xfrm>
+            <a:off x="7273666" y="1487842"/>
+            <a:ext cx="806304" cy="326571"/>
+          </a:xfrm>
+          <a:prstGeom prst="roundRect">
+            <a:avLst/>
+          </a:prstGeom>
+          <a:noFill/>
+          <a:ln w="9525" cap="flat" cmpd="sng" algn="ctr">
+            <a:solidFill>
+              <a:schemeClr val="accent4"/>
+            </a:solidFill>
+            <a:prstDash val="solid"/>
+            <a:round/>
+            <a:headEnd type="none" w="med" len="med"/>
+            <a:tailEnd type="none" w="med" len="med"/>
+          </a:ln>
+        </p:spPr>
+        <p:style>
+          <a:lnRef idx="0">
+            <a:scrgbClr r="0" g="0" b="0"/>
+          </a:lnRef>
+          <a:fillRef idx="0">
+            <a:scrgbClr r="0" g="0" b="0"/>
+          </a:fillRef>
+          <a:effectRef idx="0">
+            <a:scrgbClr r="0" g="0" b="0"/>
+          </a:effectRef>
+          <a:fontRef idx="minor">
+            <a:schemeClr val="accent4"/>
+          </a:fontRef>
+        </p:style>
+        <p:txBody>
+          <a:bodyPr rtlCol="0" anchor="ctr"/>
+          <a:lstStyle/>
+          <a:p>
+            <a:pPr algn="ctr"/>
+            <a:r>
+              <a:rPr lang="en-US"/>
+              <a:t>Foo:2</a:t>
+            </a:r>
+          </a:p>
+        </p:txBody>
+      </p:sp>
+      <p:sp>
+        <p:nvSpPr>
+          <p:cNvPr id="31" name="Rounded Rectangle 30">
+            <a:extLst>
+              <a:ext uri="{FF2B5EF4-FFF2-40B4-BE49-F238E27FC236}">
+                <a16:creationId xmlns:a16="http://schemas.microsoft.com/office/drawing/2014/main" id="{5434D35E-4BE2-0E75-B52E-063193C5F1C5}"/>
+              </a:ext>
+            </a:extLst>
+          </p:cNvPr>
+          <p:cNvSpPr/>
+          <p:nvPr/>
+        </p:nvSpPr>
+        <p:spPr>
+          <a:xfrm>
+            <a:off x="8678608" y="1083710"/>
+            <a:ext cx="806304" cy="326571"/>
+          </a:xfrm>
+          <a:prstGeom prst="roundRect">
+            <a:avLst/>
+          </a:prstGeom>
+          <a:noFill/>
+          <a:ln w="9525" cap="flat" cmpd="sng" algn="ctr">
+            <a:solidFill>
+              <a:schemeClr val="accent4"/>
+            </a:solidFill>
+            <a:prstDash val="solid"/>
+            <a:round/>
+            <a:headEnd type="none" w="med" len="med"/>
+            <a:tailEnd type="none" w="med" len="med"/>
+          </a:ln>
+        </p:spPr>
+        <p:style>
+          <a:lnRef idx="0">
+            <a:scrgbClr r="0" g="0" b="0"/>
+          </a:lnRef>
+          <a:fillRef idx="0">
+            <a:scrgbClr r="0" g="0" b="0"/>
+          </a:fillRef>
+          <a:effectRef idx="0">
+            <a:scrgbClr r="0" g="0" b="0"/>
+          </a:effectRef>
+          <a:fontRef idx="minor">
+            <a:schemeClr val="accent4"/>
+          </a:fontRef>
+        </p:style>
+        <p:txBody>
+          <a:bodyPr rtlCol="0" anchor="ctr"/>
+          <a:lstStyle/>
+          <a:p>
+            <a:pPr algn="ctr"/>
+            <a:r>
+              <a:rPr lang="en-US"/>
+              <a:t>Bar:1</a:t>
+            </a:r>
+          </a:p>
+        </p:txBody>
+      </p:sp>
+      <p:cxnSp>
+        <p:nvCxnSpPr>
+          <p:cNvPr id="32" name="Straight Arrow Connector 31">
+            <a:extLst>
+              <a:ext uri="{FF2B5EF4-FFF2-40B4-BE49-F238E27FC236}">
+                <a16:creationId xmlns:a16="http://schemas.microsoft.com/office/drawing/2014/main" id="{0FF5369B-8ECA-3D04-ABF9-012DC91927F8}"/>
+              </a:ext>
+            </a:extLst>
+          </p:cNvPr>
+          <p:cNvCxnSpPr>
+            <a:stCxn id="29" idx="3"/>
+            <a:endCxn id="31" idx="1"/>
+          </p:cNvCxnSpPr>
+          <p:nvPr/>
+        </p:nvCxnSpPr>
+        <p:spPr>
+          <a:xfrm flipV="1">
+            <a:off x="8079971" y="1246996"/>
+            <a:ext cx="598637" cy="1"/>
+          </a:xfrm>
+          <a:prstGeom prst="straightConnector1">
+            <a:avLst/>
+          </a:prstGeom>
+          <a:ln>
+            <a:tailEnd type="triangle"/>
+          </a:ln>
+        </p:spPr>
+        <p:style>
+          <a:lnRef idx="1">
+            <a:schemeClr val="accent1"/>
+          </a:lnRef>
+          <a:fillRef idx="0">
+            <a:schemeClr val="accent1"/>
+          </a:fillRef>
+          <a:effectRef idx="0">
+            <a:schemeClr val="accent1"/>
+          </a:effectRef>
+          <a:fontRef idx="minor">
+            <a:schemeClr val="tx1"/>
+          </a:fontRef>
+        </p:style>
+      </p:cxnSp>
+      <p:cxnSp>
+        <p:nvCxnSpPr>
+          <p:cNvPr id="33" name="Straight Arrow Connector 32">
+            <a:extLst>
+              <a:ext uri="{FF2B5EF4-FFF2-40B4-BE49-F238E27FC236}">
+                <a16:creationId xmlns:a16="http://schemas.microsoft.com/office/drawing/2014/main" id="{E9FFEED0-FA3A-43FD-30C3-071F974DD8DA}"/>
+              </a:ext>
+            </a:extLst>
+          </p:cNvPr>
+          <p:cNvCxnSpPr>
+            <a:cxnSpLocks/>
+            <a:stCxn id="30" idx="3"/>
+            <a:endCxn id="31" idx="1"/>
+          </p:cNvCxnSpPr>
+          <p:nvPr/>
+        </p:nvCxnSpPr>
+        <p:spPr>
+          <a:xfrm flipV="1">
+            <a:off x="8079970" y="1246996"/>
+            <a:ext cx="598638" cy="404132"/>
+          </a:xfrm>
+          <a:prstGeom prst="straightConnector1">
+            <a:avLst/>
+          </a:prstGeom>
+          <a:ln>
+            <a:tailEnd type="triangle"/>
+          </a:ln>
+        </p:spPr>
+        <p:style>
+          <a:lnRef idx="1">
+            <a:schemeClr val="accent1"/>
+          </a:lnRef>
+          <a:fillRef idx="0">
+            <a:schemeClr val="accent1"/>
+          </a:fillRef>
+          <a:effectRef idx="0">
+            <a:schemeClr val="accent1"/>
+          </a:effectRef>
+          <a:fontRef idx="minor">
+            <a:schemeClr val="tx1"/>
+          </a:fontRef>
+        </p:style>
+      </p:cxnSp>
+      <p:pic>
+        <p:nvPicPr>
+          <p:cNvPr id="35" name="Graphic 34" descr="User outline">
+            <a:extLst>
+              <a:ext uri="{FF2B5EF4-FFF2-40B4-BE49-F238E27FC236}">
+                <a16:creationId xmlns:a16="http://schemas.microsoft.com/office/drawing/2014/main" id="{264A9EEF-D458-59DE-8294-A6BDF670992E}"/>
+              </a:ext>
+            </a:extLst>
+          </p:cNvPr>
+          <p:cNvPicPr>
+            <a:picLocks noChangeAspect="1"/>
+          </p:cNvPicPr>
+          <p:nvPr/>
+        </p:nvPicPr>
+        <p:blipFill>
+          <a:blip r:embed="rId2">
+            <a:extLst>
+              <a:ext uri="{96DAC541-7B7A-43D3-8B79-37D633B846F1}">
+                <asvg:svgBlip xmlns:asvg="http://schemas.microsoft.com/office/drawing/2016/SVG/main" r:embed="rId3"/>
+              </a:ext>
+            </a:extLst>
+          </a:blip>
+          <a:stretch>
+            <a:fillRect/>
+          </a:stretch>
+        </p:blipFill>
+        <p:spPr>
+          <a:xfrm>
+            <a:off x="579422" y="326533"/>
+            <a:ext cx="889715" cy="914400"/>
+          </a:xfrm>
+          <a:prstGeom prst="rect">
+            <a:avLst/>
+          </a:prstGeom>
+        </p:spPr>
+      </p:pic>
+      <p:cxnSp>
+        <p:nvCxnSpPr>
+          <p:cNvPr id="37" name="Curved Connector 36">
+            <a:extLst>
+              <a:ext uri="{FF2B5EF4-FFF2-40B4-BE49-F238E27FC236}">
+                <a16:creationId xmlns:a16="http://schemas.microsoft.com/office/drawing/2014/main" id="{2298C502-8F06-811F-AF5D-B288095612BB}"/>
+              </a:ext>
+            </a:extLst>
+          </p:cNvPr>
+          <p:cNvCxnSpPr>
+            <a:cxnSpLocks/>
+            <a:stCxn id="35" idx="0"/>
+            <a:endCxn id="54" idx="1"/>
+          </p:cNvCxnSpPr>
+          <p:nvPr/>
+        </p:nvCxnSpPr>
+        <p:spPr>
+          <a:xfrm rot="16200000" flipH="1">
+            <a:off x="2613143" y="-1262331"/>
+            <a:ext cx="298183" cy="3475911"/>
+          </a:xfrm>
+          <a:prstGeom prst="curvedConnector3">
+            <a:avLst>
+              <a:gd name="adj1" fmla="val -76664"/>
+            </a:avLst>
+          </a:prstGeom>
+          <a:ln>
+            <a:tailEnd type="triangle"/>
+          </a:ln>
+        </p:spPr>
+        <p:style>
+          <a:lnRef idx="2">
+            <a:schemeClr val="accent1"/>
+          </a:lnRef>
+          <a:fillRef idx="0">
+            <a:schemeClr val="accent1"/>
+          </a:fillRef>
+          <a:effectRef idx="1">
+            <a:schemeClr val="accent1"/>
+          </a:effectRef>
+          <a:fontRef idx="minor">
+            <a:schemeClr val="tx1"/>
+          </a:fontRef>
+        </p:style>
+      </p:cxnSp>
+      <p:sp>
+        <p:nvSpPr>
+          <p:cNvPr id="48" name="TextBox 47">
+            <a:extLst>
+              <a:ext uri="{FF2B5EF4-FFF2-40B4-BE49-F238E27FC236}">
+                <a16:creationId xmlns:a16="http://schemas.microsoft.com/office/drawing/2014/main" id="{3DC278A1-3E87-6740-314A-82D49BF036E9}"/>
+              </a:ext>
+            </a:extLst>
+          </p:cNvPr>
+          <p:cNvSpPr txBox="1"/>
+          <p:nvPr/>
+        </p:nvSpPr>
+        <p:spPr>
+          <a:xfrm>
+            <a:off x="2652071" y="181149"/>
+            <a:ext cx="956900" cy="369332"/>
+          </a:xfrm>
+          <a:prstGeom prst="rect">
+            <a:avLst/>
+          </a:prstGeom>
+          <a:noFill/>
+          <a:ln w="9525" cap="flat" cmpd="sng" algn="ctr">
+            <a:noFill/>
+            <a:prstDash val="solid"/>
+            <a:round/>
+            <a:headEnd type="none" w="med" len="med"/>
+            <a:tailEnd type="none" w="med" len="med"/>
+          </a:ln>
+        </p:spPr>
+        <p:style>
+          <a:lnRef idx="0">
+            <a:scrgbClr r="0" g="0" b="0"/>
+          </a:lnRef>
+          <a:fillRef idx="0">
+            <a:scrgbClr r="0" g="0" b="0"/>
+          </a:fillRef>
+          <a:effectRef idx="0">
+            <a:scrgbClr r="0" g="0" b="0"/>
+          </a:effectRef>
+          <a:fontRef idx="minor">
+            <a:schemeClr val="accent1"/>
+          </a:fontRef>
+        </p:style>
+        <p:txBody>
+          <a:bodyPr rtlCol="0" anchor="ctr"/>
+          <a:lstStyle>
+            <a:defPPr>
+              <a:defRPr lang="en-FR"/>
+            </a:defPPr>
+            <a:lvl1pPr algn="ctr">
+              <a:defRPr>
+                <a:solidFill>
+                  <a:schemeClr val="accent1"/>
+                </a:solidFill>
+              </a:defRPr>
+            </a:lvl1pPr>
+            <a:lvl2pPr>
+              <a:defRPr>
+                <a:solidFill>
+                  <a:schemeClr val="accent1"/>
+                </a:solidFill>
+              </a:defRPr>
+            </a:lvl2pPr>
+            <a:lvl3pPr>
+              <a:defRPr>
+                <a:solidFill>
+                  <a:schemeClr val="accent1"/>
+                </a:solidFill>
+              </a:defRPr>
+            </a:lvl3pPr>
+            <a:lvl4pPr>
+              <a:defRPr>
+                <a:solidFill>
+                  <a:schemeClr val="accent1"/>
+                </a:solidFill>
+              </a:defRPr>
+            </a:lvl4pPr>
+            <a:lvl5pPr>
+              <a:defRPr>
+                <a:solidFill>
+                  <a:schemeClr val="accent1"/>
+                </a:solidFill>
+              </a:defRPr>
+            </a:lvl5pPr>
+            <a:lvl6pPr>
+              <a:defRPr>
+                <a:solidFill>
+                  <a:schemeClr val="accent1"/>
+                </a:solidFill>
+              </a:defRPr>
+            </a:lvl6pPr>
+            <a:lvl7pPr>
+              <a:defRPr>
+                <a:solidFill>
+                  <a:schemeClr val="accent1"/>
+                </a:solidFill>
+              </a:defRPr>
+            </a:lvl7pPr>
+            <a:lvl8pPr>
+              <a:defRPr>
+                <a:solidFill>
+                  <a:schemeClr val="accent1"/>
+                </a:solidFill>
+              </a:defRPr>
+            </a:lvl8pPr>
+            <a:lvl9pPr>
+              <a:defRPr>
+                <a:solidFill>
+                  <a:schemeClr val="accent1"/>
+                </a:solidFill>
+              </a:defRPr>
+            </a:lvl9pPr>
+          </a:lstStyle>
+          <a:p>
+            <a:r>
+              <a:rPr lang="en-US" sz="1400"/>
+              <a:t>1. click()</a:t>
+            </a:r>
+          </a:p>
+        </p:txBody>
+      </p:sp>
+      <p:sp>
+        <p:nvSpPr>
+          <p:cNvPr id="54" name="Oval 53">
+            <a:extLst>
+              <a:ext uri="{FF2B5EF4-FFF2-40B4-BE49-F238E27FC236}">
+                <a16:creationId xmlns:a16="http://schemas.microsoft.com/office/drawing/2014/main" id="{A2A9EA5C-C9B2-B0F8-0D9C-20E55EFF9DCA}"/>
+              </a:ext>
+            </a:extLst>
+          </p:cNvPr>
+          <p:cNvSpPr/>
+          <p:nvPr/>
+        </p:nvSpPr>
+        <p:spPr>
+          <a:xfrm>
+            <a:off x="4207608" y="460914"/>
+            <a:ext cx="1997883" cy="1118507"/>
+          </a:xfrm>
+          <a:prstGeom prst="ellipse">
+            <a:avLst/>
+          </a:prstGeom>
+          <a:noFill/>
+          <a:ln w="9525" cap="flat" cmpd="sng" algn="ctr">
+            <a:solidFill>
+              <a:schemeClr val="accent3"/>
+            </a:solidFill>
+            <a:prstDash val="solid"/>
+            <a:round/>
+            <a:headEnd type="none" w="med" len="med"/>
+            <a:tailEnd type="none" w="med" len="med"/>
+          </a:ln>
+        </p:spPr>
+        <p:style>
+          <a:lnRef idx="0">
+            <a:scrgbClr r="0" g="0" b="0"/>
+          </a:lnRef>
+          <a:fillRef idx="0">
+            <a:scrgbClr r="0" g="0" b="0"/>
+          </a:fillRef>
+          <a:effectRef idx="0">
+            <a:scrgbClr r="0" g="0" b="0"/>
+          </a:effectRef>
+          <a:fontRef idx="minor">
+            <a:schemeClr val="accent3"/>
+          </a:fontRef>
+        </p:style>
+        <p:txBody>
+          <a:bodyPr rtlCol="0" anchor="b"/>
+          <a:lstStyle/>
+          <a:p>
+            <a:pPr algn="ctr"/>
+            <a:r>
+              <a:rPr lang="en-US"/>
+              <a:t>Ng Specific</a:t>
+            </a:r>
+          </a:p>
+        </p:txBody>
+      </p:sp>
+      <p:sp>
+        <p:nvSpPr>
+          <p:cNvPr id="55" name="Rounded Rectangle 54">
+            <a:extLst>
+              <a:ext uri="{FF2B5EF4-FFF2-40B4-BE49-F238E27FC236}">
+                <a16:creationId xmlns:a16="http://schemas.microsoft.com/office/drawing/2014/main" id="{653812EF-AB40-C3D5-9691-6E147C968926}"/>
+              </a:ext>
+            </a:extLst>
+          </p:cNvPr>
+          <p:cNvSpPr/>
+          <p:nvPr/>
+        </p:nvSpPr>
+        <p:spPr>
+          <a:xfrm>
+            <a:off x="4802711" y="677411"/>
+            <a:ext cx="806304" cy="326571"/>
+          </a:xfrm>
+          <a:prstGeom prst="roundRect">
+            <a:avLst/>
+          </a:prstGeom>
+          <a:noFill/>
+          <a:ln w="9525" cap="flat" cmpd="sng" algn="ctr">
+            <a:solidFill>
+              <a:schemeClr val="accent4"/>
+            </a:solidFill>
+            <a:prstDash val="solid"/>
+            <a:round/>
+            <a:headEnd type="none" w="med" len="med"/>
+            <a:tailEnd type="none" w="med" len="med"/>
+          </a:ln>
+        </p:spPr>
+        <p:style>
+          <a:lnRef idx="0">
+            <a:scrgbClr r="0" g="0" b="0"/>
+          </a:lnRef>
+          <a:fillRef idx="0">
+            <a:scrgbClr r="0" g="0" b="0"/>
+          </a:fillRef>
+          <a:effectRef idx="0">
+            <a:scrgbClr r="0" g="0" b="0"/>
+          </a:effectRef>
+          <a:fontRef idx="minor">
+            <a:schemeClr val="accent4"/>
+          </a:fontRef>
+        </p:style>
+        <p:txBody>
+          <a:bodyPr rtlCol="0" anchor="ctr"/>
+          <a:lstStyle/>
+          <a:p>
+            <a:pPr algn="ctr"/>
+            <a:r>
+              <a:rPr lang="en-US"/>
+              <a:t>Foo:1</a:t>
+            </a:r>
+          </a:p>
+        </p:txBody>
+      </p:sp>
+      <p:cxnSp>
+        <p:nvCxnSpPr>
+          <p:cNvPr id="58" name="Curved Connector 57">
+            <a:extLst>
+              <a:ext uri="{FF2B5EF4-FFF2-40B4-BE49-F238E27FC236}">
+                <a16:creationId xmlns:a16="http://schemas.microsoft.com/office/drawing/2014/main" id="{37C5EBA5-1EB5-A1B6-0374-A34718936F2A}"/>
+              </a:ext>
+            </a:extLst>
+          </p:cNvPr>
+          <p:cNvCxnSpPr>
+            <a:cxnSpLocks/>
+            <a:stCxn id="54" idx="7"/>
+            <a:endCxn id="5" idx="0"/>
+          </p:cNvCxnSpPr>
+          <p:nvPr/>
+        </p:nvCxnSpPr>
+        <p:spPr>
+          <a:xfrm rot="16200000" flipH="1">
+            <a:off x="7029434" y="-491811"/>
+            <a:ext cx="240099" cy="2473153"/>
+          </a:xfrm>
+          <a:prstGeom prst="curvedConnector3">
+            <a:avLst>
+              <a:gd name="adj1" fmla="val -163433"/>
+            </a:avLst>
+          </a:prstGeom>
+          <a:ln>
+            <a:tailEnd type="triangle"/>
+          </a:ln>
+        </p:spPr>
+        <p:style>
+          <a:lnRef idx="2">
+            <a:schemeClr val="accent1"/>
+          </a:lnRef>
+          <a:fillRef idx="0">
+            <a:schemeClr val="accent1"/>
+          </a:fillRef>
+          <a:effectRef idx="1">
+            <a:schemeClr val="accent1"/>
+          </a:effectRef>
+          <a:fontRef idx="minor">
+            <a:schemeClr val="tx1"/>
+          </a:fontRef>
+        </p:style>
+      </p:cxnSp>
+      <p:cxnSp>
+        <p:nvCxnSpPr>
+          <p:cNvPr id="61" name="Curved Connector 60">
+            <a:extLst>
+              <a:ext uri="{FF2B5EF4-FFF2-40B4-BE49-F238E27FC236}">
+                <a16:creationId xmlns:a16="http://schemas.microsoft.com/office/drawing/2014/main" id="{7A928EA7-CB6C-6352-18B3-41C62C7AF2E0}"/>
+              </a:ext>
+            </a:extLst>
+          </p:cNvPr>
+          <p:cNvCxnSpPr>
+            <a:cxnSpLocks/>
+            <a:stCxn id="5" idx="6"/>
+            <a:endCxn id="69" idx="0"/>
+          </p:cNvCxnSpPr>
+          <p:nvPr/>
+        </p:nvCxnSpPr>
+        <p:spPr>
+          <a:xfrm>
+            <a:off x="10072375" y="1595622"/>
+            <a:ext cx="760533" cy="702851"/>
+          </a:xfrm>
+          <a:prstGeom prst="curvedConnector2">
+            <a:avLst/>
+          </a:prstGeom>
+          <a:ln>
+            <a:tailEnd type="triangle"/>
+          </a:ln>
+        </p:spPr>
+        <p:style>
+          <a:lnRef idx="2">
+            <a:schemeClr val="accent1"/>
+          </a:lnRef>
+          <a:fillRef idx="0">
+            <a:schemeClr val="accent1"/>
+          </a:fillRef>
+          <a:effectRef idx="1">
+            <a:schemeClr val="accent1"/>
+          </a:effectRef>
+          <a:fontRef idx="minor">
+            <a:schemeClr val="tx1"/>
+          </a:fontRef>
+        </p:style>
+      </p:cxnSp>
+      <p:sp>
+        <p:nvSpPr>
+          <p:cNvPr id="66" name="TextBox 65">
+            <a:extLst>
+              <a:ext uri="{FF2B5EF4-FFF2-40B4-BE49-F238E27FC236}">
+                <a16:creationId xmlns:a16="http://schemas.microsoft.com/office/drawing/2014/main" id="{48A2BB13-9654-AEAC-C4A0-2719D4116744}"/>
+              </a:ext>
+            </a:extLst>
+          </p:cNvPr>
+          <p:cNvSpPr txBox="1"/>
+          <p:nvPr/>
+        </p:nvSpPr>
+        <p:spPr>
+          <a:xfrm>
+            <a:off x="4623223" y="46205"/>
+            <a:ext cx="1165281" cy="369332"/>
+          </a:xfrm>
+          <a:prstGeom prst="rect">
+            <a:avLst/>
+          </a:prstGeom>
+          <a:noFill/>
+          <a:ln w="9525" cap="flat" cmpd="sng" algn="ctr">
+            <a:noFill/>
+            <a:prstDash val="solid"/>
+            <a:round/>
+            <a:headEnd type="none" w="med" len="med"/>
+            <a:tailEnd type="none" w="med" len="med"/>
+          </a:ln>
+        </p:spPr>
+        <p:style>
+          <a:lnRef idx="0">
+            <a:scrgbClr r="0" g="0" b="0"/>
+          </a:lnRef>
+          <a:fillRef idx="0">
+            <a:scrgbClr r="0" g="0" b="0"/>
+          </a:fillRef>
+          <a:effectRef idx="0">
+            <a:scrgbClr r="0" g="0" b="0"/>
+          </a:effectRef>
+          <a:fontRef idx="minor">
+            <a:schemeClr val="accent1"/>
+          </a:fontRef>
+        </p:style>
+        <p:txBody>
+          <a:bodyPr rtlCol="0" anchor="ctr"/>
+          <a:lstStyle>
+            <a:defPPr>
+              <a:defRPr lang="en-FR"/>
+            </a:defPPr>
+            <a:lvl1pPr algn="ctr">
+              <a:defRPr>
+                <a:solidFill>
+                  <a:schemeClr val="accent1"/>
+                </a:solidFill>
+              </a:defRPr>
+            </a:lvl1pPr>
+            <a:lvl2pPr>
+              <a:defRPr>
+                <a:solidFill>
+                  <a:schemeClr val="accent1"/>
+                </a:solidFill>
+              </a:defRPr>
+            </a:lvl2pPr>
+            <a:lvl3pPr>
+              <a:defRPr>
+                <a:solidFill>
+                  <a:schemeClr val="accent1"/>
+                </a:solidFill>
+              </a:defRPr>
+            </a:lvl3pPr>
+            <a:lvl4pPr>
+              <a:defRPr>
+                <a:solidFill>
+                  <a:schemeClr val="accent1"/>
+                </a:solidFill>
+              </a:defRPr>
+            </a:lvl4pPr>
+            <a:lvl5pPr>
+              <a:defRPr>
+                <a:solidFill>
+                  <a:schemeClr val="accent1"/>
+                </a:solidFill>
+              </a:defRPr>
+            </a:lvl5pPr>
+            <a:lvl6pPr>
+              <a:defRPr>
+                <a:solidFill>
+                  <a:schemeClr val="accent1"/>
+                </a:solidFill>
+              </a:defRPr>
+            </a:lvl6pPr>
+            <a:lvl7pPr>
+              <a:defRPr>
+                <a:solidFill>
+                  <a:schemeClr val="accent1"/>
+                </a:solidFill>
+              </a:defRPr>
+            </a:lvl7pPr>
+            <a:lvl8pPr>
+              <a:defRPr>
+                <a:solidFill>
+                  <a:schemeClr val="accent1"/>
+                </a:solidFill>
+              </a:defRPr>
+            </a:lvl8pPr>
+            <a:lvl9pPr>
+              <a:defRPr>
+                <a:solidFill>
+                  <a:schemeClr val="accent1"/>
+                </a:solidFill>
+              </a:defRPr>
+            </a:lvl9pPr>
+          </a:lstStyle>
+          <a:p>
+            <a:r>
+              <a:rPr lang="en-US" sz="1400"/>
+              <a:t>2. Click()</a:t>
+            </a:r>
+          </a:p>
+        </p:txBody>
+      </p:sp>
+      <p:sp>
+        <p:nvSpPr>
+          <p:cNvPr id="69" name="TextBox 68">
+            <a:extLst>
+              <a:ext uri="{FF2B5EF4-FFF2-40B4-BE49-F238E27FC236}">
+                <a16:creationId xmlns:a16="http://schemas.microsoft.com/office/drawing/2014/main" id="{6D5F60A2-CA67-8CA8-8105-192CB6EC201A}"/>
+              </a:ext>
+            </a:extLst>
+          </p:cNvPr>
+          <p:cNvSpPr txBox="1"/>
+          <p:nvPr/>
+        </p:nvSpPr>
+        <p:spPr>
+          <a:xfrm>
+            <a:off x="9409229" y="2298473"/>
+            <a:ext cx="2847358" cy="617442"/>
+          </a:xfrm>
+          <a:prstGeom prst="rect">
+            <a:avLst/>
+          </a:prstGeom>
+          <a:noFill/>
+          <a:ln w="9525" cap="flat" cmpd="sng" algn="ctr">
+            <a:solidFill>
+              <a:schemeClr val="accent1"/>
+            </a:solidFill>
+            <a:prstDash val="solid"/>
+            <a:round/>
+            <a:headEnd type="none" w="med" len="med"/>
+            <a:tailEnd type="none" w="med" len="med"/>
+          </a:ln>
+        </p:spPr>
+        <p:style>
+          <a:lnRef idx="0">
+            <a:scrgbClr r="0" g="0" b="0"/>
+          </a:lnRef>
+          <a:fillRef idx="0">
+            <a:scrgbClr r="0" g="0" b="0"/>
+          </a:fillRef>
+          <a:effectRef idx="0">
+            <a:scrgbClr r="0" g="0" b="0"/>
+          </a:effectRef>
+          <a:fontRef idx="minor">
+            <a:schemeClr val="accent1"/>
+          </a:fontRef>
+        </p:style>
+        <p:txBody>
+          <a:bodyPr rtlCol="0" anchor="ctr"/>
+          <a:lstStyle>
+            <a:defPPr>
+              <a:defRPr lang="en-FR"/>
+            </a:defPPr>
+            <a:lvl1pPr algn="ctr">
+              <a:defRPr sz="1400"/>
+            </a:lvl1pPr>
+            <a:lvl2pPr>
+              <a:defRPr>
+                <a:solidFill>
+                  <a:schemeClr val="accent1"/>
+                </a:solidFill>
+              </a:defRPr>
+            </a:lvl2pPr>
+            <a:lvl3pPr>
+              <a:defRPr>
+                <a:solidFill>
+                  <a:schemeClr val="accent1"/>
+                </a:solidFill>
+              </a:defRPr>
+            </a:lvl3pPr>
+            <a:lvl4pPr>
+              <a:defRPr>
+                <a:solidFill>
+                  <a:schemeClr val="accent1"/>
+                </a:solidFill>
+              </a:defRPr>
+            </a:lvl4pPr>
+            <a:lvl5pPr>
+              <a:defRPr>
+                <a:solidFill>
+                  <a:schemeClr val="accent1"/>
+                </a:solidFill>
+              </a:defRPr>
+            </a:lvl5pPr>
+            <a:lvl6pPr>
+              <a:defRPr>
+                <a:solidFill>
+                  <a:schemeClr val="accent1"/>
+                </a:solidFill>
+              </a:defRPr>
+            </a:lvl6pPr>
+            <a:lvl7pPr>
+              <a:defRPr>
+                <a:solidFill>
+                  <a:schemeClr val="accent1"/>
+                </a:solidFill>
+              </a:defRPr>
+            </a:lvl7pPr>
+            <a:lvl8pPr>
+              <a:defRPr>
+                <a:solidFill>
+                  <a:schemeClr val="accent1"/>
+                </a:solidFill>
+              </a:defRPr>
+            </a:lvl8pPr>
+            <a:lvl9pPr>
+              <a:defRPr>
+                <a:solidFill>
+                  <a:schemeClr val="accent1"/>
+                </a:solidFill>
+              </a:defRPr>
+            </a:lvl9pPr>
+          </a:lstStyle>
+          <a:p>
+            <a:r>
+              <a:rPr lang="en-US"/>
+              <a:t>3. PUT </a:t>
+            </a:r>
+            <a:r>
+              <a:rPr lang="en-US">
+                <a:hlinkClick r:id="rId4"/>
+              </a:rPr>
+              <a:t>http://localhost/api/Foo/?ID=1</a:t>
+            </a:r>
+            <a:endParaRPr lang="en-US"/>
+          </a:p>
+        </p:txBody>
+      </p:sp>
+      <p:sp>
+        <p:nvSpPr>
+          <p:cNvPr id="71" name="Rectangle 70">
+            <a:extLst>
+              <a:ext uri="{FF2B5EF4-FFF2-40B4-BE49-F238E27FC236}">
+                <a16:creationId xmlns:a16="http://schemas.microsoft.com/office/drawing/2014/main" id="{45985CDC-744E-324E-51E2-86824EE5D3CD}"/>
+              </a:ext>
+            </a:extLst>
+          </p:cNvPr>
+          <p:cNvSpPr/>
+          <p:nvPr/>
+        </p:nvSpPr>
+        <p:spPr>
+          <a:xfrm>
+            <a:off x="7960515" y="3752101"/>
+            <a:ext cx="1582987" cy="484596"/>
+          </a:xfrm>
+          <a:prstGeom prst="rect">
+            <a:avLst/>
+          </a:prstGeom>
+          <a:noFill/>
+          <a:ln w="9525" cap="flat" cmpd="sng" algn="ctr">
+            <a:solidFill>
+              <a:schemeClr val="accent1"/>
+            </a:solidFill>
+            <a:prstDash val="solid"/>
+            <a:round/>
+            <a:headEnd type="none" w="med" len="med"/>
+            <a:tailEnd type="none" w="med" len="med"/>
+          </a:ln>
+        </p:spPr>
+        <p:style>
+          <a:lnRef idx="0">
+            <a:scrgbClr r="0" g="0" b="0"/>
+          </a:lnRef>
+          <a:fillRef idx="0">
+            <a:scrgbClr r="0" g="0" b="0"/>
+          </a:fillRef>
+          <a:effectRef idx="0">
+            <a:scrgbClr r="0" g="0" b="0"/>
+          </a:effectRef>
+          <a:fontRef idx="minor">
+            <a:schemeClr val="accent1"/>
+          </a:fontRef>
+        </p:style>
+        <p:txBody>
+          <a:bodyPr rtlCol="0" anchor="ctr"/>
+          <a:lstStyle/>
+          <a:p>
+            <a:pPr algn="ctr"/>
+            <a:r>
+              <a:rPr lang="en-US" sz="1400"/>
+              <a:t>Foo controller</a:t>
+            </a:r>
+          </a:p>
+        </p:txBody>
+      </p:sp>
+      <p:cxnSp>
+        <p:nvCxnSpPr>
+          <p:cNvPr id="80" name="Curved Connector 79">
+            <a:extLst>
+              <a:ext uri="{FF2B5EF4-FFF2-40B4-BE49-F238E27FC236}">
+                <a16:creationId xmlns:a16="http://schemas.microsoft.com/office/drawing/2014/main" id="{8DEBC905-7065-E5EF-E118-0E6F1389147C}"/>
+              </a:ext>
+            </a:extLst>
+          </p:cNvPr>
+          <p:cNvCxnSpPr>
+            <a:cxnSpLocks/>
+            <a:stCxn id="69" idx="2"/>
+            <a:endCxn id="71" idx="3"/>
+          </p:cNvCxnSpPr>
+          <p:nvPr/>
+        </p:nvCxnSpPr>
+        <p:spPr>
+          <a:xfrm rot="5400000">
+            <a:off x="9648963" y="2810454"/>
+            <a:ext cx="1078484" cy="1289406"/>
+          </a:xfrm>
+          <a:prstGeom prst="curvedConnector2">
+            <a:avLst/>
+          </a:prstGeom>
+          <a:ln>
+            <a:tailEnd type="triangle"/>
+          </a:ln>
+        </p:spPr>
+        <p:style>
+          <a:lnRef idx="2">
+            <a:schemeClr val="accent1"/>
+          </a:lnRef>
+          <a:fillRef idx="0">
+            <a:schemeClr val="accent1"/>
+          </a:fillRef>
+          <a:effectRef idx="1">
+            <a:schemeClr val="accent1"/>
+          </a:effectRef>
+          <a:fontRef idx="minor">
+            <a:schemeClr val="tx1"/>
+          </a:fontRef>
+        </p:style>
+      </p:cxnSp>
+      <p:cxnSp>
+        <p:nvCxnSpPr>
+          <p:cNvPr id="83" name="Curved Connector 82">
+            <a:extLst>
+              <a:ext uri="{FF2B5EF4-FFF2-40B4-BE49-F238E27FC236}">
+                <a16:creationId xmlns:a16="http://schemas.microsoft.com/office/drawing/2014/main" id="{8720570E-D8E9-B0E9-5E59-9F649F952EE7}"/>
+              </a:ext>
+            </a:extLst>
+          </p:cNvPr>
+          <p:cNvCxnSpPr>
+            <a:cxnSpLocks/>
+            <a:stCxn id="71" idx="1"/>
+            <a:endCxn id="85" idx="3"/>
+          </p:cNvCxnSpPr>
+          <p:nvPr/>
+        </p:nvCxnSpPr>
+        <p:spPr>
+          <a:xfrm rot="10800000">
+            <a:off x="4946443" y="2744167"/>
+            <a:ext cx="3014072" cy="1250233"/>
+          </a:xfrm>
+          <a:prstGeom prst="curvedConnector3">
+            <a:avLst>
+              <a:gd name="adj1" fmla="val 50000"/>
+            </a:avLst>
+          </a:prstGeom>
+          <a:ln>
+            <a:tailEnd type="triangle"/>
+          </a:ln>
+        </p:spPr>
+        <p:style>
+          <a:lnRef idx="2">
+            <a:schemeClr val="accent1"/>
+          </a:lnRef>
+          <a:fillRef idx="0">
+            <a:schemeClr val="accent1"/>
+          </a:fillRef>
+          <a:effectRef idx="1">
+            <a:schemeClr val="accent1"/>
+          </a:effectRef>
+          <a:fontRef idx="minor">
+            <a:schemeClr val="tx1"/>
+          </a:fontRef>
+        </p:style>
+      </p:cxnSp>
+      <p:sp>
+        <p:nvSpPr>
+          <p:cNvPr id="85" name="Rectangle 84">
+            <a:extLst>
+              <a:ext uri="{FF2B5EF4-FFF2-40B4-BE49-F238E27FC236}">
+                <a16:creationId xmlns:a16="http://schemas.microsoft.com/office/drawing/2014/main" id="{1CF3936A-14E2-A452-071E-3776F543CF68}"/>
+              </a:ext>
+            </a:extLst>
+          </p:cNvPr>
+          <p:cNvSpPr/>
+          <p:nvPr/>
+        </p:nvSpPr>
+        <p:spPr>
+          <a:xfrm>
+            <a:off x="2803250" y="2564542"/>
+            <a:ext cx="2143193" cy="359247"/>
+          </a:xfrm>
+          <a:prstGeom prst="rect">
+            <a:avLst/>
+          </a:prstGeom>
+          <a:noFill/>
+          <a:ln w="9525" cap="flat" cmpd="sng" algn="ctr">
+            <a:solidFill>
+              <a:schemeClr val="accent1"/>
+            </a:solidFill>
+            <a:prstDash val="solid"/>
+            <a:round/>
+            <a:headEnd type="none" w="med" len="med"/>
+            <a:tailEnd type="none" w="med" len="med"/>
+          </a:ln>
+        </p:spPr>
+        <p:style>
+          <a:lnRef idx="0">
+            <a:scrgbClr r="0" g="0" b="0"/>
+          </a:lnRef>
+          <a:fillRef idx="0">
+            <a:scrgbClr r="0" g="0" b="0"/>
+          </a:fillRef>
+          <a:effectRef idx="0">
+            <a:scrgbClr r="0" g="0" b="0"/>
+          </a:effectRef>
+          <a:fontRef idx="minor">
+            <a:schemeClr val="accent1"/>
+          </a:fontRef>
+        </p:style>
+        <p:txBody>
+          <a:bodyPr rtlCol="0" anchor="ctr"/>
+          <a:lstStyle/>
+          <a:p>
+            <a:pPr algn="ctr"/>
+            <a:r>
+              <a:rPr lang="en-US" sz="1400"/>
+              <a:t>4.a OnFooUpdate(Foo:1)</a:t>
+            </a:r>
+          </a:p>
+        </p:txBody>
+      </p:sp>
+      <p:cxnSp>
+        <p:nvCxnSpPr>
+          <p:cNvPr id="88" name="Curved Connector 87">
+            <a:extLst>
+              <a:ext uri="{FF2B5EF4-FFF2-40B4-BE49-F238E27FC236}">
+                <a16:creationId xmlns:a16="http://schemas.microsoft.com/office/drawing/2014/main" id="{69A3A5FB-79FA-068C-BCEF-206A25DB7EC5}"/>
+              </a:ext>
+            </a:extLst>
+          </p:cNvPr>
+          <p:cNvCxnSpPr>
+            <a:cxnSpLocks/>
+            <a:stCxn id="85" idx="1"/>
+            <a:endCxn id="4" idx="0"/>
+          </p:cNvCxnSpPr>
+          <p:nvPr/>
+        </p:nvCxnSpPr>
+        <p:spPr>
+          <a:xfrm rot="10800000" flipV="1">
+            <a:off x="2070472" y="2744166"/>
+            <a:ext cx="732778" cy="284404"/>
+          </a:xfrm>
+          <a:prstGeom prst="curvedConnector2">
+            <a:avLst/>
+          </a:prstGeom>
+          <a:ln>
+            <a:tailEnd type="triangle"/>
+          </a:ln>
+        </p:spPr>
+        <p:style>
+          <a:lnRef idx="2">
+            <a:schemeClr val="accent1"/>
+          </a:lnRef>
+          <a:fillRef idx="0">
+            <a:schemeClr val="accent1"/>
+          </a:fillRef>
+          <a:effectRef idx="1">
+            <a:schemeClr val="accent1"/>
+          </a:effectRef>
+          <a:fontRef idx="minor">
+            <a:schemeClr val="tx1"/>
+          </a:fontRef>
+        </p:style>
+      </p:cxnSp>
+      <p:sp>
+        <p:nvSpPr>
+          <p:cNvPr id="91" name="Rectangle 90">
+            <a:extLst>
+              <a:ext uri="{FF2B5EF4-FFF2-40B4-BE49-F238E27FC236}">
+                <a16:creationId xmlns:a16="http://schemas.microsoft.com/office/drawing/2014/main" id="{2CBE658F-4828-C55B-D4AD-C5B6052899E4}"/>
+              </a:ext>
+            </a:extLst>
+          </p:cNvPr>
+          <p:cNvSpPr/>
+          <p:nvPr/>
+        </p:nvSpPr>
+        <p:spPr>
+          <a:xfrm>
+            <a:off x="9890519" y="4232514"/>
+            <a:ext cx="2143193" cy="359247"/>
+          </a:xfrm>
+          <a:prstGeom prst="rect">
+            <a:avLst/>
+          </a:prstGeom>
+          <a:noFill/>
+          <a:ln w="9525" cap="flat" cmpd="sng" algn="ctr">
+            <a:solidFill>
+              <a:schemeClr val="accent1"/>
+            </a:solidFill>
+            <a:prstDash val="solid"/>
+            <a:round/>
+            <a:headEnd type="none" w="med" len="med"/>
+            <a:tailEnd type="none" w="med" len="med"/>
+          </a:ln>
+        </p:spPr>
+        <p:style>
+          <a:lnRef idx="0">
+            <a:scrgbClr r="0" g="0" b="0"/>
+          </a:lnRef>
+          <a:fillRef idx="0">
+            <a:scrgbClr r="0" g="0" b="0"/>
+          </a:fillRef>
+          <a:effectRef idx="0">
+            <a:scrgbClr r="0" g="0" b="0"/>
+          </a:effectRef>
+          <a:fontRef idx="minor">
+            <a:schemeClr val="accent1"/>
+          </a:fontRef>
+        </p:style>
+        <p:txBody>
+          <a:bodyPr rtlCol="0" anchor="ctr"/>
+          <a:lstStyle/>
+          <a:p>
+            <a:pPr algn="ctr"/>
+            <a:r>
+              <a:rPr lang="en-US" sz="1400"/>
+              <a:t>4.b save(Foo:1)</a:t>
+            </a:r>
+          </a:p>
+        </p:txBody>
+      </p:sp>
+      <p:cxnSp>
+        <p:nvCxnSpPr>
+          <p:cNvPr id="92" name="Curved Connector 91">
+            <a:extLst>
+              <a:ext uri="{FF2B5EF4-FFF2-40B4-BE49-F238E27FC236}">
+                <a16:creationId xmlns:a16="http://schemas.microsoft.com/office/drawing/2014/main" id="{117A1FB9-FC48-3B07-610F-05253E19A107}"/>
+              </a:ext>
+            </a:extLst>
+          </p:cNvPr>
+          <p:cNvCxnSpPr>
+            <a:cxnSpLocks/>
+            <a:stCxn id="71" idx="2"/>
+            <a:endCxn id="91" idx="0"/>
+          </p:cNvCxnSpPr>
+          <p:nvPr/>
+        </p:nvCxnSpPr>
+        <p:spPr>
+          <a:xfrm rot="5400000" flipH="1" flipV="1">
+            <a:off x="9854970" y="3129552"/>
+            <a:ext cx="4183" cy="2210107"/>
+          </a:xfrm>
+          <a:prstGeom prst="curvedConnector5">
+            <a:avLst>
+              <a:gd name="adj1" fmla="val -5464977"/>
+              <a:gd name="adj2" fmla="val 43663"/>
+              <a:gd name="adj3" fmla="val 5564977"/>
+            </a:avLst>
+          </a:prstGeom>
+          <a:ln>
+            <a:tailEnd type="triangle"/>
+          </a:ln>
+        </p:spPr>
+        <p:style>
+          <a:lnRef idx="2">
+            <a:schemeClr val="accent1"/>
+          </a:lnRef>
+          <a:fillRef idx="0">
+            <a:schemeClr val="accent1"/>
+          </a:fillRef>
+          <a:effectRef idx="1">
+            <a:schemeClr val="accent1"/>
+          </a:effectRef>
+          <a:fontRef idx="minor">
+            <a:schemeClr val="tx1"/>
+          </a:fontRef>
+        </p:style>
+      </p:cxnSp>
+      <p:cxnSp>
+        <p:nvCxnSpPr>
+          <p:cNvPr id="95" name="Curved Connector 94">
+            <a:extLst>
+              <a:ext uri="{FF2B5EF4-FFF2-40B4-BE49-F238E27FC236}">
+                <a16:creationId xmlns:a16="http://schemas.microsoft.com/office/drawing/2014/main" id="{E2A37DFA-54C8-D665-F35E-E9543FA4D33C}"/>
+              </a:ext>
+            </a:extLst>
+          </p:cNvPr>
+          <p:cNvCxnSpPr>
+            <a:cxnSpLocks/>
+            <a:stCxn id="91" idx="2"/>
+            <a:endCxn id="24" idx="0"/>
+          </p:cNvCxnSpPr>
+          <p:nvPr/>
+        </p:nvCxnSpPr>
+        <p:spPr>
+          <a:xfrm rot="5400000">
+            <a:off x="9487608" y="3558117"/>
+            <a:ext cx="440865" cy="2508152"/>
+          </a:xfrm>
+          <a:prstGeom prst="curvedConnector3">
+            <a:avLst>
+              <a:gd name="adj1" fmla="val 50000"/>
+            </a:avLst>
+          </a:prstGeom>
+          <a:ln>
+            <a:tailEnd type="triangle"/>
+          </a:ln>
+        </p:spPr>
+        <p:style>
+          <a:lnRef idx="2">
+            <a:schemeClr val="accent1"/>
+          </a:lnRef>
+          <a:fillRef idx="0">
+            <a:schemeClr val="accent1"/>
+          </a:fillRef>
+          <a:effectRef idx="1">
+            <a:schemeClr val="accent1"/>
+          </a:effectRef>
+          <a:fontRef idx="minor">
+            <a:schemeClr val="tx1"/>
+          </a:fontRef>
+        </p:style>
+      </p:cxnSp>
+      <p:sp>
+        <p:nvSpPr>
+          <p:cNvPr id="106" name="Rectangle 105">
+            <a:extLst>
+              <a:ext uri="{FF2B5EF4-FFF2-40B4-BE49-F238E27FC236}">
+                <a16:creationId xmlns:a16="http://schemas.microsoft.com/office/drawing/2014/main" id="{FE5D1833-A911-22F2-E0C2-6B72E8964DE2}"/>
+              </a:ext>
+            </a:extLst>
+          </p:cNvPr>
+          <p:cNvSpPr/>
+          <p:nvPr/>
+        </p:nvSpPr>
+        <p:spPr>
+          <a:xfrm>
+            <a:off x="3402218" y="5425291"/>
+            <a:ext cx="2143193" cy="359247"/>
+          </a:xfrm>
+          <a:prstGeom prst="rect">
+            <a:avLst/>
+          </a:prstGeom>
+          <a:noFill/>
+          <a:ln w="9525" cap="flat" cmpd="sng" algn="ctr">
+            <a:solidFill>
+              <a:schemeClr val="accent1"/>
+            </a:solidFill>
+            <a:prstDash val="solid"/>
+            <a:round/>
+            <a:headEnd type="none" w="med" len="med"/>
+            <a:tailEnd type="none" w="med" len="med"/>
+          </a:ln>
+        </p:spPr>
+        <p:style>
+          <a:lnRef idx="0">
+            <a:scrgbClr r="0" g="0" b="0"/>
+          </a:lnRef>
+          <a:fillRef idx="0">
+            <a:scrgbClr r="0" g="0" b="0"/>
+          </a:fillRef>
+          <a:effectRef idx="0">
+            <a:scrgbClr r="0" g="0" b="0"/>
+          </a:effectRef>
+          <a:fontRef idx="minor">
+            <a:schemeClr val="accent1"/>
+          </a:fontRef>
+        </p:style>
+        <p:txBody>
+          <a:bodyPr rtlCol="0" anchor="ctr"/>
+          <a:lstStyle/>
+          <a:p>
+            <a:pPr algn="ctr"/>
+            <a:r>
+              <a:rPr lang="en-US" sz="1400"/>
+              <a:t>5. Commit()</a:t>
+            </a:r>
+          </a:p>
+        </p:txBody>
+      </p:sp>
+      <p:sp>
+        <p:nvSpPr>
+          <p:cNvPr id="107" name="Rectangle 106">
+            <a:extLst>
+              <a:ext uri="{FF2B5EF4-FFF2-40B4-BE49-F238E27FC236}">
+                <a16:creationId xmlns:a16="http://schemas.microsoft.com/office/drawing/2014/main" id="{E2962857-6F29-AF85-5D33-98CD9D5F2F01}"/>
+              </a:ext>
+            </a:extLst>
+          </p:cNvPr>
+          <p:cNvSpPr/>
+          <p:nvPr/>
+        </p:nvSpPr>
+        <p:spPr>
+          <a:xfrm>
+            <a:off x="1731654" y="4776573"/>
+            <a:ext cx="2143193" cy="359247"/>
+          </a:xfrm>
+          <a:prstGeom prst="rect">
+            <a:avLst/>
+          </a:prstGeom>
+          <a:noFill/>
+          <a:ln w="9525" cap="flat" cmpd="sng" algn="ctr">
+            <a:solidFill>
+              <a:schemeClr val="accent1"/>
+            </a:solidFill>
+            <a:prstDash val="solid"/>
+            <a:round/>
+            <a:headEnd type="none" w="med" len="med"/>
+            <a:tailEnd type="none" w="med" len="med"/>
+          </a:ln>
+        </p:spPr>
+        <p:style>
+          <a:lnRef idx="0">
+            <a:scrgbClr r="0" g="0" b="0"/>
+          </a:lnRef>
+          <a:fillRef idx="0">
+            <a:scrgbClr r="0" g="0" b="0"/>
+          </a:fillRef>
+          <a:effectRef idx="0">
+            <a:scrgbClr r="0" g="0" b="0"/>
+          </a:effectRef>
+          <a:fontRef idx="minor">
+            <a:schemeClr val="accent1"/>
+          </a:fontRef>
+        </p:style>
+        <p:txBody>
+          <a:bodyPr rtlCol="0" anchor="ctr"/>
+          <a:lstStyle/>
+          <a:p>
+            <a:pPr algn="ctr"/>
+            <a:r>
+              <a:rPr lang="en-US" sz="1400"/>
+              <a:t>5. Business logic()</a:t>
+            </a:r>
+          </a:p>
+        </p:txBody>
+      </p:sp>
+      <p:cxnSp>
+        <p:nvCxnSpPr>
+          <p:cNvPr id="108" name="Curved Connector 107">
+            <a:extLst>
+              <a:ext uri="{FF2B5EF4-FFF2-40B4-BE49-F238E27FC236}">
+                <a16:creationId xmlns:a16="http://schemas.microsoft.com/office/drawing/2014/main" id="{F43A8232-DF39-2616-A91A-F247F120BA9D}"/>
+              </a:ext>
+            </a:extLst>
+          </p:cNvPr>
+          <p:cNvCxnSpPr>
+            <a:cxnSpLocks/>
+            <a:stCxn id="4" idx="3"/>
+            <a:endCxn id="107" idx="1"/>
+          </p:cNvCxnSpPr>
+          <p:nvPr/>
+        </p:nvCxnSpPr>
+        <p:spPr>
+          <a:xfrm rot="16200000" flipH="1">
+            <a:off x="956440" y="4180982"/>
+            <a:ext cx="627841" cy="922587"/>
+          </a:xfrm>
+          <a:prstGeom prst="curvedConnector2">
+            <a:avLst/>
+          </a:prstGeom>
+          <a:ln>
+            <a:tailEnd type="triangle"/>
+          </a:ln>
+        </p:spPr>
+        <p:style>
+          <a:lnRef idx="2">
+            <a:schemeClr val="accent1"/>
+          </a:lnRef>
+          <a:fillRef idx="0">
+            <a:schemeClr val="accent1"/>
+          </a:fillRef>
+          <a:effectRef idx="1">
+            <a:schemeClr val="accent1"/>
+          </a:effectRef>
+          <a:fontRef idx="minor">
+            <a:schemeClr val="tx1"/>
+          </a:fontRef>
+        </p:style>
+      </p:cxnSp>
+      <p:cxnSp>
+        <p:nvCxnSpPr>
+          <p:cNvPr id="129" name="Curved Connector 128">
+            <a:extLst>
+              <a:ext uri="{FF2B5EF4-FFF2-40B4-BE49-F238E27FC236}">
+                <a16:creationId xmlns:a16="http://schemas.microsoft.com/office/drawing/2014/main" id="{D708E585-BE80-4DAC-455F-19981AC19985}"/>
+              </a:ext>
+            </a:extLst>
+          </p:cNvPr>
+          <p:cNvCxnSpPr>
+            <a:cxnSpLocks/>
+            <a:stCxn id="107" idx="2"/>
+            <a:endCxn id="106" idx="1"/>
+          </p:cNvCxnSpPr>
+          <p:nvPr/>
+        </p:nvCxnSpPr>
+        <p:spPr>
+          <a:xfrm rot="16200000" flipH="1">
+            <a:off x="2868187" y="5070883"/>
+            <a:ext cx="469095" cy="598967"/>
+          </a:xfrm>
+          <a:prstGeom prst="curvedConnector2">
+            <a:avLst/>
+          </a:prstGeom>
+          <a:ln>
+            <a:tailEnd type="triangle"/>
+          </a:ln>
+        </p:spPr>
+        <p:style>
+          <a:lnRef idx="2">
+            <a:schemeClr val="accent1"/>
+          </a:lnRef>
+          <a:fillRef idx="0">
+            <a:schemeClr val="accent1"/>
+          </a:fillRef>
+          <a:effectRef idx="1">
+            <a:schemeClr val="accent1"/>
+          </a:effectRef>
+          <a:fontRef idx="minor">
+            <a:schemeClr val="tx1"/>
+          </a:fontRef>
+        </p:style>
+      </p:cxnSp>
+      <p:sp>
+        <p:nvSpPr>
+          <p:cNvPr id="147" name="Rectangle 146">
+            <a:extLst>
+              <a:ext uri="{FF2B5EF4-FFF2-40B4-BE49-F238E27FC236}">
+                <a16:creationId xmlns:a16="http://schemas.microsoft.com/office/drawing/2014/main" id="{2AD5F785-534A-F563-1A2C-EF505F3AE632}"/>
+              </a:ext>
+            </a:extLst>
+          </p:cNvPr>
+          <p:cNvSpPr/>
+          <p:nvPr/>
+        </p:nvSpPr>
+        <p:spPr>
+          <a:xfrm>
+            <a:off x="5022184" y="6098358"/>
+            <a:ext cx="2143193" cy="359247"/>
+          </a:xfrm>
+          <a:prstGeom prst="rect">
+            <a:avLst/>
+          </a:prstGeom>
+          <a:noFill/>
+          <a:ln w="9525" cap="flat" cmpd="sng" algn="ctr">
+            <a:solidFill>
+              <a:schemeClr val="accent1"/>
+            </a:solidFill>
+            <a:prstDash val="solid"/>
+            <a:round/>
+            <a:headEnd type="none" w="med" len="med"/>
+            <a:tailEnd type="none" w="med" len="med"/>
+          </a:ln>
+        </p:spPr>
+        <p:style>
+          <a:lnRef idx="0">
+            <a:scrgbClr r="0" g="0" b="0"/>
+          </a:lnRef>
+          <a:fillRef idx="0">
+            <a:scrgbClr r="0" g="0" b="0"/>
+          </a:fillRef>
+          <a:effectRef idx="0">
+            <a:scrgbClr r="0" g="0" b="0"/>
+          </a:effectRef>
+          <a:fontRef idx="minor">
+            <a:schemeClr val="accent1"/>
+          </a:fontRef>
+        </p:style>
+        <p:txBody>
+          <a:bodyPr rtlCol="0" anchor="ctr"/>
+          <a:lstStyle/>
+          <a:p>
+            <a:pPr algn="ctr"/>
+            <a:r>
+              <a:rPr lang="en-US" sz="1400"/>
+              <a:t>6.a save(stage)</a:t>
+            </a:r>
+          </a:p>
+        </p:txBody>
+      </p:sp>
+      <p:cxnSp>
+        <p:nvCxnSpPr>
+          <p:cNvPr id="151" name="Curved Connector 150">
+            <a:extLst>
+              <a:ext uri="{FF2B5EF4-FFF2-40B4-BE49-F238E27FC236}">
+                <a16:creationId xmlns:a16="http://schemas.microsoft.com/office/drawing/2014/main" id="{F75B6F6A-E882-AE8D-0112-1CEE212DBFAF}"/>
+              </a:ext>
+            </a:extLst>
+          </p:cNvPr>
+          <p:cNvCxnSpPr>
+            <a:cxnSpLocks/>
+            <a:stCxn id="106" idx="2"/>
+            <a:endCxn id="147" idx="1"/>
+          </p:cNvCxnSpPr>
+          <p:nvPr/>
+        </p:nvCxnSpPr>
+        <p:spPr>
+          <a:xfrm rot="16200000" flipH="1">
+            <a:off x="4501277" y="5757075"/>
+            <a:ext cx="493444" cy="548369"/>
+          </a:xfrm>
+          <a:prstGeom prst="curvedConnector2">
+            <a:avLst/>
+          </a:prstGeom>
+          <a:ln>
+            <a:tailEnd type="triangle"/>
+          </a:ln>
+        </p:spPr>
+        <p:style>
+          <a:lnRef idx="2">
+            <a:schemeClr val="accent1"/>
+          </a:lnRef>
+          <a:fillRef idx="0">
+            <a:schemeClr val="accent1"/>
+          </a:fillRef>
+          <a:effectRef idx="1">
+            <a:schemeClr val="accent1"/>
+          </a:effectRef>
+          <a:fontRef idx="minor">
+            <a:schemeClr val="tx1"/>
+          </a:fontRef>
+        </p:style>
+      </p:cxnSp>
+      <p:cxnSp>
+        <p:nvCxnSpPr>
+          <p:cNvPr id="156" name="Curved Connector 155">
+            <a:extLst>
+              <a:ext uri="{FF2B5EF4-FFF2-40B4-BE49-F238E27FC236}">
+                <a16:creationId xmlns:a16="http://schemas.microsoft.com/office/drawing/2014/main" id="{CC0FE567-FF62-34C1-8053-C7DD6DE27279}"/>
+              </a:ext>
+            </a:extLst>
+          </p:cNvPr>
+          <p:cNvCxnSpPr>
+            <a:cxnSpLocks/>
+            <a:stCxn id="147" idx="2"/>
+            <a:endCxn id="6" idx="3"/>
+          </p:cNvCxnSpPr>
+          <p:nvPr/>
+        </p:nvCxnSpPr>
+        <p:spPr>
+          <a:xfrm rot="5400000" flipH="1" flipV="1">
+            <a:off x="6955907" y="5300312"/>
+            <a:ext cx="295166" cy="2019419"/>
+          </a:xfrm>
+          <a:prstGeom prst="curvedConnector3">
+            <a:avLst>
+              <a:gd name="adj1" fmla="val -77448"/>
+            </a:avLst>
+          </a:prstGeom>
+          <a:ln>
+            <a:tailEnd type="triangle"/>
+          </a:ln>
+        </p:spPr>
+        <p:style>
+          <a:lnRef idx="2">
+            <a:schemeClr val="accent1"/>
+          </a:lnRef>
+          <a:fillRef idx="0">
+            <a:schemeClr val="accent1"/>
+          </a:fillRef>
+          <a:effectRef idx="1">
+            <a:schemeClr val="accent1"/>
+          </a:effectRef>
+          <a:fontRef idx="minor">
+            <a:schemeClr val="tx1"/>
+          </a:fontRef>
+        </p:style>
+      </p:cxnSp>
+      <p:sp>
+        <p:nvSpPr>
+          <p:cNvPr id="172" name="Rectangle 171">
+            <a:extLst>
+              <a:ext uri="{FF2B5EF4-FFF2-40B4-BE49-F238E27FC236}">
+                <a16:creationId xmlns:a16="http://schemas.microsoft.com/office/drawing/2014/main" id="{1304ED04-62CA-5C9B-90E3-EECF1E176ECD}"/>
+              </a:ext>
+            </a:extLst>
+          </p:cNvPr>
+          <p:cNvSpPr/>
+          <p:nvPr/>
+        </p:nvSpPr>
+        <p:spPr>
+          <a:xfrm>
+            <a:off x="4565422" y="4111338"/>
+            <a:ext cx="2676816" cy="359247"/>
+          </a:xfrm>
+          <a:prstGeom prst="rect">
+            <a:avLst/>
+          </a:prstGeom>
+          <a:noFill/>
+          <a:ln w="9525" cap="flat" cmpd="sng" algn="ctr">
+            <a:solidFill>
+              <a:schemeClr val="accent1"/>
+            </a:solidFill>
+            <a:prstDash val="solid"/>
+            <a:round/>
+            <a:headEnd type="none" w="med" len="med"/>
+            <a:tailEnd type="none" w="med" len="med"/>
+          </a:ln>
+        </p:spPr>
+        <p:style>
+          <a:lnRef idx="0">
+            <a:scrgbClr r="0" g="0" b="0"/>
+          </a:lnRef>
+          <a:fillRef idx="0">
+            <a:scrgbClr r="0" g="0" b="0"/>
+          </a:fillRef>
+          <a:effectRef idx="0">
+            <a:scrgbClr r="0" g="0" b="0"/>
+          </a:effectRef>
+          <a:fontRef idx="minor">
+            <a:schemeClr val="accent1"/>
+          </a:fontRef>
+        </p:style>
+        <p:txBody>
+          <a:bodyPr rtlCol="0" anchor="ctr"/>
+          <a:lstStyle/>
+          <a:p>
+            <a:pPr algn="ctr"/>
+            <a:r>
+              <a:rPr lang="en-US" sz="1400"/>
+              <a:t>6.b WebSocket WriteJson()</a:t>
+            </a:r>
+          </a:p>
+        </p:txBody>
+      </p:sp>
+      <p:cxnSp>
+        <p:nvCxnSpPr>
+          <p:cNvPr id="173" name="Curved Connector 172">
+            <a:extLst>
+              <a:ext uri="{FF2B5EF4-FFF2-40B4-BE49-F238E27FC236}">
+                <a16:creationId xmlns:a16="http://schemas.microsoft.com/office/drawing/2014/main" id="{A5735E06-64E6-9FC8-DF06-15A38A49AD29}"/>
+              </a:ext>
+            </a:extLst>
+          </p:cNvPr>
+          <p:cNvCxnSpPr>
+            <a:cxnSpLocks/>
+            <a:stCxn id="106" idx="0"/>
+            <a:endCxn id="172" idx="2"/>
+          </p:cNvCxnSpPr>
+          <p:nvPr/>
+        </p:nvCxnSpPr>
+        <p:spPr>
+          <a:xfrm rot="5400000" flipH="1" flipV="1">
+            <a:off x="4711469" y="4232931"/>
+            <a:ext cx="954706" cy="1430015"/>
+          </a:xfrm>
+          <a:prstGeom prst="curvedConnector3">
+            <a:avLst>
+              <a:gd name="adj1" fmla="val 50000"/>
+            </a:avLst>
+          </a:prstGeom>
+          <a:ln>
+            <a:tailEnd type="triangle"/>
+          </a:ln>
+        </p:spPr>
+        <p:style>
+          <a:lnRef idx="2">
+            <a:schemeClr val="accent1"/>
+          </a:lnRef>
+          <a:fillRef idx="0">
+            <a:schemeClr val="accent1"/>
+          </a:fillRef>
+          <a:effectRef idx="1">
+            <a:schemeClr val="accent1"/>
+          </a:effectRef>
+          <a:fontRef idx="minor">
+            <a:schemeClr val="tx1"/>
+          </a:fontRef>
+        </p:style>
+      </p:cxnSp>
+      <p:cxnSp>
+        <p:nvCxnSpPr>
+          <p:cNvPr id="177" name="Curved Connector 176">
+            <a:extLst>
+              <a:ext uri="{FF2B5EF4-FFF2-40B4-BE49-F238E27FC236}">
+                <a16:creationId xmlns:a16="http://schemas.microsoft.com/office/drawing/2014/main" id="{46572362-B7BE-2A53-D443-43C6253D10E2}"/>
+              </a:ext>
+            </a:extLst>
+          </p:cNvPr>
+          <p:cNvCxnSpPr>
+            <a:cxnSpLocks/>
+            <a:stCxn id="172" idx="0"/>
+            <a:endCxn id="190" idx="2"/>
+          </p:cNvCxnSpPr>
+          <p:nvPr/>
+        </p:nvCxnSpPr>
+        <p:spPr>
+          <a:xfrm rot="5400000" flipH="1" flipV="1">
+            <a:off x="6245669" y="2605989"/>
+            <a:ext cx="1163511" cy="1847189"/>
+          </a:xfrm>
+          <a:prstGeom prst="curvedConnector3">
+            <a:avLst>
+              <a:gd name="adj1" fmla="val 50000"/>
+            </a:avLst>
+          </a:prstGeom>
+          <a:ln>
+            <a:tailEnd type="triangle"/>
+          </a:ln>
+        </p:spPr>
+        <p:style>
+          <a:lnRef idx="2">
+            <a:schemeClr val="accent1"/>
+          </a:lnRef>
+          <a:fillRef idx="0">
+            <a:schemeClr val="accent1"/>
+          </a:fillRef>
+          <a:effectRef idx="1">
+            <a:schemeClr val="accent1"/>
+          </a:effectRef>
+          <a:fontRef idx="minor">
+            <a:schemeClr val="tx1"/>
+          </a:fontRef>
+        </p:style>
+      </p:cxnSp>
+      <p:cxnSp>
+        <p:nvCxnSpPr>
+          <p:cNvPr id="182" name="Curved Connector 181">
+            <a:extLst>
+              <a:ext uri="{FF2B5EF4-FFF2-40B4-BE49-F238E27FC236}">
+                <a16:creationId xmlns:a16="http://schemas.microsoft.com/office/drawing/2014/main" id="{6F084AB3-8892-EDBF-22C7-ED31729D693F}"/>
+              </a:ext>
+            </a:extLst>
+          </p:cNvPr>
+          <p:cNvCxnSpPr>
+            <a:cxnSpLocks/>
+            <a:stCxn id="190" idx="0"/>
+            <a:endCxn id="5" idx="4"/>
+          </p:cNvCxnSpPr>
+          <p:nvPr/>
+        </p:nvCxnSpPr>
+        <p:spPr>
+          <a:xfrm rot="5400000" flipH="1" flipV="1">
+            <a:off x="7937464" y="2139983"/>
+            <a:ext cx="262152" cy="635042"/>
+          </a:xfrm>
+          <a:prstGeom prst="curvedConnector3">
+            <a:avLst>
+              <a:gd name="adj1" fmla="val 50000"/>
+            </a:avLst>
+          </a:prstGeom>
+          <a:ln>
+            <a:tailEnd type="triangle"/>
+          </a:ln>
+        </p:spPr>
+        <p:style>
+          <a:lnRef idx="2">
+            <a:schemeClr val="accent1"/>
+          </a:lnRef>
+          <a:fillRef idx="0">
+            <a:schemeClr val="accent1"/>
+          </a:fillRef>
+          <a:effectRef idx="1">
+            <a:schemeClr val="accent1"/>
+          </a:effectRef>
+          <a:fontRef idx="minor">
+            <a:schemeClr val="tx1"/>
+          </a:fontRef>
+        </p:style>
+      </p:cxnSp>
+      <p:sp>
+        <p:nvSpPr>
+          <p:cNvPr id="186" name="Rectangle 185">
+            <a:extLst>
+              <a:ext uri="{FF2B5EF4-FFF2-40B4-BE49-F238E27FC236}">
+                <a16:creationId xmlns:a16="http://schemas.microsoft.com/office/drawing/2014/main" id="{66E77503-8891-F185-D755-B13417DF228A}"/>
+              </a:ext>
+            </a:extLst>
+          </p:cNvPr>
+          <p:cNvSpPr/>
+          <p:nvPr/>
+        </p:nvSpPr>
+        <p:spPr>
+          <a:xfrm>
+            <a:off x="4635709" y="1826117"/>
+            <a:ext cx="1550152" cy="359247"/>
+          </a:xfrm>
+          <a:prstGeom prst="rect">
+            <a:avLst/>
+          </a:prstGeom>
+          <a:noFill/>
+          <a:ln w="9525" cap="flat" cmpd="sng" algn="ctr">
+            <a:solidFill>
+              <a:schemeClr val="accent1"/>
+            </a:solidFill>
+            <a:prstDash val="solid"/>
+            <a:round/>
+            <a:headEnd type="none" w="med" len="med"/>
+            <a:tailEnd type="none" w="med" len="med"/>
+          </a:ln>
+        </p:spPr>
+        <p:style>
+          <a:lnRef idx="0">
+            <a:scrgbClr r="0" g="0" b="0"/>
+          </a:lnRef>
+          <a:fillRef idx="0">
+            <a:scrgbClr r="0" g="0" b="0"/>
+          </a:fillRef>
+          <a:effectRef idx="0">
+            <a:scrgbClr r="0" g="0" b="0"/>
+          </a:effectRef>
+          <a:fontRef idx="minor">
+            <a:schemeClr val="accent1"/>
+          </a:fontRef>
+        </p:style>
+        <p:txBody>
+          <a:bodyPr rtlCol="0" anchor="ctr"/>
+          <a:lstStyle/>
+          <a:p>
+            <a:pPr algn="ctr"/>
+            <a:r>
+              <a:rPr lang="en-US" sz="1400"/>
+              <a:t>8 Push()</a:t>
+            </a:r>
+          </a:p>
+        </p:txBody>
+      </p:sp>
+      <p:sp>
+        <p:nvSpPr>
+          <p:cNvPr id="190" name="Rectangle 189">
+            <a:extLst>
+              <a:ext uri="{FF2B5EF4-FFF2-40B4-BE49-F238E27FC236}">
+                <a16:creationId xmlns:a16="http://schemas.microsoft.com/office/drawing/2014/main" id="{60CBE95C-9AC2-9571-4833-83D875E7B66E}"/>
+              </a:ext>
+            </a:extLst>
+          </p:cNvPr>
+          <p:cNvSpPr/>
+          <p:nvPr/>
+        </p:nvSpPr>
+        <p:spPr>
+          <a:xfrm>
+            <a:off x="6975943" y="2588580"/>
+            <a:ext cx="1550152" cy="359247"/>
+          </a:xfrm>
+          <a:prstGeom prst="rect">
+            <a:avLst/>
+          </a:prstGeom>
+          <a:noFill/>
+          <a:ln w="9525" cap="flat" cmpd="sng" algn="ctr">
+            <a:solidFill>
+              <a:schemeClr val="accent1"/>
+            </a:solidFill>
+            <a:prstDash val="solid"/>
+            <a:round/>
+            <a:headEnd type="none" w="med" len="med"/>
+            <a:tailEnd type="none" w="med" len="med"/>
+          </a:ln>
+        </p:spPr>
+        <p:style>
+          <a:lnRef idx="0">
+            <a:scrgbClr r="0" g="0" b="0"/>
+          </a:lnRef>
+          <a:fillRef idx="0">
+            <a:scrgbClr r="0" g="0" b="0"/>
+          </a:fillRef>
+          <a:effectRef idx="0">
+            <a:scrgbClr r="0" g="0" b="0"/>
+          </a:effectRef>
+          <a:fontRef idx="minor">
+            <a:schemeClr val="accent1"/>
+          </a:fontRef>
+        </p:style>
+        <p:txBody>
+          <a:bodyPr rtlCol="0" anchor="ctr"/>
+          <a:lstStyle/>
+          <a:p>
+            <a:pPr algn="ctr"/>
+            <a:r>
+              <a:rPr lang="en-US" sz="1400"/>
+              <a:t>7. onMessage()</a:t>
+            </a:r>
+          </a:p>
+        </p:txBody>
+      </p:sp>
+      <p:sp>
+        <p:nvSpPr>
+          <p:cNvPr id="202" name="Freeform 201">
+            <a:extLst>
+              <a:ext uri="{FF2B5EF4-FFF2-40B4-BE49-F238E27FC236}">
+                <a16:creationId xmlns:a16="http://schemas.microsoft.com/office/drawing/2014/main" id="{0CC96CBF-3493-9F21-AC9C-D1B4FB502C9A}"/>
+              </a:ext>
+            </a:extLst>
+          </p:cNvPr>
+          <p:cNvSpPr/>
+          <p:nvPr/>
+        </p:nvSpPr>
+        <p:spPr>
+          <a:xfrm>
+            <a:off x="3136596" y="2238880"/>
+            <a:ext cx="8411557" cy="1408445"/>
+          </a:xfrm>
+          <a:custGeom>
+            <a:avLst/>
+            <a:gdLst>
+              <a:gd name="connsiteX0" fmla="*/ 0 w 8383713"/>
+              <a:gd name="connsiteY0" fmla="*/ 0 h 1551398"/>
+              <a:gd name="connsiteX1" fmla="*/ 2578814 w 8383713"/>
+              <a:gd name="connsiteY1" fmla="*/ 256854 h 1551398"/>
+              <a:gd name="connsiteX2" fmla="*/ 4181582 w 8383713"/>
+              <a:gd name="connsiteY2" fmla="*/ 1407560 h 1551398"/>
+              <a:gd name="connsiteX3" fmla="*/ 6544639 w 8383713"/>
+              <a:gd name="connsiteY3" fmla="*/ 1047964 h 1551398"/>
+              <a:gd name="connsiteX4" fmla="*/ 8383713 w 8383713"/>
+              <a:gd name="connsiteY4" fmla="*/ 1551398 h 1551398"/>
+            </a:gdLst>
+            <a:ahLst/>
+            <a:cxnLst>
+              <a:cxn ang="0">
+                <a:pos x="connsiteX0" y="connsiteY0"/>
+              </a:cxn>
+              <a:cxn ang="0">
+                <a:pos x="connsiteX1" y="connsiteY1"/>
+              </a:cxn>
+              <a:cxn ang="0">
+                <a:pos x="connsiteX2" y="connsiteY2"/>
+              </a:cxn>
+              <a:cxn ang="0">
+                <a:pos x="connsiteX3" y="connsiteY3"/>
+              </a:cxn>
+              <a:cxn ang="0">
+                <a:pos x="connsiteX4" y="connsiteY4"/>
+              </a:cxn>
+            </a:cxnLst>
+            <a:rect l="l" t="t" r="r" b="b"/>
+            <a:pathLst>
+              <a:path w="8383713" h="1551398">
+                <a:moveTo>
+                  <a:pt x="0" y="0"/>
+                </a:moveTo>
+                <a:cubicBezTo>
+                  <a:pt x="940942" y="11130"/>
+                  <a:pt x="1881884" y="22261"/>
+                  <a:pt x="2578814" y="256854"/>
+                </a:cubicBezTo>
+                <a:cubicBezTo>
+                  <a:pt x="3275744" y="491447"/>
+                  <a:pt x="3520611" y="1275708"/>
+                  <a:pt x="4181582" y="1407560"/>
+                </a:cubicBezTo>
+                <a:cubicBezTo>
+                  <a:pt x="4842553" y="1539412"/>
+                  <a:pt x="5844284" y="1023991"/>
+                  <a:pt x="6544639" y="1047964"/>
+                </a:cubicBezTo>
+                <a:cubicBezTo>
+                  <a:pt x="7244994" y="1071937"/>
+                  <a:pt x="7814353" y="1311667"/>
+                  <a:pt x="8383713" y="1551398"/>
+                </a:cubicBezTo>
+              </a:path>
+            </a:pathLst>
+          </a:custGeom>
+          <a:ln w="19050" cap="flat" cmpd="sng" algn="ctr">
+            <a:solidFill>
+              <a:schemeClr val="dk1"/>
+            </a:solidFill>
+            <a:prstDash val="dash"/>
+            <a:round/>
+            <a:headEnd type="none" w="med" len="med"/>
+            <a:tailEnd type="none" w="med" len="med"/>
+          </a:ln>
+        </p:spPr>
+        <p:style>
+          <a:lnRef idx="0">
+            <a:scrgbClr r="0" g="0" b="0"/>
+          </a:lnRef>
+          <a:fillRef idx="0">
+            <a:scrgbClr r="0" g="0" b="0"/>
+          </a:fillRef>
+          <a:effectRef idx="0">
+            <a:scrgbClr r="0" g="0" b="0"/>
+          </a:effectRef>
+          <a:fontRef idx="minor">
+            <a:schemeClr val="tx1"/>
+          </a:fontRef>
+        </p:style>
+        <p:txBody>
+          <a:bodyPr rtlCol="0" anchor="ctr"/>
+          <a:lstStyle/>
+          <a:p>
+            <a:pPr algn="ctr"/>
+            <a:endParaRPr lang="en-US"/>
+          </a:p>
+        </p:txBody>
+      </p:sp>
+      <p:cxnSp>
+        <p:nvCxnSpPr>
           <p:cNvPr id="204" name="Curved Connector 203">
             <a:extLst>
               <a:ext uri="{FF2B5EF4-FFF2-40B4-BE49-F238E27FC236}">
@@ -6359,8 +8384,8 @@
         </p:nvCxnSpPr>
         <p:spPr>
           <a:xfrm rot="5400000" flipH="1">
-            <a:off x="2723131" y="-320637"/>
-            <a:ext cx="84875" cy="3387639"/>
+            <a:off x="2743532" y="-341039"/>
+            <a:ext cx="84875" cy="3428442"/>
           </a:xfrm>
           <a:prstGeom prst="curvedConnector3">
             <a:avLst>
@@ -6572,8 +8597,8 @@
         </p:nvCxnSpPr>
         <p:spPr>
           <a:xfrm rot="10800000">
-            <a:off x="5886833" y="1979490"/>
-            <a:ext cx="1089111" cy="788714"/>
+            <a:off x="6185861" y="2005742"/>
+            <a:ext cx="790082" cy="762463"/>
           </a:xfrm>
           <a:prstGeom prst="curvedConnector3">
             <a:avLst>
@@ -6675,6 +8700,96 @@
           </a:p>
         </p:txBody>
       </p:sp>
+      <p:cxnSp>
+        <p:nvCxnSpPr>
+          <p:cNvPr id="47" name="Curved Connector 46">
+            <a:extLst>
+              <a:ext uri="{FF2B5EF4-FFF2-40B4-BE49-F238E27FC236}">
+                <a16:creationId xmlns:a16="http://schemas.microsoft.com/office/drawing/2014/main" id="{99C90D18-4D8A-B7D3-0BA8-55E9882A773C}"/>
+              </a:ext>
+            </a:extLst>
+          </p:cNvPr>
+          <p:cNvCxnSpPr>
+            <a:cxnSpLocks/>
+            <a:stCxn id="186" idx="0"/>
+            <a:endCxn id="54" idx="4"/>
+          </p:cNvCxnSpPr>
+          <p:nvPr/>
+        </p:nvCxnSpPr>
+        <p:spPr>
+          <a:xfrm rot="16200000" flipV="1">
+            <a:off x="5185320" y="1600651"/>
+            <a:ext cx="246696" cy="204235"/>
+          </a:xfrm>
+          <a:prstGeom prst="curvedConnector3">
+            <a:avLst>
+              <a:gd name="adj1" fmla="val 50000"/>
+            </a:avLst>
+          </a:prstGeom>
+          <a:ln>
+            <a:tailEnd type="triangle"/>
+          </a:ln>
+        </p:spPr>
+        <p:style>
+          <a:lnRef idx="2">
+            <a:schemeClr val="accent1"/>
+          </a:lnRef>
+          <a:fillRef idx="0">
+            <a:schemeClr val="accent1"/>
+          </a:fillRef>
+          <a:effectRef idx="1">
+            <a:schemeClr val="accent1"/>
+          </a:effectRef>
+          <a:fontRef idx="minor">
+            <a:schemeClr val="tx1"/>
+          </a:fontRef>
+        </p:style>
+      </p:cxnSp>
+      <p:cxnSp>
+        <p:nvCxnSpPr>
+          <p:cNvPr id="53" name="Curved Connector 52">
+            <a:extLst>
+              <a:ext uri="{FF2B5EF4-FFF2-40B4-BE49-F238E27FC236}">
+                <a16:creationId xmlns:a16="http://schemas.microsoft.com/office/drawing/2014/main" id="{CBAA24B0-22AF-FA72-32B1-BC2F9A3D443D}"/>
+              </a:ext>
+            </a:extLst>
+          </p:cNvPr>
+          <p:cNvCxnSpPr>
+            <a:cxnSpLocks/>
+            <a:stCxn id="5" idx="2"/>
+            <a:endCxn id="186" idx="3"/>
+          </p:cNvCxnSpPr>
+          <p:nvPr/>
+        </p:nvCxnSpPr>
+        <p:spPr>
+          <a:xfrm rot="10800000" flipV="1">
+            <a:off x="6185862" y="1595621"/>
+            <a:ext cx="513885" cy="410119"/>
+          </a:xfrm>
+          <a:prstGeom prst="curvedConnector3">
+            <a:avLst>
+              <a:gd name="adj1" fmla="val 50000"/>
+            </a:avLst>
+          </a:prstGeom>
+          <a:ln>
+            <a:tailEnd type="triangle"/>
+          </a:ln>
+        </p:spPr>
+        <p:style>
+          <a:lnRef idx="2">
+            <a:schemeClr val="accent1"/>
+          </a:lnRef>
+          <a:fillRef idx="0">
+            <a:schemeClr val="accent1"/>
+          </a:fillRef>
+          <a:effectRef idx="1">
+            <a:schemeClr val="accent1"/>
+          </a:effectRef>
+          <a:fontRef idx="minor">
+            <a:schemeClr val="tx1"/>
+          </a:fontRef>
+        </p:style>
+      </p:cxnSp>
     </p:spTree>
     <p:extLst>
       <p:ext uri="{BB962C8B-B14F-4D97-AF65-F5344CB8AC3E}">

--- a/docs/micro stack arch.pptx
+++ b/docs/micro stack arch.pptx
@@ -314,7 +314,7 @@
           <a:lstStyle/>
           <a:p>
             <a:fld id="{E71DC6D0-BE69-8F42-89C1-F6C51BF006A6}" type="slidenum">
-              <a:t>‹#›</a:t>
+              <a:t>‹N°›</a:t>
             </a:fld>
             <a:endParaRPr lang="en-US"/>
           </a:p>
@@ -512,7 +512,7 @@
           <a:lstStyle/>
           <a:p>
             <a:fld id="{E71DC6D0-BE69-8F42-89C1-F6C51BF006A6}" type="slidenum">
-              <a:t>‹#›</a:t>
+              <a:t>‹N°›</a:t>
             </a:fld>
             <a:endParaRPr lang="en-US"/>
           </a:p>
@@ -720,7 +720,7 @@
           <a:lstStyle/>
           <a:p>
             <a:fld id="{E71DC6D0-BE69-8F42-89C1-F6C51BF006A6}" type="slidenum">
-              <a:t>‹#›</a:t>
+              <a:t>‹N°›</a:t>
             </a:fld>
             <a:endParaRPr lang="en-US"/>
           </a:p>
@@ -918,7 +918,7 @@
           <a:lstStyle/>
           <a:p>
             <a:fld id="{E71DC6D0-BE69-8F42-89C1-F6C51BF006A6}" type="slidenum">
-              <a:t>‹#›</a:t>
+              <a:t>‹N°›</a:t>
             </a:fld>
             <a:endParaRPr lang="en-US"/>
           </a:p>
@@ -1192,7 +1192,7 @@
           <a:lstStyle/>
           <a:p>
             <a:fld id="{E71DC6D0-BE69-8F42-89C1-F6C51BF006A6}" type="slidenum">
-              <a:t>‹#›</a:t>
+              <a:t>‹N°›</a:t>
             </a:fld>
             <a:endParaRPr lang="en-US"/>
           </a:p>
@@ -1458,7 +1458,7 @@
           <a:lstStyle/>
           <a:p>
             <a:fld id="{E71DC6D0-BE69-8F42-89C1-F6C51BF006A6}" type="slidenum">
-              <a:t>‹#›</a:t>
+              <a:t>‹N°›</a:t>
             </a:fld>
             <a:endParaRPr lang="en-US"/>
           </a:p>
@@ -1871,7 +1871,7 @@
           <a:lstStyle/>
           <a:p>
             <a:fld id="{E71DC6D0-BE69-8F42-89C1-F6C51BF006A6}" type="slidenum">
-              <a:t>‹#›</a:t>
+              <a:t>‹N°›</a:t>
             </a:fld>
             <a:endParaRPr lang="en-US"/>
           </a:p>
@@ -2011,7 +2011,7 @@
           <a:lstStyle/>
           <a:p>
             <a:fld id="{E71DC6D0-BE69-8F42-89C1-F6C51BF006A6}" type="slidenum">
-              <a:t>‹#›</a:t>
+              <a:t>‹N°›</a:t>
             </a:fld>
             <a:endParaRPr lang="en-US"/>
           </a:p>
@@ -2122,7 +2122,7 @@
           <a:lstStyle/>
           <a:p>
             <a:fld id="{E71DC6D0-BE69-8F42-89C1-F6C51BF006A6}" type="slidenum">
-              <a:t>‹#›</a:t>
+              <a:t>‹N°›</a:t>
             </a:fld>
             <a:endParaRPr lang="en-US"/>
           </a:p>
@@ -2433,7 +2433,7 @@
           <a:lstStyle/>
           <a:p>
             <a:fld id="{E71DC6D0-BE69-8F42-89C1-F6C51BF006A6}" type="slidenum">
-              <a:t>‹#›</a:t>
+              <a:t>‹N°›</a:t>
             </a:fld>
             <a:endParaRPr lang="en-US"/>
           </a:p>
@@ -2720,7 +2720,7 @@
           <a:lstStyle/>
           <a:p>
             <a:fld id="{E71DC6D0-BE69-8F42-89C1-F6C51BF006A6}" type="slidenum">
-              <a:t>‹#›</a:t>
+              <a:t>‹N°›</a:t>
             </a:fld>
             <a:endParaRPr lang="en-US"/>
           </a:p>
@@ -2997,7 +2997,7 @@
           </a:lstStyle>
           <a:p>
             <a:fld id="{E71DC6D0-BE69-8F42-89C1-F6C51BF006A6}" type="slidenum">
-              <a:t>‹#›</a:t>
+              <a:t>‹N°›</a:t>
             </a:fld>
             <a:endParaRPr lang="en-US"/>
           </a:p>
@@ -5364,9 +5364,12 @@
             <a:avLst/>
           </a:prstGeom>
           <a:noFill/>
-          <a:ln w="9525" cap="flat" cmpd="sng" algn="ctr">
+          <a:ln w="38100" cap="flat" cmpd="sng" algn="ctr">
             <a:solidFill>
-              <a:schemeClr val="accent3"/>
+              <a:schemeClr val="accent5">
+                <a:lumMod val="60000"/>
+                <a:lumOff val="40000"/>
+              </a:schemeClr>
             </a:solidFill>
             <a:prstDash val="solid"/>
             <a:round/>
@@ -5535,9 +5538,12 @@
             <a:avLst/>
           </a:prstGeom>
           <a:noFill/>
-          <a:ln w="9525" cap="flat" cmpd="sng" algn="ctr">
+          <a:ln w="38100" cap="flat" cmpd="sng" algn="ctr">
             <a:solidFill>
-              <a:schemeClr val="accent1"/>
+              <a:schemeClr val="accent5">
+                <a:lumMod val="60000"/>
+                <a:lumOff val="40000"/>
+              </a:schemeClr>
             </a:solidFill>
             <a:prstDash val="solid"/>
             <a:round/>
@@ -5587,6 +5593,1530 @@
           <a:xfrm>
             <a:off x="1976842" y="6178873"/>
             <a:ext cx="998587" cy="484596"/>
+          </a:xfrm>
+          <a:prstGeom prst="rect">
+            <a:avLst/>
+          </a:prstGeom>
+          <a:noFill/>
+          <a:ln w="38100" cap="flat" cmpd="sng" algn="ctr">
+            <a:solidFill>
+              <a:schemeClr val="accent5">
+                <a:lumMod val="60000"/>
+                <a:lumOff val="40000"/>
+              </a:schemeClr>
+            </a:solidFill>
+            <a:prstDash val="solid"/>
+            <a:round/>
+            <a:headEnd type="none" w="med" len="med"/>
+            <a:tailEnd type="none" w="med" len="med"/>
+          </a:ln>
+        </p:spPr>
+        <p:style>
+          <a:lnRef idx="0">
+            <a:scrgbClr r="0" g="0" b="0"/>
+          </a:lnRef>
+          <a:fillRef idx="0">
+            <a:scrgbClr r="0" g="0" b="0"/>
+          </a:fillRef>
+          <a:effectRef idx="0">
+            <a:scrgbClr r="0" g="0" b="0"/>
+          </a:effectRef>
+          <a:fontRef idx="minor">
+            <a:schemeClr val="accent1"/>
+          </a:fontRef>
+        </p:style>
+        <p:txBody>
+          <a:bodyPr rtlCol="0" anchor="ctr"/>
+          <a:lstStyle/>
+          <a:p>
+            <a:pPr algn="ctr"/>
+            <a:r>
+              <a:rPr lang="en-US"/>
+              <a:t>Bar</a:t>
+            </a:r>
+          </a:p>
+        </p:txBody>
+      </p:sp>
+      <p:cxnSp>
+        <p:nvCxnSpPr>
+          <p:cNvPr id="12" name="Straight Arrow Connector 11">
+            <a:extLst>
+              <a:ext uri="{FF2B5EF4-FFF2-40B4-BE49-F238E27FC236}">
+                <a16:creationId xmlns:a16="http://schemas.microsoft.com/office/drawing/2014/main" id="{8DB7FCCC-318B-6A4A-4C44-5E32C96F30DF}"/>
+              </a:ext>
+            </a:extLst>
+          </p:cNvPr>
+          <p:cNvCxnSpPr>
+            <a:stCxn id="9" idx="3"/>
+            <a:endCxn id="10" idx="1"/>
+          </p:cNvCxnSpPr>
+          <p:nvPr/>
+        </p:nvCxnSpPr>
+        <p:spPr>
+          <a:xfrm>
+            <a:off x="1240519" y="6421171"/>
+            <a:ext cx="736323" cy="0"/>
+          </a:xfrm>
+          <a:prstGeom prst="straightConnector1">
+            <a:avLst/>
+          </a:prstGeom>
+          <a:ln>
+            <a:tailEnd type="triangle"/>
+          </a:ln>
+        </p:spPr>
+        <p:style>
+          <a:lnRef idx="2">
+            <a:schemeClr val="accent1"/>
+          </a:lnRef>
+          <a:fillRef idx="0">
+            <a:schemeClr val="accent1"/>
+          </a:fillRef>
+          <a:effectRef idx="1">
+            <a:schemeClr val="accent1"/>
+          </a:effectRef>
+          <a:fontRef idx="minor">
+            <a:schemeClr val="tx1"/>
+          </a:fontRef>
+        </p:style>
+      </p:cxnSp>
+      <p:sp>
+        <p:nvSpPr>
+          <p:cNvPr id="14" name="TextBox 13">
+            <a:extLst>
+              <a:ext uri="{FF2B5EF4-FFF2-40B4-BE49-F238E27FC236}">
+                <a16:creationId xmlns:a16="http://schemas.microsoft.com/office/drawing/2014/main" id="{90519001-D291-DA51-28A7-8D59DB1622A8}"/>
+              </a:ext>
+            </a:extLst>
+          </p:cNvPr>
+          <p:cNvSpPr txBox="1"/>
+          <p:nvPr/>
+        </p:nvSpPr>
+        <p:spPr>
+          <a:xfrm>
+            <a:off x="1457049" y="6075950"/>
+            <a:ext cx="609366" cy="371558"/>
+          </a:xfrm>
+          <a:prstGeom prst="rect">
+            <a:avLst/>
+          </a:prstGeom>
+          <a:noFill/>
+          <a:ln w="38100" cap="flat" cmpd="sng" algn="ctr">
+            <a:solidFill>
+              <a:schemeClr val="accent5">
+                <a:lumMod val="60000"/>
+                <a:lumOff val="40000"/>
+              </a:schemeClr>
+            </a:solidFill>
+            <a:prstDash val="solid"/>
+            <a:round/>
+            <a:headEnd type="none" w="med" len="med"/>
+            <a:tailEnd type="none" w="med" len="med"/>
+          </a:ln>
+        </p:spPr>
+        <p:style>
+          <a:lnRef idx="0">
+            <a:scrgbClr r="0" g="0" b="0"/>
+          </a:lnRef>
+          <a:fillRef idx="0">
+            <a:scrgbClr r="0" g="0" b="0"/>
+          </a:fillRef>
+          <a:effectRef idx="0">
+            <a:scrgbClr r="0" g="0" b="0"/>
+          </a:effectRef>
+          <a:fontRef idx="minor">
+            <a:schemeClr val="accent1"/>
+          </a:fontRef>
+        </p:style>
+        <p:txBody>
+          <a:bodyPr rtlCol="0" anchor="ctr"/>
+          <a:lstStyle>
+            <a:defPPr>
+              <a:defRPr lang="en-FR"/>
+            </a:defPPr>
+            <a:lvl1pPr algn="ctr">
+              <a:defRPr>
+                <a:solidFill>
+                  <a:schemeClr val="accent1"/>
+                </a:solidFill>
+              </a:defRPr>
+            </a:lvl1pPr>
+            <a:lvl2pPr>
+              <a:defRPr>
+                <a:solidFill>
+                  <a:schemeClr val="accent1"/>
+                </a:solidFill>
+              </a:defRPr>
+            </a:lvl2pPr>
+            <a:lvl3pPr>
+              <a:defRPr>
+                <a:solidFill>
+                  <a:schemeClr val="accent1"/>
+                </a:solidFill>
+              </a:defRPr>
+            </a:lvl3pPr>
+            <a:lvl4pPr>
+              <a:defRPr>
+                <a:solidFill>
+                  <a:schemeClr val="accent1"/>
+                </a:solidFill>
+              </a:defRPr>
+            </a:lvl4pPr>
+            <a:lvl5pPr>
+              <a:defRPr>
+                <a:solidFill>
+                  <a:schemeClr val="accent1"/>
+                </a:solidFill>
+              </a:defRPr>
+            </a:lvl5pPr>
+            <a:lvl6pPr>
+              <a:defRPr>
+                <a:solidFill>
+                  <a:schemeClr val="accent1"/>
+                </a:solidFill>
+              </a:defRPr>
+            </a:lvl6pPr>
+            <a:lvl7pPr>
+              <a:defRPr>
+                <a:solidFill>
+                  <a:schemeClr val="accent1"/>
+                </a:solidFill>
+              </a:defRPr>
+            </a:lvl7pPr>
+            <a:lvl8pPr>
+              <a:defRPr>
+                <a:solidFill>
+                  <a:schemeClr val="accent1"/>
+                </a:solidFill>
+              </a:defRPr>
+            </a:lvl8pPr>
+            <a:lvl9pPr>
+              <a:defRPr>
+                <a:solidFill>
+                  <a:schemeClr val="accent1"/>
+                </a:solidFill>
+              </a:defRPr>
+            </a:lvl9pPr>
+          </a:lstStyle>
+          <a:p>
+            <a:r>
+              <a:rPr lang="en-US" sz="1400"/>
+              <a:t>0..1</a:t>
+            </a:r>
+          </a:p>
+        </p:txBody>
+      </p:sp>
+      <p:sp>
+        <p:nvSpPr>
+          <p:cNvPr id="16" name="Rounded Rectangle 15">
+            <a:extLst>
+              <a:ext uri="{FF2B5EF4-FFF2-40B4-BE49-F238E27FC236}">
+                <a16:creationId xmlns:a16="http://schemas.microsoft.com/office/drawing/2014/main" id="{F7247B2E-CDE5-3B45-4165-21CDE953DF80}"/>
+              </a:ext>
+            </a:extLst>
+          </p:cNvPr>
+          <p:cNvSpPr/>
+          <p:nvPr/>
+        </p:nvSpPr>
+        <p:spPr>
+          <a:xfrm>
+            <a:off x="902980" y="3263697"/>
+            <a:ext cx="828675" cy="326571"/>
+          </a:xfrm>
+          <a:prstGeom prst="roundRect">
+            <a:avLst/>
+          </a:prstGeom>
+          <a:noFill/>
+          <a:ln w="9525" cap="flat" cmpd="sng" algn="ctr">
+            <a:solidFill>
+              <a:schemeClr val="accent4"/>
+            </a:solidFill>
+            <a:prstDash val="solid"/>
+            <a:round/>
+            <a:headEnd type="none" w="med" len="med"/>
+            <a:tailEnd type="none" w="med" len="med"/>
+          </a:ln>
+        </p:spPr>
+        <p:style>
+          <a:lnRef idx="0">
+            <a:scrgbClr r="0" g="0" b="0"/>
+          </a:lnRef>
+          <a:fillRef idx="0">
+            <a:scrgbClr r="0" g="0" b="0"/>
+          </a:fillRef>
+          <a:effectRef idx="0">
+            <a:scrgbClr r="0" g="0" b="0"/>
+          </a:effectRef>
+          <a:fontRef idx="minor">
+            <a:schemeClr val="accent4"/>
+          </a:fontRef>
+        </p:style>
+        <p:txBody>
+          <a:bodyPr rtlCol="0" anchor="ctr"/>
+          <a:lstStyle/>
+          <a:p>
+            <a:pPr algn="ctr"/>
+            <a:r>
+              <a:rPr lang="en-US"/>
+              <a:t>Foo:1</a:t>
+            </a:r>
+          </a:p>
+        </p:txBody>
+      </p:sp>
+      <p:sp>
+        <p:nvSpPr>
+          <p:cNvPr id="17" name="Rounded Rectangle 16">
+            <a:extLst>
+              <a:ext uri="{FF2B5EF4-FFF2-40B4-BE49-F238E27FC236}">
+                <a16:creationId xmlns:a16="http://schemas.microsoft.com/office/drawing/2014/main" id="{F6F018C6-CBEE-E031-D10F-76673E5199DF}"/>
+              </a:ext>
+            </a:extLst>
+          </p:cNvPr>
+          <p:cNvSpPr/>
+          <p:nvPr/>
+        </p:nvSpPr>
+        <p:spPr>
+          <a:xfrm>
+            <a:off x="902979" y="3667828"/>
+            <a:ext cx="828675" cy="326571"/>
+          </a:xfrm>
+          <a:prstGeom prst="roundRect">
+            <a:avLst/>
+          </a:prstGeom>
+          <a:noFill/>
+          <a:ln w="9525" cap="flat" cmpd="sng" algn="ctr">
+            <a:solidFill>
+              <a:schemeClr val="accent4"/>
+            </a:solidFill>
+            <a:prstDash val="solid"/>
+            <a:round/>
+            <a:headEnd type="none" w="med" len="med"/>
+            <a:tailEnd type="none" w="med" len="med"/>
+          </a:ln>
+        </p:spPr>
+        <p:style>
+          <a:lnRef idx="0">
+            <a:scrgbClr r="0" g="0" b="0"/>
+          </a:lnRef>
+          <a:fillRef idx="0">
+            <a:scrgbClr r="0" g="0" b="0"/>
+          </a:fillRef>
+          <a:effectRef idx="0">
+            <a:scrgbClr r="0" g="0" b="0"/>
+          </a:effectRef>
+          <a:fontRef idx="minor">
+            <a:schemeClr val="accent4"/>
+          </a:fontRef>
+        </p:style>
+        <p:txBody>
+          <a:bodyPr rtlCol="0" anchor="ctr"/>
+          <a:lstStyle/>
+          <a:p>
+            <a:pPr algn="ctr"/>
+            <a:r>
+              <a:rPr lang="en-US"/>
+              <a:t>Foo:2</a:t>
+            </a:r>
+          </a:p>
+        </p:txBody>
+      </p:sp>
+      <p:sp>
+        <p:nvSpPr>
+          <p:cNvPr id="18" name="Rounded Rectangle 17">
+            <a:extLst>
+              <a:ext uri="{FF2B5EF4-FFF2-40B4-BE49-F238E27FC236}">
+                <a16:creationId xmlns:a16="http://schemas.microsoft.com/office/drawing/2014/main" id="{B1B45DBF-9D87-D71D-1353-1519D14117F2}"/>
+              </a:ext>
+            </a:extLst>
+          </p:cNvPr>
+          <p:cNvSpPr/>
+          <p:nvPr/>
+        </p:nvSpPr>
+        <p:spPr>
+          <a:xfrm>
+            <a:off x="2307921" y="3263696"/>
+            <a:ext cx="828675" cy="326571"/>
+          </a:xfrm>
+          <a:prstGeom prst="roundRect">
+            <a:avLst/>
+          </a:prstGeom>
+          <a:noFill/>
+          <a:ln w="9525" cap="flat" cmpd="sng" algn="ctr">
+            <a:solidFill>
+              <a:schemeClr val="accent4"/>
+            </a:solidFill>
+            <a:prstDash val="solid"/>
+            <a:round/>
+            <a:headEnd type="none" w="med" len="med"/>
+            <a:tailEnd type="none" w="med" len="med"/>
+          </a:ln>
+        </p:spPr>
+        <p:style>
+          <a:lnRef idx="0">
+            <a:scrgbClr r="0" g="0" b="0"/>
+          </a:lnRef>
+          <a:fillRef idx="0">
+            <a:scrgbClr r="0" g="0" b="0"/>
+          </a:fillRef>
+          <a:effectRef idx="0">
+            <a:scrgbClr r="0" g="0" b="0"/>
+          </a:effectRef>
+          <a:fontRef idx="minor">
+            <a:schemeClr val="accent4"/>
+          </a:fontRef>
+        </p:style>
+        <p:txBody>
+          <a:bodyPr rtlCol="0" anchor="ctr"/>
+          <a:lstStyle/>
+          <a:p>
+            <a:pPr algn="ctr"/>
+            <a:r>
+              <a:rPr lang="en-US"/>
+              <a:t>Bar:1</a:t>
+            </a:r>
+          </a:p>
+        </p:txBody>
+      </p:sp>
+      <p:cxnSp>
+        <p:nvCxnSpPr>
+          <p:cNvPr id="20" name="Straight Arrow Connector 19">
+            <a:extLst>
+              <a:ext uri="{FF2B5EF4-FFF2-40B4-BE49-F238E27FC236}">
+                <a16:creationId xmlns:a16="http://schemas.microsoft.com/office/drawing/2014/main" id="{45D684CD-032B-F6BD-9774-0090F42400E2}"/>
+              </a:ext>
+            </a:extLst>
+          </p:cNvPr>
+          <p:cNvCxnSpPr>
+            <a:stCxn id="16" idx="3"/>
+            <a:endCxn id="18" idx="1"/>
+          </p:cNvCxnSpPr>
+          <p:nvPr/>
+        </p:nvCxnSpPr>
+        <p:spPr>
+          <a:xfrm flipV="1">
+            <a:off x="1731655" y="3426982"/>
+            <a:ext cx="576266" cy="1"/>
+          </a:xfrm>
+          <a:prstGeom prst="straightConnector1">
+            <a:avLst/>
+          </a:prstGeom>
+          <a:ln>
+            <a:tailEnd type="triangle"/>
+          </a:ln>
+        </p:spPr>
+        <p:style>
+          <a:lnRef idx="1">
+            <a:schemeClr val="accent1"/>
+          </a:lnRef>
+          <a:fillRef idx="0">
+            <a:schemeClr val="accent1"/>
+          </a:fillRef>
+          <a:effectRef idx="0">
+            <a:schemeClr val="accent1"/>
+          </a:effectRef>
+          <a:fontRef idx="minor">
+            <a:schemeClr val="tx1"/>
+          </a:fontRef>
+        </p:style>
+      </p:cxnSp>
+      <p:cxnSp>
+        <p:nvCxnSpPr>
+          <p:cNvPr id="21" name="Straight Arrow Connector 20">
+            <a:extLst>
+              <a:ext uri="{FF2B5EF4-FFF2-40B4-BE49-F238E27FC236}">
+                <a16:creationId xmlns:a16="http://schemas.microsoft.com/office/drawing/2014/main" id="{CB8B2EB8-EC0C-8B2D-C376-C21D4F3AEDEF}"/>
+              </a:ext>
+            </a:extLst>
+          </p:cNvPr>
+          <p:cNvCxnSpPr>
+            <a:cxnSpLocks/>
+            <a:stCxn id="17" idx="3"/>
+            <a:endCxn id="18" idx="1"/>
+          </p:cNvCxnSpPr>
+          <p:nvPr/>
+        </p:nvCxnSpPr>
+        <p:spPr>
+          <a:xfrm flipV="1">
+            <a:off x="1731654" y="3426982"/>
+            <a:ext cx="576267" cy="404132"/>
+          </a:xfrm>
+          <a:prstGeom prst="straightConnector1">
+            <a:avLst/>
+          </a:prstGeom>
+          <a:ln>
+            <a:tailEnd type="triangle"/>
+          </a:ln>
+        </p:spPr>
+        <p:style>
+          <a:lnRef idx="1">
+            <a:schemeClr val="accent1"/>
+          </a:lnRef>
+          <a:fillRef idx="0">
+            <a:schemeClr val="accent1"/>
+          </a:fillRef>
+          <a:effectRef idx="0">
+            <a:schemeClr val="accent1"/>
+          </a:effectRef>
+          <a:fontRef idx="minor">
+            <a:schemeClr val="tx1"/>
+          </a:fontRef>
+        </p:style>
+      </p:cxnSp>
+      <p:sp>
+        <p:nvSpPr>
+          <p:cNvPr id="24" name="Rounded Rectangle 23">
+            <a:extLst>
+              <a:ext uri="{FF2B5EF4-FFF2-40B4-BE49-F238E27FC236}">
+                <a16:creationId xmlns:a16="http://schemas.microsoft.com/office/drawing/2014/main" id="{90918333-0B40-7F93-BA41-C430A693F2DF}"/>
+              </a:ext>
+            </a:extLst>
+          </p:cNvPr>
+          <p:cNvSpPr/>
+          <p:nvPr/>
+        </p:nvSpPr>
+        <p:spPr>
+          <a:xfrm>
+            <a:off x="8050812" y="5032626"/>
+            <a:ext cx="806304" cy="326571"/>
+          </a:xfrm>
+          <a:prstGeom prst="roundRect">
+            <a:avLst/>
+          </a:prstGeom>
+          <a:noFill/>
+          <a:ln w="9525" cap="flat" cmpd="sng" algn="ctr">
+            <a:solidFill>
+              <a:schemeClr val="accent4"/>
+            </a:solidFill>
+            <a:prstDash val="solid"/>
+            <a:round/>
+            <a:headEnd type="none" w="med" len="med"/>
+            <a:tailEnd type="none" w="med" len="med"/>
+          </a:ln>
+        </p:spPr>
+        <p:style>
+          <a:lnRef idx="0">
+            <a:scrgbClr r="0" g="0" b="0"/>
+          </a:lnRef>
+          <a:fillRef idx="0">
+            <a:scrgbClr r="0" g="0" b="0"/>
+          </a:fillRef>
+          <a:effectRef idx="0">
+            <a:scrgbClr r="0" g="0" b="0"/>
+          </a:effectRef>
+          <a:fontRef idx="minor">
+            <a:schemeClr val="accent4"/>
+          </a:fontRef>
+        </p:style>
+        <p:txBody>
+          <a:bodyPr rtlCol="0" anchor="ctr"/>
+          <a:lstStyle/>
+          <a:p>
+            <a:pPr algn="ctr"/>
+            <a:r>
+              <a:rPr lang="en-US"/>
+              <a:t>Foo:1</a:t>
+            </a:r>
+          </a:p>
+        </p:txBody>
+      </p:sp>
+      <p:sp>
+        <p:nvSpPr>
+          <p:cNvPr id="25" name="Rounded Rectangle 24">
+            <a:extLst>
+              <a:ext uri="{FF2B5EF4-FFF2-40B4-BE49-F238E27FC236}">
+                <a16:creationId xmlns:a16="http://schemas.microsoft.com/office/drawing/2014/main" id="{8F5945BE-9110-A04C-BE5C-1959864C3F3A}"/>
+              </a:ext>
+            </a:extLst>
+          </p:cNvPr>
+          <p:cNvSpPr/>
+          <p:nvPr/>
+        </p:nvSpPr>
+        <p:spPr>
+          <a:xfrm>
+            <a:off x="8050811" y="5436757"/>
+            <a:ext cx="806304" cy="326571"/>
+          </a:xfrm>
+          <a:prstGeom prst="roundRect">
+            <a:avLst/>
+          </a:prstGeom>
+          <a:noFill/>
+          <a:ln w="9525" cap="flat" cmpd="sng" algn="ctr">
+            <a:solidFill>
+              <a:schemeClr val="accent4"/>
+            </a:solidFill>
+            <a:prstDash val="solid"/>
+            <a:round/>
+            <a:headEnd type="none" w="med" len="med"/>
+            <a:tailEnd type="none" w="med" len="med"/>
+          </a:ln>
+        </p:spPr>
+        <p:style>
+          <a:lnRef idx="0">
+            <a:scrgbClr r="0" g="0" b="0"/>
+          </a:lnRef>
+          <a:fillRef idx="0">
+            <a:scrgbClr r="0" g="0" b="0"/>
+          </a:fillRef>
+          <a:effectRef idx="0">
+            <a:scrgbClr r="0" g="0" b="0"/>
+          </a:effectRef>
+          <a:fontRef idx="minor">
+            <a:schemeClr val="accent4"/>
+          </a:fontRef>
+        </p:style>
+        <p:txBody>
+          <a:bodyPr rtlCol="0" anchor="ctr"/>
+          <a:lstStyle/>
+          <a:p>
+            <a:pPr algn="ctr"/>
+            <a:r>
+              <a:rPr lang="en-US"/>
+              <a:t>Foo:2</a:t>
+            </a:r>
+          </a:p>
+        </p:txBody>
+      </p:sp>
+      <p:sp>
+        <p:nvSpPr>
+          <p:cNvPr id="26" name="Rounded Rectangle 25">
+            <a:extLst>
+              <a:ext uri="{FF2B5EF4-FFF2-40B4-BE49-F238E27FC236}">
+                <a16:creationId xmlns:a16="http://schemas.microsoft.com/office/drawing/2014/main" id="{5A23B3EF-EC42-1D8C-0578-AD0F7EAD9DB1}"/>
+              </a:ext>
+            </a:extLst>
+          </p:cNvPr>
+          <p:cNvSpPr/>
+          <p:nvPr/>
+        </p:nvSpPr>
+        <p:spPr>
+          <a:xfrm>
+            <a:off x="9455753" y="5032625"/>
+            <a:ext cx="806304" cy="326571"/>
+          </a:xfrm>
+          <a:prstGeom prst="roundRect">
+            <a:avLst/>
+          </a:prstGeom>
+          <a:noFill/>
+          <a:ln w="9525" cap="flat" cmpd="sng" algn="ctr">
+            <a:solidFill>
+              <a:schemeClr val="accent4"/>
+            </a:solidFill>
+            <a:prstDash val="solid"/>
+            <a:round/>
+            <a:headEnd type="none" w="med" len="med"/>
+            <a:tailEnd type="none" w="med" len="med"/>
+          </a:ln>
+        </p:spPr>
+        <p:style>
+          <a:lnRef idx="0">
+            <a:scrgbClr r="0" g="0" b="0"/>
+          </a:lnRef>
+          <a:fillRef idx="0">
+            <a:scrgbClr r="0" g="0" b="0"/>
+          </a:fillRef>
+          <a:effectRef idx="0">
+            <a:scrgbClr r="0" g="0" b="0"/>
+          </a:effectRef>
+          <a:fontRef idx="minor">
+            <a:schemeClr val="accent4"/>
+          </a:fontRef>
+        </p:style>
+        <p:txBody>
+          <a:bodyPr rtlCol="0" anchor="ctr"/>
+          <a:lstStyle/>
+          <a:p>
+            <a:pPr algn="ctr"/>
+            <a:r>
+              <a:rPr lang="en-US"/>
+              <a:t>Bar:1</a:t>
+            </a:r>
+          </a:p>
+        </p:txBody>
+      </p:sp>
+      <p:cxnSp>
+        <p:nvCxnSpPr>
+          <p:cNvPr id="27" name="Straight Arrow Connector 26">
+            <a:extLst>
+              <a:ext uri="{FF2B5EF4-FFF2-40B4-BE49-F238E27FC236}">
+                <a16:creationId xmlns:a16="http://schemas.microsoft.com/office/drawing/2014/main" id="{BDDF28A8-8003-9AEA-48E7-8A0CA7B36AEB}"/>
+              </a:ext>
+            </a:extLst>
+          </p:cNvPr>
+          <p:cNvCxnSpPr>
+            <a:stCxn id="24" idx="3"/>
+            <a:endCxn id="26" idx="1"/>
+          </p:cNvCxnSpPr>
+          <p:nvPr/>
+        </p:nvCxnSpPr>
+        <p:spPr>
+          <a:xfrm flipV="1">
+            <a:off x="8857116" y="5195911"/>
+            <a:ext cx="598637" cy="1"/>
+          </a:xfrm>
+          <a:prstGeom prst="straightConnector1">
+            <a:avLst/>
+          </a:prstGeom>
+          <a:ln>
+            <a:tailEnd type="triangle"/>
+          </a:ln>
+        </p:spPr>
+        <p:style>
+          <a:lnRef idx="1">
+            <a:schemeClr val="accent1"/>
+          </a:lnRef>
+          <a:fillRef idx="0">
+            <a:schemeClr val="accent1"/>
+          </a:fillRef>
+          <a:effectRef idx="0">
+            <a:schemeClr val="accent1"/>
+          </a:effectRef>
+          <a:fontRef idx="minor">
+            <a:schemeClr val="tx1"/>
+          </a:fontRef>
+        </p:style>
+      </p:cxnSp>
+      <p:cxnSp>
+        <p:nvCxnSpPr>
+          <p:cNvPr id="28" name="Straight Arrow Connector 27">
+            <a:extLst>
+              <a:ext uri="{FF2B5EF4-FFF2-40B4-BE49-F238E27FC236}">
+                <a16:creationId xmlns:a16="http://schemas.microsoft.com/office/drawing/2014/main" id="{B9C1311E-2B9E-6701-CCB1-43E3343524FE}"/>
+              </a:ext>
+            </a:extLst>
+          </p:cNvPr>
+          <p:cNvCxnSpPr>
+            <a:cxnSpLocks/>
+            <a:stCxn id="25" idx="3"/>
+            <a:endCxn id="26" idx="1"/>
+          </p:cNvCxnSpPr>
+          <p:nvPr/>
+        </p:nvCxnSpPr>
+        <p:spPr>
+          <a:xfrm flipV="1">
+            <a:off x="8857115" y="5195911"/>
+            <a:ext cx="598638" cy="404132"/>
+          </a:xfrm>
+          <a:prstGeom prst="straightConnector1">
+            <a:avLst/>
+          </a:prstGeom>
+          <a:ln>
+            <a:tailEnd type="triangle"/>
+          </a:ln>
+        </p:spPr>
+        <p:style>
+          <a:lnRef idx="1">
+            <a:schemeClr val="accent1"/>
+          </a:lnRef>
+          <a:fillRef idx="0">
+            <a:schemeClr val="accent1"/>
+          </a:fillRef>
+          <a:effectRef idx="0">
+            <a:schemeClr val="accent1"/>
+          </a:effectRef>
+          <a:fontRef idx="minor">
+            <a:schemeClr val="tx1"/>
+          </a:fontRef>
+        </p:style>
+      </p:cxnSp>
+      <p:sp>
+        <p:nvSpPr>
+          <p:cNvPr id="29" name="Rounded Rectangle 28">
+            <a:extLst>
+              <a:ext uri="{FF2B5EF4-FFF2-40B4-BE49-F238E27FC236}">
+                <a16:creationId xmlns:a16="http://schemas.microsoft.com/office/drawing/2014/main" id="{CB1D871A-98FE-8A7D-132D-255D7F8DAD02}"/>
+              </a:ext>
+            </a:extLst>
+          </p:cNvPr>
+          <p:cNvSpPr/>
+          <p:nvPr/>
+        </p:nvSpPr>
+        <p:spPr>
+          <a:xfrm>
+            <a:off x="7273667" y="1083711"/>
+            <a:ext cx="806304" cy="326571"/>
+          </a:xfrm>
+          <a:prstGeom prst="roundRect">
+            <a:avLst/>
+          </a:prstGeom>
+          <a:noFill/>
+          <a:ln w="9525" cap="flat" cmpd="sng" algn="ctr">
+            <a:solidFill>
+              <a:schemeClr val="accent4"/>
+            </a:solidFill>
+            <a:prstDash val="solid"/>
+            <a:round/>
+            <a:headEnd type="none" w="med" len="med"/>
+            <a:tailEnd type="none" w="med" len="med"/>
+          </a:ln>
+        </p:spPr>
+        <p:style>
+          <a:lnRef idx="0">
+            <a:scrgbClr r="0" g="0" b="0"/>
+          </a:lnRef>
+          <a:fillRef idx="0">
+            <a:scrgbClr r="0" g="0" b="0"/>
+          </a:fillRef>
+          <a:effectRef idx="0">
+            <a:scrgbClr r="0" g="0" b="0"/>
+          </a:effectRef>
+          <a:fontRef idx="minor">
+            <a:schemeClr val="accent4"/>
+          </a:fontRef>
+        </p:style>
+        <p:txBody>
+          <a:bodyPr rtlCol="0" anchor="ctr"/>
+          <a:lstStyle/>
+          <a:p>
+            <a:pPr algn="ctr"/>
+            <a:r>
+              <a:rPr lang="en-US"/>
+              <a:t>Foo:1</a:t>
+            </a:r>
+          </a:p>
+        </p:txBody>
+      </p:sp>
+      <p:sp>
+        <p:nvSpPr>
+          <p:cNvPr id="30" name="Rounded Rectangle 29">
+            <a:extLst>
+              <a:ext uri="{FF2B5EF4-FFF2-40B4-BE49-F238E27FC236}">
+                <a16:creationId xmlns:a16="http://schemas.microsoft.com/office/drawing/2014/main" id="{84F9ADF3-277A-C28C-A47D-28839A3B6D2D}"/>
+              </a:ext>
+            </a:extLst>
+          </p:cNvPr>
+          <p:cNvSpPr/>
+          <p:nvPr/>
+        </p:nvSpPr>
+        <p:spPr>
+          <a:xfrm>
+            <a:off x="7273666" y="1487842"/>
+            <a:ext cx="806304" cy="326571"/>
+          </a:xfrm>
+          <a:prstGeom prst="roundRect">
+            <a:avLst/>
+          </a:prstGeom>
+          <a:noFill/>
+          <a:ln w="9525" cap="flat" cmpd="sng" algn="ctr">
+            <a:solidFill>
+              <a:schemeClr val="accent4"/>
+            </a:solidFill>
+            <a:prstDash val="solid"/>
+            <a:round/>
+            <a:headEnd type="none" w="med" len="med"/>
+            <a:tailEnd type="none" w="med" len="med"/>
+          </a:ln>
+        </p:spPr>
+        <p:style>
+          <a:lnRef idx="0">
+            <a:scrgbClr r="0" g="0" b="0"/>
+          </a:lnRef>
+          <a:fillRef idx="0">
+            <a:scrgbClr r="0" g="0" b="0"/>
+          </a:fillRef>
+          <a:effectRef idx="0">
+            <a:scrgbClr r="0" g="0" b="0"/>
+          </a:effectRef>
+          <a:fontRef idx="minor">
+            <a:schemeClr val="accent4"/>
+          </a:fontRef>
+        </p:style>
+        <p:txBody>
+          <a:bodyPr rtlCol="0" anchor="ctr"/>
+          <a:lstStyle/>
+          <a:p>
+            <a:pPr algn="ctr"/>
+            <a:r>
+              <a:rPr lang="en-US"/>
+              <a:t>Foo:2</a:t>
+            </a:r>
+          </a:p>
+        </p:txBody>
+      </p:sp>
+      <p:sp>
+        <p:nvSpPr>
+          <p:cNvPr id="31" name="Rounded Rectangle 30">
+            <a:extLst>
+              <a:ext uri="{FF2B5EF4-FFF2-40B4-BE49-F238E27FC236}">
+                <a16:creationId xmlns:a16="http://schemas.microsoft.com/office/drawing/2014/main" id="{5434D35E-4BE2-0E75-B52E-063193C5F1C5}"/>
+              </a:ext>
+            </a:extLst>
+          </p:cNvPr>
+          <p:cNvSpPr/>
+          <p:nvPr/>
+        </p:nvSpPr>
+        <p:spPr>
+          <a:xfrm>
+            <a:off x="8678608" y="1083710"/>
+            <a:ext cx="806304" cy="326571"/>
+          </a:xfrm>
+          <a:prstGeom prst="roundRect">
+            <a:avLst/>
+          </a:prstGeom>
+          <a:noFill/>
+          <a:ln w="9525" cap="flat" cmpd="sng" algn="ctr">
+            <a:solidFill>
+              <a:schemeClr val="accent4"/>
+            </a:solidFill>
+            <a:prstDash val="solid"/>
+            <a:round/>
+            <a:headEnd type="none" w="med" len="med"/>
+            <a:tailEnd type="none" w="med" len="med"/>
+          </a:ln>
+        </p:spPr>
+        <p:style>
+          <a:lnRef idx="0">
+            <a:scrgbClr r="0" g="0" b="0"/>
+          </a:lnRef>
+          <a:fillRef idx="0">
+            <a:scrgbClr r="0" g="0" b="0"/>
+          </a:fillRef>
+          <a:effectRef idx="0">
+            <a:scrgbClr r="0" g="0" b="0"/>
+          </a:effectRef>
+          <a:fontRef idx="minor">
+            <a:schemeClr val="accent4"/>
+          </a:fontRef>
+        </p:style>
+        <p:txBody>
+          <a:bodyPr rtlCol="0" anchor="ctr"/>
+          <a:lstStyle/>
+          <a:p>
+            <a:pPr algn="ctr"/>
+            <a:r>
+              <a:rPr lang="en-US"/>
+              <a:t>Bar:1</a:t>
+            </a:r>
+          </a:p>
+        </p:txBody>
+      </p:sp>
+      <p:cxnSp>
+        <p:nvCxnSpPr>
+          <p:cNvPr id="32" name="Straight Arrow Connector 31">
+            <a:extLst>
+              <a:ext uri="{FF2B5EF4-FFF2-40B4-BE49-F238E27FC236}">
+                <a16:creationId xmlns:a16="http://schemas.microsoft.com/office/drawing/2014/main" id="{0FF5369B-8ECA-3D04-ABF9-012DC91927F8}"/>
+              </a:ext>
+            </a:extLst>
+          </p:cNvPr>
+          <p:cNvCxnSpPr>
+            <a:stCxn id="29" idx="3"/>
+            <a:endCxn id="31" idx="1"/>
+          </p:cNvCxnSpPr>
+          <p:nvPr/>
+        </p:nvCxnSpPr>
+        <p:spPr>
+          <a:xfrm flipV="1">
+            <a:off x="8079971" y="1246996"/>
+            <a:ext cx="598637" cy="1"/>
+          </a:xfrm>
+          <a:prstGeom prst="straightConnector1">
+            <a:avLst/>
+          </a:prstGeom>
+          <a:ln>
+            <a:tailEnd type="triangle"/>
+          </a:ln>
+        </p:spPr>
+        <p:style>
+          <a:lnRef idx="1">
+            <a:schemeClr val="accent1"/>
+          </a:lnRef>
+          <a:fillRef idx="0">
+            <a:schemeClr val="accent1"/>
+          </a:fillRef>
+          <a:effectRef idx="0">
+            <a:schemeClr val="accent1"/>
+          </a:effectRef>
+          <a:fontRef idx="minor">
+            <a:schemeClr val="tx1"/>
+          </a:fontRef>
+        </p:style>
+      </p:cxnSp>
+      <p:cxnSp>
+        <p:nvCxnSpPr>
+          <p:cNvPr id="33" name="Straight Arrow Connector 32">
+            <a:extLst>
+              <a:ext uri="{FF2B5EF4-FFF2-40B4-BE49-F238E27FC236}">
+                <a16:creationId xmlns:a16="http://schemas.microsoft.com/office/drawing/2014/main" id="{E9FFEED0-FA3A-43FD-30C3-071F974DD8DA}"/>
+              </a:ext>
+            </a:extLst>
+          </p:cNvPr>
+          <p:cNvCxnSpPr>
+            <a:cxnSpLocks/>
+            <a:stCxn id="30" idx="3"/>
+            <a:endCxn id="31" idx="1"/>
+          </p:cNvCxnSpPr>
+          <p:nvPr/>
+        </p:nvCxnSpPr>
+        <p:spPr>
+          <a:xfrm flipV="1">
+            <a:off x="8079970" y="1246996"/>
+            <a:ext cx="598638" cy="404132"/>
+          </a:xfrm>
+          <a:prstGeom prst="straightConnector1">
+            <a:avLst/>
+          </a:prstGeom>
+          <a:ln>
+            <a:tailEnd type="triangle"/>
+          </a:ln>
+        </p:spPr>
+        <p:style>
+          <a:lnRef idx="1">
+            <a:schemeClr val="accent1"/>
+          </a:lnRef>
+          <a:fillRef idx="0">
+            <a:schemeClr val="accent1"/>
+          </a:fillRef>
+          <a:effectRef idx="0">
+            <a:schemeClr val="accent1"/>
+          </a:effectRef>
+          <a:fontRef idx="minor">
+            <a:schemeClr val="tx1"/>
+          </a:fontRef>
+        </p:style>
+      </p:cxnSp>
+      <p:pic>
+        <p:nvPicPr>
+          <p:cNvPr id="35" name="Graphic 34" descr="User outline">
+            <a:extLst>
+              <a:ext uri="{FF2B5EF4-FFF2-40B4-BE49-F238E27FC236}">
+                <a16:creationId xmlns:a16="http://schemas.microsoft.com/office/drawing/2014/main" id="{264A9EEF-D458-59DE-8294-A6BDF670992E}"/>
+              </a:ext>
+            </a:extLst>
+          </p:cNvPr>
+          <p:cNvPicPr>
+            <a:picLocks noChangeAspect="1"/>
+          </p:cNvPicPr>
+          <p:nvPr/>
+        </p:nvPicPr>
+        <p:blipFill>
+          <a:blip r:embed="rId2">
+            <a:extLst>
+              <a:ext uri="{96DAC541-7B7A-43D3-8B79-37D633B846F1}">
+                <asvg:svgBlip xmlns:asvg="http://schemas.microsoft.com/office/drawing/2016/SVG/main" r:embed="rId3"/>
+              </a:ext>
+            </a:extLst>
+          </a:blip>
+          <a:stretch>
+            <a:fillRect/>
+          </a:stretch>
+        </p:blipFill>
+        <p:spPr>
+          <a:xfrm>
+            <a:off x="579422" y="326533"/>
+            <a:ext cx="889715" cy="914400"/>
+          </a:xfrm>
+          <a:prstGeom prst="rect">
+            <a:avLst/>
+          </a:prstGeom>
+        </p:spPr>
+      </p:pic>
+      <p:cxnSp>
+        <p:nvCxnSpPr>
+          <p:cNvPr id="37" name="Curved Connector 36">
+            <a:extLst>
+              <a:ext uri="{FF2B5EF4-FFF2-40B4-BE49-F238E27FC236}">
+                <a16:creationId xmlns:a16="http://schemas.microsoft.com/office/drawing/2014/main" id="{2298C502-8F06-811F-AF5D-B288095612BB}"/>
+              </a:ext>
+            </a:extLst>
+          </p:cNvPr>
+          <p:cNvCxnSpPr>
+            <a:cxnSpLocks/>
+            <a:stCxn id="35" idx="0"/>
+            <a:endCxn id="54" idx="1"/>
+          </p:cNvCxnSpPr>
+          <p:nvPr/>
+        </p:nvCxnSpPr>
+        <p:spPr>
+          <a:xfrm rot="16200000" flipH="1">
+            <a:off x="2613143" y="-1262331"/>
+            <a:ext cx="298183" cy="3475911"/>
+          </a:xfrm>
+          <a:prstGeom prst="curvedConnector3">
+            <a:avLst>
+              <a:gd name="adj1" fmla="val -76664"/>
+            </a:avLst>
+          </a:prstGeom>
+          <a:ln>
+            <a:tailEnd type="triangle"/>
+          </a:ln>
+        </p:spPr>
+        <p:style>
+          <a:lnRef idx="2">
+            <a:schemeClr val="accent1"/>
+          </a:lnRef>
+          <a:fillRef idx="0">
+            <a:schemeClr val="accent1"/>
+          </a:fillRef>
+          <a:effectRef idx="1">
+            <a:schemeClr val="accent1"/>
+          </a:effectRef>
+          <a:fontRef idx="minor">
+            <a:schemeClr val="tx1"/>
+          </a:fontRef>
+        </p:style>
+      </p:cxnSp>
+      <p:sp>
+        <p:nvSpPr>
+          <p:cNvPr id="48" name="TextBox 47">
+            <a:extLst>
+              <a:ext uri="{FF2B5EF4-FFF2-40B4-BE49-F238E27FC236}">
+                <a16:creationId xmlns:a16="http://schemas.microsoft.com/office/drawing/2014/main" id="{3DC278A1-3E87-6740-314A-82D49BF036E9}"/>
+              </a:ext>
+            </a:extLst>
+          </p:cNvPr>
+          <p:cNvSpPr txBox="1"/>
+          <p:nvPr/>
+        </p:nvSpPr>
+        <p:spPr>
+          <a:xfrm>
+            <a:off x="2652071" y="181149"/>
+            <a:ext cx="956900" cy="369332"/>
+          </a:xfrm>
+          <a:prstGeom prst="rect">
+            <a:avLst/>
+          </a:prstGeom>
+          <a:noFill/>
+          <a:ln w="9525" cap="flat" cmpd="sng" algn="ctr">
+            <a:noFill/>
+            <a:prstDash val="solid"/>
+            <a:round/>
+            <a:headEnd type="none" w="med" len="med"/>
+            <a:tailEnd type="none" w="med" len="med"/>
+          </a:ln>
+        </p:spPr>
+        <p:style>
+          <a:lnRef idx="0">
+            <a:scrgbClr r="0" g="0" b="0"/>
+          </a:lnRef>
+          <a:fillRef idx="0">
+            <a:scrgbClr r="0" g="0" b="0"/>
+          </a:fillRef>
+          <a:effectRef idx="0">
+            <a:scrgbClr r="0" g="0" b="0"/>
+          </a:effectRef>
+          <a:fontRef idx="minor">
+            <a:schemeClr val="accent1"/>
+          </a:fontRef>
+        </p:style>
+        <p:txBody>
+          <a:bodyPr rtlCol="0" anchor="ctr"/>
+          <a:lstStyle>
+            <a:defPPr>
+              <a:defRPr lang="en-FR"/>
+            </a:defPPr>
+            <a:lvl1pPr algn="ctr">
+              <a:defRPr>
+                <a:solidFill>
+                  <a:schemeClr val="accent1"/>
+                </a:solidFill>
+              </a:defRPr>
+            </a:lvl1pPr>
+            <a:lvl2pPr>
+              <a:defRPr>
+                <a:solidFill>
+                  <a:schemeClr val="accent1"/>
+                </a:solidFill>
+              </a:defRPr>
+            </a:lvl2pPr>
+            <a:lvl3pPr>
+              <a:defRPr>
+                <a:solidFill>
+                  <a:schemeClr val="accent1"/>
+                </a:solidFill>
+              </a:defRPr>
+            </a:lvl3pPr>
+            <a:lvl4pPr>
+              <a:defRPr>
+                <a:solidFill>
+                  <a:schemeClr val="accent1"/>
+                </a:solidFill>
+              </a:defRPr>
+            </a:lvl4pPr>
+            <a:lvl5pPr>
+              <a:defRPr>
+                <a:solidFill>
+                  <a:schemeClr val="accent1"/>
+                </a:solidFill>
+              </a:defRPr>
+            </a:lvl5pPr>
+            <a:lvl6pPr>
+              <a:defRPr>
+                <a:solidFill>
+                  <a:schemeClr val="accent1"/>
+                </a:solidFill>
+              </a:defRPr>
+            </a:lvl6pPr>
+            <a:lvl7pPr>
+              <a:defRPr>
+                <a:solidFill>
+                  <a:schemeClr val="accent1"/>
+                </a:solidFill>
+              </a:defRPr>
+            </a:lvl7pPr>
+            <a:lvl8pPr>
+              <a:defRPr>
+                <a:solidFill>
+                  <a:schemeClr val="accent1"/>
+                </a:solidFill>
+              </a:defRPr>
+            </a:lvl8pPr>
+            <a:lvl9pPr>
+              <a:defRPr>
+                <a:solidFill>
+                  <a:schemeClr val="accent1"/>
+                </a:solidFill>
+              </a:defRPr>
+            </a:lvl9pPr>
+          </a:lstStyle>
+          <a:p>
+            <a:r>
+              <a:rPr lang="en-US" sz="1400"/>
+              <a:t>1. click()</a:t>
+            </a:r>
+          </a:p>
+        </p:txBody>
+      </p:sp>
+      <p:sp>
+        <p:nvSpPr>
+          <p:cNvPr id="54" name="Oval 53">
+            <a:extLst>
+              <a:ext uri="{FF2B5EF4-FFF2-40B4-BE49-F238E27FC236}">
+                <a16:creationId xmlns:a16="http://schemas.microsoft.com/office/drawing/2014/main" id="{A2A9EA5C-C9B2-B0F8-0D9C-20E55EFF9DCA}"/>
+              </a:ext>
+            </a:extLst>
+          </p:cNvPr>
+          <p:cNvSpPr/>
+          <p:nvPr/>
+        </p:nvSpPr>
+        <p:spPr>
+          <a:xfrm>
+            <a:off x="4207608" y="460914"/>
+            <a:ext cx="1997883" cy="1118507"/>
+          </a:xfrm>
+          <a:prstGeom prst="ellipse">
+            <a:avLst/>
+          </a:prstGeom>
+          <a:noFill/>
+          <a:ln w="38100" cap="flat" cmpd="sng" algn="ctr">
+            <a:solidFill>
+              <a:schemeClr val="accent5">
+                <a:lumMod val="60000"/>
+                <a:lumOff val="40000"/>
+              </a:schemeClr>
+            </a:solidFill>
+            <a:prstDash val="solid"/>
+            <a:round/>
+            <a:headEnd type="none" w="med" len="med"/>
+            <a:tailEnd type="none" w="med" len="med"/>
+          </a:ln>
+        </p:spPr>
+        <p:style>
+          <a:lnRef idx="0">
+            <a:scrgbClr r="0" g="0" b="0"/>
+          </a:lnRef>
+          <a:fillRef idx="0">
+            <a:scrgbClr r="0" g="0" b="0"/>
+          </a:fillRef>
+          <a:effectRef idx="0">
+            <a:scrgbClr r="0" g="0" b="0"/>
+          </a:effectRef>
+          <a:fontRef idx="minor">
+            <a:schemeClr val="accent3"/>
+          </a:fontRef>
+        </p:style>
+        <p:txBody>
+          <a:bodyPr rtlCol="0" anchor="b"/>
+          <a:lstStyle/>
+          <a:p>
+            <a:pPr algn="ctr"/>
+            <a:r>
+              <a:rPr lang="en-US"/>
+              <a:t>Ng Specific</a:t>
+            </a:r>
+          </a:p>
+        </p:txBody>
+      </p:sp>
+      <p:sp>
+        <p:nvSpPr>
+          <p:cNvPr id="55" name="Rounded Rectangle 54">
+            <a:extLst>
+              <a:ext uri="{FF2B5EF4-FFF2-40B4-BE49-F238E27FC236}">
+                <a16:creationId xmlns:a16="http://schemas.microsoft.com/office/drawing/2014/main" id="{653812EF-AB40-C3D5-9691-6E147C968926}"/>
+              </a:ext>
+            </a:extLst>
+          </p:cNvPr>
+          <p:cNvSpPr/>
+          <p:nvPr/>
+        </p:nvSpPr>
+        <p:spPr>
+          <a:xfrm>
+            <a:off x="4802711" y="677411"/>
+            <a:ext cx="806304" cy="326571"/>
+          </a:xfrm>
+          <a:prstGeom prst="roundRect">
+            <a:avLst/>
+          </a:prstGeom>
+          <a:noFill/>
+          <a:ln w="9525" cap="flat" cmpd="sng" algn="ctr">
+            <a:solidFill>
+              <a:schemeClr val="accent4"/>
+            </a:solidFill>
+            <a:prstDash val="solid"/>
+            <a:round/>
+            <a:headEnd type="none" w="med" len="med"/>
+            <a:tailEnd type="none" w="med" len="med"/>
+          </a:ln>
+        </p:spPr>
+        <p:style>
+          <a:lnRef idx="0">
+            <a:scrgbClr r="0" g="0" b="0"/>
+          </a:lnRef>
+          <a:fillRef idx="0">
+            <a:scrgbClr r="0" g="0" b="0"/>
+          </a:fillRef>
+          <a:effectRef idx="0">
+            <a:scrgbClr r="0" g="0" b="0"/>
+          </a:effectRef>
+          <a:fontRef idx="minor">
+            <a:schemeClr val="accent4"/>
+          </a:fontRef>
+        </p:style>
+        <p:txBody>
+          <a:bodyPr rtlCol="0" anchor="ctr"/>
+          <a:lstStyle/>
+          <a:p>
+            <a:pPr algn="ctr"/>
+            <a:r>
+              <a:rPr lang="en-US"/>
+              <a:t>Foo:1</a:t>
+            </a:r>
+          </a:p>
+        </p:txBody>
+      </p:sp>
+      <p:cxnSp>
+        <p:nvCxnSpPr>
+          <p:cNvPr id="58" name="Curved Connector 57">
+            <a:extLst>
+              <a:ext uri="{FF2B5EF4-FFF2-40B4-BE49-F238E27FC236}">
+                <a16:creationId xmlns:a16="http://schemas.microsoft.com/office/drawing/2014/main" id="{37C5EBA5-1EB5-A1B6-0374-A34718936F2A}"/>
+              </a:ext>
+            </a:extLst>
+          </p:cNvPr>
+          <p:cNvCxnSpPr>
+            <a:cxnSpLocks/>
+            <a:stCxn id="54" idx="7"/>
+            <a:endCxn id="5" idx="0"/>
+          </p:cNvCxnSpPr>
+          <p:nvPr/>
+        </p:nvCxnSpPr>
+        <p:spPr>
+          <a:xfrm rot="16200000" flipH="1">
+            <a:off x="7029434" y="-491811"/>
+            <a:ext cx="240099" cy="2473153"/>
+          </a:xfrm>
+          <a:prstGeom prst="curvedConnector3">
+            <a:avLst>
+              <a:gd name="adj1" fmla="val -163433"/>
+            </a:avLst>
+          </a:prstGeom>
+          <a:ln>
+            <a:tailEnd type="triangle"/>
+          </a:ln>
+        </p:spPr>
+        <p:style>
+          <a:lnRef idx="2">
+            <a:schemeClr val="accent1"/>
+          </a:lnRef>
+          <a:fillRef idx="0">
+            <a:schemeClr val="accent1"/>
+          </a:fillRef>
+          <a:effectRef idx="1">
+            <a:schemeClr val="accent1"/>
+          </a:effectRef>
+          <a:fontRef idx="minor">
+            <a:schemeClr val="tx1"/>
+          </a:fontRef>
+        </p:style>
+      </p:cxnSp>
+      <p:cxnSp>
+        <p:nvCxnSpPr>
+          <p:cNvPr id="61" name="Curved Connector 60">
+            <a:extLst>
+              <a:ext uri="{FF2B5EF4-FFF2-40B4-BE49-F238E27FC236}">
+                <a16:creationId xmlns:a16="http://schemas.microsoft.com/office/drawing/2014/main" id="{7A928EA7-CB6C-6352-18B3-41C62C7AF2E0}"/>
+              </a:ext>
+            </a:extLst>
+          </p:cNvPr>
+          <p:cNvCxnSpPr>
+            <a:cxnSpLocks/>
+            <a:stCxn id="5" idx="6"/>
+            <a:endCxn id="69" idx="0"/>
+          </p:cNvCxnSpPr>
+          <p:nvPr/>
+        </p:nvCxnSpPr>
+        <p:spPr>
+          <a:xfrm>
+            <a:off x="10072375" y="1595622"/>
+            <a:ext cx="760533" cy="702851"/>
+          </a:xfrm>
+          <a:prstGeom prst="curvedConnector2">
+            <a:avLst/>
+          </a:prstGeom>
+          <a:ln>
+            <a:tailEnd type="triangle"/>
+          </a:ln>
+        </p:spPr>
+        <p:style>
+          <a:lnRef idx="2">
+            <a:schemeClr val="accent1"/>
+          </a:lnRef>
+          <a:fillRef idx="0">
+            <a:schemeClr val="accent1"/>
+          </a:fillRef>
+          <a:effectRef idx="1">
+            <a:schemeClr val="accent1"/>
+          </a:effectRef>
+          <a:fontRef idx="minor">
+            <a:schemeClr val="tx1"/>
+          </a:fontRef>
+        </p:style>
+      </p:cxnSp>
+      <p:sp>
+        <p:nvSpPr>
+          <p:cNvPr id="66" name="TextBox 65">
+            <a:extLst>
+              <a:ext uri="{FF2B5EF4-FFF2-40B4-BE49-F238E27FC236}">
+                <a16:creationId xmlns:a16="http://schemas.microsoft.com/office/drawing/2014/main" id="{48A2BB13-9654-AEAC-C4A0-2719D4116744}"/>
+              </a:ext>
+            </a:extLst>
+          </p:cNvPr>
+          <p:cNvSpPr txBox="1"/>
+          <p:nvPr/>
+        </p:nvSpPr>
+        <p:spPr>
+          <a:xfrm>
+            <a:off x="4623223" y="46205"/>
+            <a:ext cx="1165281" cy="369332"/>
+          </a:xfrm>
+          <a:prstGeom prst="rect">
+            <a:avLst/>
+          </a:prstGeom>
+          <a:noFill/>
+          <a:ln w="9525" cap="flat" cmpd="sng" algn="ctr">
+            <a:noFill/>
+            <a:prstDash val="solid"/>
+            <a:round/>
+            <a:headEnd type="none" w="med" len="med"/>
+            <a:tailEnd type="none" w="med" len="med"/>
+          </a:ln>
+        </p:spPr>
+        <p:style>
+          <a:lnRef idx="0">
+            <a:scrgbClr r="0" g="0" b="0"/>
+          </a:lnRef>
+          <a:fillRef idx="0">
+            <a:scrgbClr r="0" g="0" b="0"/>
+          </a:fillRef>
+          <a:effectRef idx="0">
+            <a:scrgbClr r="0" g="0" b="0"/>
+          </a:effectRef>
+          <a:fontRef idx="minor">
+            <a:schemeClr val="accent1"/>
+          </a:fontRef>
+        </p:style>
+        <p:txBody>
+          <a:bodyPr rtlCol="0" anchor="ctr"/>
+          <a:lstStyle>
+            <a:defPPr>
+              <a:defRPr lang="en-FR"/>
+            </a:defPPr>
+            <a:lvl1pPr algn="ctr">
+              <a:defRPr>
+                <a:solidFill>
+                  <a:schemeClr val="accent1"/>
+                </a:solidFill>
+              </a:defRPr>
+            </a:lvl1pPr>
+            <a:lvl2pPr>
+              <a:defRPr>
+                <a:solidFill>
+                  <a:schemeClr val="accent1"/>
+                </a:solidFill>
+              </a:defRPr>
+            </a:lvl2pPr>
+            <a:lvl3pPr>
+              <a:defRPr>
+                <a:solidFill>
+                  <a:schemeClr val="accent1"/>
+                </a:solidFill>
+              </a:defRPr>
+            </a:lvl3pPr>
+            <a:lvl4pPr>
+              <a:defRPr>
+                <a:solidFill>
+                  <a:schemeClr val="accent1"/>
+                </a:solidFill>
+              </a:defRPr>
+            </a:lvl4pPr>
+            <a:lvl5pPr>
+              <a:defRPr>
+                <a:solidFill>
+                  <a:schemeClr val="accent1"/>
+                </a:solidFill>
+              </a:defRPr>
+            </a:lvl5pPr>
+            <a:lvl6pPr>
+              <a:defRPr>
+                <a:solidFill>
+                  <a:schemeClr val="accent1"/>
+                </a:solidFill>
+              </a:defRPr>
+            </a:lvl6pPr>
+            <a:lvl7pPr>
+              <a:defRPr>
+                <a:solidFill>
+                  <a:schemeClr val="accent1"/>
+                </a:solidFill>
+              </a:defRPr>
+            </a:lvl7pPr>
+            <a:lvl8pPr>
+              <a:defRPr>
+                <a:solidFill>
+                  <a:schemeClr val="accent1"/>
+                </a:solidFill>
+              </a:defRPr>
+            </a:lvl8pPr>
+            <a:lvl9pPr>
+              <a:defRPr>
+                <a:solidFill>
+                  <a:schemeClr val="accent1"/>
+                </a:solidFill>
+              </a:defRPr>
+            </a:lvl9pPr>
+          </a:lstStyle>
+          <a:p>
+            <a:r>
+              <a:rPr lang="en-US" sz="1400"/>
+              <a:t>2. Click()</a:t>
+            </a:r>
+          </a:p>
+        </p:txBody>
+      </p:sp>
+      <p:sp>
+        <p:nvSpPr>
+          <p:cNvPr id="69" name="TextBox 68">
+            <a:extLst>
+              <a:ext uri="{FF2B5EF4-FFF2-40B4-BE49-F238E27FC236}">
+                <a16:creationId xmlns:a16="http://schemas.microsoft.com/office/drawing/2014/main" id="{6D5F60A2-CA67-8CA8-8105-192CB6EC201A}"/>
+              </a:ext>
+            </a:extLst>
+          </p:cNvPr>
+          <p:cNvSpPr txBox="1"/>
+          <p:nvPr/>
+        </p:nvSpPr>
+        <p:spPr>
+          <a:xfrm>
+            <a:off x="9409229" y="2298473"/>
+            <a:ext cx="2847358" cy="617442"/>
           </a:xfrm>
           <a:prstGeom prst="rect">
             <a:avLst/>
@@ -5618,113 +7148,12 @@
         </p:style>
         <p:txBody>
           <a:bodyPr rtlCol="0" anchor="ctr"/>
-          <a:lstStyle/>
-          <a:p>
-            <a:pPr algn="ctr"/>
-            <a:r>
-              <a:rPr lang="en-US"/>
-              <a:t>Bar</a:t>
-            </a:r>
-          </a:p>
-        </p:txBody>
-      </p:sp>
-      <p:cxnSp>
-        <p:nvCxnSpPr>
-          <p:cNvPr id="12" name="Straight Arrow Connector 11">
-            <a:extLst>
-              <a:ext uri="{FF2B5EF4-FFF2-40B4-BE49-F238E27FC236}">
-                <a16:creationId xmlns:a16="http://schemas.microsoft.com/office/drawing/2014/main" id="{8DB7FCCC-318B-6A4A-4C44-5E32C96F30DF}"/>
-              </a:ext>
-            </a:extLst>
-          </p:cNvPr>
-          <p:cNvCxnSpPr>
-            <a:stCxn id="9" idx="3"/>
-            <a:endCxn id="10" idx="1"/>
-          </p:cNvCxnSpPr>
-          <p:nvPr/>
-        </p:nvCxnSpPr>
-        <p:spPr>
-          <a:xfrm>
-            <a:off x="1240519" y="6421171"/>
-            <a:ext cx="736323" cy="0"/>
-          </a:xfrm>
-          <a:prstGeom prst="straightConnector1">
-            <a:avLst/>
-          </a:prstGeom>
-          <a:ln>
-            <a:tailEnd type="triangle"/>
-          </a:ln>
-        </p:spPr>
-        <p:style>
-          <a:lnRef idx="2">
-            <a:schemeClr val="accent1"/>
-          </a:lnRef>
-          <a:fillRef idx="0">
-            <a:schemeClr val="accent1"/>
-          </a:fillRef>
-          <a:effectRef idx="1">
-            <a:schemeClr val="accent1"/>
-          </a:effectRef>
-          <a:fontRef idx="minor">
-            <a:schemeClr val="tx1"/>
-          </a:fontRef>
-        </p:style>
-      </p:cxnSp>
-      <p:sp>
-        <p:nvSpPr>
-          <p:cNvPr id="14" name="TextBox 13">
-            <a:extLst>
-              <a:ext uri="{FF2B5EF4-FFF2-40B4-BE49-F238E27FC236}">
-                <a16:creationId xmlns:a16="http://schemas.microsoft.com/office/drawing/2014/main" id="{90519001-D291-DA51-28A7-8D59DB1622A8}"/>
-              </a:ext>
-            </a:extLst>
-          </p:cNvPr>
-          <p:cNvSpPr txBox="1"/>
-          <p:nvPr/>
-        </p:nvSpPr>
-        <p:spPr>
-          <a:xfrm>
-            <a:off x="1457049" y="6075950"/>
-            <a:ext cx="609366" cy="371558"/>
-          </a:xfrm>
-          <a:prstGeom prst="rect">
-            <a:avLst/>
-          </a:prstGeom>
-          <a:noFill/>
-          <a:ln w="9525" cap="flat" cmpd="sng" algn="ctr">
-            <a:noFill/>
-            <a:prstDash val="solid"/>
-            <a:round/>
-            <a:headEnd type="none" w="med" len="med"/>
-            <a:tailEnd type="none" w="med" len="med"/>
-          </a:ln>
-        </p:spPr>
-        <p:style>
-          <a:lnRef idx="0">
-            <a:scrgbClr r="0" g="0" b="0"/>
-          </a:lnRef>
-          <a:fillRef idx="0">
-            <a:scrgbClr r="0" g="0" b="0"/>
-          </a:fillRef>
-          <a:effectRef idx="0">
-            <a:scrgbClr r="0" g="0" b="0"/>
-          </a:effectRef>
-          <a:fontRef idx="minor">
-            <a:schemeClr val="accent1"/>
-          </a:fontRef>
-        </p:style>
-        <p:txBody>
-          <a:bodyPr rtlCol="0" anchor="ctr"/>
           <a:lstStyle>
             <a:defPPr>
               <a:defRPr lang="en-FR"/>
             </a:defPPr>
             <a:lvl1pPr algn="ctr">
-              <a:defRPr>
-                <a:solidFill>
-                  <a:schemeClr val="accent1"/>
-                </a:solidFill>
-              </a:defRPr>
+              <a:defRPr sz="1400"/>
             </a:lvl1pPr>
             <a:lvl2pPr>
               <a:defRPr>
@@ -5785,18 +7214,25 @@
           </a:lstStyle>
           <a:p>
             <a:r>
-              <a:rPr lang="en-US" sz="1400"/>
-              <a:t>0..1</a:t>
-            </a:r>
-          </a:p>
-        </p:txBody>
-      </p:sp>
-      <p:sp>
-        <p:nvSpPr>
-          <p:cNvPr id="16" name="Rounded Rectangle 15">
-            <a:extLst>
-              <a:ext uri="{FF2B5EF4-FFF2-40B4-BE49-F238E27FC236}">
-                <a16:creationId xmlns:a16="http://schemas.microsoft.com/office/drawing/2014/main" id="{F7247B2E-CDE5-3B45-4165-21CDE953DF80}"/>
+              <a:rPr lang="en-US"/>
+              <a:t>3. PUT </a:t>
+            </a:r>
+            <a:r>
+              <a:rPr lang="en-US">
+                <a:hlinkClick r:id="rId4"/>
+              </a:rPr>
+              <a:t>http://localhost/api/Foo/?ID=1</a:t>
+            </a:r>
+            <a:endParaRPr lang="en-US"/>
+          </a:p>
+        </p:txBody>
+      </p:sp>
+      <p:sp>
+        <p:nvSpPr>
+          <p:cNvPr id="71" name="Rectangle 70">
+            <a:extLst>
+              <a:ext uri="{FF2B5EF4-FFF2-40B4-BE49-F238E27FC236}">
+                <a16:creationId xmlns:a16="http://schemas.microsoft.com/office/drawing/2014/main" id="{45985CDC-744E-324E-51E2-86824EE5D3CD}"/>
               </a:ext>
             </a:extLst>
           </p:cNvPr>
@@ -5805,1301 +7241,8 @@
         </p:nvSpPr>
         <p:spPr>
           <a:xfrm>
-            <a:off x="902980" y="3263697"/>
-            <a:ext cx="828675" cy="326571"/>
-          </a:xfrm>
-          <a:prstGeom prst="roundRect">
-            <a:avLst/>
-          </a:prstGeom>
-          <a:noFill/>
-          <a:ln w="9525" cap="flat" cmpd="sng" algn="ctr">
-            <a:solidFill>
-              <a:schemeClr val="accent4"/>
-            </a:solidFill>
-            <a:prstDash val="solid"/>
-            <a:round/>
-            <a:headEnd type="none" w="med" len="med"/>
-            <a:tailEnd type="none" w="med" len="med"/>
-          </a:ln>
-        </p:spPr>
-        <p:style>
-          <a:lnRef idx="0">
-            <a:scrgbClr r="0" g="0" b="0"/>
-          </a:lnRef>
-          <a:fillRef idx="0">
-            <a:scrgbClr r="0" g="0" b="0"/>
-          </a:fillRef>
-          <a:effectRef idx="0">
-            <a:scrgbClr r="0" g="0" b="0"/>
-          </a:effectRef>
-          <a:fontRef idx="minor">
-            <a:schemeClr val="accent4"/>
-          </a:fontRef>
-        </p:style>
-        <p:txBody>
-          <a:bodyPr rtlCol="0" anchor="ctr"/>
-          <a:lstStyle/>
-          <a:p>
-            <a:pPr algn="ctr"/>
-            <a:r>
-              <a:rPr lang="en-US"/>
-              <a:t>Foo:1</a:t>
-            </a:r>
-          </a:p>
-        </p:txBody>
-      </p:sp>
-      <p:sp>
-        <p:nvSpPr>
-          <p:cNvPr id="17" name="Rounded Rectangle 16">
-            <a:extLst>
-              <a:ext uri="{FF2B5EF4-FFF2-40B4-BE49-F238E27FC236}">
-                <a16:creationId xmlns:a16="http://schemas.microsoft.com/office/drawing/2014/main" id="{F6F018C6-CBEE-E031-D10F-76673E5199DF}"/>
-              </a:ext>
-            </a:extLst>
-          </p:cNvPr>
-          <p:cNvSpPr/>
-          <p:nvPr/>
-        </p:nvSpPr>
-        <p:spPr>
-          <a:xfrm>
-            <a:off x="902979" y="3667828"/>
-            <a:ext cx="828675" cy="326571"/>
-          </a:xfrm>
-          <a:prstGeom prst="roundRect">
-            <a:avLst/>
-          </a:prstGeom>
-          <a:noFill/>
-          <a:ln w="9525" cap="flat" cmpd="sng" algn="ctr">
-            <a:solidFill>
-              <a:schemeClr val="accent4"/>
-            </a:solidFill>
-            <a:prstDash val="solid"/>
-            <a:round/>
-            <a:headEnd type="none" w="med" len="med"/>
-            <a:tailEnd type="none" w="med" len="med"/>
-          </a:ln>
-        </p:spPr>
-        <p:style>
-          <a:lnRef idx="0">
-            <a:scrgbClr r="0" g="0" b="0"/>
-          </a:lnRef>
-          <a:fillRef idx="0">
-            <a:scrgbClr r="0" g="0" b="0"/>
-          </a:fillRef>
-          <a:effectRef idx="0">
-            <a:scrgbClr r="0" g="0" b="0"/>
-          </a:effectRef>
-          <a:fontRef idx="minor">
-            <a:schemeClr val="accent4"/>
-          </a:fontRef>
-        </p:style>
-        <p:txBody>
-          <a:bodyPr rtlCol="0" anchor="ctr"/>
-          <a:lstStyle/>
-          <a:p>
-            <a:pPr algn="ctr"/>
-            <a:r>
-              <a:rPr lang="en-US"/>
-              <a:t>Foo:2</a:t>
-            </a:r>
-          </a:p>
-        </p:txBody>
-      </p:sp>
-      <p:sp>
-        <p:nvSpPr>
-          <p:cNvPr id="18" name="Rounded Rectangle 17">
-            <a:extLst>
-              <a:ext uri="{FF2B5EF4-FFF2-40B4-BE49-F238E27FC236}">
-                <a16:creationId xmlns:a16="http://schemas.microsoft.com/office/drawing/2014/main" id="{B1B45DBF-9D87-D71D-1353-1519D14117F2}"/>
-              </a:ext>
-            </a:extLst>
-          </p:cNvPr>
-          <p:cNvSpPr/>
-          <p:nvPr/>
-        </p:nvSpPr>
-        <p:spPr>
-          <a:xfrm>
-            <a:off x="2307921" y="3263696"/>
-            <a:ext cx="828675" cy="326571"/>
-          </a:xfrm>
-          <a:prstGeom prst="roundRect">
-            <a:avLst/>
-          </a:prstGeom>
-          <a:noFill/>
-          <a:ln w="9525" cap="flat" cmpd="sng" algn="ctr">
-            <a:solidFill>
-              <a:schemeClr val="accent4"/>
-            </a:solidFill>
-            <a:prstDash val="solid"/>
-            <a:round/>
-            <a:headEnd type="none" w="med" len="med"/>
-            <a:tailEnd type="none" w="med" len="med"/>
-          </a:ln>
-        </p:spPr>
-        <p:style>
-          <a:lnRef idx="0">
-            <a:scrgbClr r="0" g="0" b="0"/>
-          </a:lnRef>
-          <a:fillRef idx="0">
-            <a:scrgbClr r="0" g="0" b="0"/>
-          </a:fillRef>
-          <a:effectRef idx="0">
-            <a:scrgbClr r="0" g="0" b="0"/>
-          </a:effectRef>
-          <a:fontRef idx="minor">
-            <a:schemeClr val="accent4"/>
-          </a:fontRef>
-        </p:style>
-        <p:txBody>
-          <a:bodyPr rtlCol="0" anchor="ctr"/>
-          <a:lstStyle/>
-          <a:p>
-            <a:pPr algn="ctr"/>
-            <a:r>
-              <a:rPr lang="en-US"/>
-              <a:t>Bar:1</a:t>
-            </a:r>
-          </a:p>
-        </p:txBody>
-      </p:sp>
-      <p:cxnSp>
-        <p:nvCxnSpPr>
-          <p:cNvPr id="20" name="Straight Arrow Connector 19">
-            <a:extLst>
-              <a:ext uri="{FF2B5EF4-FFF2-40B4-BE49-F238E27FC236}">
-                <a16:creationId xmlns:a16="http://schemas.microsoft.com/office/drawing/2014/main" id="{45D684CD-032B-F6BD-9774-0090F42400E2}"/>
-              </a:ext>
-            </a:extLst>
-          </p:cNvPr>
-          <p:cNvCxnSpPr>
-            <a:stCxn id="16" idx="3"/>
-            <a:endCxn id="18" idx="1"/>
-          </p:cNvCxnSpPr>
-          <p:nvPr/>
-        </p:nvCxnSpPr>
-        <p:spPr>
-          <a:xfrm flipV="1">
-            <a:off x="1731655" y="3426982"/>
-            <a:ext cx="576266" cy="1"/>
-          </a:xfrm>
-          <a:prstGeom prst="straightConnector1">
-            <a:avLst/>
-          </a:prstGeom>
-          <a:ln>
-            <a:tailEnd type="triangle"/>
-          </a:ln>
-        </p:spPr>
-        <p:style>
-          <a:lnRef idx="1">
-            <a:schemeClr val="accent1"/>
-          </a:lnRef>
-          <a:fillRef idx="0">
-            <a:schemeClr val="accent1"/>
-          </a:fillRef>
-          <a:effectRef idx="0">
-            <a:schemeClr val="accent1"/>
-          </a:effectRef>
-          <a:fontRef idx="minor">
-            <a:schemeClr val="tx1"/>
-          </a:fontRef>
-        </p:style>
-      </p:cxnSp>
-      <p:cxnSp>
-        <p:nvCxnSpPr>
-          <p:cNvPr id="21" name="Straight Arrow Connector 20">
-            <a:extLst>
-              <a:ext uri="{FF2B5EF4-FFF2-40B4-BE49-F238E27FC236}">
-                <a16:creationId xmlns:a16="http://schemas.microsoft.com/office/drawing/2014/main" id="{CB8B2EB8-EC0C-8B2D-C376-C21D4F3AEDEF}"/>
-              </a:ext>
-            </a:extLst>
-          </p:cNvPr>
-          <p:cNvCxnSpPr>
-            <a:cxnSpLocks/>
-            <a:stCxn id="17" idx="3"/>
-            <a:endCxn id="18" idx="1"/>
-          </p:cNvCxnSpPr>
-          <p:nvPr/>
-        </p:nvCxnSpPr>
-        <p:spPr>
-          <a:xfrm flipV="1">
-            <a:off x="1731654" y="3426982"/>
-            <a:ext cx="576267" cy="404132"/>
-          </a:xfrm>
-          <a:prstGeom prst="straightConnector1">
-            <a:avLst/>
-          </a:prstGeom>
-          <a:ln>
-            <a:tailEnd type="triangle"/>
-          </a:ln>
-        </p:spPr>
-        <p:style>
-          <a:lnRef idx="1">
-            <a:schemeClr val="accent1"/>
-          </a:lnRef>
-          <a:fillRef idx="0">
-            <a:schemeClr val="accent1"/>
-          </a:fillRef>
-          <a:effectRef idx="0">
-            <a:schemeClr val="accent1"/>
-          </a:effectRef>
-          <a:fontRef idx="minor">
-            <a:schemeClr val="tx1"/>
-          </a:fontRef>
-        </p:style>
-      </p:cxnSp>
-      <p:sp>
-        <p:nvSpPr>
-          <p:cNvPr id="24" name="Rounded Rectangle 23">
-            <a:extLst>
-              <a:ext uri="{FF2B5EF4-FFF2-40B4-BE49-F238E27FC236}">
-                <a16:creationId xmlns:a16="http://schemas.microsoft.com/office/drawing/2014/main" id="{90918333-0B40-7F93-BA41-C430A693F2DF}"/>
-              </a:ext>
-            </a:extLst>
-          </p:cNvPr>
-          <p:cNvSpPr/>
-          <p:nvPr/>
-        </p:nvSpPr>
-        <p:spPr>
-          <a:xfrm>
-            <a:off x="8050812" y="5032626"/>
-            <a:ext cx="806304" cy="326571"/>
-          </a:xfrm>
-          <a:prstGeom prst="roundRect">
-            <a:avLst/>
-          </a:prstGeom>
-          <a:noFill/>
-          <a:ln w="9525" cap="flat" cmpd="sng" algn="ctr">
-            <a:solidFill>
-              <a:schemeClr val="accent4"/>
-            </a:solidFill>
-            <a:prstDash val="solid"/>
-            <a:round/>
-            <a:headEnd type="none" w="med" len="med"/>
-            <a:tailEnd type="none" w="med" len="med"/>
-          </a:ln>
-        </p:spPr>
-        <p:style>
-          <a:lnRef idx="0">
-            <a:scrgbClr r="0" g="0" b="0"/>
-          </a:lnRef>
-          <a:fillRef idx="0">
-            <a:scrgbClr r="0" g="0" b="0"/>
-          </a:fillRef>
-          <a:effectRef idx="0">
-            <a:scrgbClr r="0" g="0" b="0"/>
-          </a:effectRef>
-          <a:fontRef idx="minor">
-            <a:schemeClr val="accent4"/>
-          </a:fontRef>
-        </p:style>
-        <p:txBody>
-          <a:bodyPr rtlCol="0" anchor="ctr"/>
-          <a:lstStyle/>
-          <a:p>
-            <a:pPr algn="ctr"/>
-            <a:r>
-              <a:rPr lang="en-US"/>
-              <a:t>Foo:1</a:t>
-            </a:r>
-          </a:p>
-        </p:txBody>
-      </p:sp>
-      <p:sp>
-        <p:nvSpPr>
-          <p:cNvPr id="25" name="Rounded Rectangle 24">
-            <a:extLst>
-              <a:ext uri="{FF2B5EF4-FFF2-40B4-BE49-F238E27FC236}">
-                <a16:creationId xmlns:a16="http://schemas.microsoft.com/office/drawing/2014/main" id="{8F5945BE-9110-A04C-BE5C-1959864C3F3A}"/>
-              </a:ext>
-            </a:extLst>
-          </p:cNvPr>
-          <p:cNvSpPr/>
-          <p:nvPr/>
-        </p:nvSpPr>
-        <p:spPr>
-          <a:xfrm>
-            <a:off x="8050811" y="5436757"/>
-            <a:ext cx="806304" cy="326571"/>
-          </a:xfrm>
-          <a:prstGeom prst="roundRect">
-            <a:avLst/>
-          </a:prstGeom>
-          <a:noFill/>
-          <a:ln w="9525" cap="flat" cmpd="sng" algn="ctr">
-            <a:solidFill>
-              <a:schemeClr val="accent4"/>
-            </a:solidFill>
-            <a:prstDash val="solid"/>
-            <a:round/>
-            <a:headEnd type="none" w="med" len="med"/>
-            <a:tailEnd type="none" w="med" len="med"/>
-          </a:ln>
-        </p:spPr>
-        <p:style>
-          <a:lnRef idx="0">
-            <a:scrgbClr r="0" g="0" b="0"/>
-          </a:lnRef>
-          <a:fillRef idx="0">
-            <a:scrgbClr r="0" g="0" b="0"/>
-          </a:fillRef>
-          <a:effectRef idx="0">
-            <a:scrgbClr r="0" g="0" b="0"/>
-          </a:effectRef>
-          <a:fontRef idx="minor">
-            <a:schemeClr val="accent4"/>
-          </a:fontRef>
-        </p:style>
-        <p:txBody>
-          <a:bodyPr rtlCol="0" anchor="ctr"/>
-          <a:lstStyle/>
-          <a:p>
-            <a:pPr algn="ctr"/>
-            <a:r>
-              <a:rPr lang="en-US"/>
-              <a:t>Foo:2</a:t>
-            </a:r>
-          </a:p>
-        </p:txBody>
-      </p:sp>
-      <p:sp>
-        <p:nvSpPr>
-          <p:cNvPr id="26" name="Rounded Rectangle 25">
-            <a:extLst>
-              <a:ext uri="{FF2B5EF4-FFF2-40B4-BE49-F238E27FC236}">
-                <a16:creationId xmlns:a16="http://schemas.microsoft.com/office/drawing/2014/main" id="{5A23B3EF-EC42-1D8C-0578-AD0F7EAD9DB1}"/>
-              </a:ext>
-            </a:extLst>
-          </p:cNvPr>
-          <p:cNvSpPr/>
-          <p:nvPr/>
-        </p:nvSpPr>
-        <p:spPr>
-          <a:xfrm>
-            <a:off x="9455753" y="5032625"/>
-            <a:ext cx="806304" cy="326571"/>
-          </a:xfrm>
-          <a:prstGeom prst="roundRect">
-            <a:avLst/>
-          </a:prstGeom>
-          <a:noFill/>
-          <a:ln w="9525" cap="flat" cmpd="sng" algn="ctr">
-            <a:solidFill>
-              <a:schemeClr val="accent4"/>
-            </a:solidFill>
-            <a:prstDash val="solid"/>
-            <a:round/>
-            <a:headEnd type="none" w="med" len="med"/>
-            <a:tailEnd type="none" w="med" len="med"/>
-          </a:ln>
-        </p:spPr>
-        <p:style>
-          <a:lnRef idx="0">
-            <a:scrgbClr r="0" g="0" b="0"/>
-          </a:lnRef>
-          <a:fillRef idx="0">
-            <a:scrgbClr r="0" g="0" b="0"/>
-          </a:fillRef>
-          <a:effectRef idx="0">
-            <a:scrgbClr r="0" g="0" b="0"/>
-          </a:effectRef>
-          <a:fontRef idx="minor">
-            <a:schemeClr val="accent4"/>
-          </a:fontRef>
-        </p:style>
-        <p:txBody>
-          <a:bodyPr rtlCol="0" anchor="ctr"/>
-          <a:lstStyle/>
-          <a:p>
-            <a:pPr algn="ctr"/>
-            <a:r>
-              <a:rPr lang="en-US"/>
-              <a:t>Bar:1</a:t>
-            </a:r>
-          </a:p>
-        </p:txBody>
-      </p:sp>
-      <p:cxnSp>
-        <p:nvCxnSpPr>
-          <p:cNvPr id="27" name="Straight Arrow Connector 26">
-            <a:extLst>
-              <a:ext uri="{FF2B5EF4-FFF2-40B4-BE49-F238E27FC236}">
-                <a16:creationId xmlns:a16="http://schemas.microsoft.com/office/drawing/2014/main" id="{BDDF28A8-8003-9AEA-48E7-8A0CA7B36AEB}"/>
-              </a:ext>
-            </a:extLst>
-          </p:cNvPr>
-          <p:cNvCxnSpPr>
-            <a:stCxn id="24" idx="3"/>
-            <a:endCxn id="26" idx="1"/>
-          </p:cNvCxnSpPr>
-          <p:nvPr/>
-        </p:nvCxnSpPr>
-        <p:spPr>
-          <a:xfrm flipV="1">
-            <a:off x="8857116" y="5195911"/>
-            <a:ext cx="598637" cy="1"/>
-          </a:xfrm>
-          <a:prstGeom prst="straightConnector1">
-            <a:avLst/>
-          </a:prstGeom>
-          <a:ln>
-            <a:tailEnd type="triangle"/>
-          </a:ln>
-        </p:spPr>
-        <p:style>
-          <a:lnRef idx="1">
-            <a:schemeClr val="accent1"/>
-          </a:lnRef>
-          <a:fillRef idx="0">
-            <a:schemeClr val="accent1"/>
-          </a:fillRef>
-          <a:effectRef idx="0">
-            <a:schemeClr val="accent1"/>
-          </a:effectRef>
-          <a:fontRef idx="minor">
-            <a:schemeClr val="tx1"/>
-          </a:fontRef>
-        </p:style>
-      </p:cxnSp>
-      <p:cxnSp>
-        <p:nvCxnSpPr>
-          <p:cNvPr id="28" name="Straight Arrow Connector 27">
-            <a:extLst>
-              <a:ext uri="{FF2B5EF4-FFF2-40B4-BE49-F238E27FC236}">
-                <a16:creationId xmlns:a16="http://schemas.microsoft.com/office/drawing/2014/main" id="{B9C1311E-2B9E-6701-CCB1-43E3343524FE}"/>
-              </a:ext>
-            </a:extLst>
-          </p:cNvPr>
-          <p:cNvCxnSpPr>
-            <a:cxnSpLocks/>
-            <a:stCxn id="25" idx="3"/>
-            <a:endCxn id="26" idx="1"/>
-          </p:cNvCxnSpPr>
-          <p:nvPr/>
-        </p:nvCxnSpPr>
-        <p:spPr>
-          <a:xfrm flipV="1">
-            <a:off x="8857115" y="5195911"/>
-            <a:ext cx="598638" cy="404132"/>
-          </a:xfrm>
-          <a:prstGeom prst="straightConnector1">
-            <a:avLst/>
-          </a:prstGeom>
-          <a:ln>
-            <a:tailEnd type="triangle"/>
-          </a:ln>
-        </p:spPr>
-        <p:style>
-          <a:lnRef idx="1">
-            <a:schemeClr val="accent1"/>
-          </a:lnRef>
-          <a:fillRef idx="0">
-            <a:schemeClr val="accent1"/>
-          </a:fillRef>
-          <a:effectRef idx="0">
-            <a:schemeClr val="accent1"/>
-          </a:effectRef>
-          <a:fontRef idx="minor">
-            <a:schemeClr val="tx1"/>
-          </a:fontRef>
-        </p:style>
-      </p:cxnSp>
-      <p:sp>
-        <p:nvSpPr>
-          <p:cNvPr id="29" name="Rounded Rectangle 28">
-            <a:extLst>
-              <a:ext uri="{FF2B5EF4-FFF2-40B4-BE49-F238E27FC236}">
-                <a16:creationId xmlns:a16="http://schemas.microsoft.com/office/drawing/2014/main" id="{CB1D871A-98FE-8A7D-132D-255D7F8DAD02}"/>
-              </a:ext>
-            </a:extLst>
-          </p:cNvPr>
-          <p:cNvSpPr/>
-          <p:nvPr/>
-        </p:nvSpPr>
-        <p:spPr>
-          <a:xfrm>
-            <a:off x="7273667" y="1083711"/>
-            <a:ext cx="806304" cy="326571"/>
-          </a:xfrm>
-          <a:prstGeom prst="roundRect">
-            <a:avLst/>
-          </a:prstGeom>
-          <a:noFill/>
-          <a:ln w="9525" cap="flat" cmpd="sng" algn="ctr">
-            <a:solidFill>
-              <a:schemeClr val="accent4"/>
-            </a:solidFill>
-            <a:prstDash val="solid"/>
-            <a:round/>
-            <a:headEnd type="none" w="med" len="med"/>
-            <a:tailEnd type="none" w="med" len="med"/>
-          </a:ln>
-        </p:spPr>
-        <p:style>
-          <a:lnRef idx="0">
-            <a:scrgbClr r="0" g="0" b="0"/>
-          </a:lnRef>
-          <a:fillRef idx="0">
-            <a:scrgbClr r="0" g="0" b="0"/>
-          </a:fillRef>
-          <a:effectRef idx="0">
-            <a:scrgbClr r="0" g="0" b="0"/>
-          </a:effectRef>
-          <a:fontRef idx="minor">
-            <a:schemeClr val="accent4"/>
-          </a:fontRef>
-        </p:style>
-        <p:txBody>
-          <a:bodyPr rtlCol="0" anchor="ctr"/>
-          <a:lstStyle/>
-          <a:p>
-            <a:pPr algn="ctr"/>
-            <a:r>
-              <a:rPr lang="en-US"/>
-              <a:t>Foo:1</a:t>
-            </a:r>
-          </a:p>
-        </p:txBody>
-      </p:sp>
-      <p:sp>
-        <p:nvSpPr>
-          <p:cNvPr id="30" name="Rounded Rectangle 29">
-            <a:extLst>
-              <a:ext uri="{FF2B5EF4-FFF2-40B4-BE49-F238E27FC236}">
-                <a16:creationId xmlns:a16="http://schemas.microsoft.com/office/drawing/2014/main" id="{84F9ADF3-277A-C28C-A47D-28839A3B6D2D}"/>
-              </a:ext>
-            </a:extLst>
-          </p:cNvPr>
-          <p:cNvSpPr/>
-          <p:nvPr/>
-        </p:nvSpPr>
-        <p:spPr>
-          <a:xfrm>
-            <a:off x="7273666" y="1487842"/>
-            <a:ext cx="806304" cy="326571"/>
-          </a:xfrm>
-          <a:prstGeom prst="roundRect">
-            <a:avLst/>
-          </a:prstGeom>
-          <a:noFill/>
-          <a:ln w="9525" cap="flat" cmpd="sng" algn="ctr">
-            <a:solidFill>
-              <a:schemeClr val="accent4"/>
-            </a:solidFill>
-            <a:prstDash val="solid"/>
-            <a:round/>
-            <a:headEnd type="none" w="med" len="med"/>
-            <a:tailEnd type="none" w="med" len="med"/>
-          </a:ln>
-        </p:spPr>
-        <p:style>
-          <a:lnRef idx="0">
-            <a:scrgbClr r="0" g="0" b="0"/>
-          </a:lnRef>
-          <a:fillRef idx="0">
-            <a:scrgbClr r="0" g="0" b="0"/>
-          </a:fillRef>
-          <a:effectRef idx="0">
-            <a:scrgbClr r="0" g="0" b="0"/>
-          </a:effectRef>
-          <a:fontRef idx="minor">
-            <a:schemeClr val="accent4"/>
-          </a:fontRef>
-        </p:style>
-        <p:txBody>
-          <a:bodyPr rtlCol="0" anchor="ctr"/>
-          <a:lstStyle/>
-          <a:p>
-            <a:pPr algn="ctr"/>
-            <a:r>
-              <a:rPr lang="en-US"/>
-              <a:t>Foo:2</a:t>
-            </a:r>
-          </a:p>
-        </p:txBody>
-      </p:sp>
-      <p:sp>
-        <p:nvSpPr>
-          <p:cNvPr id="31" name="Rounded Rectangle 30">
-            <a:extLst>
-              <a:ext uri="{FF2B5EF4-FFF2-40B4-BE49-F238E27FC236}">
-                <a16:creationId xmlns:a16="http://schemas.microsoft.com/office/drawing/2014/main" id="{5434D35E-4BE2-0E75-B52E-063193C5F1C5}"/>
-              </a:ext>
-            </a:extLst>
-          </p:cNvPr>
-          <p:cNvSpPr/>
-          <p:nvPr/>
-        </p:nvSpPr>
-        <p:spPr>
-          <a:xfrm>
-            <a:off x="8678608" y="1083710"/>
-            <a:ext cx="806304" cy="326571"/>
-          </a:xfrm>
-          <a:prstGeom prst="roundRect">
-            <a:avLst/>
-          </a:prstGeom>
-          <a:noFill/>
-          <a:ln w="9525" cap="flat" cmpd="sng" algn="ctr">
-            <a:solidFill>
-              <a:schemeClr val="accent4"/>
-            </a:solidFill>
-            <a:prstDash val="solid"/>
-            <a:round/>
-            <a:headEnd type="none" w="med" len="med"/>
-            <a:tailEnd type="none" w="med" len="med"/>
-          </a:ln>
-        </p:spPr>
-        <p:style>
-          <a:lnRef idx="0">
-            <a:scrgbClr r="0" g="0" b="0"/>
-          </a:lnRef>
-          <a:fillRef idx="0">
-            <a:scrgbClr r="0" g="0" b="0"/>
-          </a:fillRef>
-          <a:effectRef idx="0">
-            <a:scrgbClr r="0" g="0" b="0"/>
-          </a:effectRef>
-          <a:fontRef idx="minor">
-            <a:schemeClr val="accent4"/>
-          </a:fontRef>
-        </p:style>
-        <p:txBody>
-          <a:bodyPr rtlCol="0" anchor="ctr"/>
-          <a:lstStyle/>
-          <a:p>
-            <a:pPr algn="ctr"/>
-            <a:r>
-              <a:rPr lang="en-US"/>
-              <a:t>Bar:1</a:t>
-            </a:r>
-          </a:p>
-        </p:txBody>
-      </p:sp>
-      <p:cxnSp>
-        <p:nvCxnSpPr>
-          <p:cNvPr id="32" name="Straight Arrow Connector 31">
-            <a:extLst>
-              <a:ext uri="{FF2B5EF4-FFF2-40B4-BE49-F238E27FC236}">
-                <a16:creationId xmlns:a16="http://schemas.microsoft.com/office/drawing/2014/main" id="{0FF5369B-8ECA-3D04-ABF9-012DC91927F8}"/>
-              </a:ext>
-            </a:extLst>
-          </p:cNvPr>
-          <p:cNvCxnSpPr>
-            <a:stCxn id="29" idx="3"/>
-            <a:endCxn id="31" idx="1"/>
-          </p:cNvCxnSpPr>
-          <p:nvPr/>
-        </p:nvCxnSpPr>
-        <p:spPr>
-          <a:xfrm flipV="1">
-            <a:off x="8079971" y="1246996"/>
-            <a:ext cx="598637" cy="1"/>
-          </a:xfrm>
-          <a:prstGeom prst="straightConnector1">
-            <a:avLst/>
-          </a:prstGeom>
-          <a:ln>
-            <a:tailEnd type="triangle"/>
-          </a:ln>
-        </p:spPr>
-        <p:style>
-          <a:lnRef idx="1">
-            <a:schemeClr val="accent1"/>
-          </a:lnRef>
-          <a:fillRef idx="0">
-            <a:schemeClr val="accent1"/>
-          </a:fillRef>
-          <a:effectRef idx="0">
-            <a:schemeClr val="accent1"/>
-          </a:effectRef>
-          <a:fontRef idx="minor">
-            <a:schemeClr val="tx1"/>
-          </a:fontRef>
-        </p:style>
-      </p:cxnSp>
-      <p:cxnSp>
-        <p:nvCxnSpPr>
-          <p:cNvPr id="33" name="Straight Arrow Connector 32">
-            <a:extLst>
-              <a:ext uri="{FF2B5EF4-FFF2-40B4-BE49-F238E27FC236}">
-                <a16:creationId xmlns:a16="http://schemas.microsoft.com/office/drawing/2014/main" id="{E9FFEED0-FA3A-43FD-30C3-071F974DD8DA}"/>
-              </a:ext>
-            </a:extLst>
-          </p:cNvPr>
-          <p:cNvCxnSpPr>
-            <a:cxnSpLocks/>
-            <a:stCxn id="30" idx="3"/>
-            <a:endCxn id="31" idx="1"/>
-          </p:cNvCxnSpPr>
-          <p:nvPr/>
-        </p:nvCxnSpPr>
-        <p:spPr>
-          <a:xfrm flipV="1">
-            <a:off x="8079970" y="1246996"/>
-            <a:ext cx="598638" cy="404132"/>
-          </a:xfrm>
-          <a:prstGeom prst="straightConnector1">
-            <a:avLst/>
-          </a:prstGeom>
-          <a:ln>
-            <a:tailEnd type="triangle"/>
-          </a:ln>
-        </p:spPr>
-        <p:style>
-          <a:lnRef idx="1">
-            <a:schemeClr val="accent1"/>
-          </a:lnRef>
-          <a:fillRef idx="0">
-            <a:schemeClr val="accent1"/>
-          </a:fillRef>
-          <a:effectRef idx="0">
-            <a:schemeClr val="accent1"/>
-          </a:effectRef>
-          <a:fontRef idx="minor">
-            <a:schemeClr val="tx1"/>
-          </a:fontRef>
-        </p:style>
-      </p:cxnSp>
-      <p:pic>
-        <p:nvPicPr>
-          <p:cNvPr id="35" name="Graphic 34" descr="User outline">
-            <a:extLst>
-              <a:ext uri="{FF2B5EF4-FFF2-40B4-BE49-F238E27FC236}">
-                <a16:creationId xmlns:a16="http://schemas.microsoft.com/office/drawing/2014/main" id="{264A9EEF-D458-59DE-8294-A6BDF670992E}"/>
-              </a:ext>
-            </a:extLst>
-          </p:cNvPr>
-          <p:cNvPicPr>
-            <a:picLocks noChangeAspect="1"/>
-          </p:cNvPicPr>
-          <p:nvPr/>
-        </p:nvPicPr>
-        <p:blipFill>
-          <a:blip r:embed="rId2">
-            <a:extLst>
-              <a:ext uri="{96DAC541-7B7A-43D3-8B79-37D633B846F1}">
-                <asvg:svgBlip xmlns:asvg="http://schemas.microsoft.com/office/drawing/2016/SVG/main" r:embed="rId3"/>
-              </a:ext>
-            </a:extLst>
-          </a:blip>
-          <a:stretch>
-            <a:fillRect/>
-          </a:stretch>
-        </p:blipFill>
-        <p:spPr>
-          <a:xfrm>
-            <a:off x="579422" y="326533"/>
-            <a:ext cx="889715" cy="914400"/>
-          </a:xfrm>
-          <a:prstGeom prst="rect">
-            <a:avLst/>
-          </a:prstGeom>
-        </p:spPr>
-      </p:pic>
-      <p:cxnSp>
-        <p:nvCxnSpPr>
-          <p:cNvPr id="37" name="Curved Connector 36">
-            <a:extLst>
-              <a:ext uri="{FF2B5EF4-FFF2-40B4-BE49-F238E27FC236}">
-                <a16:creationId xmlns:a16="http://schemas.microsoft.com/office/drawing/2014/main" id="{2298C502-8F06-811F-AF5D-B288095612BB}"/>
-              </a:ext>
-            </a:extLst>
-          </p:cNvPr>
-          <p:cNvCxnSpPr>
-            <a:cxnSpLocks/>
-            <a:stCxn id="35" idx="0"/>
-            <a:endCxn id="54" idx="1"/>
-          </p:cNvCxnSpPr>
-          <p:nvPr/>
-        </p:nvCxnSpPr>
-        <p:spPr>
-          <a:xfrm rot="16200000" flipH="1">
-            <a:off x="2613143" y="-1262331"/>
-            <a:ext cx="298183" cy="3475911"/>
-          </a:xfrm>
-          <a:prstGeom prst="curvedConnector3">
-            <a:avLst>
-              <a:gd name="adj1" fmla="val -76664"/>
-            </a:avLst>
-          </a:prstGeom>
-          <a:ln>
-            <a:tailEnd type="triangle"/>
-          </a:ln>
-        </p:spPr>
-        <p:style>
-          <a:lnRef idx="2">
-            <a:schemeClr val="accent1"/>
-          </a:lnRef>
-          <a:fillRef idx="0">
-            <a:schemeClr val="accent1"/>
-          </a:fillRef>
-          <a:effectRef idx="1">
-            <a:schemeClr val="accent1"/>
-          </a:effectRef>
-          <a:fontRef idx="minor">
-            <a:schemeClr val="tx1"/>
-          </a:fontRef>
-        </p:style>
-      </p:cxnSp>
-      <p:sp>
-        <p:nvSpPr>
-          <p:cNvPr id="48" name="TextBox 47">
-            <a:extLst>
-              <a:ext uri="{FF2B5EF4-FFF2-40B4-BE49-F238E27FC236}">
-                <a16:creationId xmlns:a16="http://schemas.microsoft.com/office/drawing/2014/main" id="{3DC278A1-3E87-6740-314A-82D49BF036E9}"/>
-              </a:ext>
-            </a:extLst>
-          </p:cNvPr>
-          <p:cNvSpPr txBox="1"/>
-          <p:nvPr/>
-        </p:nvSpPr>
-        <p:spPr>
-          <a:xfrm>
-            <a:off x="2652071" y="181149"/>
-            <a:ext cx="956900" cy="369332"/>
-          </a:xfrm>
-          <a:prstGeom prst="rect">
-            <a:avLst/>
-          </a:prstGeom>
-          <a:noFill/>
-          <a:ln w="9525" cap="flat" cmpd="sng" algn="ctr">
-            <a:noFill/>
-            <a:prstDash val="solid"/>
-            <a:round/>
-            <a:headEnd type="none" w="med" len="med"/>
-            <a:tailEnd type="none" w="med" len="med"/>
-          </a:ln>
-        </p:spPr>
-        <p:style>
-          <a:lnRef idx="0">
-            <a:scrgbClr r="0" g="0" b="0"/>
-          </a:lnRef>
-          <a:fillRef idx="0">
-            <a:scrgbClr r="0" g="0" b="0"/>
-          </a:fillRef>
-          <a:effectRef idx="0">
-            <a:scrgbClr r="0" g="0" b="0"/>
-          </a:effectRef>
-          <a:fontRef idx="minor">
-            <a:schemeClr val="accent1"/>
-          </a:fontRef>
-        </p:style>
-        <p:txBody>
-          <a:bodyPr rtlCol="0" anchor="ctr"/>
-          <a:lstStyle>
-            <a:defPPr>
-              <a:defRPr lang="en-FR"/>
-            </a:defPPr>
-            <a:lvl1pPr algn="ctr">
-              <a:defRPr>
-                <a:solidFill>
-                  <a:schemeClr val="accent1"/>
-                </a:solidFill>
-              </a:defRPr>
-            </a:lvl1pPr>
-            <a:lvl2pPr>
-              <a:defRPr>
-                <a:solidFill>
-                  <a:schemeClr val="accent1"/>
-                </a:solidFill>
-              </a:defRPr>
-            </a:lvl2pPr>
-            <a:lvl3pPr>
-              <a:defRPr>
-                <a:solidFill>
-                  <a:schemeClr val="accent1"/>
-                </a:solidFill>
-              </a:defRPr>
-            </a:lvl3pPr>
-            <a:lvl4pPr>
-              <a:defRPr>
-                <a:solidFill>
-                  <a:schemeClr val="accent1"/>
-                </a:solidFill>
-              </a:defRPr>
-            </a:lvl4pPr>
-            <a:lvl5pPr>
-              <a:defRPr>
-                <a:solidFill>
-                  <a:schemeClr val="accent1"/>
-                </a:solidFill>
-              </a:defRPr>
-            </a:lvl5pPr>
-            <a:lvl6pPr>
-              <a:defRPr>
-                <a:solidFill>
-                  <a:schemeClr val="accent1"/>
-                </a:solidFill>
-              </a:defRPr>
-            </a:lvl6pPr>
-            <a:lvl7pPr>
-              <a:defRPr>
-                <a:solidFill>
-                  <a:schemeClr val="accent1"/>
-                </a:solidFill>
-              </a:defRPr>
-            </a:lvl7pPr>
-            <a:lvl8pPr>
-              <a:defRPr>
-                <a:solidFill>
-                  <a:schemeClr val="accent1"/>
-                </a:solidFill>
-              </a:defRPr>
-            </a:lvl8pPr>
-            <a:lvl9pPr>
-              <a:defRPr>
-                <a:solidFill>
-                  <a:schemeClr val="accent1"/>
-                </a:solidFill>
-              </a:defRPr>
-            </a:lvl9pPr>
-          </a:lstStyle>
-          <a:p>
-            <a:r>
-              <a:rPr lang="en-US" sz="1400"/>
-              <a:t>1. click()</a:t>
-            </a:r>
-          </a:p>
-        </p:txBody>
-      </p:sp>
-      <p:sp>
-        <p:nvSpPr>
-          <p:cNvPr id="54" name="Oval 53">
-            <a:extLst>
-              <a:ext uri="{FF2B5EF4-FFF2-40B4-BE49-F238E27FC236}">
-                <a16:creationId xmlns:a16="http://schemas.microsoft.com/office/drawing/2014/main" id="{A2A9EA5C-C9B2-B0F8-0D9C-20E55EFF9DCA}"/>
-              </a:ext>
-            </a:extLst>
-          </p:cNvPr>
-          <p:cNvSpPr/>
-          <p:nvPr/>
-        </p:nvSpPr>
-        <p:spPr>
-          <a:xfrm>
-            <a:off x="4207608" y="460914"/>
-            <a:ext cx="1997883" cy="1118507"/>
-          </a:xfrm>
-          <a:prstGeom prst="ellipse">
-            <a:avLst/>
-          </a:prstGeom>
-          <a:noFill/>
-          <a:ln w="9525" cap="flat" cmpd="sng" algn="ctr">
-            <a:solidFill>
-              <a:schemeClr val="accent3"/>
-            </a:solidFill>
-            <a:prstDash val="solid"/>
-            <a:round/>
-            <a:headEnd type="none" w="med" len="med"/>
-            <a:tailEnd type="none" w="med" len="med"/>
-          </a:ln>
-        </p:spPr>
-        <p:style>
-          <a:lnRef idx="0">
-            <a:scrgbClr r="0" g="0" b="0"/>
-          </a:lnRef>
-          <a:fillRef idx="0">
-            <a:scrgbClr r="0" g="0" b="0"/>
-          </a:fillRef>
-          <a:effectRef idx="0">
-            <a:scrgbClr r="0" g="0" b="0"/>
-          </a:effectRef>
-          <a:fontRef idx="minor">
-            <a:schemeClr val="accent3"/>
-          </a:fontRef>
-        </p:style>
-        <p:txBody>
-          <a:bodyPr rtlCol="0" anchor="b"/>
-          <a:lstStyle/>
-          <a:p>
-            <a:pPr algn="ctr"/>
-            <a:r>
-              <a:rPr lang="en-US"/>
-              <a:t>Ng Specific</a:t>
-            </a:r>
-          </a:p>
-        </p:txBody>
-      </p:sp>
-      <p:sp>
-        <p:nvSpPr>
-          <p:cNvPr id="55" name="Rounded Rectangle 54">
-            <a:extLst>
-              <a:ext uri="{FF2B5EF4-FFF2-40B4-BE49-F238E27FC236}">
-                <a16:creationId xmlns:a16="http://schemas.microsoft.com/office/drawing/2014/main" id="{653812EF-AB40-C3D5-9691-6E147C968926}"/>
-              </a:ext>
-            </a:extLst>
-          </p:cNvPr>
-          <p:cNvSpPr/>
-          <p:nvPr/>
-        </p:nvSpPr>
-        <p:spPr>
-          <a:xfrm>
-            <a:off x="4802711" y="677411"/>
-            <a:ext cx="806304" cy="326571"/>
-          </a:xfrm>
-          <a:prstGeom prst="roundRect">
-            <a:avLst/>
-          </a:prstGeom>
-          <a:noFill/>
-          <a:ln w="9525" cap="flat" cmpd="sng" algn="ctr">
-            <a:solidFill>
-              <a:schemeClr val="accent4"/>
-            </a:solidFill>
-            <a:prstDash val="solid"/>
-            <a:round/>
-            <a:headEnd type="none" w="med" len="med"/>
-            <a:tailEnd type="none" w="med" len="med"/>
-          </a:ln>
-        </p:spPr>
-        <p:style>
-          <a:lnRef idx="0">
-            <a:scrgbClr r="0" g="0" b="0"/>
-          </a:lnRef>
-          <a:fillRef idx="0">
-            <a:scrgbClr r="0" g="0" b="0"/>
-          </a:fillRef>
-          <a:effectRef idx="0">
-            <a:scrgbClr r="0" g="0" b="0"/>
-          </a:effectRef>
-          <a:fontRef idx="minor">
-            <a:schemeClr val="accent4"/>
-          </a:fontRef>
-        </p:style>
-        <p:txBody>
-          <a:bodyPr rtlCol="0" anchor="ctr"/>
-          <a:lstStyle/>
-          <a:p>
-            <a:pPr algn="ctr"/>
-            <a:r>
-              <a:rPr lang="en-US"/>
-              <a:t>Foo:1</a:t>
-            </a:r>
-          </a:p>
-        </p:txBody>
-      </p:sp>
-      <p:cxnSp>
-        <p:nvCxnSpPr>
-          <p:cNvPr id="58" name="Curved Connector 57">
-            <a:extLst>
-              <a:ext uri="{FF2B5EF4-FFF2-40B4-BE49-F238E27FC236}">
-                <a16:creationId xmlns:a16="http://schemas.microsoft.com/office/drawing/2014/main" id="{37C5EBA5-1EB5-A1B6-0374-A34718936F2A}"/>
-              </a:ext>
-            </a:extLst>
-          </p:cNvPr>
-          <p:cNvCxnSpPr>
-            <a:cxnSpLocks/>
-            <a:stCxn id="54" idx="7"/>
-            <a:endCxn id="5" idx="0"/>
-          </p:cNvCxnSpPr>
-          <p:nvPr/>
-        </p:nvCxnSpPr>
-        <p:spPr>
-          <a:xfrm rot="16200000" flipH="1">
-            <a:off x="7029434" y="-491811"/>
-            <a:ext cx="240099" cy="2473153"/>
-          </a:xfrm>
-          <a:prstGeom prst="curvedConnector3">
-            <a:avLst>
-              <a:gd name="adj1" fmla="val -163433"/>
-            </a:avLst>
-          </a:prstGeom>
-          <a:ln>
-            <a:tailEnd type="triangle"/>
-          </a:ln>
-        </p:spPr>
-        <p:style>
-          <a:lnRef idx="2">
-            <a:schemeClr val="accent1"/>
-          </a:lnRef>
-          <a:fillRef idx="0">
-            <a:schemeClr val="accent1"/>
-          </a:fillRef>
-          <a:effectRef idx="1">
-            <a:schemeClr val="accent1"/>
-          </a:effectRef>
-          <a:fontRef idx="minor">
-            <a:schemeClr val="tx1"/>
-          </a:fontRef>
-        </p:style>
-      </p:cxnSp>
-      <p:cxnSp>
-        <p:nvCxnSpPr>
-          <p:cNvPr id="61" name="Curved Connector 60">
-            <a:extLst>
-              <a:ext uri="{FF2B5EF4-FFF2-40B4-BE49-F238E27FC236}">
-                <a16:creationId xmlns:a16="http://schemas.microsoft.com/office/drawing/2014/main" id="{7A928EA7-CB6C-6352-18B3-41C62C7AF2E0}"/>
-              </a:ext>
-            </a:extLst>
-          </p:cNvPr>
-          <p:cNvCxnSpPr>
-            <a:cxnSpLocks/>
-            <a:stCxn id="5" idx="6"/>
-            <a:endCxn id="69" idx="0"/>
-          </p:cNvCxnSpPr>
-          <p:nvPr/>
-        </p:nvCxnSpPr>
-        <p:spPr>
-          <a:xfrm>
-            <a:off x="10072375" y="1595622"/>
-            <a:ext cx="760533" cy="702851"/>
-          </a:xfrm>
-          <a:prstGeom prst="curvedConnector2">
-            <a:avLst/>
-          </a:prstGeom>
-          <a:ln>
-            <a:tailEnd type="triangle"/>
-          </a:ln>
-        </p:spPr>
-        <p:style>
-          <a:lnRef idx="2">
-            <a:schemeClr val="accent1"/>
-          </a:lnRef>
-          <a:fillRef idx="0">
-            <a:schemeClr val="accent1"/>
-          </a:fillRef>
-          <a:effectRef idx="1">
-            <a:schemeClr val="accent1"/>
-          </a:effectRef>
-          <a:fontRef idx="minor">
-            <a:schemeClr val="tx1"/>
-          </a:fontRef>
-        </p:style>
-      </p:cxnSp>
-      <p:sp>
-        <p:nvSpPr>
-          <p:cNvPr id="66" name="TextBox 65">
-            <a:extLst>
-              <a:ext uri="{FF2B5EF4-FFF2-40B4-BE49-F238E27FC236}">
-                <a16:creationId xmlns:a16="http://schemas.microsoft.com/office/drawing/2014/main" id="{48A2BB13-9654-AEAC-C4A0-2719D4116744}"/>
-              </a:ext>
-            </a:extLst>
-          </p:cNvPr>
-          <p:cNvSpPr txBox="1"/>
-          <p:nvPr/>
-        </p:nvSpPr>
-        <p:spPr>
-          <a:xfrm>
-            <a:off x="4623223" y="46205"/>
-            <a:ext cx="1165281" cy="369332"/>
-          </a:xfrm>
-          <a:prstGeom prst="rect">
-            <a:avLst/>
-          </a:prstGeom>
-          <a:noFill/>
-          <a:ln w="9525" cap="flat" cmpd="sng" algn="ctr">
-            <a:noFill/>
-            <a:prstDash val="solid"/>
-            <a:round/>
-            <a:headEnd type="none" w="med" len="med"/>
-            <a:tailEnd type="none" w="med" len="med"/>
-          </a:ln>
-        </p:spPr>
-        <p:style>
-          <a:lnRef idx="0">
-            <a:scrgbClr r="0" g="0" b="0"/>
-          </a:lnRef>
-          <a:fillRef idx="0">
-            <a:scrgbClr r="0" g="0" b="0"/>
-          </a:fillRef>
-          <a:effectRef idx="0">
-            <a:scrgbClr r="0" g="0" b="0"/>
-          </a:effectRef>
-          <a:fontRef idx="minor">
-            <a:schemeClr val="accent1"/>
-          </a:fontRef>
-        </p:style>
-        <p:txBody>
-          <a:bodyPr rtlCol="0" anchor="ctr"/>
-          <a:lstStyle>
-            <a:defPPr>
-              <a:defRPr lang="en-FR"/>
-            </a:defPPr>
-            <a:lvl1pPr algn="ctr">
-              <a:defRPr>
-                <a:solidFill>
-                  <a:schemeClr val="accent1"/>
-                </a:solidFill>
-              </a:defRPr>
-            </a:lvl1pPr>
-            <a:lvl2pPr>
-              <a:defRPr>
-                <a:solidFill>
-                  <a:schemeClr val="accent1"/>
-                </a:solidFill>
-              </a:defRPr>
-            </a:lvl2pPr>
-            <a:lvl3pPr>
-              <a:defRPr>
-                <a:solidFill>
-                  <a:schemeClr val="accent1"/>
-                </a:solidFill>
-              </a:defRPr>
-            </a:lvl3pPr>
-            <a:lvl4pPr>
-              <a:defRPr>
-                <a:solidFill>
-                  <a:schemeClr val="accent1"/>
-                </a:solidFill>
-              </a:defRPr>
-            </a:lvl4pPr>
-            <a:lvl5pPr>
-              <a:defRPr>
-                <a:solidFill>
-                  <a:schemeClr val="accent1"/>
-                </a:solidFill>
-              </a:defRPr>
-            </a:lvl5pPr>
-            <a:lvl6pPr>
-              <a:defRPr>
-                <a:solidFill>
-                  <a:schemeClr val="accent1"/>
-                </a:solidFill>
-              </a:defRPr>
-            </a:lvl6pPr>
-            <a:lvl7pPr>
-              <a:defRPr>
-                <a:solidFill>
-                  <a:schemeClr val="accent1"/>
-                </a:solidFill>
-              </a:defRPr>
-            </a:lvl7pPr>
-            <a:lvl8pPr>
-              <a:defRPr>
-                <a:solidFill>
-                  <a:schemeClr val="accent1"/>
-                </a:solidFill>
-              </a:defRPr>
-            </a:lvl8pPr>
-            <a:lvl9pPr>
-              <a:defRPr>
-                <a:solidFill>
-                  <a:schemeClr val="accent1"/>
-                </a:solidFill>
-              </a:defRPr>
-            </a:lvl9pPr>
-          </a:lstStyle>
-          <a:p>
-            <a:r>
-              <a:rPr lang="en-US" sz="1400"/>
-              <a:t>2. Click()</a:t>
-            </a:r>
-          </a:p>
-        </p:txBody>
-      </p:sp>
-      <p:sp>
-        <p:nvSpPr>
-          <p:cNvPr id="69" name="TextBox 68">
-            <a:extLst>
-              <a:ext uri="{FF2B5EF4-FFF2-40B4-BE49-F238E27FC236}">
-                <a16:creationId xmlns:a16="http://schemas.microsoft.com/office/drawing/2014/main" id="{6D5F60A2-CA67-8CA8-8105-192CB6EC201A}"/>
-              </a:ext>
-            </a:extLst>
-          </p:cNvPr>
-          <p:cNvSpPr txBox="1"/>
-          <p:nvPr/>
-        </p:nvSpPr>
-        <p:spPr>
-          <a:xfrm>
-            <a:off x="9409229" y="2298473"/>
-            <a:ext cx="2847358" cy="617442"/>
+            <a:off x="7960515" y="3752101"/>
+            <a:ext cx="1582987" cy="484596"/>
           </a:xfrm>
           <a:prstGeom prst="rect">
             <a:avLst/>
@@ -7131,91 +7274,110 @@
         </p:style>
         <p:txBody>
           <a:bodyPr rtlCol="0" anchor="ctr"/>
-          <a:lstStyle>
-            <a:defPPr>
-              <a:defRPr lang="en-FR"/>
-            </a:defPPr>
-            <a:lvl1pPr algn="ctr">
-              <a:defRPr sz="1400"/>
-            </a:lvl1pPr>
-            <a:lvl2pPr>
-              <a:defRPr>
-                <a:solidFill>
-                  <a:schemeClr val="accent1"/>
-                </a:solidFill>
-              </a:defRPr>
-            </a:lvl2pPr>
-            <a:lvl3pPr>
-              <a:defRPr>
-                <a:solidFill>
-                  <a:schemeClr val="accent1"/>
-                </a:solidFill>
-              </a:defRPr>
-            </a:lvl3pPr>
-            <a:lvl4pPr>
-              <a:defRPr>
-                <a:solidFill>
-                  <a:schemeClr val="accent1"/>
-                </a:solidFill>
-              </a:defRPr>
-            </a:lvl4pPr>
-            <a:lvl5pPr>
-              <a:defRPr>
-                <a:solidFill>
-                  <a:schemeClr val="accent1"/>
-                </a:solidFill>
-              </a:defRPr>
-            </a:lvl5pPr>
-            <a:lvl6pPr>
-              <a:defRPr>
-                <a:solidFill>
-                  <a:schemeClr val="accent1"/>
-                </a:solidFill>
-              </a:defRPr>
-            </a:lvl6pPr>
-            <a:lvl7pPr>
-              <a:defRPr>
-                <a:solidFill>
-                  <a:schemeClr val="accent1"/>
-                </a:solidFill>
-              </a:defRPr>
-            </a:lvl7pPr>
-            <a:lvl8pPr>
-              <a:defRPr>
-                <a:solidFill>
-                  <a:schemeClr val="accent1"/>
-                </a:solidFill>
-              </a:defRPr>
-            </a:lvl8pPr>
-            <a:lvl9pPr>
-              <a:defRPr>
-                <a:solidFill>
-                  <a:schemeClr val="accent1"/>
-                </a:solidFill>
-              </a:defRPr>
-            </a:lvl9pPr>
-          </a:lstStyle>
-          <a:p>
-            <a:r>
-              <a:rPr lang="en-US"/>
-              <a:t>3. PUT </a:t>
-            </a:r>
-            <a:r>
-              <a:rPr lang="en-US">
-                <a:hlinkClick r:id="rId4"/>
-              </a:rPr>
-              <a:t>http://localhost/api/Foo/?ID=1</a:t>
-            </a:r>
-            <a:endParaRPr lang="en-US"/>
-          </a:p>
-        </p:txBody>
-      </p:sp>
-      <p:sp>
-        <p:nvSpPr>
-          <p:cNvPr id="71" name="Rectangle 70">
-            <a:extLst>
-              <a:ext uri="{FF2B5EF4-FFF2-40B4-BE49-F238E27FC236}">
-                <a16:creationId xmlns:a16="http://schemas.microsoft.com/office/drawing/2014/main" id="{45985CDC-744E-324E-51E2-86824EE5D3CD}"/>
+          <a:lstStyle/>
+          <a:p>
+            <a:pPr algn="ctr"/>
+            <a:r>
+              <a:rPr lang="en-US" sz="1400"/>
+              <a:t>Foo controller</a:t>
+            </a:r>
+          </a:p>
+        </p:txBody>
+      </p:sp>
+      <p:cxnSp>
+        <p:nvCxnSpPr>
+          <p:cNvPr id="80" name="Curved Connector 79">
+            <a:extLst>
+              <a:ext uri="{FF2B5EF4-FFF2-40B4-BE49-F238E27FC236}">
+                <a16:creationId xmlns:a16="http://schemas.microsoft.com/office/drawing/2014/main" id="{8DEBC905-7065-E5EF-E118-0E6F1389147C}"/>
+              </a:ext>
+            </a:extLst>
+          </p:cNvPr>
+          <p:cNvCxnSpPr>
+            <a:cxnSpLocks/>
+            <a:stCxn id="69" idx="2"/>
+            <a:endCxn id="71" idx="3"/>
+          </p:cNvCxnSpPr>
+          <p:nvPr/>
+        </p:nvCxnSpPr>
+        <p:spPr>
+          <a:xfrm rot="5400000">
+            <a:off x="9648963" y="2810454"/>
+            <a:ext cx="1078484" cy="1289406"/>
+          </a:xfrm>
+          <a:prstGeom prst="curvedConnector2">
+            <a:avLst/>
+          </a:prstGeom>
+          <a:ln>
+            <a:tailEnd type="triangle"/>
+          </a:ln>
+        </p:spPr>
+        <p:style>
+          <a:lnRef idx="2">
+            <a:schemeClr val="accent1"/>
+          </a:lnRef>
+          <a:fillRef idx="0">
+            <a:schemeClr val="accent1"/>
+          </a:fillRef>
+          <a:effectRef idx="1">
+            <a:schemeClr val="accent1"/>
+          </a:effectRef>
+          <a:fontRef idx="minor">
+            <a:schemeClr val="tx1"/>
+          </a:fontRef>
+        </p:style>
+      </p:cxnSp>
+      <p:cxnSp>
+        <p:nvCxnSpPr>
+          <p:cNvPr id="83" name="Curved Connector 82">
+            <a:extLst>
+              <a:ext uri="{FF2B5EF4-FFF2-40B4-BE49-F238E27FC236}">
+                <a16:creationId xmlns:a16="http://schemas.microsoft.com/office/drawing/2014/main" id="{8720570E-D8E9-B0E9-5E59-9F649F952EE7}"/>
+              </a:ext>
+            </a:extLst>
+          </p:cNvPr>
+          <p:cNvCxnSpPr>
+            <a:cxnSpLocks/>
+            <a:stCxn id="71" idx="1"/>
+            <a:endCxn id="85" idx="3"/>
+          </p:cNvCxnSpPr>
+          <p:nvPr/>
+        </p:nvCxnSpPr>
+        <p:spPr>
+          <a:xfrm rot="10800000">
+            <a:off x="4946443" y="2744167"/>
+            <a:ext cx="3014072" cy="1250233"/>
+          </a:xfrm>
+          <a:prstGeom prst="curvedConnector3">
+            <a:avLst>
+              <a:gd name="adj1" fmla="val 50000"/>
+            </a:avLst>
+          </a:prstGeom>
+          <a:ln>
+            <a:tailEnd type="triangle"/>
+          </a:ln>
+        </p:spPr>
+        <p:style>
+          <a:lnRef idx="2">
+            <a:schemeClr val="accent1"/>
+          </a:lnRef>
+          <a:fillRef idx="0">
+            <a:schemeClr val="accent1"/>
+          </a:fillRef>
+          <a:effectRef idx="1">
+            <a:schemeClr val="accent1"/>
+          </a:effectRef>
+          <a:fontRef idx="minor">
+            <a:schemeClr val="tx1"/>
+          </a:fontRef>
+        </p:style>
+      </p:cxnSp>
+      <p:sp>
+        <p:nvSpPr>
+          <p:cNvPr id="85" name="Rectangle 84">
+            <a:extLst>
+              <a:ext uri="{FF2B5EF4-FFF2-40B4-BE49-F238E27FC236}">
+                <a16:creationId xmlns:a16="http://schemas.microsoft.com/office/drawing/2014/main" id="{1CF3936A-14E2-A452-071E-3776F543CF68}"/>
               </a:ext>
             </a:extLst>
           </p:cNvPr>
@@ -7224,8 +7386,111 @@
         </p:nvSpPr>
         <p:spPr>
           <a:xfrm>
-            <a:off x="7960515" y="3752101"/>
-            <a:ext cx="1582987" cy="484596"/>
+            <a:off x="2803250" y="2564542"/>
+            <a:ext cx="2143193" cy="359247"/>
+          </a:xfrm>
+          <a:prstGeom prst="rect">
+            <a:avLst/>
+          </a:prstGeom>
+          <a:noFill/>
+          <a:ln w="38100" cap="flat" cmpd="sng" algn="ctr">
+            <a:solidFill>
+              <a:schemeClr val="accent5">
+                <a:lumMod val="60000"/>
+                <a:lumOff val="40000"/>
+              </a:schemeClr>
+            </a:solidFill>
+            <a:prstDash val="solid"/>
+            <a:round/>
+            <a:headEnd type="none" w="med" len="med"/>
+            <a:tailEnd type="none" w="med" len="med"/>
+          </a:ln>
+        </p:spPr>
+        <p:style>
+          <a:lnRef idx="0">
+            <a:scrgbClr r="0" g="0" b="0"/>
+          </a:lnRef>
+          <a:fillRef idx="0">
+            <a:scrgbClr r="0" g="0" b="0"/>
+          </a:fillRef>
+          <a:effectRef idx="0">
+            <a:scrgbClr r="0" g="0" b="0"/>
+          </a:effectRef>
+          <a:fontRef idx="minor">
+            <a:schemeClr val="accent1"/>
+          </a:fontRef>
+        </p:style>
+        <p:txBody>
+          <a:bodyPr rtlCol="0" anchor="ctr"/>
+          <a:lstStyle/>
+          <a:p>
+            <a:pPr algn="ctr"/>
+            <a:r>
+              <a:rPr lang="en-US" sz="1400"/>
+              <a:t>4.a OnFooUpdate(Foo:1)</a:t>
+            </a:r>
+          </a:p>
+        </p:txBody>
+      </p:sp>
+      <p:cxnSp>
+        <p:nvCxnSpPr>
+          <p:cNvPr id="88" name="Curved Connector 87">
+            <a:extLst>
+              <a:ext uri="{FF2B5EF4-FFF2-40B4-BE49-F238E27FC236}">
+                <a16:creationId xmlns:a16="http://schemas.microsoft.com/office/drawing/2014/main" id="{69A3A5FB-79FA-068C-BCEF-206A25DB7EC5}"/>
+              </a:ext>
+            </a:extLst>
+          </p:cNvPr>
+          <p:cNvCxnSpPr>
+            <a:cxnSpLocks/>
+            <a:stCxn id="85" idx="1"/>
+            <a:endCxn id="4" idx="0"/>
+          </p:cNvCxnSpPr>
+          <p:nvPr/>
+        </p:nvCxnSpPr>
+        <p:spPr>
+          <a:xfrm rot="10800000" flipV="1">
+            <a:off x="2070472" y="2744166"/>
+            <a:ext cx="732778" cy="284404"/>
+          </a:xfrm>
+          <a:prstGeom prst="curvedConnector2">
+            <a:avLst/>
+          </a:prstGeom>
+          <a:ln>
+            <a:tailEnd type="triangle"/>
+          </a:ln>
+        </p:spPr>
+        <p:style>
+          <a:lnRef idx="2">
+            <a:schemeClr val="accent1"/>
+          </a:lnRef>
+          <a:fillRef idx="0">
+            <a:schemeClr val="accent1"/>
+          </a:fillRef>
+          <a:effectRef idx="1">
+            <a:schemeClr val="accent1"/>
+          </a:effectRef>
+          <a:fontRef idx="minor">
+            <a:schemeClr val="tx1"/>
+          </a:fontRef>
+        </p:style>
+      </p:cxnSp>
+      <p:sp>
+        <p:nvSpPr>
+          <p:cNvPr id="91" name="Rectangle 90">
+            <a:extLst>
+              <a:ext uri="{FF2B5EF4-FFF2-40B4-BE49-F238E27FC236}">
+                <a16:creationId xmlns:a16="http://schemas.microsoft.com/office/drawing/2014/main" id="{2CBE658F-4828-C55B-D4AD-C5B6052899E4}"/>
+              </a:ext>
+            </a:extLst>
+          </p:cNvPr>
+          <p:cNvSpPr/>
+          <p:nvPr/>
+        </p:nvSpPr>
+        <p:spPr>
+          <a:xfrm>
+            <a:off x="9890519" y="4232514"/>
+            <a:ext cx="2143193" cy="359247"/>
           </a:xfrm>
           <a:prstGeom prst="rect">
             <a:avLst/>
@@ -7262,34 +7527,38 @@
             <a:pPr algn="ctr"/>
             <a:r>
               <a:rPr lang="en-US" sz="1400"/>
-              <a:t>Foo controller</a:t>
+              <a:t>4.b save(Foo:1)</a:t>
             </a:r>
           </a:p>
         </p:txBody>
       </p:sp>
       <p:cxnSp>
         <p:nvCxnSpPr>
-          <p:cNvPr id="80" name="Curved Connector 79">
-            <a:extLst>
-              <a:ext uri="{FF2B5EF4-FFF2-40B4-BE49-F238E27FC236}">
-                <a16:creationId xmlns:a16="http://schemas.microsoft.com/office/drawing/2014/main" id="{8DEBC905-7065-E5EF-E118-0E6F1389147C}"/>
+          <p:cNvPr id="92" name="Curved Connector 91">
+            <a:extLst>
+              <a:ext uri="{FF2B5EF4-FFF2-40B4-BE49-F238E27FC236}">
+                <a16:creationId xmlns:a16="http://schemas.microsoft.com/office/drawing/2014/main" id="{117A1FB9-FC48-3B07-610F-05253E19A107}"/>
               </a:ext>
             </a:extLst>
           </p:cNvPr>
           <p:cNvCxnSpPr>
             <a:cxnSpLocks/>
-            <a:stCxn id="69" idx="2"/>
-            <a:endCxn id="71" idx="3"/>
+            <a:stCxn id="71" idx="2"/>
+            <a:endCxn id="91" idx="0"/>
           </p:cNvCxnSpPr>
           <p:nvPr/>
         </p:nvCxnSpPr>
         <p:spPr>
-          <a:xfrm rot="5400000">
-            <a:off x="9648963" y="2810454"/>
-            <a:ext cx="1078484" cy="1289406"/>
-          </a:xfrm>
-          <a:prstGeom prst="curvedConnector2">
-            <a:avLst/>
+          <a:xfrm rot="5400000" flipH="1" flipV="1">
+            <a:off x="9854970" y="3129552"/>
+            <a:ext cx="4183" cy="2210107"/>
+          </a:xfrm>
+          <a:prstGeom prst="curvedConnector5">
+            <a:avLst>
+              <a:gd name="adj1" fmla="val -5464977"/>
+              <a:gd name="adj2" fmla="val 43663"/>
+              <a:gd name="adj3" fmla="val 5564977"/>
+            </a:avLst>
           </a:prstGeom>
           <a:ln>
             <a:tailEnd type="triangle"/>
@@ -7312,24 +7581,24 @@
       </p:cxnSp>
       <p:cxnSp>
         <p:nvCxnSpPr>
-          <p:cNvPr id="83" name="Curved Connector 82">
-            <a:extLst>
-              <a:ext uri="{FF2B5EF4-FFF2-40B4-BE49-F238E27FC236}">
-                <a16:creationId xmlns:a16="http://schemas.microsoft.com/office/drawing/2014/main" id="{8720570E-D8E9-B0E9-5E59-9F649F952EE7}"/>
+          <p:cNvPr id="95" name="Curved Connector 94">
+            <a:extLst>
+              <a:ext uri="{FF2B5EF4-FFF2-40B4-BE49-F238E27FC236}">
+                <a16:creationId xmlns:a16="http://schemas.microsoft.com/office/drawing/2014/main" id="{E2A37DFA-54C8-D665-F35E-E9543FA4D33C}"/>
               </a:ext>
             </a:extLst>
           </p:cNvPr>
           <p:cNvCxnSpPr>
             <a:cxnSpLocks/>
-            <a:stCxn id="71" idx="1"/>
-            <a:endCxn id="85" idx="3"/>
+            <a:stCxn id="91" idx="2"/>
+            <a:endCxn id="24" idx="0"/>
           </p:cNvCxnSpPr>
           <p:nvPr/>
         </p:nvCxnSpPr>
         <p:spPr>
-          <a:xfrm rot="10800000">
-            <a:off x="4946443" y="2744167"/>
-            <a:ext cx="3014072" cy="1250233"/>
+          <a:xfrm rot="5400000">
+            <a:off x="9487608" y="3558117"/>
+            <a:ext cx="440865" cy="2508152"/>
           </a:xfrm>
           <a:prstGeom prst="curvedConnector3">
             <a:avLst>
@@ -7357,10 +7626,10 @@
       </p:cxnSp>
       <p:sp>
         <p:nvSpPr>
-          <p:cNvPr id="85" name="Rectangle 84">
-            <a:extLst>
-              <a:ext uri="{FF2B5EF4-FFF2-40B4-BE49-F238E27FC236}">
-                <a16:creationId xmlns:a16="http://schemas.microsoft.com/office/drawing/2014/main" id="{1CF3936A-14E2-A452-071E-3776F543CF68}"/>
+          <p:cNvPr id="106" name="Rectangle 105">
+            <a:extLst>
+              <a:ext uri="{FF2B5EF4-FFF2-40B4-BE49-F238E27FC236}">
+                <a16:creationId xmlns:a16="http://schemas.microsoft.com/office/drawing/2014/main" id="{FE5D1833-A911-22F2-E0C2-6B72E8964DE2}"/>
               </a:ext>
             </a:extLst>
           </p:cNvPr>
@@ -7369,7 +7638,7 @@
         </p:nvSpPr>
         <p:spPr>
           <a:xfrm>
-            <a:off x="2803250" y="2564542"/>
+            <a:off x="3402218" y="5425291"/>
             <a:ext cx="2143193" cy="359247"/>
           </a:xfrm>
           <a:prstGeom prst="rect">
@@ -7407,60 +7676,17 @@
             <a:pPr algn="ctr"/>
             <a:r>
               <a:rPr lang="en-US" sz="1400"/>
-              <a:t>4.a OnFooUpdate(Foo:1)</a:t>
-            </a:r>
-          </a:p>
-        </p:txBody>
-      </p:sp>
-      <p:cxnSp>
-        <p:nvCxnSpPr>
-          <p:cNvPr id="88" name="Curved Connector 87">
-            <a:extLst>
-              <a:ext uri="{FF2B5EF4-FFF2-40B4-BE49-F238E27FC236}">
-                <a16:creationId xmlns:a16="http://schemas.microsoft.com/office/drawing/2014/main" id="{69A3A5FB-79FA-068C-BCEF-206A25DB7EC5}"/>
-              </a:ext>
-            </a:extLst>
-          </p:cNvPr>
-          <p:cNvCxnSpPr>
-            <a:cxnSpLocks/>
-            <a:stCxn id="85" idx="1"/>
-            <a:endCxn id="4" idx="0"/>
-          </p:cNvCxnSpPr>
-          <p:nvPr/>
-        </p:nvCxnSpPr>
-        <p:spPr>
-          <a:xfrm rot="10800000" flipV="1">
-            <a:off x="2070472" y="2744166"/>
-            <a:ext cx="732778" cy="284404"/>
-          </a:xfrm>
-          <a:prstGeom prst="curvedConnector2">
-            <a:avLst/>
-          </a:prstGeom>
-          <a:ln>
-            <a:tailEnd type="triangle"/>
-          </a:ln>
-        </p:spPr>
-        <p:style>
-          <a:lnRef idx="2">
-            <a:schemeClr val="accent1"/>
-          </a:lnRef>
-          <a:fillRef idx="0">
-            <a:schemeClr val="accent1"/>
-          </a:fillRef>
-          <a:effectRef idx="1">
-            <a:schemeClr val="accent1"/>
-          </a:effectRef>
-          <a:fontRef idx="minor">
-            <a:schemeClr val="tx1"/>
-          </a:fontRef>
-        </p:style>
-      </p:cxnSp>
-      <p:sp>
-        <p:nvSpPr>
-          <p:cNvPr id="91" name="Rectangle 90">
-            <a:extLst>
-              <a:ext uri="{FF2B5EF4-FFF2-40B4-BE49-F238E27FC236}">
-                <a16:creationId xmlns:a16="http://schemas.microsoft.com/office/drawing/2014/main" id="{2CBE658F-4828-C55B-D4AD-C5B6052899E4}"/>
+              <a:t>5. Commit()</a:t>
+            </a:r>
+          </a:p>
+        </p:txBody>
+      </p:sp>
+      <p:sp>
+        <p:nvSpPr>
+          <p:cNvPr id="107" name="Rectangle 106">
+            <a:extLst>
+              <a:ext uri="{FF2B5EF4-FFF2-40B4-BE49-F238E27FC236}">
+                <a16:creationId xmlns:a16="http://schemas.microsoft.com/office/drawing/2014/main" id="{E2962857-6F29-AF85-5D33-98CD9D5F2F01}"/>
               </a:ext>
             </a:extLst>
           </p:cNvPr>
@@ -7469,222 +7695,19 @@
         </p:nvSpPr>
         <p:spPr>
           <a:xfrm>
-            <a:off x="9890519" y="4232514"/>
+            <a:off x="1731654" y="4776573"/>
             <a:ext cx="2143193" cy="359247"/>
           </a:xfrm>
           <a:prstGeom prst="rect">
             <a:avLst/>
           </a:prstGeom>
           <a:noFill/>
-          <a:ln w="9525" cap="flat" cmpd="sng" algn="ctr">
+          <a:ln w="38100" cap="flat" cmpd="sng" algn="ctr">
             <a:solidFill>
-              <a:schemeClr val="accent1"/>
-            </a:solidFill>
-            <a:prstDash val="solid"/>
-            <a:round/>
-            <a:headEnd type="none" w="med" len="med"/>
-            <a:tailEnd type="none" w="med" len="med"/>
-          </a:ln>
-        </p:spPr>
-        <p:style>
-          <a:lnRef idx="0">
-            <a:scrgbClr r="0" g="0" b="0"/>
-          </a:lnRef>
-          <a:fillRef idx="0">
-            <a:scrgbClr r="0" g="0" b="0"/>
-          </a:fillRef>
-          <a:effectRef idx="0">
-            <a:scrgbClr r="0" g="0" b="0"/>
-          </a:effectRef>
-          <a:fontRef idx="minor">
-            <a:schemeClr val="accent1"/>
-          </a:fontRef>
-        </p:style>
-        <p:txBody>
-          <a:bodyPr rtlCol="0" anchor="ctr"/>
-          <a:lstStyle/>
-          <a:p>
-            <a:pPr algn="ctr"/>
-            <a:r>
-              <a:rPr lang="en-US" sz="1400"/>
-              <a:t>4.b save(Foo:1)</a:t>
-            </a:r>
-          </a:p>
-        </p:txBody>
-      </p:sp>
-      <p:cxnSp>
-        <p:nvCxnSpPr>
-          <p:cNvPr id="92" name="Curved Connector 91">
-            <a:extLst>
-              <a:ext uri="{FF2B5EF4-FFF2-40B4-BE49-F238E27FC236}">
-                <a16:creationId xmlns:a16="http://schemas.microsoft.com/office/drawing/2014/main" id="{117A1FB9-FC48-3B07-610F-05253E19A107}"/>
-              </a:ext>
-            </a:extLst>
-          </p:cNvPr>
-          <p:cNvCxnSpPr>
-            <a:cxnSpLocks/>
-            <a:stCxn id="71" idx="2"/>
-            <a:endCxn id="91" idx="0"/>
-          </p:cNvCxnSpPr>
-          <p:nvPr/>
-        </p:nvCxnSpPr>
-        <p:spPr>
-          <a:xfrm rot="5400000" flipH="1" flipV="1">
-            <a:off x="9854970" y="3129552"/>
-            <a:ext cx="4183" cy="2210107"/>
-          </a:xfrm>
-          <a:prstGeom prst="curvedConnector5">
-            <a:avLst>
-              <a:gd name="adj1" fmla="val -5464977"/>
-              <a:gd name="adj2" fmla="val 43663"/>
-              <a:gd name="adj3" fmla="val 5564977"/>
-            </a:avLst>
-          </a:prstGeom>
-          <a:ln>
-            <a:tailEnd type="triangle"/>
-          </a:ln>
-        </p:spPr>
-        <p:style>
-          <a:lnRef idx="2">
-            <a:schemeClr val="accent1"/>
-          </a:lnRef>
-          <a:fillRef idx="0">
-            <a:schemeClr val="accent1"/>
-          </a:fillRef>
-          <a:effectRef idx="1">
-            <a:schemeClr val="accent1"/>
-          </a:effectRef>
-          <a:fontRef idx="minor">
-            <a:schemeClr val="tx1"/>
-          </a:fontRef>
-        </p:style>
-      </p:cxnSp>
-      <p:cxnSp>
-        <p:nvCxnSpPr>
-          <p:cNvPr id="95" name="Curved Connector 94">
-            <a:extLst>
-              <a:ext uri="{FF2B5EF4-FFF2-40B4-BE49-F238E27FC236}">
-                <a16:creationId xmlns:a16="http://schemas.microsoft.com/office/drawing/2014/main" id="{E2A37DFA-54C8-D665-F35E-E9543FA4D33C}"/>
-              </a:ext>
-            </a:extLst>
-          </p:cNvPr>
-          <p:cNvCxnSpPr>
-            <a:cxnSpLocks/>
-            <a:stCxn id="91" idx="2"/>
-            <a:endCxn id="24" idx="0"/>
-          </p:cNvCxnSpPr>
-          <p:nvPr/>
-        </p:nvCxnSpPr>
-        <p:spPr>
-          <a:xfrm rot="5400000">
-            <a:off x="9487608" y="3558117"/>
-            <a:ext cx="440865" cy="2508152"/>
-          </a:xfrm>
-          <a:prstGeom prst="curvedConnector3">
-            <a:avLst>
-              <a:gd name="adj1" fmla="val 50000"/>
-            </a:avLst>
-          </a:prstGeom>
-          <a:ln>
-            <a:tailEnd type="triangle"/>
-          </a:ln>
-        </p:spPr>
-        <p:style>
-          <a:lnRef idx="2">
-            <a:schemeClr val="accent1"/>
-          </a:lnRef>
-          <a:fillRef idx="0">
-            <a:schemeClr val="accent1"/>
-          </a:fillRef>
-          <a:effectRef idx="1">
-            <a:schemeClr val="accent1"/>
-          </a:effectRef>
-          <a:fontRef idx="minor">
-            <a:schemeClr val="tx1"/>
-          </a:fontRef>
-        </p:style>
-      </p:cxnSp>
-      <p:sp>
-        <p:nvSpPr>
-          <p:cNvPr id="106" name="Rectangle 105">
-            <a:extLst>
-              <a:ext uri="{FF2B5EF4-FFF2-40B4-BE49-F238E27FC236}">
-                <a16:creationId xmlns:a16="http://schemas.microsoft.com/office/drawing/2014/main" id="{FE5D1833-A911-22F2-E0C2-6B72E8964DE2}"/>
-              </a:ext>
-            </a:extLst>
-          </p:cNvPr>
-          <p:cNvSpPr/>
-          <p:nvPr/>
-        </p:nvSpPr>
-        <p:spPr>
-          <a:xfrm>
-            <a:off x="3402218" y="5425291"/>
-            <a:ext cx="2143193" cy="359247"/>
-          </a:xfrm>
-          <a:prstGeom prst="rect">
-            <a:avLst/>
-          </a:prstGeom>
-          <a:noFill/>
-          <a:ln w="9525" cap="flat" cmpd="sng" algn="ctr">
-            <a:solidFill>
-              <a:schemeClr val="accent1"/>
-            </a:solidFill>
-            <a:prstDash val="solid"/>
-            <a:round/>
-            <a:headEnd type="none" w="med" len="med"/>
-            <a:tailEnd type="none" w="med" len="med"/>
-          </a:ln>
-        </p:spPr>
-        <p:style>
-          <a:lnRef idx="0">
-            <a:scrgbClr r="0" g="0" b="0"/>
-          </a:lnRef>
-          <a:fillRef idx="0">
-            <a:scrgbClr r="0" g="0" b="0"/>
-          </a:fillRef>
-          <a:effectRef idx="0">
-            <a:scrgbClr r="0" g="0" b="0"/>
-          </a:effectRef>
-          <a:fontRef idx="minor">
-            <a:schemeClr val="accent1"/>
-          </a:fontRef>
-        </p:style>
-        <p:txBody>
-          <a:bodyPr rtlCol="0" anchor="ctr"/>
-          <a:lstStyle/>
-          <a:p>
-            <a:pPr algn="ctr"/>
-            <a:r>
-              <a:rPr lang="en-US" sz="1400"/>
-              <a:t>5. Commit()</a:t>
-            </a:r>
-          </a:p>
-        </p:txBody>
-      </p:sp>
-      <p:sp>
-        <p:nvSpPr>
-          <p:cNvPr id="107" name="Rectangle 106">
-            <a:extLst>
-              <a:ext uri="{FF2B5EF4-FFF2-40B4-BE49-F238E27FC236}">
-                <a16:creationId xmlns:a16="http://schemas.microsoft.com/office/drawing/2014/main" id="{E2962857-6F29-AF85-5D33-98CD9D5F2F01}"/>
-              </a:ext>
-            </a:extLst>
-          </p:cNvPr>
-          <p:cNvSpPr/>
-          <p:nvPr/>
-        </p:nvSpPr>
-        <p:spPr>
-          <a:xfrm>
-            <a:off x="1731654" y="4776573"/>
-            <a:ext cx="2143193" cy="359247"/>
-          </a:xfrm>
-          <a:prstGeom prst="rect">
-            <a:avLst/>
-          </a:prstGeom>
-          <a:noFill/>
-          <a:ln w="9525" cap="flat" cmpd="sng" algn="ctr">
-            <a:solidFill>
-              <a:schemeClr val="accent1"/>
+              <a:schemeClr val="accent5">
+                <a:lumMod val="60000"/>
+                <a:lumOff val="40000"/>
+              </a:schemeClr>
             </a:solidFill>
             <a:prstDash val="solid"/>
             <a:round/>
@@ -8790,6 +8813,242 @@
           </a:fontRef>
         </p:style>
       </p:cxnSp>
+      <p:sp>
+        <p:nvSpPr>
+          <p:cNvPr id="63" name="Rectangle 62">
+            <a:extLst>
+              <a:ext uri="{FF2B5EF4-FFF2-40B4-BE49-F238E27FC236}">
+                <a16:creationId xmlns:a16="http://schemas.microsoft.com/office/drawing/2014/main" id="{7CA60A81-265B-4627-9709-5DE042119720}"/>
+              </a:ext>
+            </a:extLst>
+          </p:cNvPr>
+          <p:cNvSpPr/>
+          <p:nvPr/>
+        </p:nvSpPr>
+        <p:spPr>
+          <a:xfrm>
+            <a:off x="10813598" y="478444"/>
+            <a:ext cx="1294472" cy="359247"/>
+          </a:xfrm>
+          <a:prstGeom prst="rect">
+            <a:avLst/>
+          </a:prstGeom>
+          <a:noFill/>
+          <a:ln w="38100" cap="flat" cmpd="sng" algn="ctr">
+            <a:solidFill>
+              <a:schemeClr val="accent5">
+                <a:lumMod val="60000"/>
+                <a:lumOff val="40000"/>
+              </a:schemeClr>
+            </a:solidFill>
+            <a:prstDash val="solid"/>
+            <a:round/>
+            <a:headEnd type="none" w="med" len="med"/>
+            <a:tailEnd type="none" w="med" len="med"/>
+          </a:ln>
+        </p:spPr>
+        <p:style>
+          <a:lnRef idx="0">
+            <a:scrgbClr r="0" g="0" b="0"/>
+          </a:lnRef>
+          <a:fillRef idx="0">
+            <a:scrgbClr r="0" g="0" b="0"/>
+          </a:fillRef>
+          <a:effectRef idx="0">
+            <a:scrgbClr r="0" g="0" b="0"/>
+          </a:effectRef>
+          <a:fontRef idx="minor">
+            <a:schemeClr val="accent1"/>
+          </a:fontRef>
+        </p:style>
+        <p:txBody>
+          <a:bodyPr rtlCol="0" anchor="ctr"/>
+          <a:lstStyle/>
+          <a:p>
+            <a:pPr algn="ctr"/>
+            <a:r>
+              <a:rPr lang="en-US" sz="1400" dirty="0"/>
+              <a:t>Manual code</a:t>
+            </a:r>
+          </a:p>
+        </p:txBody>
+      </p:sp>
+      <p:sp>
+        <p:nvSpPr>
+          <p:cNvPr id="64" name="TextBox 68">
+            <a:extLst>
+              <a:ext uri="{FF2B5EF4-FFF2-40B4-BE49-F238E27FC236}">
+                <a16:creationId xmlns:a16="http://schemas.microsoft.com/office/drawing/2014/main" id="{23DBECE9-912A-48D6-BFBE-60935630F1C1}"/>
+              </a:ext>
+            </a:extLst>
+          </p:cNvPr>
+          <p:cNvSpPr txBox="1"/>
+          <p:nvPr/>
+        </p:nvSpPr>
+        <p:spPr>
+          <a:xfrm>
+            <a:off x="10845963" y="994319"/>
+            <a:ext cx="1181950" cy="359247"/>
+          </a:xfrm>
+          <a:prstGeom prst="rect">
+            <a:avLst/>
+          </a:prstGeom>
+          <a:noFill/>
+          <a:ln w="9525" cap="flat" cmpd="sng" algn="ctr">
+            <a:solidFill>
+              <a:schemeClr val="accent1"/>
+            </a:solidFill>
+            <a:prstDash val="solid"/>
+            <a:round/>
+            <a:headEnd type="none" w="med" len="med"/>
+            <a:tailEnd type="none" w="med" len="med"/>
+          </a:ln>
+        </p:spPr>
+        <p:style>
+          <a:lnRef idx="0">
+            <a:scrgbClr r="0" g="0" b="0"/>
+          </a:lnRef>
+          <a:fillRef idx="0">
+            <a:scrgbClr r="0" g="0" b="0"/>
+          </a:fillRef>
+          <a:effectRef idx="0">
+            <a:scrgbClr r="0" g="0" b="0"/>
+          </a:effectRef>
+          <a:fontRef idx="minor">
+            <a:schemeClr val="accent1"/>
+          </a:fontRef>
+        </p:style>
+        <p:txBody>
+          <a:bodyPr rtlCol="0" anchor="ctr"/>
+          <a:lstStyle>
+            <a:defPPr>
+              <a:defRPr lang="en-FR"/>
+            </a:defPPr>
+            <a:lvl1pPr algn="ctr">
+              <a:defRPr sz="1400"/>
+            </a:lvl1pPr>
+            <a:lvl2pPr>
+              <a:defRPr>
+                <a:solidFill>
+                  <a:schemeClr val="accent1"/>
+                </a:solidFill>
+              </a:defRPr>
+            </a:lvl2pPr>
+            <a:lvl3pPr>
+              <a:defRPr>
+                <a:solidFill>
+                  <a:schemeClr val="accent1"/>
+                </a:solidFill>
+              </a:defRPr>
+            </a:lvl3pPr>
+            <a:lvl4pPr>
+              <a:defRPr>
+                <a:solidFill>
+                  <a:schemeClr val="accent1"/>
+                </a:solidFill>
+              </a:defRPr>
+            </a:lvl4pPr>
+            <a:lvl5pPr>
+              <a:defRPr>
+                <a:solidFill>
+                  <a:schemeClr val="accent1"/>
+                </a:solidFill>
+              </a:defRPr>
+            </a:lvl5pPr>
+            <a:lvl6pPr>
+              <a:defRPr>
+                <a:solidFill>
+                  <a:schemeClr val="accent1"/>
+                </a:solidFill>
+              </a:defRPr>
+            </a:lvl6pPr>
+            <a:lvl7pPr>
+              <a:defRPr>
+                <a:solidFill>
+                  <a:schemeClr val="accent1"/>
+                </a:solidFill>
+              </a:defRPr>
+            </a:lvl7pPr>
+            <a:lvl8pPr>
+              <a:defRPr>
+                <a:solidFill>
+                  <a:schemeClr val="accent1"/>
+                </a:solidFill>
+              </a:defRPr>
+            </a:lvl8pPr>
+            <a:lvl9pPr>
+              <a:defRPr>
+                <a:solidFill>
+                  <a:schemeClr val="accent1"/>
+                </a:solidFill>
+              </a:defRPr>
+            </a:lvl9pPr>
+          </a:lstStyle>
+          <a:p>
+            <a:r>
+              <a:rPr lang="en-US" dirty="0"/>
+              <a:t>Generated</a:t>
+            </a:r>
+          </a:p>
+        </p:txBody>
+      </p:sp>
+      <p:sp>
+        <p:nvSpPr>
+          <p:cNvPr id="65" name="Oval 4">
+            <a:extLst>
+              <a:ext uri="{FF2B5EF4-FFF2-40B4-BE49-F238E27FC236}">
+                <a16:creationId xmlns:a16="http://schemas.microsoft.com/office/drawing/2014/main" id="{8D411088-C2FA-4EF0-87BC-7DD9F58B5103}"/>
+              </a:ext>
+            </a:extLst>
+          </p:cNvPr>
+          <p:cNvSpPr/>
+          <p:nvPr/>
+        </p:nvSpPr>
+        <p:spPr>
+          <a:xfrm>
+            <a:off x="10733847" y="1471374"/>
+            <a:ext cx="1437501" cy="369332"/>
+          </a:xfrm>
+          <a:prstGeom prst="ellipse">
+            <a:avLst/>
+          </a:prstGeom>
+          <a:noFill/>
+          <a:ln w="9525" cap="flat" cmpd="sng" algn="ctr">
+            <a:solidFill>
+              <a:schemeClr val="accent3"/>
+            </a:solidFill>
+            <a:prstDash val="solid"/>
+            <a:round/>
+            <a:headEnd type="none" w="med" len="med"/>
+            <a:tailEnd type="none" w="med" len="med"/>
+          </a:ln>
+        </p:spPr>
+        <p:style>
+          <a:lnRef idx="0">
+            <a:scrgbClr r="0" g="0" b="0"/>
+          </a:lnRef>
+          <a:fillRef idx="0">
+            <a:scrgbClr r="0" g="0" b="0"/>
+          </a:fillRef>
+          <a:effectRef idx="0">
+            <a:scrgbClr r="0" g="0" b="0"/>
+          </a:effectRef>
+          <a:fontRef idx="minor">
+            <a:schemeClr val="accent3"/>
+          </a:fontRef>
+        </p:style>
+        <p:txBody>
+          <a:bodyPr rtlCol="0" anchor="b"/>
+          <a:lstStyle/>
+          <a:p>
+            <a:pPr algn="ctr"/>
+            <a:r>
+              <a:rPr lang="en-US" sz="1400" dirty="0"/>
+              <a:t>Generated</a:t>
+            </a:r>
+          </a:p>
+        </p:txBody>
+      </p:sp>
     </p:spTree>
     <p:extLst>
       <p:ext uri="{BB962C8B-B14F-4D97-AF65-F5344CB8AC3E}">

--- a/docs/micro stack arch.pptx
+++ b/docs/micro stack arch.pptx
@@ -4673,8 +4673,8 @@
           </a:lstStyle>
           <a:p>
             <a:r>
-              <a:rPr lang="en-US" sz="1400"/>
-              <a:t>3.a</a:t>
+              <a:rPr lang="en-US" sz="1400" dirty="0"/>
+              <a:t>3.b</a:t>
             </a:r>
           </a:p>
         </p:txBody>
@@ -4794,8 +4794,8 @@
           </a:lstStyle>
           <a:p>
             <a:r>
-              <a:rPr lang="en-US" sz="1400"/>
-              <a:t>3.b</a:t>
+              <a:rPr lang="en-US" sz="1400" dirty="0"/>
+              <a:t>3.a</a:t>
             </a:r>
           </a:p>
         </p:txBody>
@@ -5571,7 +5571,7 @@
           <a:p>
             <a:pPr algn="ctr"/>
             <a:r>
-              <a:rPr lang="en-US"/>
+              <a:rPr lang="en-US" dirty="0"/>
               <a:t>Foo</a:t>
             </a:r>
           </a:p>
@@ -5631,7 +5631,7 @@
           <a:p>
             <a:pPr algn="ctr"/>
             <a:r>
-              <a:rPr lang="en-US"/>
+              <a:rPr lang="en-US" dirty="0"/>
               <a:t>Bar</a:t>
             </a:r>
           </a:p>
